--- a/0 발표용 파워포인트/project04 - 파워포인트 종합 - 용승.pptx
+++ b/0 발표용 파워포인트/project04 - 파워포인트 종합 - 용승.pptx
@@ -5,7 +5,7 @@
     <p:sldMasterId id="2147483648" r:id="rId1"/>
   </p:sldMasterIdLst>
   <p:notesMasterIdLst>
-    <p:notesMasterId r:id="rId16"/>
+    <p:notesMasterId r:id="rId17"/>
   </p:notesMasterIdLst>
   <p:sldIdLst>
     <p:sldId id="256" r:id="rId2"/>
@@ -17,11 +17,12 @@
     <p:sldId id="262" r:id="rId8"/>
     <p:sldId id="263" r:id="rId9"/>
     <p:sldId id="264" r:id="rId10"/>
-    <p:sldId id="265" r:id="rId11"/>
-    <p:sldId id="266" r:id="rId12"/>
-    <p:sldId id="267" r:id="rId13"/>
-    <p:sldId id="268" r:id="rId14"/>
-    <p:sldId id="269" r:id="rId15"/>
+    <p:sldId id="270" r:id="rId11"/>
+    <p:sldId id="265" r:id="rId12"/>
+    <p:sldId id="266" r:id="rId13"/>
+    <p:sldId id="267" r:id="rId14"/>
+    <p:sldId id="268" r:id="rId15"/>
+    <p:sldId id="269" r:id="rId16"/>
   </p:sldIdLst>
   <p:sldSz cx="12192000" cy="6858000"/>
   <p:notesSz cx="6858000" cy="9144000"/>
@@ -323,6 +324,11 @@
       </a:defRPr>
     </a:lvl9pPr>
   </p:defaultTextStyle>
+  <p:extLst>
+    <p:ext uri="{EFAFB233-063F-42B5-8137-9DF3F51BA10A}">
+      <p15:sldGuideLst xmlns:p15="http://schemas.microsoft.com/office/powerpoint/2012/main"/>
+    </p:ext>
+  </p:extLst>
 </p:presentation>
 </file>
 
@@ -658,132 +664,6 @@
 
 <file path=ppt/slideLayouts/slideLayout2.xml><?xml version="1.0" encoding="utf-8"?>
 <p:sldLayout xmlns:a="http://schemas.openxmlformats.org/drawingml/2006/main" xmlns:r="http://schemas.openxmlformats.org/officeDocument/2006/relationships" xmlns:p="http://schemas.openxmlformats.org/presentationml/2006/main" type="tx">
-  <p:cSld name="제목 및 내용">
-    <p:spTree>
-      <p:nvGrpSpPr>
-        <p:cNvPr id="1" name=""/>
-        <p:cNvGrpSpPr/>
-        <p:nvPr/>
-      </p:nvGrpSpPr>
-      <p:grpSpPr>
-        <a:xfrm>
-          <a:off x="0" y="0"/>
-          <a:ext cx="0" cy="0"/>
-          <a:chOff x="0" y="0"/>
-          <a:chExt cx="0" cy="0"/>
-        </a:xfrm>
-      </p:grpSpPr>
-      <p:sp>
-        <p:nvSpPr>
-          <p:cNvPr id="20" name="제목 텍스트"/>
-          <p:cNvSpPr txBox="1">
-            <a:spLocks noGrp="1"/>
-          </p:cNvSpPr>
-          <p:nvPr>
-            <p:ph type="title"/>
-          </p:nvPr>
-        </p:nvSpPr>
-        <p:spPr>
-          <a:prstGeom prst="rect">
-            <a:avLst/>
-          </a:prstGeom>
-        </p:spPr>
-        <p:txBody>
-          <a:bodyPr/>
-          <a:lstStyle/>
-          <a:p>
-            <a:r>
-              <a:t>제목 텍스트</a:t>
-            </a:r>
-          </a:p>
-        </p:txBody>
-      </p:sp>
-      <p:sp>
-        <p:nvSpPr>
-          <p:cNvPr id="21" name="본문 첫 번째 줄…"/>
-          <p:cNvSpPr txBox="1">
-            <a:spLocks noGrp="1"/>
-          </p:cNvSpPr>
-          <p:nvPr>
-            <p:ph type="body" idx="1"/>
-          </p:nvPr>
-        </p:nvSpPr>
-        <p:spPr>
-          <a:prstGeom prst="rect">
-            <a:avLst/>
-          </a:prstGeom>
-        </p:spPr>
-        <p:txBody>
-          <a:bodyPr/>
-          <a:lstStyle/>
-          <a:p>
-            <a:r>
-              <a:t>본문 첫 번째 줄</a:t>
-            </a:r>
-          </a:p>
-          <a:p>
-            <a:pPr lvl="1"/>
-            <a:r>
-              <a:t>본문 두 번째 줄</a:t>
-            </a:r>
-          </a:p>
-          <a:p>
-            <a:pPr lvl="2"/>
-            <a:r>
-              <a:t>본문 세 번째 줄</a:t>
-            </a:r>
-          </a:p>
-          <a:p>
-            <a:pPr lvl="3"/>
-            <a:r>
-              <a:t>본문 네 번째 줄</a:t>
-            </a:r>
-          </a:p>
-          <a:p>
-            <a:pPr lvl="4"/>
-            <a:r>
-              <a:t>본문 다섯 번째 줄</a:t>
-            </a:r>
-          </a:p>
-        </p:txBody>
-      </p:sp>
-      <p:sp>
-        <p:nvSpPr>
-          <p:cNvPr id="22" name="슬라이드 번호"/>
-          <p:cNvSpPr txBox="1">
-            <a:spLocks noGrp="1"/>
-          </p:cNvSpPr>
-          <p:nvPr>
-            <p:ph type="sldNum" sz="quarter" idx="2"/>
-          </p:nvPr>
-        </p:nvSpPr>
-        <p:spPr>
-          <a:prstGeom prst="rect">
-            <a:avLst/>
-          </a:prstGeom>
-        </p:spPr>
-        <p:txBody>
-          <a:bodyPr/>
-          <a:lstStyle/>
-          <a:p>
-            <a:fld id="{86CB4B4D-7CA3-9044-876B-883B54F8677D}" type="slidenum">
-              <a:t>‹#›</a:t>
-            </a:fld>
-            <a:endParaRPr/>
-          </a:p>
-        </p:txBody>
-      </p:sp>
-    </p:spTree>
-  </p:cSld>
-  <p:clrMapOvr>
-    <a:masterClrMapping/>
-  </p:clrMapOvr>
-  <p:transition spd="med"/>
-</p:sldLayout>
-</file>
-
-<file path=ppt/slideLayouts/slideLayout3.xml><?xml version="1.0" encoding="utf-8"?>
-<p:sldLayout xmlns:a="http://schemas.openxmlformats.org/drawingml/2006/main" xmlns:r="http://schemas.openxmlformats.org/officeDocument/2006/relationships" xmlns:p="http://schemas.openxmlformats.org/presentationml/2006/main" type="tx">
   <p:cSld name="구역 머리글">
     <p:spTree>
       <p:nvGrpSpPr>
@@ -971,7 +851,7 @@
 </p:sldLayout>
 </file>
 
-<file path=ppt/slideLayouts/slideLayout4.xml><?xml version="1.0" encoding="utf-8"?>
+<file path=ppt/slideLayouts/slideLayout3.xml><?xml version="1.0" encoding="utf-8"?>
 <p:sldLayout xmlns:a="http://schemas.openxmlformats.org/drawingml/2006/main" xmlns:r="http://schemas.openxmlformats.org/officeDocument/2006/relationships" xmlns:p="http://schemas.openxmlformats.org/presentationml/2006/main" type="tx">
   <p:cSld name="콘텐츠 2개">
     <p:spTree>
@@ -1101,7 +981,7 @@
 </p:sldLayout>
 </file>
 
-<file path=ppt/slideLayouts/slideLayout5.xml><?xml version="1.0" encoding="utf-8"?>
+<file path=ppt/slideLayouts/slideLayout4.xml><?xml version="1.0" encoding="utf-8"?>
 <p:sldLayout xmlns:a="http://schemas.openxmlformats.org/drawingml/2006/main" xmlns:r="http://schemas.openxmlformats.org/officeDocument/2006/relationships" xmlns:p="http://schemas.openxmlformats.org/presentationml/2006/main" type="tx">
   <p:cSld name="비교">
     <p:spTree>
@@ -1293,7 +1173,7 @@
 </p:sldLayout>
 </file>
 
-<file path=ppt/slideLayouts/slideLayout6.xml><?xml version="1.0" encoding="utf-8"?>
+<file path=ppt/slideLayouts/slideLayout5.xml><?xml version="1.0" encoding="utf-8"?>
 <p:sldLayout xmlns:a="http://schemas.openxmlformats.org/drawingml/2006/main" xmlns:r="http://schemas.openxmlformats.org/officeDocument/2006/relationships" xmlns:p="http://schemas.openxmlformats.org/presentationml/2006/main" type="tx">
   <p:cSld name="제목만">
     <p:spTree>
@@ -1370,7 +1250,7 @@
 </p:sldLayout>
 </file>
 
-<file path=ppt/slideLayouts/slideLayout7.xml><?xml version="1.0" encoding="utf-8"?>
+<file path=ppt/slideLayouts/slideLayout6.xml><?xml version="1.0" encoding="utf-8"?>
 <p:sldLayout xmlns:a="http://schemas.openxmlformats.org/drawingml/2006/main" xmlns:r="http://schemas.openxmlformats.org/officeDocument/2006/relationships" xmlns:p="http://schemas.openxmlformats.org/presentationml/2006/main" type="tx">
   <p:cSld name="빈 화면">
     <p:spTree>
@@ -1422,7 +1302,7 @@
 </p:sldLayout>
 </file>
 
-<file path=ppt/slideLayouts/slideLayout8.xml><?xml version="1.0" encoding="utf-8"?>
+<file path=ppt/slideLayouts/slideLayout7.xml><?xml version="1.0" encoding="utf-8"?>
 <p:sldLayout xmlns:a="http://schemas.openxmlformats.org/drawingml/2006/main" xmlns:r="http://schemas.openxmlformats.org/officeDocument/2006/relationships" xmlns:p="http://schemas.openxmlformats.org/presentationml/2006/main" type="tx">
   <p:cSld name="캡션 있는 콘텐츠">
     <p:spTree>
@@ -1603,7 +1483,7 @@
 </p:sldLayout>
 </file>
 
-<file path=ppt/slideLayouts/slideLayout9.xml><?xml version="1.0" encoding="utf-8"?>
+<file path=ppt/slideLayouts/slideLayout8.xml><?xml version="1.0" encoding="utf-8"?>
 <p:sldLayout xmlns:a="http://schemas.openxmlformats.org/drawingml/2006/main" xmlns:r="http://schemas.openxmlformats.org/officeDocument/2006/relationships" xmlns:p="http://schemas.openxmlformats.org/presentationml/2006/main" type="tx">
   <p:cSld name="캡션 있는 그림">
     <p:spTree>
@@ -1849,7 +1729,7 @@
           </a:ln>
           <a:extLst>
             <a:ext uri="{C572A759-6A51-4108-AA02-DFA0A04FC94B}">
-              <ma14:wrappingTextBoxFlag xmlns:ma14="http://schemas.microsoft.com/office/mac/drawingml/2011/main" xmlns:a14="http://schemas.microsoft.com/office/drawing/2010/main" xmlns:m="http://schemas.openxmlformats.org/officeDocument/2006/math" xmlns="" val="1"/>
+              <ma14:wrappingTextBoxFlag xmlns="" xmlns:m="http://schemas.openxmlformats.org/officeDocument/2006/math" xmlns:a14="http://schemas.microsoft.com/office/drawing/2010/main" xmlns:ma14="http://schemas.microsoft.com/office/mac/drawingml/2011/main" val="1"/>
             </a:ext>
           </a:extLst>
         </p:spPr>
@@ -1888,7 +1768,7 @@
           </a:ln>
           <a:extLst>
             <a:ext uri="{C572A759-6A51-4108-AA02-DFA0A04FC94B}">
-              <ma14:wrappingTextBoxFlag xmlns:ma14="http://schemas.microsoft.com/office/mac/drawingml/2011/main" xmlns:a14="http://schemas.microsoft.com/office/drawing/2010/main" xmlns:m="http://schemas.openxmlformats.org/officeDocument/2006/math" xmlns="" val="1"/>
+              <ma14:wrappingTextBoxFlag xmlns="" xmlns:m="http://schemas.openxmlformats.org/officeDocument/2006/math" xmlns:a14="http://schemas.microsoft.com/office/drawing/2010/main" xmlns:ma14="http://schemas.microsoft.com/office/mac/drawingml/2011/main" val="1"/>
             </a:ext>
           </a:extLst>
         </p:spPr>
@@ -1980,14 +1860,13 @@
   <p:clrMap bg1="lt1" tx1="dk1" bg2="lt2" tx2="dk2" accent1="accent1" accent2="accent2" accent3="accent3" accent4="accent4" accent5="accent5" accent6="accent6" hlink="hlink" folHlink="folHlink"/>
   <p:sldLayoutIdLst>
     <p:sldLayoutId id="2147483649" r:id="rId1"/>
-    <p:sldLayoutId id="2147483650" r:id="rId2"/>
-    <p:sldLayoutId id="2147483651" r:id="rId3"/>
-    <p:sldLayoutId id="2147483652" r:id="rId4"/>
-    <p:sldLayoutId id="2147483653" r:id="rId5"/>
-    <p:sldLayoutId id="2147483654" r:id="rId6"/>
-    <p:sldLayoutId id="2147483655" r:id="rId7"/>
-    <p:sldLayoutId id="2147483656" r:id="rId8"/>
-    <p:sldLayoutId id="2147483657" r:id="rId9"/>
+    <p:sldLayoutId id="2147483651" r:id="rId2"/>
+    <p:sldLayoutId id="2147483652" r:id="rId3"/>
+    <p:sldLayoutId id="2147483653" r:id="rId4"/>
+    <p:sldLayoutId id="2147483654" r:id="rId5"/>
+    <p:sldLayoutId id="2147483655" r:id="rId6"/>
+    <p:sldLayoutId id="2147483656" r:id="rId7"/>
+    <p:sldLayoutId id="2147483657" r:id="rId8"/>
   </p:sldLayoutIdLst>
   <p:transition spd="med"/>
   <p:txStyles>
@@ -2816,6 +2695,1071 @@
       </p:grpSpPr>
       <p:graphicFrame>
         <p:nvGraphicFramePr>
+          <p:cNvPr id="97" name="표 6"/>
+          <p:cNvGraphicFramePr/>
+          <p:nvPr/>
+        </p:nvGraphicFramePr>
+        <p:xfrm>
+          <a:off x="9309044" y="197402"/>
+          <a:ext cx="2815494" cy="320040"/>
+        </p:xfrm>
+        <a:graphic>
+          <a:graphicData uri="http://schemas.openxmlformats.org/drawingml/2006/table">
+            <a:tbl>
+              <a:tblPr>
+                <a:tableStyleId>{4C3C2611-4C71-4FC5-86AE-919BDF0F9419}</a:tableStyleId>
+              </a:tblPr>
+              <a:tblGrid>
+                <a:gridCol w="1407747"/>
+                <a:gridCol w="1407747"/>
+              </a:tblGrid>
+              <a:tr h="265071">
+                <a:tc>
+                  <a:txBody>
+                    <a:bodyPr/>
+                    <a:lstStyle/>
+                    <a:p>
+                      <a:pPr algn="ctr">
+                        <a:defRPr sz="1800"/>
+                      </a:pPr>
+                      <a:r>
+                        <a:rPr sz="1500"/>
+                        <a:t>화면 번호</a:t>
+                      </a:r>
+                    </a:p>
+                  </a:txBody>
+                  <a:tcPr marL="45720" marR="45720" anchor="ctr" horzOverflow="overflow">
+                    <a:lnL w="12700">
+                      <a:solidFill>
+                        <a:srgbClr val="000000"/>
+                      </a:solidFill>
+                    </a:lnL>
+                    <a:lnR w="12700">
+                      <a:solidFill>
+                        <a:srgbClr val="000000"/>
+                      </a:solidFill>
+                    </a:lnR>
+                    <a:lnT w="12700">
+                      <a:solidFill>
+                        <a:srgbClr val="000000"/>
+                      </a:solidFill>
+                    </a:lnT>
+                    <a:lnB w="12700">
+                      <a:solidFill>
+                        <a:srgbClr val="000000"/>
+                      </a:solidFill>
+                    </a:lnB>
+                    <a:solidFill>
+                      <a:srgbClr val="D9D9D9"/>
+                    </a:solidFill>
+                  </a:tcPr>
+                </a:tc>
+                <a:tc>
+                  <a:txBody>
+                    <a:bodyPr/>
+                    <a:lstStyle/>
+                    <a:p>
+                      <a:pPr algn="ctr">
+                        <a:defRPr sz="1000">
+                          <a:latin typeface="Arial"/>
+                          <a:ea typeface="Arial"/>
+                          <a:cs typeface="Arial"/>
+                          <a:sym typeface="Arial"/>
+                        </a:defRPr>
+                      </a:pPr>
+                      <a:endParaRPr/>
+                    </a:p>
+                  </a:txBody>
+                  <a:tcPr marL="9525" marR="9525" marT="9525" marB="9525" anchor="ctr" horzOverflow="overflow">
+                    <a:lnL w="12700">
+                      <a:solidFill>
+                        <a:srgbClr val="000000"/>
+                      </a:solidFill>
+                    </a:lnL>
+                    <a:lnR w="12700">
+                      <a:solidFill>
+                        <a:srgbClr val="000000"/>
+                      </a:solidFill>
+                    </a:lnR>
+                    <a:lnT w="12700">
+                      <a:solidFill>
+                        <a:srgbClr val="000000"/>
+                      </a:solidFill>
+                    </a:lnT>
+                    <a:lnB w="12700">
+                      <a:solidFill>
+                        <a:srgbClr val="000000"/>
+                      </a:solidFill>
+                    </a:lnB>
+                    <a:solidFill>
+                      <a:srgbClr val="FFFFFF"/>
+                    </a:solidFill>
+                  </a:tcPr>
+                </a:tc>
+              </a:tr>
+            </a:tbl>
+          </a:graphicData>
+        </a:graphic>
+      </p:graphicFrame>
+      <p:graphicFrame>
+        <p:nvGraphicFramePr>
+          <p:cNvPr id="98" name="표 8"/>
+          <p:cNvGraphicFramePr/>
+          <p:nvPr/>
+        </p:nvGraphicFramePr>
+        <p:xfrm>
+          <a:off x="6200085" y="197402"/>
+          <a:ext cx="2815494" cy="320040"/>
+        </p:xfrm>
+        <a:graphic>
+          <a:graphicData uri="http://schemas.openxmlformats.org/drawingml/2006/table">
+            <a:tbl>
+              <a:tblPr>
+                <a:tableStyleId>{4C3C2611-4C71-4FC5-86AE-919BDF0F9419}</a:tableStyleId>
+              </a:tblPr>
+              <a:tblGrid>
+                <a:gridCol w="1407747"/>
+                <a:gridCol w="1407747"/>
+              </a:tblGrid>
+              <a:tr h="265071">
+                <a:tc>
+                  <a:txBody>
+                    <a:bodyPr/>
+                    <a:lstStyle/>
+                    <a:p>
+                      <a:pPr algn="ctr">
+                        <a:defRPr sz="1500"/>
+                      </a:pPr>
+                      <a:endParaRPr/>
+                    </a:p>
+                  </a:txBody>
+                  <a:tcPr marL="45720" marR="45720" anchor="ctr" horzOverflow="overflow">
+                    <a:lnL w="12700">
+                      <a:solidFill>
+                        <a:srgbClr val="000000"/>
+                      </a:solidFill>
+                    </a:lnL>
+                    <a:lnR w="12700">
+                      <a:solidFill>
+                        <a:srgbClr val="000000"/>
+                      </a:solidFill>
+                    </a:lnR>
+                    <a:lnT w="12700">
+                      <a:solidFill>
+                        <a:srgbClr val="000000"/>
+                      </a:solidFill>
+                    </a:lnT>
+                    <a:lnB w="12700">
+                      <a:solidFill>
+                        <a:srgbClr val="000000"/>
+                      </a:solidFill>
+                    </a:lnB>
+                    <a:solidFill>
+                      <a:srgbClr val="D9D9D9"/>
+                    </a:solidFill>
+                  </a:tcPr>
+                </a:tc>
+                <a:tc>
+                  <a:txBody>
+                    <a:bodyPr/>
+                    <a:lstStyle/>
+                    <a:p>
+                      <a:pPr algn="ctr">
+                        <a:defRPr sz="1500"/>
+                      </a:pPr>
+                      <a:endParaRPr/>
+                    </a:p>
+                  </a:txBody>
+                  <a:tcPr marL="45720" marR="45720" anchor="ctr" horzOverflow="overflow">
+                    <a:lnL w="12700">
+                      <a:solidFill>
+                        <a:srgbClr val="000000"/>
+                      </a:solidFill>
+                    </a:lnL>
+                    <a:lnR w="12700">
+                      <a:solidFill>
+                        <a:srgbClr val="000000"/>
+                      </a:solidFill>
+                    </a:lnR>
+                    <a:lnT w="12700">
+                      <a:solidFill>
+                        <a:srgbClr val="000000"/>
+                      </a:solidFill>
+                    </a:lnT>
+                    <a:lnB w="12700">
+                      <a:solidFill>
+                        <a:srgbClr val="000000"/>
+                      </a:solidFill>
+                    </a:lnB>
+                    <a:solidFill>
+                      <a:srgbClr val="FFFFFF"/>
+                    </a:solidFill>
+                  </a:tcPr>
+                </a:tc>
+              </a:tr>
+            </a:tbl>
+          </a:graphicData>
+        </a:graphic>
+      </p:graphicFrame>
+      <p:graphicFrame>
+        <p:nvGraphicFramePr>
+          <p:cNvPr id="99" name="표 13"/>
+          <p:cNvGraphicFramePr/>
+          <p:nvPr/>
+        </p:nvGraphicFramePr>
+        <p:xfrm>
+          <a:off x="8509686" y="1289960"/>
+          <a:ext cx="3491813" cy="5349990"/>
+        </p:xfrm>
+        <a:graphic>
+          <a:graphicData uri="http://schemas.openxmlformats.org/drawingml/2006/table">
+            <a:tbl>
+              <a:tblPr firstRow="1">
+                <a:tableStyleId>{4C3C2611-4C71-4FC5-86AE-919BDF0F9419}</a:tableStyleId>
+              </a:tblPr>
+              <a:tblGrid>
+                <a:gridCol w="342705"/>
+                <a:gridCol w="3149108"/>
+              </a:tblGrid>
+              <a:tr h="378460">
+                <a:tc>
+                  <a:txBody>
+                    <a:bodyPr/>
+                    <a:lstStyle/>
+                    <a:p>
+                      <a:pPr algn="ctr">
+                        <a:defRPr sz="1800" b="0">
+                          <a:solidFill>
+                            <a:srgbClr val="000000"/>
+                          </a:solidFill>
+                        </a:defRPr>
+                      </a:pPr>
+                      <a:r>
+                        <a:rPr sz="1500" b="1"/>
+                        <a:t>#</a:t>
+                      </a:r>
+                    </a:p>
+                  </a:txBody>
+                  <a:tcPr marL="45720" marR="45720" anchor="ctr" horzOverflow="overflow">
+                    <a:lnL w="12700">
+                      <a:solidFill>
+                        <a:srgbClr val="000000"/>
+                      </a:solidFill>
+                    </a:lnL>
+                    <a:lnR w="12700">
+                      <a:solidFill>
+                        <a:srgbClr val="000000"/>
+                      </a:solidFill>
+                    </a:lnR>
+                    <a:lnT w="12700">
+                      <a:solidFill>
+                        <a:srgbClr val="000000"/>
+                      </a:solidFill>
+                    </a:lnT>
+                    <a:lnB w="12700">
+                      <a:solidFill>
+                        <a:srgbClr val="000000"/>
+                      </a:solidFill>
+                    </a:lnB>
+                    <a:solidFill>
+                      <a:srgbClr val="D9D9D9"/>
+                    </a:solidFill>
+                  </a:tcPr>
+                </a:tc>
+                <a:tc>
+                  <a:txBody>
+                    <a:bodyPr/>
+                    <a:lstStyle/>
+                    <a:p>
+                      <a:pPr algn="ctr">
+                        <a:defRPr sz="1800" b="0">
+                          <a:solidFill>
+                            <a:srgbClr val="000000"/>
+                          </a:solidFill>
+                        </a:defRPr>
+                      </a:pPr>
+                      <a:r>
+                        <a:rPr sz="1500" b="1"/>
+                        <a:t>기능명</a:t>
+                      </a:r>
+                    </a:p>
+                  </a:txBody>
+                  <a:tcPr marL="45720" marR="45720" anchor="ctr" horzOverflow="overflow">
+                    <a:lnL w="12700">
+                      <a:solidFill>
+                        <a:srgbClr val="000000"/>
+                      </a:solidFill>
+                    </a:lnL>
+                    <a:lnR w="12700">
+                      <a:solidFill>
+                        <a:srgbClr val="000000"/>
+                      </a:solidFill>
+                    </a:lnR>
+                    <a:lnT w="12700">
+                      <a:solidFill>
+                        <a:srgbClr val="000000"/>
+                      </a:solidFill>
+                    </a:lnT>
+                    <a:lnB w="12700">
+                      <a:solidFill>
+                        <a:srgbClr val="000000"/>
+                      </a:solidFill>
+                    </a:lnB>
+                    <a:solidFill>
+                      <a:srgbClr val="D9D9D9"/>
+                    </a:solidFill>
+                  </a:tcPr>
+                </a:tc>
+              </a:tr>
+              <a:tr h="947993">
+                <a:tc>
+                  <a:txBody>
+                    <a:bodyPr/>
+                    <a:lstStyle/>
+                    <a:p>
+                      <a:pPr algn="ctr">
+                        <a:defRPr sz="1800"/>
+                      </a:pPr>
+                      <a:r>
+                        <a:rPr sz="1500"/>
+                        <a:t>1</a:t>
+                      </a:r>
+                    </a:p>
+                  </a:txBody>
+                  <a:tcPr marL="45720" marR="45720" anchor="ctr" horzOverflow="overflow">
+                    <a:lnL w="12700">
+                      <a:solidFill>
+                        <a:srgbClr val="000000"/>
+                      </a:solidFill>
+                    </a:lnL>
+                    <a:lnR w="12700">
+                      <a:solidFill>
+                        <a:srgbClr val="000000"/>
+                      </a:solidFill>
+                    </a:lnR>
+                    <a:lnT w="12700">
+                      <a:solidFill>
+                        <a:srgbClr val="000000"/>
+                      </a:solidFill>
+                    </a:lnT>
+                    <a:lnB w="12700">
+                      <a:solidFill>
+                        <a:srgbClr val="000000"/>
+                      </a:solidFill>
+                    </a:lnB>
+                    <a:solidFill>
+                      <a:srgbClr val="FFFFFF"/>
+                    </a:solidFill>
+                  </a:tcPr>
+                </a:tc>
+                <a:tc>
+                  <a:txBody>
+                    <a:bodyPr/>
+                    <a:lstStyle/>
+                    <a:p>
+                      <a:pPr algn="l">
+                        <a:defRPr sz="1500"/>
+                      </a:pPr>
+                      <a:endParaRPr/>
+                    </a:p>
+                  </a:txBody>
+                  <a:tcPr marL="45720" marR="45720" horzOverflow="overflow">
+                    <a:lnL w="12700">
+                      <a:solidFill>
+                        <a:srgbClr val="000000"/>
+                      </a:solidFill>
+                    </a:lnL>
+                    <a:lnR w="12700">
+                      <a:solidFill>
+                        <a:srgbClr val="000000"/>
+                      </a:solidFill>
+                    </a:lnR>
+                    <a:lnT w="12700">
+                      <a:solidFill>
+                        <a:srgbClr val="000000"/>
+                      </a:solidFill>
+                    </a:lnT>
+                    <a:lnB w="12700">
+                      <a:solidFill>
+                        <a:srgbClr val="000000"/>
+                      </a:solidFill>
+                    </a:lnB>
+                    <a:solidFill>
+                      <a:srgbClr val="FFFFFF"/>
+                    </a:solidFill>
+                  </a:tcPr>
+                </a:tc>
+              </a:tr>
+              <a:tr h="1179558">
+                <a:tc>
+                  <a:txBody>
+                    <a:bodyPr/>
+                    <a:lstStyle/>
+                    <a:p>
+                      <a:pPr algn="ctr">
+                        <a:defRPr sz="1800"/>
+                      </a:pPr>
+                      <a:r>
+                        <a:rPr sz="1500"/>
+                        <a:t>2</a:t>
+                      </a:r>
+                    </a:p>
+                  </a:txBody>
+                  <a:tcPr marL="45720" marR="45720" anchor="ctr" horzOverflow="overflow">
+                    <a:lnL w="12700">
+                      <a:solidFill>
+                        <a:srgbClr val="000000"/>
+                      </a:solidFill>
+                    </a:lnL>
+                    <a:lnR w="12700">
+                      <a:solidFill>
+                        <a:srgbClr val="000000"/>
+                      </a:solidFill>
+                    </a:lnR>
+                    <a:lnT w="12700">
+                      <a:solidFill>
+                        <a:srgbClr val="000000"/>
+                      </a:solidFill>
+                    </a:lnT>
+                    <a:lnB w="12700">
+                      <a:solidFill>
+                        <a:srgbClr val="000000"/>
+                      </a:solidFill>
+                    </a:lnB>
+                    <a:solidFill>
+                      <a:srgbClr val="FFFFFF"/>
+                    </a:solidFill>
+                  </a:tcPr>
+                </a:tc>
+                <a:tc>
+                  <a:txBody>
+                    <a:bodyPr/>
+                    <a:lstStyle/>
+                    <a:p>
+                      <a:pPr algn="l">
+                        <a:defRPr sz="1500"/>
+                      </a:pPr>
+                      <a:endParaRPr/>
+                    </a:p>
+                  </a:txBody>
+                  <a:tcPr marL="45720" marR="45720" horzOverflow="overflow">
+                    <a:lnL w="12700">
+                      <a:solidFill>
+                        <a:srgbClr val="000000"/>
+                      </a:solidFill>
+                    </a:lnL>
+                    <a:lnR w="12700">
+                      <a:solidFill>
+                        <a:srgbClr val="000000"/>
+                      </a:solidFill>
+                    </a:lnR>
+                    <a:lnT w="12700">
+                      <a:solidFill>
+                        <a:srgbClr val="000000"/>
+                      </a:solidFill>
+                    </a:lnT>
+                    <a:lnB w="12700">
+                      <a:solidFill>
+                        <a:srgbClr val="000000"/>
+                      </a:solidFill>
+                    </a:lnB>
+                    <a:solidFill>
+                      <a:srgbClr val="FFFFFF"/>
+                    </a:solidFill>
+                  </a:tcPr>
+                </a:tc>
+              </a:tr>
+              <a:tr h="947993">
+                <a:tc>
+                  <a:txBody>
+                    <a:bodyPr/>
+                    <a:lstStyle/>
+                    <a:p>
+                      <a:pPr algn="ctr">
+                        <a:defRPr sz="1800"/>
+                      </a:pPr>
+                      <a:r>
+                        <a:rPr sz="1500"/>
+                        <a:t>3</a:t>
+                      </a:r>
+                    </a:p>
+                  </a:txBody>
+                  <a:tcPr marL="45720" marR="45720" anchor="ctr" horzOverflow="overflow">
+                    <a:lnL w="12700">
+                      <a:solidFill>
+                        <a:srgbClr val="000000"/>
+                      </a:solidFill>
+                    </a:lnL>
+                    <a:lnR w="12700">
+                      <a:solidFill>
+                        <a:srgbClr val="000000"/>
+                      </a:solidFill>
+                    </a:lnR>
+                    <a:lnT w="12700">
+                      <a:solidFill>
+                        <a:srgbClr val="000000"/>
+                      </a:solidFill>
+                    </a:lnT>
+                    <a:lnB w="12700">
+                      <a:solidFill>
+                        <a:srgbClr val="000000"/>
+                      </a:solidFill>
+                    </a:lnB>
+                    <a:solidFill>
+                      <a:srgbClr val="FFFFFF"/>
+                    </a:solidFill>
+                  </a:tcPr>
+                </a:tc>
+                <a:tc>
+                  <a:txBody>
+                    <a:bodyPr/>
+                    <a:lstStyle/>
+                    <a:p>
+                      <a:pPr algn="l">
+                        <a:defRPr sz="1500"/>
+                      </a:pPr>
+                      <a:endParaRPr/>
+                    </a:p>
+                  </a:txBody>
+                  <a:tcPr marL="45720" marR="45720" horzOverflow="overflow">
+                    <a:lnL w="12700">
+                      <a:solidFill>
+                        <a:srgbClr val="000000"/>
+                      </a:solidFill>
+                    </a:lnL>
+                    <a:lnR w="12700">
+                      <a:solidFill>
+                        <a:srgbClr val="000000"/>
+                      </a:solidFill>
+                    </a:lnR>
+                    <a:lnT w="12700">
+                      <a:solidFill>
+                        <a:srgbClr val="000000"/>
+                      </a:solidFill>
+                    </a:lnT>
+                    <a:lnB w="12700">
+                      <a:solidFill>
+                        <a:srgbClr val="000000"/>
+                      </a:solidFill>
+                    </a:lnB>
+                    <a:solidFill>
+                      <a:srgbClr val="FFFFFF"/>
+                    </a:solidFill>
+                  </a:tcPr>
+                </a:tc>
+              </a:tr>
+              <a:tr h="947993">
+                <a:tc>
+                  <a:txBody>
+                    <a:bodyPr/>
+                    <a:lstStyle/>
+                    <a:p>
+                      <a:pPr algn="ctr">
+                        <a:defRPr sz="1800"/>
+                      </a:pPr>
+                      <a:r>
+                        <a:rPr sz="1500"/>
+                        <a:t>4</a:t>
+                      </a:r>
+                    </a:p>
+                  </a:txBody>
+                  <a:tcPr marL="45720" marR="45720" anchor="ctr" horzOverflow="overflow">
+                    <a:lnL w="12700">
+                      <a:solidFill>
+                        <a:srgbClr val="000000"/>
+                      </a:solidFill>
+                    </a:lnL>
+                    <a:lnR w="12700">
+                      <a:solidFill>
+                        <a:srgbClr val="000000"/>
+                      </a:solidFill>
+                    </a:lnR>
+                    <a:lnT w="12700">
+                      <a:solidFill>
+                        <a:srgbClr val="000000"/>
+                      </a:solidFill>
+                    </a:lnT>
+                    <a:lnB w="12700">
+                      <a:solidFill>
+                        <a:srgbClr val="000000"/>
+                      </a:solidFill>
+                    </a:lnB>
+                    <a:solidFill>
+                      <a:srgbClr val="FFFFFF"/>
+                    </a:solidFill>
+                  </a:tcPr>
+                </a:tc>
+                <a:tc>
+                  <a:txBody>
+                    <a:bodyPr/>
+                    <a:lstStyle/>
+                    <a:p>
+                      <a:pPr algn="l">
+                        <a:defRPr sz="1500"/>
+                      </a:pPr>
+                      <a:endParaRPr/>
+                    </a:p>
+                  </a:txBody>
+                  <a:tcPr marL="45720" marR="45720" horzOverflow="overflow">
+                    <a:lnL w="12700">
+                      <a:solidFill>
+                        <a:srgbClr val="000000"/>
+                      </a:solidFill>
+                    </a:lnL>
+                    <a:lnR w="12700">
+                      <a:solidFill>
+                        <a:srgbClr val="000000"/>
+                      </a:solidFill>
+                    </a:lnR>
+                    <a:lnT w="12700">
+                      <a:solidFill>
+                        <a:srgbClr val="000000"/>
+                      </a:solidFill>
+                    </a:lnT>
+                    <a:lnB w="12700">
+                      <a:solidFill>
+                        <a:srgbClr val="000000"/>
+                      </a:solidFill>
+                    </a:lnB>
+                    <a:solidFill>
+                      <a:srgbClr val="FFFFFF"/>
+                    </a:solidFill>
+                  </a:tcPr>
+                </a:tc>
+              </a:tr>
+              <a:tr h="947993">
+                <a:tc>
+                  <a:txBody>
+                    <a:bodyPr/>
+                    <a:lstStyle/>
+                    <a:p>
+                      <a:pPr algn="ctr">
+                        <a:defRPr sz="1800"/>
+                      </a:pPr>
+                      <a:r>
+                        <a:rPr sz="1500"/>
+                        <a:t>5</a:t>
+                      </a:r>
+                    </a:p>
+                  </a:txBody>
+                  <a:tcPr marL="45720" marR="45720" anchor="ctr" horzOverflow="overflow">
+                    <a:lnL w="12700">
+                      <a:solidFill>
+                        <a:srgbClr val="000000"/>
+                      </a:solidFill>
+                    </a:lnL>
+                    <a:lnR w="12700">
+                      <a:solidFill>
+                        <a:srgbClr val="000000"/>
+                      </a:solidFill>
+                    </a:lnR>
+                    <a:lnT w="12700">
+                      <a:solidFill>
+                        <a:srgbClr val="000000"/>
+                      </a:solidFill>
+                    </a:lnT>
+                    <a:lnB w="12700">
+                      <a:solidFill>
+                        <a:srgbClr val="000000"/>
+                      </a:solidFill>
+                    </a:lnB>
+                    <a:solidFill>
+                      <a:srgbClr val="FFFFFF"/>
+                    </a:solidFill>
+                  </a:tcPr>
+                </a:tc>
+                <a:tc>
+                  <a:txBody>
+                    <a:bodyPr/>
+                    <a:lstStyle/>
+                    <a:p>
+                      <a:pPr algn="l">
+                        <a:defRPr sz="1500"/>
+                      </a:pPr>
+                      <a:endParaRPr/>
+                    </a:p>
+                  </a:txBody>
+                  <a:tcPr marL="45720" marR="45720" horzOverflow="overflow">
+                    <a:lnL w="12700">
+                      <a:solidFill>
+                        <a:srgbClr val="000000"/>
+                      </a:solidFill>
+                    </a:lnL>
+                    <a:lnR w="12700">
+                      <a:solidFill>
+                        <a:srgbClr val="000000"/>
+                      </a:solidFill>
+                    </a:lnR>
+                    <a:lnT w="12700">
+                      <a:solidFill>
+                        <a:srgbClr val="000000"/>
+                      </a:solidFill>
+                    </a:lnT>
+                    <a:lnB w="12700">
+                      <a:solidFill>
+                        <a:srgbClr val="000000"/>
+                      </a:solidFill>
+                    </a:lnB>
+                    <a:solidFill>
+                      <a:srgbClr val="FFFFFF"/>
+                    </a:solidFill>
+                  </a:tcPr>
+                </a:tc>
+              </a:tr>
+            </a:tbl>
+          </a:graphicData>
+        </a:graphic>
+      </p:graphicFrame>
+      <p:sp>
+        <p:nvSpPr>
+          <p:cNvPr id="100" name="직사각형 39"/>
+          <p:cNvSpPr/>
+          <p:nvPr/>
+        </p:nvSpPr>
+        <p:spPr>
+          <a:xfrm>
+            <a:off x="131601" y="1289957"/>
+            <a:ext cx="8032096" cy="5350000"/>
+          </a:xfrm>
+          <a:prstGeom prst="rect">
+            <a:avLst/>
+          </a:prstGeom>
+          <a:solidFill>
+            <a:srgbClr val="FFFFFF"/>
+          </a:solidFill>
+          <a:ln w="12700">
+            <a:solidFill>
+              <a:srgbClr val="000000"/>
+            </a:solidFill>
+            <a:miter/>
+          </a:ln>
+        </p:spPr>
+        <p:txBody>
+          <a:bodyPr lIns="45718" tIns="45718" rIns="45718" bIns="45718" anchor="ctr"/>
+          <a:lstStyle/>
+          <a:p>
+            <a:pPr algn="ctr">
+              <a:defRPr sz="1500">
+                <a:latin typeface="+mn-lt"/>
+                <a:ea typeface="+mn-ea"/>
+                <a:cs typeface="+mn-cs"/>
+                <a:sym typeface="맑은 고딕"/>
+              </a:defRPr>
+            </a:pPr>
+            <a:endParaRPr/>
+          </a:p>
+        </p:txBody>
+      </p:sp>
+      <p:graphicFrame>
+        <p:nvGraphicFramePr>
+          <p:cNvPr id="101" name="표 57"/>
+          <p:cNvGraphicFramePr/>
+          <p:nvPr>
+            <p:extLst>
+              <p:ext uri="{D42A27DB-BD31-4B8C-83A1-F6EECF244321}">
+                <p14:modId xmlns:p14="http://schemas.microsoft.com/office/powerpoint/2010/main" val="1679760886"/>
+              </p:ext>
+            </p:extLst>
+          </p:nvPr>
+        </p:nvGraphicFramePr>
+        <p:xfrm>
+          <a:off x="131601" y="115758"/>
+          <a:ext cx="3313726" cy="960120"/>
+        </p:xfrm>
+        <a:graphic>
+          <a:graphicData uri="http://schemas.openxmlformats.org/drawingml/2006/table">
+            <a:tbl>
+              <a:tblPr firstRow="1">
+                <a:tableStyleId>{4C3C2611-4C71-4FC5-86AE-919BDF0F9419}</a:tableStyleId>
+              </a:tblPr>
+              <a:tblGrid>
+                <a:gridCol w="1656863"/>
+                <a:gridCol w="1656863"/>
+              </a:tblGrid>
+              <a:tr h="271237">
+                <a:tc>
+                  <a:txBody>
+                    <a:bodyPr/>
+                    <a:lstStyle/>
+                    <a:p>
+                      <a:pPr algn="ctr">
+                        <a:defRPr sz="1800" b="0">
+                          <a:solidFill>
+                            <a:srgbClr val="000000"/>
+                          </a:solidFill>
+                        </a:defRPr>
+                      </a:pPr>
+                      <a:r>
+                        <a:rPr sz="1500" dirty="0" err="1"/>
+                        <a:t>화면코드</a:t>
+                      </a:r>
+                      <a:endParaRPr sz="1500" dirty="0"/>
+                    </a:p>
+                  </a:txBody>
+                  <a:tcPr marL="45720" marR="45720" anchor="ctr" horzOverflow="overflow">
+                    <a:lnL w="12700">
+                      <a:solidFill>
+                        <a:srgbClr val="000000"/>
+                      </a:solidFill>
+                    </a:lnL>
+                    <a:lnR w="12700">
+                      <a:solidFill>
+                        <a:srgbClr val="000000"/>
+                      </a:solidFill>
+                    </a:lnR>
+                    <a:lnT w="12700">
+                      <a:solidFill>
+                        <a:srgbClr val="000000"/>
+                      </a:solidFill>
+                    </a:lnT>
+                    <a:lnB w="12700">
+                      <a:solidFill>
+                        <a:srgbClr val="000000"/>
+                      </a:solidFill>
+                    </a:lnB>
+                    <a:solidFill>
+                      <a:srgbClr val="D9D9D9"/>
+                    </a:solidFill>
+                  </a:tcPr>
+                </a:tc>
+                <a:tc>
+                  <a:txBody>
+                    <a:bodyPr/>
+                    <a:lstStyle/>
+                    <a:p>
+                      <a:pPr algn="ctr">
+                        <a:defRPr sz="1000" b="0">
+                          <a:solidFill>
+                            <a:srgbClr val="000000"/>
+                          </a:solidFill>
+                          <a:latin typeface="Arial"/>
+                          <a:ea typeface="Arial"/>
+                          <a:cs typeface="Arial"/>
+                          <a:sym typeface="Arial"/>
+                        </a:defRPr>
+                      </a:pPr>
+                      <a:endParaRPr/>
+                    </a:p>
+                  </a:txBody>
+                  <a:tcPr marL="9525" marR="9525" marT="9525" marB="9525" anchor="ctr" horzOverflow="overflow">
+                    <a:lnL w="12700">
+                      <a:solidFill>
+                        <a:srgbClr val="000000"/>
+                      </a:solidFill>
+                    </a:lnL>
+                    <a:lnR w="12700">
+                      <a:solidFill>
+                        <a:srgbClr val="000000"/>
+                      </a:solidFill>
+                    </a:lnR>
+                    <a:lnT w="12700">
+                      <a:solidFill>
+                        <a:srgbClr val="000000"/>
+                      </a:solidFill>
+                    </a:lnT>
+                    <a:lnB w="12700">
+                      <a:solidFill>
+                        <a:srgbClr val="000000"/>
+                      </a:solidFill>
+                    </a:lnB>
+                    <a:solidFill>
+                      <a:srgbClr val="FFFFFF"/>
+                    </a:solidFill>
+                  </a:tcPr>
+                </a:tc>
+              </a:tr>
+              <a:tr h="271237">
+                <a:tc rowSpan="2">
+                  <a:txBody>
+                    <a:bodyPr/>
+                    <a:lstStyle/>
+                    <a:p>
+                      <a:pPr algn="ctr">
+                        <a:defRPr sz="1800"/>
+                      </a:pPr>
+                      <a:r>
+                        <a:rPr sz="1500"/>
+                        <a:t>화면명</a:t>
+                      </a:r>
+                    </a:p>
+                  </a:txBody>
+                  <a:tcPr marL="45720" marR="45720" anchor="ctr" horzOverflow="overflow">
+                    <a:lnL w="12700">
+                      <a:solidFill>
+                        <a:srgbClr val="000000"/>
+                      </a:solidFill>
+                    </a:lnL>
+                    <a:lnR w="12700">
+                      <a:solidFill>
+                        <a:srgbClr val="000000"/>
+                      </a:solidFill>
+                    </a:lnR>
+                    <a:lnT w="12700">
+                      <a:solidFill>
+                        <a:srgbClr val="000000"/>
+                      </a:solidFill>
+                    </a:lnT>
+                    <a:lnB w="12700">
+                      <a:solidFill>
+                        <a:srgbClr val="000000"/>
+                      </a:solidFill>
+                    </a:lnB>
+                    <a:solidFill>
+                      <a:srgbClr val="D9D9D9"/>
+                    </a:solidFill>
+                  </a:tcPr>
+                </a:tc>
+                <a:tc>
+                  <a:txBody>
+                    <a:bodyPr/>
+                    <a:lstStyle/>
+                    <a:p>
+                      <a:pPr algn="ctr">
+                        <a:defRPr sz="1500">
+                          <a:solidFill>
+                            <a:srgbClr val="0070C0"/>
+                          </a:solidFill>
+                        </a:defRPr>
+                      </a:pPr>
+                      <a:endParaRPr/>
+                    </a:p>
+                  </a:txBody>
+                  <a:tcPr marL="45720" marR="45720" anchor="ctr" horzOverflow="overflow">
+                    <a:lnL w="12700">
+                      <a:solidFill>
+                        <a:srgbClr val="000000"/>
+                      </a:solidFill>
+                    </a:lnL>
+                    <a:lnR w="12700">
+                      <a:solidFill>
+                        <a:srgbClr val="000000"/>
+                      </a:solidFill>
+                    </a:lnR>
+                    <a:lnT w="12700">
+                      <a:solidFill>
+                        <a:srgbClr val="000000"/>
+                      </a:solidFill>
+                    </a:lnT>
+                    <a:lnB w="12700">
+                      <a:solidFill>
+                        <a:srgbClr val="000000"/>
+                      </a:solidFill>
+                    </a:lnB>
+                    <a:solidFill>
+                      <a:srgbClr val="FFFFFF"/>
+                    </a:solidFill>
+                  </a:tcPr>
+                </a:tc>
+              </a:tr>
+              <a:tr h="271237">
+                <a:tc vMerge="1">
+                  <a:txBody>
+                    <a:bodyPr/>
+                    <a:lstStyle/>
+                    <a:p>
+                      <a:endParaRPr lang="ko-KR"/>
+                    </a:p>
+                  </a:txBody>
+                  <a:tcPr/>
+                </a:tc>
+                <a:tc>
+                  <a:txBody>
+                    <a:bodyPr/>
+                    <a:lstStyle/>
+                    <a:p>
+                      <a:pPr algn="ctr">
+                        <a:defRPr sz="1500">
+                          <a:solidFill>
+                            <a:srgbClr val="0070C0"/>
+                          </a:solidFill>
+                        </a:defRPr>
+                      </a:pPr>
+                      <a:r>
+                        <a:rPr lang="ko-KR" altLang="en-US" dirty="0" smtClean="0">
+                          <a:solidFill>
+                            <a:schemeClr val="tx1"/>
+                          </a:solidFill>
+                        </a:rPr>
+                        <a:t>결제하기</a:t>
+                      </a:r>
+                      <a:endParaRPr dirty="0">
+                        <a:solidFill>
+                          <a:schemeClr val="tx1"/>
+                        </a:solidFill>
+                      </a:endParaRPr>
+                    </a:p>
+                  </a:txBody>
+                  <a:tcPr marL="45720" marR="45720" anchor="ctr" horzOverflow="overflow">
+                    <a:lnL w="12700">
+                      <a:solidFill>
+                        <a:srgbClr val="000000"/>
+                      </a:solidFill>
+                    </a:lnL>
+                    <a:lnR w="12700">
+                      <a:solidFill>
+                        <a:srgbClr val="000000"/>
+                      </a:solidFill>
+                    </a:lnR>
+                    <a:lnT w="12700">
+                      <a:solidFill>
+                        <a:srgbClr val="000000"/>
+                      </a:solidFill>
+                    </a:lnT>
+                    <a:lnB w="12700">
+                      <a:solidFill>
+                        <a:srgbClr val="000000"/>
+                      </a:solidFill>
+                    </a:lnB>
+                    <a:solidFill>
+                      <a:srgbClr val="FFFFFF"/>
+                    </a:solidFill>
+                  </a:tcPr>
+                </a:tc>
+              </a:tr>
+            </a:tbl>
+          </a:graphicData>
+        </a:graphic>
+      </p:graphicFrame>
+    </p:spTree>
+    <p:extLst>
+      <p:ext uri="{BB962C8B-B14F-4D97-AF65-F5344CB8AC3E}">
+        <p14:creationId xmlns:p14="http://schemas.microsoft.com/office/powerpoint/2010/main" val="2872344839"/>
+      </p:ext>
+    </p:extLst>
+  </p:cSld>
+  <p:clrMapOvr>
+    <a:masterClrMapping/>
+  </p:clrMapOvr>
+  <p:transition spd="med"/>
+  <p:timing>
+    <p:tnLst>
+      <p:par>
+        <p:cTn id="1" dur="indefinite" restart="never" nodeType="tmRoot"/>
+      </p:par>
+    </p:tnLst>
+  </p:timing>
+</p:sld>
+</file>
+
+<file path=ppt/slides/slide11.xml><?xml version="1.0" encoding="utf-8"?>
+<p:sld xmlns:a="http://schemas.openxmlformats.org/drawingml/2006/main" xmlns:r="http://schemas.openxmlformats.org/officeDocument/2006/relationships" xmlns:p="http://schemas.openxmlformats.org/presentationml/2006/main">
+  <p:cSld>
+    <p:spTree>
+      <p:nvGrpSpPr>
+        <p:cNvPr id="1" name=""/>
+        <p:cNvGrpSpPr/>
+        <p:nvPr/>
+      </p:nvGrpSpPr>
+      <p:grpSpPr>
+        <a:xfrm>
+          <a:off x="0" y="0"/>
+          <a:ext cx="0" cy="0"/>
+          <a:chOff x="0" y="0"/>
+          <a:chExt cx="0" cy="0"/>
+        </a:xfrm>
+      </p:grpSpPr>
+      <p:graphicFrame>
+        <p:nvGraphicFramePr>
           <p:cNvPr id="336" name="표 6"/>
           <p:cNvGraphicFramePr/>
           <p:nvPr/>
@@ -3940,7 +4884,7 @@
             <a:effectLst/>
             <a:extLst>
               <a:ext uri="{C572A759-6A51-4108-AA02-DFA0A04FC94B}">
-                <ma14:wrappingTextBoxFlag xmlns:ma14="http://schemas.microsoft.com/office/mac/drawingml/2011/main" xmlns:a14="http://schemas.microsoft.com/office/drawing/2010/main" xmlns:m="http://schemas.openxmlformats.org/officeDocument/2006/math" xmlns="" val="1"/>
+                <ma14:wrappingTextBoxFlag xmlns="" xmlns:m="http://schemas.openxmlformats.org/officeDocument/2006/math" xmlns:a14="http://schemas.microsoft.com/office/drawing/2010/main" xmlns:ma14="http://schemas.microsoft.com/office/mac/drawingml/2011/main" val="1"/>
               </a:ext>
             </a:extLst>
           </p:spPr>
@@ -4078,7 +5022,7 @@
             <a:effectLst/>
             <a:extLst>
               <a:ext uri="{C572A759-6A51-4108-AA02-DFA0A04FC94B}">
-                <ma14:wrappingTextBoxFlag xmlns:ma14="http://schemas.microsoft.com/office/mac/drawingml/2011/main" xmlns:a14="http://schemas.microsoft.com/office/drawing/2010/main" xmlns:m="http://schemas.openxmlformats.org/officeDocument/2006/math" xmlns="" val="1"/>
+                <ma14:wrappingTextBoxFlag xmlns="" xmlns:m="http://schemas.openxmlformats.org/officeDocument/2006/math" xmlns:a14="http://schemas.microsoft.com/office/drawing/2010/main" xmlns:ma14="http://schemas.microsoft.com/office/mac/drawingml/2011/main" val="1"/>
               </a:ext>
             </a:extLst>
           </p:spPr>
@@ -4222,7 +5166,7 @@
             <a:effectLst/>
             <a:extLst>
               <a:ext uri="{C572A759-6A51-4108-AA02-DFA0A04FC94B}">
-                <ma14:wrappingTextBoxFlag xmlns:ma14="http://schemas.microsoft.com/office/mac/drawingml/2011/main" xmlns:a14="http://schemas.microsoft.com/office/drawing/2010/main" xmlns:m="http://schemas.openxmlformats.org/officeDocument/2006/math" xmlns="" val="1"/>
+                <ma14:wrappingTextBoxFlag xmlns="" xmlns:m="http://schemas.openxmlformats.org/officeDocument/2006/math" xmlns:a14="http://schemas.microsoft.com/office/drawing/2010/main" xmlns:ma14="http://schemas.microsoft.com/office/mac/drawingml/2011/main" val="1"/>
               </a:ext>
             </a:extLst>
           </p:spPr>
@@ -4328,7 +5272,7 @@
             <a:effectLst/>
             <a:extLst>
               <a:ext uri="{C572A759-6A51-4108-AA02-DFA0A04FC94B}">
-                <ma14:wrappingTextBoxFlag xmlns:ma14="http://schemas.microsoft.com/office/mac/drawingml/2011/main" xmlns:a14="http://schemas.microsoft.com/office/drawing/2010/main" xmlns:m="http://schemas.openxmlformats.org/officeDocument/2006/math" xmlns="" val="1"/>
+                <ma14:wrappingTextBoxFlag xmlns="" xmlns:m="http://schemas.openxmlformats.org/officeDocument/2006/math" xmlns:a14="http://schemas.microsoft.com/office/drawing/2010/main" xmlns:ma14="http://schemas.microsoft.com/office/mac/drawingml/2011/main" val="1"/>
               </a:ext>
             </a:extLst>
           </p:spPr>
@@ -4434,7 +5378,7 @@
             <a:effectLst/>
             <a:extLst>
               <a:ext uri="{C572A759-6A51-4108-AA02-DFA0A04FC94B}">
-                <ma14:wrappingTextBoxFlag xmlns:ma14="http://schemas.microsoft.com/office/mac/drawingml/2011/main" xmlns:a14="http://schemas.microsoft.com/office/drawing/2010/main" xmlns:m="http://schemas.openxmlformats.org/officeDocument/2006/math" xmlns="" val="1"/>
+                <ma14:wrappingTextBoxFlag xmlns="" xmlns:m="http://schemas.openxmlformats.org/officeDocument/2006/math" xmlns:a14="http://schemas.microsoft.com/office/drawing/2010/main" xmlns:ma14="http://schemas.microsoft.com/office/mac/drawingml/2011/main" val="1"/>
               </a:ext>
             </a:extLst>
           </p:spPr>
@@ -4579,7 +5523,7 @@
             <a:effectLst/>
             <a:extLst>
               <a:ext uri="{C572A759-6A51-4108-AA02-DFA0A04FC94B}">
-                <ma14:wrappingTextBoxFlag xmlns:ma14="http://schemas.microsoft.com/office/mac/drawingml/2011/main" xmlns:a14="http://schemas.microsoft.com/office/drawing/2010/main" xmlns:m="http://schemas.openxmlformats.org/officeDocument/2006/math" xmlns="" val="1"/>
+                <ma14:wrappingTextBoxFlag xmlns="" xmlns:m="http://schemas.openxmlformats.org/officeDocument/2006/math" xmlns:a14="http://schemas.microsoft.com/office/drawing/2010/main" xmlns:ma14="http://schemas.microsoft.com/office/mac/drawingml/2011/main" val="1"/>
               </a:ext>
             </a:extLst>
           </p:spPr>
@@ -4685,7 +5629,7 @@
             <a:effectLst/>
             <a:extLst>
               <a:ext uri="{C572A759-6A51-4108-AA02-DFA0A04FC94B}">
-                <ma14:wrappingTextBoxFlag xmlns:ma14="http://schemas.microsoft.com/office/mac/drawingml/2011/main" xmlns:a14="http://schemas.microsoft.com/office/drawing/2010/main" xmlns:m="http://schemas.openxmlformats.org/officeDocument/2006/math" xmlns="" val="1"/>
+                <ma14:wrappingTextBoxFlag xmlns="" xmlns:m="http://schemas.openxmlformats.org/officeDocument/2006/math" xmlns:a14="http://schemas.microsoft.com/office/drawing/2010/main" xmlns:ma14="http://schemas.microsoft.com/office/mac/drawingml/2011/main" val="1"/>
               </a:ext>
             </a:extLst>
           </p:spPr>
@@ -4733,7 +5677,7 @@
           </a:ln>
           <a:extLst>
             <a:ext uri="{C572A759-6A51-4108-AA02-DFA0A04FC94B}">
-              <ma14:wrappingTextBoxFlag xmlns:ma14="http://schemas.microsoft.com/office/mac/drawingml/2011/main" xmlns:a14="http://schemas.microsoft.com/office/drawing/2010/main" xmlns:m="http://schemas.openxmlformats.org/officeDocument/2006/math" xmlns="" val="1"/>
+              <ma14:wrappingTextBoxFlag xmlns="" xmlns:m="http://schemas.openxmlformats.org/officeDocument/2006/math" xmlns:a14="http://schemas.microsoft.com/office/drawing/2010/main" xmlns:ma14="http://schemas.microsoft.com/office/mac/drawingml/2011/main" val="1"/>
             </a:ext>
           </a:extLst>
         </p:spPr>
@@ -4838,7 +5782,7 @@
             <a:effectLst/>
             <a:extLst>
               <a:ext uri="{C572A759-6A51-4108-AA02-DFA0A04FC94B}">
-                <ma14:wrappingTextBoxFlag xmlns:ma14="http://schemas.microsoft.com/office/mac/drawingml/2011/main" xmlns:a14="http://schemas.microsoft.com/office/drawing/2010/main" xmlns:m="http://schemas.openxmlformats.org/officeDocument/2006/math" xmlns="" val="1"/>
+                <ma14:wrappingTextBoxFlag xmlns="" xmlns:m="http://schemas.openxmlformats.org/officeDocument/2006/math" xmlns:a14="http://schemas.microsoft.com/office/drawing/2010/main" xmlns:ma14="http://schemas.microsoft.com/office/mac/drawingml/2011/main" val="1"/>
               </a:ext>
             </a:extLst>
           </p:spPr>
@@ -4944,7 +5888,7 @@
             <a:effectLst/>
             <a:extLst>
               <a:ext uri="{C572A759-6A51-4108-AA02-DFA0A04FC94B}">
-                <ma14:wrappingTextBoxFlag xmlns:ma14="http://schemas.microsoft.com/office/mac/drawingml/2011/main" xmlns:a14="http://schemas.microsoft.com/office/drawing/2010/main" xmlns:m="http://schemas.openxmlformats.org/officeDocument/2006/math" xmlns="" val="1"/>
+                <ma14:wrappingTextBoxFlag xmlns="" xmlns:m="http://schemas.openxmlformats.org/officeDocument/2006/math" xmlns:a14="http://schemas.microsoft.com/office/drawing/2010/main" xmlns:ma14="http://schemas.microsoft.com/office/mac/drawingml/2011/main" val="1"/>
               </a:ext>
             </a:extLst>
           </p:spPr>
@@ -5089,7 +6033,7 @@
             <a:effectLst/>
             <a:extLst>
               <a:ext uri="{C572A759-6A51-4108-AA02-DFA0A04FC94B}">
-                <ma14:wrappingTextBoxFlag xmlns:ma14="http://schemas.microsoft.com/office/mac/drawingml/2011/main" xmlns:a14="http://schemas.microsoft.com/office/drawing/2010/main" xmlns:m="http://schemas.openxmlformats.org/officeDocument/2006/math" xmlns="" val="1"/>
+                <ma14:wrappingTextBoxFlag xmlns="" xmlns:m="http://schemas.openxmlformats.org/officeDocument/2006/math" xmlns:a14="http://schemas.microsoft.com/office/drawing/2010/main" xmlns:ma14="http://schemas.microsoft.com/office/mac/drawingml/2011/main" val="1"/>
               </a:ext>
             </a:extLst>
           </p:spPr>
@@ -5195,7 +6139,7 @@
             <a:effectLst/>
             <a:extLst>
               <a:ext uri="{C572A759-6A51-4108-AA02-DFA0A04FC94B}">
-                <ma14:wrappingTextBoxFlag xmlns:ma14="http://schemas.microsoft.com/office/mac/drawingml/2011/main" xmlns:a14="http://schemas.microsoft.com/office/drawing/2010/main" xmlns:m="http://schemas.openxmlformats.org/officeDocument/2006/math" xmlns="" val="1"/>
+                <ma14:wrappingTextBoxFlag xmlns="" xmlns:m="http://schemas.openxmlformats.org/officeDocument/2006/math" xmlns:a14="http://schemas.microsoft.com/office/drawing/2010/main" xmlns:ma14="http://schemas.microsoft.com/office/mac/drawingml/2011/main" val="1"/>
               </a:ext>
             </a:extLst>
           </p:spPr>
@@ -5243,7 +6187,7 @@
           </a:ln>
           <a:extLst>
             <a:ext uri="{C572A759-6A51-4108-AA02-DFA0A04FC94B}">
-              <ma14:wrappingTextBoxFlag xmlns:ma14="http://schemas.microsoft.com/office/mac/drawingml/2011/main" xmlns:a14="http://schemas.microsoft.com/office/drawing/2010/main" xmlns:m="http://schemas.openxmlformats.org/officeDocument/2006/math" xmlns="" val="1"/>
+              <ma14:wrappingTextBoxFlag xmlns="" xmlns:m="http://schemas.openxmlformats.org/officeDocument/2006/math" xmlns:a14="http://schemas.microsoft.com/office/drawing/2010/main" xmlns:ma14="http://schemas.microsoft.com/office/mac/drawingml/2011/main" val="1"/>
             </a:ext>
           </a:extLst>
         </p:spPr>
@@ -5348,7 +6292,7 @@
             <a:effectLst/>
             <a:extLst>
               <a:ext uri="{C572A759-6A51-4108-AA02-DFA0A04FC94B}">
-                <ma14:wrappingTextBoxFlag xmlns:ma14="http://schemas.microsoft.com/office/mac/drawingml/2011/main" xmlns:a14="http://schemas.microsoft.com/office/drawing/2010/main" xmlns:m="http://schemas.openxmlformats.org/officeDocument/2006/math" xmlns="" val="1"/>
+                <ma14:wrappingTextBoxFlag xmlns="" xmlns:m="http://schemas.openxmlformats.org/officeDocument/2006/math" xmlns:a14="http://schemas.microsoft.com/office/drawing/2010/main" xmlns:ma14="http://schemas.microsoft.com/office/mac/drawingml/2011/main" val="1"/>
               </a:ext>
             </a:extLst>
           </p:spPr>
@@ -5491,7 +6435,7 @@
             <a:effectLst/>
             <a:extLst>
               <a:ext uri="{C572A759-6A51-4108-AA02-DFA0A04FC94B}">
-                <ma14:wrappingTextBoxFlag xmlns:ma14="http://schemas.microsoft.com/office/mac/drawingml/2011/main" xmlns:a14="http://schemas.microsoft.com/office/drawing/2010/main" xmlns:m="http://schemas.openxmlformats.org/officeDocument/2006/math" xmlns="" val="1"/>
+                <ma14:wrappingTextBoxFlag xmlns="" xmlns:m="http://schemas.openxmlformats.org/officeDocument/2006/math" xmlns:a14="http://schemas.microsoft.com/office/drawing/2010/main" xmlns:ma14="http://schemas.microsoft.com/office/mac/drawingml/2011/main" val="1"/>
               </a:ext>
             </a:extLst>
           </p:spPr>
@@ -5527,7 +6471,7 @@
 </p:sld>
 </file>
 
-<file path=ppt/slides/slide11.xml><?xml version="1.0" encoding="utf-8"?>
+<file path=ppt/slides/slide12.xml><?xml version="1.0" encoding="utf-8"?>
 <p:sld xmlns:a="http://schemas.openxmlformats.org/drawingml/2006/main" xmlns:r="http://schemas.openxmlformats.org/officeDocument/2006/relationships" xmlns:p="http://schemas.openxmlformats.org/presentationml/2006/main">
   <p:cSld>
     <p:spTree>
@@ -6597,7 +7541,7 @@
           </a:ln>
           <a:extLst>
             <a:ext uri="{C572A759-6A51-4108-AA02-DFA0A04FC94B}">
-              <ma14:wrappingTextBoxFlag xmlns:ma14="http://schemas.microsoft.com/office/mac/drawingml/2011/main" xmlns:a14="http://schemas.microsoft.com/office/drawing/2010/main" xmlns:m="http://schemas.openxmlformats.org/officeDocument/2006/math" xmlns="" val="1"/>
+              <ma14:wrappingTextBoxFlag xmlns="" xmlns:m="http://schemas.openxmlformats.org/officeDocument/2006/math" xmlns:a14="http://schemas.microsoft.com/office/drawing/2010/main" xmlns:ma14="http://schemas.microsoft.com/office/mac/drawingml/2011/main" val="1"/>
             </a:ext>
           </a:extLst>
         </p:spPr>
@@ -6712,7 +7656,7 @@
             <a:effectLst/>
             <a:extLst>
               <a:ext uri="{C572A759-6A51-4108-AA02-DFA0A04FC94B}">
-                <ma14:wrappingTextBoxFlag xmlns:ma14="http://schemas.microsoft.com/office/mac/drawingml/2011/main" xmlns:a14="http://schemas.microsoft.com/office/drawing/2010/main" xmlns:m="http://schemas.openxmlformats.org/officeDocument/2006/math" xmlns="" val="1"/>
+                <ma14:wrappingTextBoxFlag xmlns="" xmlns:m="http://schemas.openxmlformats.org/officeDocument/2006/math" xmlns:a14="http://schemas.microsoft.com/office/drawing/2010/main" xmlns:ma14="http://schemas.microsoft.com/office/mac/drawingml/2011/main" val="1"/>
               </a:ext>
             </a:extLst>
           </p:spPr>
@@ -6818,7 +7762,7 @@
             <a:effectLst/>
             <a:extLst>
               <a:ext uri="{C572A759-6A51-4108-AA02-DFA0A04FC94B}">
-                <ma14:wrappingTextBoxFlag xmlns:ma14="http://schemas.microsoft.com/office/mac/drawingml/2011/main" xmlns:a14="http://schemas.microsoft.com/office/drawing/2010/main" xmlns:m="http://schemas.openxmlformats.org/officeDocument/2006/math" xmlns="" val="1"/>
+                <ma14:wrappingTextBoxFlag xmlns="" xmlns:m="http://schemas.openxmlformats.org/officeDocument/2006/math" xmlns:a14="http://schemas.microsoft.com/office/drawing/2010/main" xmlns:ma14="http://schemas.microsoft.com/office/mac/drawingml/2011/main" val="1"/>
               </a:ext>
             </a:extLst>
           </p:spPr>
@@ -6924,7 +7868,7 @@
             <a:effectLst/>
             <a:extLst>
               <a:ext uri="{C572A759-6A51-4108-AA02-DFA0A04FC94B}">
-                <ma14:wrappingTextBoxFlag xmlns:ma14="http://schemas.microsoft.com/office/mac/drawingml/2011/main" xmlns:a14="http://schemas.microsoft.com/office/drawing/2010/main" xmlns:m="http://schemas.openxmlformats.org/officeDocument/2006/math" xmlns="" val="1"/>
+                <ma14:wrappingTextBoxFlag xmlns="" xmlns:m="http://schemas.openxmlformats.org/officeDocument/2006/math" xmlns:a14="http://schemas.microsoft.com/office/drawing/2010/main" xmlns:ma14="http://schemas.microsoft.com/office/mac/drawingml/2011/main" val="1"/>
               </a:ext>
             </a:extLst>
           </p:spPr>
@@ -7030,7 +7974,7 @@
             <a:effectLst/>
             <a:extLst>
               <a:ext uri="{C572A759-6A51-4108-AA02-DFA0A04FC94B}">
-                <ma14:wrappingTextBoxFlag xmlns:ma14="http://schemas.microsoft.com/office/mac/drawingml/2011/main" xmlns:a14="http://schemas.microsoft.com/office/drawing/2010/main" xmlns:m="http://schemas.openxmlformats.org/officeDocument/2006/math" xmlns="" val="1"/>
+                <ma14:wrappingTextBoxFlag xmlns="" xmlns:m="http://schemas.openxmlformats.org/officeDocument/2006/math" xmlns:a14="http://schemas.microsoft.com/office/drawing/2010/main" xmlns:ma14="http://schemas.microsoft.com/office/mac/drawingml/2011/main" val="1"/>
               </a:ext>
             </a:extLst>
           </p:spPr>
@@ -7136,7 +8080,7 @@
             <a:effectLst/>
             <a:extLst>
               <a:ext uri="{C572A759-6A51-4108-AA02-DFA0A04FC94B}">
-                <ma14:wrappingTextBoxFlag xmlns:ma14="http://schemas.microsoft.com/office/mac/drawingml/2011/main" xmlns:a14="http://schemas.microsoft.com/office/drawing/2010/main" xmlns:m="http://schemas.openxmlformats.org/officeDocument/2006/math" xmlns="" val="1"/>
+                <ma14:wrappingTextBoxFlag xmlns="" xmlns:m="http://schemas.openxmlformats.org/officeDocument/2006/math" xmlns:a14="http://schemas.microsoft.com/office/drawing/2010/main" xmlns:ma14="http://schemas.microsoft.com/office/mac/drawingml/2011/main" val="1"/>
               </a:ext>
             </a:extLst>
           </p:spPr>
@@ -7239,7 +8183,7 @@
             <a:effectLst/>
             <a:extLst>
               <a:ext uri="{C572A759-6A51-4108-AA02-DFA0A04FC94B}">
-                <ma14:wrappingTextBoxFlag xmlns:ma14="http://schemas.microsoft.com/office/mac/drawingml/2011/main" xmlns:a14="http://schemas.microsoft.com/office/drawing/2010/main" xmlns:m="http://schemas.openxmlformats.org/officeDocument/2006/math" xmlns="" val="1"/>
+                <ma14:wrappingTextBoxFlag xmlns="" xmlns:m="http://schemas.openxmlformats.org/officeDocument/2006/math" xmlns:a14="http://schemas.microsoft.com/office/drawing/2010/main" xmlns:ma14="http://schemas.microsoft.com/office/mac/drawingml/2011/main" val="1"/>
               </a:ext>
             </a:extLst>
           </p:spPr>
@@ -7286,7 +8230,7 @@
           </a:ln>
           <a:extLst>
             <a:ext uri="{C572A759-6A51-4108-AA02-DFA0A04FC94B}">
-              <ma14:wrappingTextBoxFlag xmlns:ma14="http://schemas.microsoft.com/office/mac/drawingml/2011/main" xmlns:a14="http://schemas.microsoft.com/office/drawing/2010/main" xmlns:m="http://schemas.openxmlformats.org/officeDocument/2006/math" xmlns="" val="1"/>
+              <ma14:wrappingTextBoxFlag xmlns="" xmlns:m="http://schemas.openxmlformats.org/officeDocument/2006/math" xmlns:a14="http://schemas.microsoft.com/office/drawing/2010/main" xmlns:ma14="http://schemas.microsoft.com/office/mac/drawingml/2011/main" val="1"/>
             </a:ext>
           </a:extLst>
         </p:spPr>
@@ -7332,7 +8276,7 @@
           </a:ln>
           <a:extLst>
             <a:ext uri="{C572A759-6A51-4108-AA02-DFA0A04FC94B}">
-              <ma14:wrappingTextBoxFlag xmlns:ma14="http://schemas.microsoft.com/office/mac/drawingml/2011/main" xmlns:a14="http://schemas.microsoft.com/office/drawing/2010/main" xmlns:m="http://schemas.openxmlformats.org/officeDocument/2006/math" xmlns="" val="1"/>
+              <ma14:wrappingTextBoxFlag xmlns="" xmlns:m="http://schemas.openxmlformats.org/officeDocument/2006/math" xmlns:a14="http://schemas.microsoft.com/office/drawing/2010/main" xmlns:ma14="http://schemas.microsoft.com/office/mac/drawingml/2011/main" val="1"/>
             </a:ext>
           </a:extLst>
         </p:spPr>
@@ -7379,7 +8323,7 @@
           </a:ln>
           <a:extLst>
             <a:ext uri="{C572A759-6A51-4108-AA02-DFA0A04FC94B}">
-              <ma14:wrappingTextBoxFlag xmlns:ma14="http://schemas.microsoft.com/office/mac/drawingml/2011/main" xmlns:a14="http://schemas.microsoft.com/office/drawing/2010/main" xmlns:m="http://schemas.openxmlformats.org/officeDocument/2006/math" xmlns="" val="1"/>
+              <ma14:wrappingTextBoxFlag xmlns="" xmlns:m="http://schemas.openxmlformats.org/officeDocument/2006/math" xmlns:a14="http://schemas.microsoft.com/office/drawing/2010/main" xmlns:ma14="http://schemas.microsoft.com/office/mac/drawingml/2011/main" val="1"/>
             </a:ext>
           </a:extLst>
         </p:spPr>
@@ -7481,7 +8425,7 @@
             <a:effectLst/>
             <a:extLst>
               <a:ext uri="{C572A759-6A51-4108-AA02-DFA0A04FC94B}">
-                <ma14:wrappingTextBoxFlag xmlns:ma14="http://schemas.microsoft.com/office/mac/drawingml/2011/main" xmlns:a14="http://schemas.microsoft.com/office/drawing/2010/main" xmlns:m="http://schemas.openxmlformats.org/officeDocument/2006/math" xmlns="" val="1"/>
+                <ma14:wrappingTextBoxFlag xmlns="" xmlns:m="http://schemas.openxmlformats.org/officeDocument/2006/math" xmlns:a14="http://schemas.microsoft.com/office/drawing/2010/main" xmlns:ma14="http://schemas.microsoft.com/office/mac/drawingml/2011/main" val="1"/>
               </a:ext>
             </a:extLst>
           </p:spPr>
@@ -7528,7 +8472,7 @@
           </a:ln>
           <a:extLst>
             <a:ext uri="{C572A759-6A51-4108-AA02-DFA0A04FC94B}">
-              <ma14:wrappingTextBoxFlag xmlns:ma14="http://schemas.microsoft.com/office/mac/drawingml/2011/main" xmlns:a14="http://schemas.microsoft.com/office/drawing/2010/main" xmlns:m="http://schemas.openxmlformats.org/officeDocument/2006/math" xmlns="" val="1"/>
+              <ma14:wrappingTextBoxFlag xmlns="" xmlns:m="http://schemas.openxmlformats.org/officeDocument/2006/math" xmlns:a14="http://schemas.microsoft.com/office/drawing/2010/main" xmlns:ma14="http://schemas.microsoft.com/office/mac/drawingml/2011/main" val="1"/>
             </a:ext>
           </a:extLst>
         </p:spPr>
@@ -7633,7 +8577,7 @@
             <a:effectLst/>
             <a:extLst>
               <a:ext uri="{C572A759-6A51-4108-AA02-DFA0A04FC94B}">
-                <ma14:wrappingTextBoxFlag xmlns:ma14="http://schemas.microsoft.com/office/mac/drawingml/2011/main" xmlns:a14="http://schemas.microsoft.com/office/drawing/2010/main" xmlns:m="http://schemas.openxmlformats.org/officeDocument/2006/math" xmlns="" val="1"/>
+                <ma14:wrappingTextBoxFlag xmlns="" xmlns:m="http://schemas.openxmlformats.org/officeDocument/2006/math" xmlns:a14="http://schemas.microsoft.com/office/drawing/2010/main" xmlns:ma14="http://schemas.microsoft.com/office/mac/drawingml/2011/main" val="1"/>
               </a:ext>
             </a:extLst>
           </p:spPr>
@@ -7751,7 +8695,7 @@
             <a:effectLst/>
             <a:extLst>
               <a:ext uri="{C572A759-6A51-4108-AA02-DFA0A04FC94B}">
-                <ma14:wrappingTextBoxFlag xmlns:ma14="http://schemas.microsoft.com/office/mac/drawingml/2011/main" xmlns:a14="http://schemas.microsoft.com/office/drawing/2010/main" xmlns:m="http://schemas.openxmlformats.org/officeDocument/2006/math" xmlns="" val="1"/>
+                <ma14:wrappingTextBoxFlag xmlns="" xmlns:m="http://schemas.openxmlformats.org/officeDocument/2006/math" xmlns:a14="http://schemas.microsoft.com/office/drawing/2010/main" xmlns:ma14="http://schemas.microsoft.com/office/mac/drawingml/2011/main" val="1"/>
               </a:ext>
             </a:extLst>
           </p:spPr>
@@ -7869,7 +8813,7 @@
             <a:effectLst/>
             <a:extLst>
               <a:ext uri="{C572A759-6A51-4108-AA02-DFA0A04FC94B}">
-                <ma14:wrappingTextBoxFlag xmlns:ma14="http://schemas.microsoft.com/office/mac/drawingml/2011/main" xmlns:a14="http://schemas.microsoft.com/office/drawing/2010/main" xmlns:m="http://schemas.openxmlformats.org/officeDocument/2006/math" xmlns="" val="1"/>
+                <ma14:wrappingTextBoxFlag xmlns="" xmlns:m="http://schemas.openxmlformats.org/officeDocument/2006/math" xmlns:a14="http://schemas.microsoft.com/office/drawing/2010/main" xmlns:ma14="http://schemas.microsoft.com/office/mac/drawingml/2011/main" val="1"/>
               </a:ext>
             </a:extLst>
           </p:spPr>
@@ -7926,7 +8870,7 @@
           </a:ln>
           <a:extLst>
             <a:ext uri="{C572A759-6A51-4108-AA02-DFA0A04FC94B}">
-              <ma14:wrappingTextBoxFlag xmlns:ma14="http://schemas.microsoft.com/office/mac/drawingml/2011/main" xmlns:a14="http://schemas.microsoft.com/office/drawing/2010/main" xmlns:m="http://schemas.openxmlformats.org/officeDocument/2006/math" xmlns="" val="1"/>
+              <ma14:wrappingTextBoxFlag xmlns="" xmlns:m="http://schemas.openxmlformats.org/officeDocument/2006/math" xmlns:a14="http://schemas.microsoft.com/office/drawing/2010/main" xmlns:ma14="http://schemas.microsoft.com/office/mac/drawingml/2011/main" val="1"/>
             </a:ext>
           </a:extLst>
         </p:spPr>
@@ -8029,7 +8973,7 @@
             <a:effectLst/>
             <a:extLst>
               <a:ext uri="{C572A759-6A51-4108-AA02-DFA0A04FC94B}">
-                <ma14:wrappingTextBoxFlag xmlns:ma14="http://schemas.microsoft.com/office/mac/drawingml/2011/main" xmlns:a14="http://schemas.microsoft.com/office/drawing/2010/main" xmlns:m="http://schemas.openxmlformats.org/officeDocument/2006/math" xmlns="" val="1"/>
+                <ma14:wrappingTextBoxFlag xmlns="" xmlns:m="http://schemas.openxmlformats.org/officeDocument/2006/math" xmlns:a14="http://schemas.microsoft.com/office/drawing/2010/main" xmlns:ma14="http://schemas.microsoft.com/office/mac/drawingml/2011/main" val="1"/>
               </a:ext>
             </a:extLst>
           </p:spPr>
@@ -8064,7 +9008,7 @@
 </p:sld>
 </file>
 
-<file path=ppt/slides/slide12.xml><?xml version="1.0" encoding="utf-8"?>
+<file path=ppt/slides/slide13.xml><?xml version="1.0" encoding="utf-8"?>
 <p:sld xmlns:a="http://schemas.openxmlformats.org/drawingml/2006/main" xmlns:r="http://schemas.openxmlformats.org/officeDocument/2006/relationships" xmlns:p="http://schemas.openxmlformats.org/presentationml/2006/main">
   <p:cSld>
     <p:spTree>
@@ -9111,7 +10055,7 @@
           </a:ln>
           <a:extLst>
             <a:ext uri="{C572A759-6A51-4108-AA02-DFA0A04FC94B}">
-              <ma14:wrappingTextBoxFlag xmlns:ma14="http://schemas.microsoft.com/office/mac/drawingml/2011/main" xmlns:a14="http://schemas.microsoft.com/office/drawing/2010/main" xmlns:m="http://schemas.openxmlformats.org/officeDocument/2006/math" xmlns="" val="1"/>
+              <ma14:wrappingTextBoxFlag xmlns="" xmlns:m="http://schemas.openxmlformats.org/officeDocument/2006/math" xmlns:a14="http://schemas.microsoft.com/office/drawing/2010/main" xmlns:ma14="http://schemas.microsoft.com/office/mac/drawingml/2011/main" val="1"/>
             </a:ext>
           </a:extLst>
         </p:spPr>
@@ -9155,7 +10099,7 @@
           </a:ln>
           <a:extLst>
             <a:ext uri="{C572A759-6A51-4108-AA02-DFA0A04FC94B}">
-              <ma14:wrappingTextBoxFlag xmlns:ma14="http://schemas.microsoft.com/office/mac/drawingml/2011/main" xmlns:a14="http://schemas.microsoft.com/office/drawing/2010/main" xmlns:m="http://schemas.openxmlformats.org/officeDocument/2006/math" xmlns="" val="1"/>
+              <ma14:wrappingTextBoxFlag xmlns="" xmlns:m="http://schemas.openxmlformats.org/officeDocument/2006/math" xmlns:a14="http://schemas.microsoft.com/office/drawing/2010/main" xmlns:ma14="http://schemas.microsoft.com/office/mac/drawingml/2011/main" val="1"/>
             </a:ext>
           </a:extLst>
         </p:spPr>
@@ -9201,7 +10145,7 @@
           </a:ln>
           <a:extLst>
             <a:ext uri="{C572A759-6A51-4108-AA02-DFA0A04FC94B}">
-              <ma14:wrappingTextBoxFlag xmlns:ma14="http://schemas.microsoft.com/office/mac/drawingml/2011/main" xmlns:a14="http://schemas.microsoft.com/office/drawing/2010/main" xmlns:m="http://schemas.openxmlformats.org/officeDocument/2006/math" xmlns="" val="1"/>
+              <ma14:wrappingTextBoxFlag xmlns="" xmlns:m="http://schemas.openxmlformats.org/officeDocument/2006/math" xmlns:a14="http://schemas.microsoft.com/office/drawing/2010/main" xmlns:ma14="http://schemas.microsoft.com/office/mac/drawingml/2011/main" val="1"/>
             </a:ext>
           </a:extLst>
         </p:spPr>
@@ -9245,7 +10189,7 @@
           </a:ln>
           <a:extLst>
             <a:ext uri="{C572A759-6A51-4108-AA02-DFA0A04FC94B}">
-              <ma14:wrappingTextBoxFlag xmlns:ma14="http://schemas.microsoft.com/office/mac/drawingml/2011/main" xmlns:a14="http://schemas.microsoft.com/office/drawing/2010/main" xmlns:m="http://schemas.openxmlformats.org/officeDocument/2006/math" xmlns="" val="1"/>
+              <ma14:wrappingTextBoxFlag xmlns="" xmlns:m="http://schemas.openxmlformats.org/officeDocument/2006/math" xmlns:a14="http://schemas.microsoft.com/office/drawing/2010/main" xmlns:ma14="http://schemas.microsoft.com/office/mac/drawingml/2011/main" val="1"/>
             </a:ext>
           </a:extLst>
         </p:spPr>
@@ -9965,7 +10909,7 @@
           </a:ln>
           <a:extLst>
             <a:ext uri="{C572A759-6A51-4108-AA02-DFA0A04FC94B}">
-              <ma14:wrappingTextBoxFlag xmlns:ma14="http://schemas.microsoft.com/office/mac/drawingml/2011/main" xmlns:a14="http://schemas.microsoft.com/office/drawing/2010/main" xmlns:m="http://schemas.openxmlformats.org/officeDocument/2006/math" xmlns="" val="1"/>
+              <ma14:wrappingTextBoxFlag xmlns="" xmlns:m="http://schemas.openxmlformats.org/officeDocument/2006/math" xmlns:a14="http://schemas.microsoft.com/office/drawing/2010/main" xmlns:ma14="http://schemas.microsoft.com/office/mac/drawingml/2011/main" val="1"/>
             </a:ext>
           </a:extLst>
         </p:spPr>
@@ -10009,7 +10953,7 @@
           </a:ln>
           <a:extLst>
             <a:ext uri="{C572A759-6A51-4108-AA02-DFA0A04FC94B}">
-              <ma14:wrappingTextBoxFlag xmlns:ma14="http://schemas.microsoft.com/office/mac/drawingml/2011/main" xmlns:a14="http://schemas.microsoft.com/office/drawing/2010/main" xmlns:m="http://schemas.openxmlformats.org/officeDocument/2006/math" xmlns="" val="1"/>
+              <ma14:wrappingTextBoxFlag xmlns="" xmlns:m="http://schemas.openxmlformats.org/officeDocument/2006/math" xmlns:a14="http://schemas.microsoft.com/office/drawing/2010/main" xmlns:ma14="http://schemas.microsoft.com/office/mac/drawingml/2011/main" val="1"/>
             </a:ext>
           </a:extLst>
         </p:spPr>
@@ -10731,7 +11675,7 @@
           </a:ln>
           <a:extLst>
             <a:ext uri="{C572A759-6A51-4108-AA02-DFA0A04FC94B}">
-              <ma14:wrappingTextBoxFlag xmlns:ma14="http://schemas.microsoft.com/office/mac/drawingml/2011/main" xmlns:a14="http://schemas.microsoft.com/office/drawing/2010/main" xmlns:m="http://schemas.openxmlformats.org/officeDocument/2006/math" xmlns="" val="1"/>
+              <ma14:wrappingTextBoxFlag xmlns="" xmlns:m="http://schemas.openxmlformats.org/officeDocument/2006/math" xmlns:a14="http://schemas.microsoft.com/office/drawing/2010/main" xmlns:ma14="http://schemas.microsoft.com/office/mac/drawingml/2011/main" val="1"/>
             </a:ext>
           </a:extLst>
         </p:spPr>
@@ -10775,7 +11719,7 @@
           </a:ln>
           <a:extLst>
             <a:ext uri="{C572A759-6A51-4108-AA02-DFA0A04FC94B}">
-              <ma14:wrappingTextBoxFlag xmlns:ma14="http://schemas.microsoft.com/office/mac/drawingml/2011/main" xmlns:a14="http://schemas.microsoft.com/office/drawing/2010/main" xmlns:m="http://schemas.openxmlformats.org/officeDocument/2006/math" xmlns="" val="1"/>
+              <ma14:wrappingTextBoxFlag xmlns="" xmlns:m="http://schemas.openxmlformats.org/officeDocument/2006/math" xmlns:a14="http://schemas.microsoft.com/office/drawing/2010/main" xmlns:ma14="http://schemas.microsoft.com/office/mac/drawingml/2011/main" val="1"/>
             </a:ext>
           </a:extLst>
         </p:spPr>
@@ -10821,7 +11765,7 @@
           </a:ln>
           <a:extLst>
             <a:ext uri="{C572A759-6A51-4108-AA02-DFA0A04FC94B}">
-              <ma14:wrappingTextBoxFlag xmlns:ma14="http://schemas.microsoft.com/office/mac/drawingml/2011/main" xmlns:a14="http://schemas.microsoft.com/office/drawing/2010/main" xmlns:m="http://schemas.openxmlformats.org/officeDocument/2006/math" xmlns="" val="1"/>
+              <ma14:wrappingTextBoxFlag xmlns="" xmlns:m="http://schemas.openxmlformats.org/officeDocument/2006/math" xmlns:a14="http://schemas.microsoft.com/office/drawing/2010/main" xmlns:ma14="http://schemas.microsoft.com/office/mac/drawingml/2011/main" val="1"/>
             </a:ext>
           </a:extLst>
         </p:spPr>
@@ -10906,7 +11850,7 @@
           </a:ln>
           <a:extLst>
             <a:ext uri="{C572A759-6A51-4108-AA02-DFA0A04FC94B}">
-              <ma14:wrappingTextBoxFlag xmlns:ma14="http://schemas.microsoft.com/office/mac/drawingml/2011/main" xmlns:a14="http://schemas.microsoft.com/office/drawing/2010/main" xmlns:m="http://schemas.openxmlformats.org/officeDocument/2006/math" xmlns="" val="1"/>
+              <ma14:wrappingTextBoxFlag xmlns="" xmlns:m="http://schemas.openxmlformats.org/officeDocument/2006/math" xmlns:a14="http://schemas.microsoft.com/office/drawing/2010/main" xmlns:ma14="http://schemas.microsoft.com/office/mac/drawingml/2011/main" val="1"/>
             </a:ext>
           </a:extLst>
         </p:spPr>
@@ -10952,7 +11896,7 @@
           </a:ln>
           <a:extLst>
             <a:ext uri="{C572A759-6A51-4108-AA02-DFA0A04FC94B}">
-              <ma14:wrappingTextBoxFlag xmlns:ma14="http://schemas.microsoft.com/office/mac/drawingml/2011/main" xmlns:a14="http://schemas.microsoft.com/office/drawing/2010/main" xmlns:m="http://schemas.openxmlformats.org/officeDocument/2006/math" xmlns="" val="1"/>
+              <ma14:wrappingTextBoxFlag xmlns="" xmlns:m="http://schemas.openxmlformats.org/officeDocument/2006/math" xmlns:a14="http://schemas.microsoft.com/office/drawing/2010/main" xmlns:ma14="http://schemas.microsoft.com/office/mac/drawingml/2011/main" val="1"/>
             </a:ext>
           </a:extLst>
         </p:spPr>
@@ -11060,7 +12004,7 @@
             <a:effectLst/>
             <a:extLst>
               <a:ext uri="{C572A759-6A51-4108-AA02-DFA0A04FC94B}">
-                <ma14:wrappingTextBoxFlag xmlns:ma14="http://schemas.microsoft.com/office/mac/drawingml/2011/main" xmlns:a14="http://schemas.microsoft.com/office/drawing/2010/main" xmlns:m="http://schemas.openxmlformats.org/officeDocument/2006/math" xmlns="" val="1"/>
+                <ma14:wrappingTextBoxFlag xmlns="" xmlns:m="http://schemas.openxmlformats.org/officeDocument/2006/math" xmlns:a14="http://schemas.microsoft.com/office/drawing/2010/main" xmlns:ma14="http://schemas.microsoft.com/office/mac/drawingml/2011/main" val="1"/>
               </a:ext>
             </a:extLst>
           </p:spPr>
@@ -11163,7 +12107,7 @@
             <a:effectLst/>
             <a:extLst>
               <a:ext uri="{C572A759-6A51-4108-AA02-DFA0A04FC94B}">
-                <ma14:wrappingTextBoxFlag xmlns:ma14="http://schemas.microsoft.com/office/mac/drawingml/2011/main" xmlns:a14="http://schemas.microsoft.com/office/drawing/2010/main" xmlns:m="http://schemas.openxmlformats.org/officeDocument/2006/math" xmlns="" val="1"/>
+                <ma14:wrappingTextBoxFlag xmlns="" xmlns:m="http://schemas.openxmlformats.org/officeDocument/2006/math" xmlns:a14="http://schemas.microsoft.com/office/drawing/2010/main" xmlns:ma14="http://schemas.microsoft.com/office/mac/drawingml/2011/main" val="1"/>
               </a:ext>
             </a:extLst>
           </p:spPr>
@@ -11210,7 +12154,7 @@
           </a:ln>
           <a:extLst>
             <a:ext uri="{C572A759-6A51-4108-AA02-DFA0A04FC94B}">
-              <ma14:wrappingTextBoxFlag xmlns:ma14="http://schemas.microsoft.com/office/mac/drawingml/2011/main" xmlns:a14="http://schemas.microsoft.com/office/drawing/2010/main" xmlns:m="http://schemas.openxmlformats.org/officeDocument/2006/math" xmlns="" val="1"/>
+              <ma14:wrappingTextBoxFlag xmlns="" xmlns:m="http://schemas.openxmlformats.org/officeDocument/2006/math" xmlns:a14="http://schemas.microsoft.com/office/drawing/2010/main" xmlns:ma14="http://schemas.microsoft.com/office/mac/drawingml/2011/main" val="1"/>
             </a:ext>
           </a:extLst>
         </p:spPr>
@@ -11254,7 +12198,7 @@
           </a:ln>
           <a:extLst>
             <a:ext uri="{C572A759-6A51-4108-AA02-DFA0A04FC94B}">
-              <ma14:wrappingTextBoxFlag xmlns:ma14="http://schemas.microsoft.com/office/mac/drawingml/2011/main" xmlns:a14="http://schemas.microsoft.com/office/drawing/2010/main" xmlns:m="http://schemas.openxmlformats.org/officeDocument/2006/math" xmlns="" val="1"/>
+              <ma14:wrappingTextBoxFlag xmlns="" xmlns:m="http://schemas.openxmlformats.org/officeDocument/2006/math" xmlns:a14="http://schemas.microsoft.com/office/drawing/2010/main" xmlns:ma14="http://schemas.microsoft.com/office/mac/drawingml/2011/main" val="1"/>
             </a:ext>
           </a:extLst>
         </p:spPr>
@@ -11288,7 +12232,7 @@
 </p:sld>
 </file>
 
-<file path=ppt/slides/slide13.xml><?xml version="1.0" encoding="utf-8"?>
+<file path=ppt/slides/slide14.xml><?xml version="1.0" encoding="utf-8"?>
 <p:sld xmlns:a="http://schemas.openxmlformats.org/drawingml/2006/main" xmlns:r="http://schemas.openxmlformats.org/officeDocument/2006/relationships" xmlns:p="http://schemas.openxmlformats.org/presentationml/2006/main">
   <p:cSld>
     <p:spTree>
@@ -12373,7 +13317,7 @@
           </a:ln>
           <a:extLst>
             <a:ext uri="{C572A759-6A51-4108-AA02-DFA0A04FC94B}">
-              <ma14:wrappingTextBoxFlag xmlns:ma14="http://schemas.microsoft.com/office/mac/drawingml/2011/main" xmlns:a14="http://schemas.microsoft.com/office/drawing/2010/main" xmlns:m="http://schemas.openxmlformats.org/officeDocument/2006/math" xmlns="" val="1"/>
+              <ma14:wrappingTextBoxFlag xmlns="" xmlns:m="http://schemas.openxmlformats.org/officeDocument/2006/math" xmlns:a14="http://schemas.microsoft.com/office/drawing/2010/main" xmlns:ma14="http://schemas.microsoft.com/office/mac/drawingml/2011/main" val="1"/>
             </a:ext>
           </a:extLst>
         </p:spPr>
@@ -12431,7 +13375,7 @@
           </a:ln>
           <a:extLst>
             <a:ext uri="{C572A759-6A51-4108-AA02-DFA0A04FC94B}">
-              <ma14:wrappingTextBoxFlag xmlns:ma14="http://schemas.microsoft.com/office/mac/drawingml/2011/main" xmlns:a14="http://schemas.microsoft.com/office/drawing/2010/main" xmlns:m="http://schemas.openxmlformats.org/officeDocument/2006/math" xmlns="" val="1"/>
+              <ma14:wrappingTextBoxFlag xmlns="" xmlns:m="http://schemas.openxmlformats.org/officeDocument/2006/math" xmlns:a14="http://schemas.microsoft.com/office/drawing/2010/main" xmlns:ma14="http://schemas.microsoft.com/office/mac/drawingml/2011/main" val="1"/>
             </a:ext>
           </a:extLst>
         </p:spPr>
@@ -12547,7 +13491,7 @@
             <a:effectLst/>
             <a:extLst>
               <a:ext uri="{C572A759-6A51-4108-AA02-DFA0A04FC94B}">
-                <ma14:wrappingTextBoxFlag xmlns:ma14="http://schemas.microsoft.com/office/mac/drawingml/2011/main" xmlns:a14="http://schemas.microsoft.com/office/drawing/2010/main" xmlns:m="http://schemas.openxmlformats.org/officeDocument/2006/math" xmlns="" val="1"/>
+                <ma14:wrappingTextBoxFlag xmlns="" xmlns:m="http://schemas.openxmlformats.org/officeDocument/2006/math" xmlns:a14="http://schemas.microsoft.com/office/drawing/2010/main" xmlns:ma14="http://schemas.microsoft.com/office/mac/drawingml/2011/main" val="1"/>
               </a:ext>
             </a:extLst>
           </p:spPr>
@@ -12653,7 +13597,7 @@
             <a:effectLst/>
             <a:extLst>
               <a:ext uri="{C572A759-6A51-4108-AA02-DFA0A04FC94B}">
-                <ma14:wrappingTextBoxFlag xmlns:ma14="http://schemas.microsoft.com/office/mac/drawingml/2011/main" xmlns:a14="http://schemas.microsoft.com/office/drawing/2010/main" xmlns:m="http://schemas.openxmlformats.org/officeDocument/2006/math" xmlns="" val="1"/>
+                <ma14:wrappingTextBoxFlag xmlns="" xmlns:m="http://schemas.openxmlformats.org/officeDocument/2006/math" xmlns:a14="http://schemas.microsoft.com/office/drawing/2010/main" xmlns:ma14="http://schemas.microsoft.com/office/mac/drawingml/2011/main" val="1"/>
               </a:ext>
             </a:extLst>
           </p:spPr>
@@ -12759,7 +13703,7 @@
             <a:effectLst/>
             <a:extLst>
               <a:ext uri="{C572A759-6A51-4108-AA02-DFA0A04FC94B}">
-                <ma14:wrappingTextBoxFlag xmlns:ma14="http://schemas.microsoft.com/office/mac/drawingml/2011/main" xmlns:a14="http://schemas.microsoft.com/office/drawing/2010/main" xmlns:m="http://schemas.openxmlformats.org/officeDocument/2006/math" xmlns="" val="1"/>
+                <ma14:wrappingTextBoxFlag xmlns="" xmlns:m="http://schemas.openxmlformats.org/officeDocument/2006/math" xmlns:a14="http://schemas.microsoft.com/office/drawing/2010/main" xmlns:ma14="http://schemas.microsoft.com/office/mac/drawingml/2011/main" val="1"/>
               </a:ext>
             </a:extLst>
           </p:spPr>
@@ -12806,7 +13750,7 @@
           </a:ln>
           <a:extLst>
             <a:ext uri="{C572A759-6A51-4108-AA02-DFA0A04FC94B}">
-              <ma14:wrappingTextBoxFlag xmlns:ma14="http://schemas.microsoft.com/office/mac/drawingml/2011/main" xmlns:a14="http://schemas.microsoft.com/office/drawing/2010/main" xmlns:m="http://schemas.openxmlformats.org/officeDocument/2006/math" xmlns="" val="1"/>
+              <ma14:wrappingTextBoxFlag xmlns="" xmlns:m="http://schemas.openxmlformats.org/officeDocument/2006/math" xmlns:a14="http://schemas.microsoft.com/office/drawing/2010/main" xmlns:ma14="http://schemas.microsoft.com/office/mac/drawingml/2011/main" val="1"/>
             </a:ext>
           </a:extLst>
         </p:spPr>
@@ -12852,7 +13796,7 @@
           </a:ln>
           <a:extLst>
             <a:ext uri="{C572A759-6A51-4108-AA02-DFA0A04FC94B}">
-              <ma14:wrappingTextBoxFlag xmlns:ma14="http://schemas.microsoft.com/office/mac/drawingml/2011/main" xmlns:a14="http://schemas.microsoft.com/office/drawing/2010/main" xmlns:m="http://schemas.openxmlformats.org/officeDocument/2006/math" xmlns="" val="1"/>
+              <ma14:wrappingTextBoxFlag xmlns="" xmlns:m="http://schemas.openxmlformats.org/officeDocument/2006/math" xmlns:a14="http://schemas.microsoft.com/office/drawing/2010/main" xmlns:ma14="http://schemas.microsoft.com/office/mac/drawingml/2011/main" val="1"/>
             </a:ext>
           </a:extLst>
         </p:spPr>
@@ -12922,7 +13866,7 @@
           </a:ln>
           <a:extLst>
             <a:ext uri="{C572A759-6A51-4108-AA02-DFA0A04FC94B}">
-              <ma14:wrappingTextBoxFlag xmlns:ma14="http://schemas.microsoft.com/office/mac/drawingml/2011/main" xmlns:a14="http://schemas.microsoft.com/office/drawing/2010/main" xmlns:m="http://schemas.openxmlformats.org/officeDocument/2006/math" xmlns="" val="1"/>
+              <ma14:wrappingTextBoxFlag xmlns="" xmlns:m="http://schemas.openxmlformats.org/officeDocument/2006/math" xmlns:a14="http://schemas.microsoft.com/office/drawing/2010/main" xmlns:ma14="http://schemas.microsoft.com/office/mac/drawingml/2011/main" val="1"/>
             </a:ext>
           </a:extLst>
         </p:spPr>
@@ -13027,7 +13971,7 @@
             <a:effectLst/>
             <a:extLst>
               <a:ext uri="{C572A759-6A51-4108-AA02-DFA0A04FC94B}">
-                <ma14:wrappingTextBoxFlag xmlns:ma14="http://schemas.microsoft.com/office/mac/drawingml/2011/main" xmlns:a14="http://schemas.microsoft.com/office/drawing/2010/main" xmlns:m="http://schemas.openxmlformats.org/officeDocument/2006/math" xmlns="" val="1"/>
+                <ma14:wrappingTextBoxFlag xmlns="" xmlns:m="http://schemas.openxmlformats.org/officeDocument/2006/math" xmlns:a14="http://schemas.microsoft.com/office/drawing/2010/main" xmlns:ma14="http://schemas.microsoft.com/office/mac/drawingml/2011/main" val="1"/>
               </a:ext>
             </a:extLst>
           </p:spPr>
@@ -13145,7 +14089,7 @@
             <a:effectLst/>
             <a:extLst>
               <a:ext uri="{C572A759-6A51-4108-AA02-DFA0A04FC94B}">
-                <ma14:wrappingTextBoxFlag xmlns:ma14="http://schemas.microsoft.com/office/mac/drawingml/2011/main" xmlns:a14="http://schemas.microsoft.com/office/drawing/2010/main" xmlns:m="http://schemas.openxmlformats.org/officeDocument/2006/math" xmlns="" val="1"/>
+                <ma14:wrappingTextBoxFlag xmlns="" xmlns:m="http://schemas.openxmlformats.org/officeDocument/2006/math" xmlns:a14="http://schemas.microsoft.com/office/drawing/2010/main" xmlns:ma14="http://schemas.microsoft.com/office/mac/drawingml/2011/main" val="1"/>
               </a:ext>
             </a:extLst>
           </p:spPr>
@@ -13263,7 +14207,7 @@
             <a:effectLst/>
             <a:extLst>
               <a:ext uri="{C572A759-6A51-4108-AA02-DFA0A04FC94B}">
-                <ma14:wrappingTextBoxFlag xmlns:ma14="http://schemas.microsoft.com/office/mac/drawingml/2011/main" xmlns:a14="http://schemas.microsoft.com/office/drawing/2010/main" xmlns:m="http://schemas.openxmlformats.org/officeDocument/2006/math" xmlns="" val="1"/>
+                <ma14:wrappingTextBoxFlag xmlns="" xmlns:m="http://schemas.openxmlformats.org/officeDocument/2006/math" xmlns:a14="http://schemas.microsoft.com/office/drawing/2010/main" xmlns:ma14="http://schemas.microsoft.com/office/mac/drawingml/2011/main" val="1"/>
               </a:ext>
             </a:extLst>
           </p:spPr>
@@ -13322,7 +14266,7 @@
           </a:ln>
           <a:extLst>
             <a:ext uri="{C572A759-6A51-4108-AA02-DFA0A04FC94B}">
-              <ma14:wrappingTextBoxFlag xmlns:ma14="http://schemas.microsoft.com/office/mac/drawingml/2011/main" xmlns:a14="http://schemas.microsoft.com/office/drawing/2010/main" xmlns:m="http://schemas.openxmlformats.org/officeDocument/2006/math" xmlns="" val="1"/>
+              <ma14:wrappingTextBoxFlag xmlns="" xmlns:m="http://schemas.openxmlformats.org/officeDocument/2006/math" xmlns:a14="http://schemas.microsoft.com/office/drawing/2010/main" xmlns:ma14="http://schemas.microsoft.com/office/mac/drawingml/2011/main" val="1"/>
             </a:ext>
           </a:extLst>
         </p:spPr>
@@ -13366,7 +14310,7 @@
           </a:ln>
           <a:extLst>
             <a:ext uri="{C572A759-6A51-4108-AA02-DFA0A04FC94B}">
-              <ma14:wrappingTextBoxFlag xmlns:ma14="http://schemas.microsoft.com/office/mac/drawingml/2011/main" xmlns:a14="http://schemas.microsoft.com/office/drawing/2010/main" xmlns:m="http://schemas.openxmlformats.org/officeDocument/2006/math" xmlns="" val="1"/>
+              <ma14:wrappingTextBoxFlag xmlns="" xmlns:m="http://schemas.openxmlformats.org/officeDocument/2006/math" xmlns:a14="http://schemas.microsoft.com/office/drawing/2010/main" xmlns:ma14="http://schemas.microsoft.com/office/mac/drawingml/2011/main" val="1"/>
             </a:ext>
           </a:extLst>
         </p:spPr>
@@ -13426,7 +14370,7 @@
           </a:ln>
           <a:extLst>
             <a:ext uri="{C572A759-6A51-4108-AA02-DFA0A04FC94B}">
-              <ma14:wrappingTextBoxFlag xmlns:ma14="http://schemas.microsoft.com/office/mac/drawingml/2011/main" xmlns:a14="http://schemas.microsoft.com/office/drawing/2010/main" xmlns:m="http://schemas.openxmlformats.org/officeDocument/2006/math" xmlns="" val="1"/>
+              <ma14:wrappingTextBoxFlag xmlns="" xmlns:m="http://schemas.openxmlformats.org/officeDocument/2006/math" xmlns:a14="http://schemas.microsoft.com/office/drawing/2010/main" xmlns:ma14="http://schemas.microsoft.com/office/mac/drawingml/2011/main" val="1"/>
             </a:ext>
           </a:extLst>
         </p:spPr>
@@ -13471,7 +14415,7 @@
           </a:ln>
           <a:extLst>
             <a:ext uri="{C572A759-6A51-4108-AA02-DFA0A04FC94B}">
-              <ma14:wrappingTextBoxFlag xmlns:ma14="http://schemas.microsoft.com/office/mac/drawingml/2011/main" xmlns:a14="http://schemas.microsoft.com/office/drawing/2010/main" xmlns:m="http://schemas.openxmlformats.org/officeDocument/2006/math" xmlns="" val="1"/>
+              <ma14:wrappingTextBoxFlag xmlns="" xmlns:m="http://schemas.openxmlformats.org/officeDocument/2006/math" xmlns:a14="http://schemas.microsoft.com/office/drawing/2010/main" xmlns:ma14="http://schemas.microsoft.com/office/mac/drawingml/2011/main" val="1"/>
             </a:ext>
           </a:extLst>
         </p:spPr>
@@ -14191,7 +15135,7 @@
           </a:ln>
           <a:extLst>
             <a:ext uri="{C572A759-6A51-4108-AA02-DFA0A04FC94B}">
-              <ma14:wrappingTextBoxFlag xmlns:ma14="http://schemas.microsoft.com/office/mac/drawingml/2011/main" xmlns:a14="http://schemas.microsoft.com/office/drawing/2010/main" xmlns:m="http://schemas.openxmlformats.org/officeDocument/2006/math" xmlns="" val="1"/>
+              <ma14:wrappingTextBoxFlag xmlns="" xmlns:m="http://schemas.openxmlformats.org/officeDocument/2006/math" xmlns:a14="http://schemas.microsoft.com/office/drawing/2010/main" xmlns:ma14="http://schemas.microsoft.com/office/mac/drawingml/2011/main" val="1"/>
             </a:ext>
           </a:extLst>
         </p:spPr>
@@ -14235,7 +15179,7 @@
           </a:ln>
           <a:extLst>
             <a:ext uri="{C572A759-6A51-4108-AA02-DFA0A04FC94B}">
-              <ma14:wrappingTextBoxFlag xmlns:ma14="http://schemas.microsoft.com/office/mac/drawingml/2011/main" xmlns:a14="http://schemas.microsoft.com/office/drawing/2010/main" xmlns:m="http://schemas.openxmlformats.org/officeDocument/2006/math" xmlns="" val="1"/>
+              <ma14:wrappingTextBoxFlag xmlns="" xmlns:m="http://schemas.openxmlformats.org/officeDocument/2006/math" xmlns:a14="http://schemas.microsoft.com/office/drawing/2010/main" xmlns:ma14="http://schemas.microsoft.com/office/mac/drawingml/2011/main" val="1"/>
             </a:ext>
           </a:extLst>
         </p:spPr>
@@ -14957,7 +15901,7 @@
           </a:ln>
           <a:extLst>
             <a:ext uri="{C572A759-6A51-4108-AA02-DFA0A04FC94B}">
-              <ma14:wrappingTextBoxFlag xmlns:ma14="http://schemas.microsoft.com/office/mac/drawingml/2011/main" xmlns:a14="http://schemas.microsoft.com/office/drawing/2010/main" xmlns:m="http://schemas.openxmlformats.org/officeDocument/2006/math" xmlns="" val="1"/>
+              <ma14:wrappingTextBoxFlag xmlns="" xmlns:m="http://schemas.openxmlformats.org/officeDocument/2006/math" xmlns:a14="http://schemas.microsoft.com/office/drawing/2010/main" xmlns:ma14="http://schemas.microsoft.com/office/mac/drawingml/2011/main" val="1"/>
             </a:ext>
           </a:extLst>
         </p:spPr>
@@ -15002,7 +15946,7 @@
           </a:ln>
           <a:extLst>
             <a:ext uri="{C572A759-6A51-4108-AA02-DFA0A04FC94B}">
-              <ma14:wrappingTextBoxFlag xmlns:ma14="http://schemas.microsoft.com/office/mac/drawingml/2011/main" xmlns:a14="http://schemas.microsoft.com/office/drawing/2010/main" xmlns:m="http://schemas.openxmlformats.org/officeDocument/2006/math" xmlns="" val="1"/>
+              <ma14:wrappingTextBoxFlag xmlns="" xmlns:m="http://schemas.openxmlformats.org/officeDocument/2006/math" xmlns:a14="http://schemas.microsoft.com/office/drawing/2010/main" xmlns:ma14="http://schemas.microsoft.com/office/mac/drawingml/2011/main" val="1"/>
             </a:ext>
           </a:extLst>
         </p:spPr>
@@ -15048,7 +15992,7 @@
           </a:ln>
           <a:extLst>
             <a:ext uri="{C572A759-6A51-4108-AA02-DFA0A04FC94B}">
-              <ma14:wrappingTextBoxFlag xmlns:ma14="http://schemas.microsoft.com/office/mac/drawingml/2011/main" xmlns:a14="http://schemas.microsoft.com/office/drawing/2010/main" xmlns:m="http://schemas.openxmlformats.org/officeDocument/2006/math" xmlns="" val="1"/>
+              <ma14:wrappingTextBoxFlag xmlns="" xmlns:m="http://schemas.openxmlformats.org/officeDocument/2006/math" xmlns:a14="http://schemas.microsoft.com/office/drawing/2010/main" xmlns:ma14="http://schemas.microsoft.com/office/mac/drawingml/2011/main" val="1"/>
             </a:ext>
           </a:extLst>
         </p:spPr>
@@ -15092,7 +16036,7 @@
           </a:ln>
           <a:extLst>
             <a:ext uri="{C572A759-6A51-4108-AA02-DFA0A04FC94B}">
-              <ma14:wrappingTextBoxFlag xmlns:ma14="http://schemas.microsoft.com/office/mac/drawingml/2011/main" xmlns:a14="http://schemas.microsoft.com/office/drawing/2010/main" xmlns:m="http://schemas.openxmlformats.org/officeDocument/2006/math" xmlns="" val="1"/>
+              <ma14:wrappingTextBoxFlag xmlns="" xmlns:m="http://schemas.openxmlformats.org/officeDocument/2006/math" xmlns:a14="http://schemas.microsoft.com/office/drawing/2010/main" xmlns:ma14="http://schemas.microsoft.com/office/mac/drawingml/2011/main" val="1"/>
             </a:ext>
           </a:extLst>
         </p:spPr>
@@ -15138,7 +16082,7 @@
           </a:ln>
           <a:extLst>
             <a:ext uri="{C572A759-6A51-4108-AA02-DFA0A04FC94B}">
-              <ma14:wrappingTextBoxFlag xmlns:ma14="http://schemas.microsoft.com/office/mac/drawingml/2011/main" xmlns:a14="http://schemas.microsoft.com/office/drawing/2010/main" xmlns:m="http://schemas.openxmlformats.org/officeDocument/2006/math" xmlns="" val="1"/>
+              <ma14:wrappingTextBoxFlag xmlns="" xmlns:m="http://schemas.openxmlformats.org/officeDocument/2006/math" xmlns:a14="http://schemas.microsoft.com/office/drawing/2010/main" xmlns:ma14="http://schemas.microsoft.com/office/mac/drawingml/2011/main" val="1"/>
             </a:ext>
           </a:extLst>
         </p:spPr>
@@ -15282,7 +16226,7 @@
             <a:effectLst/>
             <a:extLst>
               <a:ext uri="{C572A759-6A51-4108-AA02-DFA0A04FC94B}">
-                <ma14:wrappingTextBoxFlag xmlns:ma14="http://schemas.microsoft.com/office/mac/drawingml/2011/main" xmlns:a14="http://schemas.microsoft.com/office/drawing/2010/main" xmlns:m="http://schemas.openxmlformats.org/officeDocument/2006/math" xmlns="" val="1"/>
+                <ma14:wrappingTextBoxFlag xmlns="" xmlns:m="http://schemas.openxmlformats.org/officeDocument/2006/math" xmlns:a14="http://schemas.microsoft.com/office/drawing/2010/main" xmlns:ma14="http://schemas.microsoft.com/office/mac/drawingml/2011/main" val="1"/>
               </a:ext>
             </a:extLst>
           </p:spPr>
@@ -15329,7 +16273,7 @@
           </a:ln>
           <a:extLst>
             <a:ext uri="{C572A759-6A51-4108-AA02-DFA0A04FC94B}">
-              <ma14:wrappingTextBoxFlag xmlns:ma14="http://schemas.microsoft.com/office/mac/drawingml/2011/main" xmlns:a14="http://schemas.microsoft.com/office/drawing/2010/main" xmlns:m="http://schemas.openxmlformats.org/officeDocument/2006/math" xmlns="" val="1"/>
+              <ma14:wrappingTextBoxFlag xmlns="" xmlns:m="http://schemas.openxmlformats.org/officeDocument/2006/math" xmlns:a14="http://schemas.microsoft.com/office/drawing/2010/main" xmlns:ma14="http://schemas.microsoft.com/office/mac/drawingml/2011/main" val="1"/>
             </a:ext>
           </a:extLst>
         </p:spPr>
@@ -15385,7 +16329,7 @@
           </a:ln>
           <a:extLst>
             <a:ext uri="{C572A759-6A51-4108-AA02-DFA0A04FC94B}">
-              <ma14:wrappingTextBoxFlag xmlns:ma14="http://schemas.microsoft.com/office/mac/drawingml/2011/main" xmlns:a14="http://schemas.microsoft.com/office/drawing/2010/main" xmlns:m="http://schemas.openxmlformats.org/officeDocument/2006/math" xmlns="" val="1"/>
+              <ma14:wrappingTextBoxFlag xmlns="" xmlns:m="http://schemas.openxmlformats.org/officeDocument/2006/math" xmlns:a14="http://schemas.microsoft.com/office/drawing/2010/main" xmlns:ma14="http://schemas.microsoft.com/office/mac/drawingml/2011/main" val="1"/>
             </a:ext>
           </a:extLst>
         </p:spPr>
@@ -15420,10 +16364,17 @@
     <a:masterClrMapping/>
   </p:clrMapOvr>
   <p:transition spd="med"/>
+  <p:timing>
+    <p:tnLst>
+      <p:par>
+        <p:cTn id="1" dur="indefinite" restart="never" nodeType="tmRoot"/>
+      </p:par>
+    </p:tnLst>
+  </p:timing>
 </p:sld>
 </file>
 
-<file path=ppt/slides/slide14.xml><?xml version="1.0" encoding="utf-8"?>
+<file path=ppt/slides/slide15.xml><?xml version="1.0" encoding="utf-8"?>
 <p:sld xmlns:a="http://schemas.openxmlformats.org/drawingml/2006/main" xmlns:r="http://schemas.openxmlformats.org/officeDocument/2006/relationships" xmlns:p="http://schemas.openxmlformats.org/presentationml/2006/main">
   <p:cSld>
     <p:spTree>
@@ -17324,7 +18275,7 @@
             <a:effectLst/>
             <a:extLst>
               <a:ext uri="{C572A759-6A51-4108-AA02-DFA0A04FC94B}">
-                <ma14:wrappingTextBoxFlag xmlns:ma14="http://schemas.microsoft.com/office/mac/drawingml/2011/main" xmlns:a14="http://schemas.microsoft.com/office/drawing/2010/main" xmlns:m="http://schemas.openxmlformats.org/officeDocument/2006/math" xmlns="" val="1"/>
+                <ma14:wrappingTextBoxFlag xmlns="" xmlns:m="http://schemas.openxmlformats.org/officeDocument/2006/math" xmlns:a14="http://schemas.microsoft.com/office/drawing/2010/main" xmlns:ma14="http://schemas.microsoft.com/office/mac/drawingml/2011/main" val="1"/>
               </a:ext>
             </a:extLst>
           </p:spPr>
@@ -17374,7 +18325,7 @@
           </a:ln>
           <a:extLst>
             <a:ext uri="{C572A759-6A51-4108-AA02-DFA0A04FC94B}">
-              <ma14:wrappingTextBoxFlag xmlns:ma14="http://schemas.microsoft.com/office/mac/drawingml/2011/main" xmlns:a14="http://schemas.microsoft.com/office/drawing/2010/main" xmlns:m="http://schemas.openxmlformats.org/officeDocument/2006/math" xmlns="" val="1"/>
+              <ma14:wrappingTextBoxFlag xmlns="" xmlns:m="http://schemas.openxmlformats.org/officeDocument/2006/math" xmlns:a14="http://schemas.microsoft.com/office/drawing/2010/main" xmlns:ma14="http://schemas.microsoft.com/office/mac/drawingml/2011/main" val="1"/>
             </a:ext>
           </a:extLst>
         </p:spPr>
@@ -17414,7 +18365,7 @@
           </a:ln>
           <a:extLst>
             <a:ext uri="{C572A759-6A51-4108-AA02-DFA0A04FC94B}">
-              <ma14:wrappingTextBoxFlag xmlns:ma14="http://schemas.microsoft.com/office/mac/drawingml/2011/main" xmlns:a14="http://schemas.microsoft.com/office/drawing/2010/main" xmlns:m="http://schemas.openxmlformats.org/officeDocument/2006/math" xmlns="" val="1"/>
+              <ma14:wrappingTextBoxFlag xmlns="" xmlns:m="http://schemas.openxmlformats.org/officeDocument/2006/math" xmlns:a14="http://schemas.microsoft.com/office/drawing/2010/main" xmlns:ma14="http://schemas.microsoft.com/office/mac/drawingml/2011/main" val="1"/>
             </a:ext>
           </a:extLst>
         </p:spPr>
@@ -17507,7 +18458,7 @@
             <a:effectLst/>
             <a:extLst>
               <a:ext uri="{C572A759-6A51-4108-AA02-DFA0A04FC94B}">
-                <ma14:wrappingTextBoxFlag xmlns:ma14="http://schemas.microsoft.com/office/mac/drawingml/2011/main" xmlns:a14="http://schemas.microsoft.com/office/drawing/2010/main" xmlns:m="http://schemas.openxmlformats.org/officeDocument/2006/math" xmlns="" val="1"/>
+                <ma14:wrappingTextBoxFlag xmlns="" xmlns:m="http://schemas.openxmlformats.org/officeDocument/2006/math" xmlns:a14="http://schemas.microsoft.com/office/drawing/2010/main" xmlns:ma14="http://schemas.microsoft.com/office/mac/drawingml/2011/main" val="1"/>
               </a:ext>
             </a:extLst>
           </p:spPr>
@@ -17610,7 +18561,7 @@
             <a:effectLst/>
             <a:extLst>
               <a:ext uri="{C572A759-6A51-4108-AA02-DFA0A04FC94B}">
-                <ma14:wrappingTextBoxFlag xmlns:ma14="http://schemas.microsoft.com/office/mac/drawingml/2011/main" xmlns:a14="http://schemas.microsoft.com/office/drawing/2010/main" xmlns:m="http://schemas.openxmlformats.org/officeDocument/2006/math" xmlns="" val="1"/>
+                <ma14:wrappingTextBoxFlag xmlns="" xmlns:m="http://schemas.openxmlformats.org/officeDocument/2006/math" xmlns:a14="http://schemas.microsoft.com/office/drawing/2010/main" xmlns:ma14="http://schemas.microsoft.com/office/mac/drawingml/2011/main" val="1"/>
               </a:ext>
             </a:extLst>
           </p:spPr>
@@ -17660,7 +18611,7 @@
           </a:ln>
           <a:extLst>
             <a:ext uri="{C572A759-6A51-4108-AA02-DFA0A04FC94B}">
-              <ma14:wrappingTextBoxFlag xmlns:ma14="http://schemas.microsoft.com/office/mac/drawingml/2011/main" xmlns:a14="http://schemas.microsoft.com/office/drawing/2010/main" xmlns:m="http://schemas.openxmlformats.org/officeDocument/2006/math" xmlns="" val="1"/>
+              <ma14:wrappingTextBoxFlag xmlns="" xmlns:m="http://schemas.openxmlformats.org/officeDocument/2006/math" xmlns:a14="http://schemas.microsoft.com/office/drawing/2010/main" xmlns:ma14="http://schemas.microsoft.com/office/mac/drawingml/2011/main" val="1"/>
             </a:ext>
           </a:extLst>
         </p:spPr>
@@ -17700,7 +18651,7 @@
           </a:ln>
           <a:extLst>
             <a:ext uri="{C572A759-6A51-4108-AA02-DFA0A04FC94B}">
-              <ma14:wrappingTextBoxFlag xmlns:ma14="http://schemas.microsoft.com/office/mac/drawingml/2011/main" xmlns:a14="http://schemas.microsoft.com/office/drawing/2010/main" xmlns:m="http://schemas.openxmlformats.org/officeDocument/2006/math" xmlns="" val="1"/>
+              <ma14:wrappingTextBoxFlag xmlns="" xmlns:m="http://schemas.openxmlformats.org/officeDocument/2006/math" xmlns:a14="http://schemas.microsoft.com/office/drawing/2010/main" xmlns:ma14="http://schemas.microsoft.com/office/mac/drawingml/2011/main" val="1"/>
             </a:ext>
           </a:extLst>
         </p:spPr>
@@ -17740,7 +18691,7 @@
           </a:ln>
           <a:extLst>
             <a:ext uri="{C572A759-6A51-4108-AA02-DFA0A04FC94B}">
-              <ma14:wrappingTextBoxFlag xmlns:ma14="http://schemas.microsoft.com/office/mac/drawingml/2011/main" xmlns:a14="http://schemas.microsoft.com/office/drawing/2010/main" xmlns:m="http://schemas.openxmlformats.org/officeDocument/2006/math" xmlns="" val="1"/>
+              <ma14:wrappingTextBoxFlag xmlns="" xmlns:m="http://schemas.openxmlformats.org/officeDocument/2006/math" xmlns:a14="http://schemas.microsoft.com/office/drawing/2010/main" xmlns:ma14="http://schemas.microsoft.com/office/mac/drawingml/2011/main" val="1"/>
             </a:ext>
           </a:extLst>
         </p:spPr>
@@ -17780,7 +18731,7 @@
           </a:ln>
           <a:extLst>
             <a:ext uri="{C572A759-6A51-4108-AA02-DFA0A04FC94B}">
-              <ma14:wrappingTextBoxFlag xmlns:ma14="http://schemas.microsoft.com/office/mac/drawingml/2011/main" xmlns:a14="http://schemas.microsoft.com/office/drawing/2010/main" xmlns:m="http://schemas.openxmlformats.org/officeDocument/2006/math" xmlns="" val="1"/>
+              <ma14:wrappingTextBoxFlag xmlns="" xmlns:m="http://schemas.openxmlformats.org/officeDocument/2006/math" xmlns:a14="http://schemas.microsoft.com/office/drawing/2010/main" xmlns:ma14="http://schemas.microsoft.com/office/mac/drawingml/2011/main" val="1"/>
             </a:ext>
           </a:extLst>
         </p:spPr>
@@ -17820,7 +18771,7 @@
           </a:ln>
           <a:extLst>
             <a:ext uri="{C572A759-6A51-4108-AA02-DFA0A04FC94B}">
-              <ma14:wrappingTextBoxFlag xmlns:ma14="http://schemas.microsoft.com/office/mac/drawingml/2011/main" xmlns:a14="http://schemas.microsoft.com/office/drawing/2010/main" xmlns:m="http://schemas.openxmlformats.org/officeDocument/2006/math" xmlns="" val="1"/>
+              <ma14:wrappingTextBoxFlag xmlns="" xmlns:m="http://schemas.openxmlformats.org/officeDocument/2006/math" xmlns:a14="http://schemas.microsoft.com/office/drawing/2010/main" xmlns:ma14="http://schemas.microsoft.com/office/mac/drawingml/2011/main" val="1"/>
             </a:ext>
           </a:extLst>
         </p:spPr>
@@ -17860,7 +18811,7 @@
           </a:ln>
           <a:extLst>
             <a:ext uri="{C572A759-6A51-4108-AA02-DFA0A04FC94B}">
-              <ma14:wrappingTextBoxFlag xmlns:ma14="http://schemas.microsoft.com/office/mac/drawingml/2011/main" xmlns:a14="http://schemas.microsoft.com/office/drawing/2010/main" xmlns:m="http://schemas.openxmlformats.org/officeDocument/2006/math" xmlns="" val="1"/>
+              <ma14:wrappingTextBoxFlag xmlns="" xmlns:m="http://schemas.openxmlformats.org/officeDocument/2006/math" xmlns:a14="http://schemas.microsoft.com/office/drawing/2010/main" xmlns:ma14="http://schemas.microsoft.com/office/mac/drawingml/2011/main" val="1"/>
             </a:ext>
           </a:extLst>
         </p:spPr>
@@ -17900,7 +18851,7 @@
           </a:ln>
           <a:extLst>
             <a:ext uri="{C572A759-6A51-4108-AA02-DFA0A04FC94B}">
-              <ma14:wrappingTextBoxFlag xmlns:ma14="http://schemas.microsoft.com/office/mac/drawingml/2011/main" xmlns:a14="http://schemas.microsoft.com/office/drawing/2010/main" xmlns:m="http://schemas.openxmlformats.org/officeDocument/2006/math" xmlns="" val="1"/>
+              <ma14:wrappingTextBoxFlag xmlns="" xmlns:m="http://schemas.openxmlformats.org/officeDocument/2006/math" xmlns:a14="http://schemas.microsoft.com/office/drawing/2010/main" xmlns:ma14="http://schemas.microsoft.com/office/mac/drawingml/2011/main" val="1"/>
             </a:ext>
           </a:extLst>
         </p:spPr>
@@ -17950,7 +18901,7 @@
         </p:nvGraphicFramePr>
         <p:xfrm>
           <a:off x="9309044" y="197402"/>
-          <a:ext cx="2815498" cy="265072"/>
+          <a:ext cx="2815494" cy="320040"/>
         </p:xfrm>
         <a:graphic>
           <a:graphicData uri="http://schemas.openxmlformats.org/drawingml/2006/table">
@@ -18058,7 +19009,7 @@
         </p:nvGraphicFramePr>
         <p:xfrm>
           <a:off x="6200085" y="197402"/>
-          <a:ext cx="2815497" cy="265072"/>
+          <a:ext cx="2815494" cy="320040"/>
         </p:xfrm>
         <a:graphic>
           <a:graphicData uri="http://schemas.openxmlformats.org/drawingml/2006/table">
@@ -18158,7 +19109,7 @@
         </p:nvGraphicFramePr>
         <p:xfrm>
           <a:off x="8509686" y="1289960"/>
-          <a:ext cx="3491813" cy="5349991"/>
+          <a:ext cx="3491813" cy="5349990"/>
         </p:xfrm>
         <a:graphic>
           <a:graphicData uri="http://schemas.openxmlformats.org/drawingml/2006/table">
@@ -18707,7 +19658,7 @@
         </p:nvGraphicFramePr>
         <p:xfrm>
           <a:off x="131601" y="115758"/>
-          <a:ext cx="3313728" cy="813711"/>
+          <a:ext cx="3313726" cy="960120"/>
         </p:xfrm>
         <a:graphic>
           <a:graphicData uri="http://schemas.openxmlformats.org/drawingml/2006/table">
@@ -18984,7 +19935,7 @@
         </p:nvGraphicFramePr>
         <p:xfrm>
           <a:off x="9309044" y="197402"/>
-          <a:ext cx="2815498" cy="265072"/>
+          <a:ext cx="2815494" cy="320040"/>
         </p:xfrm>
         <a:graphic>
           <a:graphicData uri="http://schemas.openxmlformats.org/drawingml/2006/table">
@@ -19092,7 +20043,7 @@
         </p:nvGraphicFramePr>
         <p:xfrm>
           <a:off x="6200085" y="197402"/>
-          <a:ext cx="2815497" cy="265072"/>
+          <a:ext cx="2815494" cy="320040"/>
         </p:xfrm>
         <a:graphic>
           <a:graphicData uri="http://schemas.openxmlformats.org/drawingml/2006/table">
@@ -19192,7 +20143,7 @@
         </p:nvGraphicFramePr>
         <p:xfrm>
           <a:off x="8509686" y="1289960"/>
-          <a:ext cx="3491813" cy="5349991"/>
+          <a:ext cx="3491813" cy="5349990"/>
         </p:xfrm>
         <a:graphic>
           <a:graphicData uri="http://schemas.openxmlformats.org/drawingml/2006/table">
@@ -19741,7 +20692,7 @@
         </p:nvGraphicFramePr>
         <p:xfrm>
           <a:off x="131601" y="115758"/>
-          <a:ext cx="3313728" cy="813711"/>
+          <a:ext cx="3313726" cy="960120"/>
         </p:xfrm>
         <a:graphic>
           <a:graphicData uri="http://schemas.openxmlformats.org/drawingml/2006/table">
@@ -21124,202 +22075,275 @@
       </p:graphicFrame>
       <p:grpSp>
         <p:nvGrpSpPr>
-          <p:cNvPr id="117" name="IT"/>
+          <p:cNvPr id="3" name="그룹 2"/>
           <p:cNvGrpSpPr/>
           <p:nvPr/>
         </p:nvGrpSpPr>
         <p:grpSpPr>
           <a:xfrm>
-            <a:off x="812797" y="1308098"/>
-            <a:ext cx="1016899" cy="913811"/>
-            <a:chOff x="-1" y="0"/>
-            <a:chExt cx="1016898" cy="913810"/>
+            <a:off x="463540" y="2282456"/>
+            <a:ext cx="7355230" cy="4251230"/>
+            <a:chOff x="463540" y="2282456"/>
+            <a:chExt cx="7355230" cy="4251230"/>
           </a:xfrm>
         </p:grpSpPr>
+        <p:pic>
+          <p:nvPicPr>
+            <p:cNvPr id="130" name="이미지" descr="이미지"/>
+            <p:cNvPicPr>
+              <a:picLocks noChangeAspect="1"/>
+            </p:cNvPicPr>
+            <p:nvPr/>
+          </p:nvPicPr>
+          <p:blipFill>
+            <a:blip r:embed="rId2">
+              <a:extLst/>
+            </a:blip>
+            <a:stretch>
+              <a:fillRect/>
+            </a:stretch>
+          </p:blipFill>
+          <p:spPr>
+            <a:xfrm>
+              <a:off x="495738" y="2370432"/>
+              <a:ext cx="1548509" cy="1270003"/>
+            </a:xfrm>
+            <a:prstGeom prst="rect">
+              <a:avLst/>
+            </a:prstGeom>
+            <a:ln w="12700">
+              <a:miter lim="400000"/>
+            </a:ln>
+          </p:spPr>
+        </p:pic>
+        <p:pic>
+          <p:nvPicPr>
+            <p:cNvPr id="131" name="이미지" descr="이미지"/>
+            <p:cNvPicPr>
+              <a:picLocks noChangeAspect="1"/>
+            </p:cNvPicPr>
+            <p:nvPr/>
+          </p:nvPicPr>
+          <p:blipFill>
+            <a:blip r:embed="rId3">
+              <a:extLst/>
+            </a:blip>
+            <a:stretch>
+              <a:fillRect/>
+            </a:stretch>
+          </p:blipFill>
+          <p:spPr>
+            <a:xfrm>
+              <a:off x="2292342" y="2370432"/>
+              <a:ext cx="1548511" cy="1270003"/>
+            </a:xfrm>
+            <a:prstGeom prst="rect">
+              <a:avLst/>
+            </a:prstGeom>
+            <a:ln w="12700">
+              <a:miter lim="400000"/>
+            </a:ln>
+          </p:spPr>
+        </p:pic>
+        <p:pic>
+          <p:nvPicPr>
+            <p:cNvPr id="132" name="이미지" descr="이미지"/>
+            <p:cNvPicPr>
+              <a:picLocks noChangeAspect="1"/>
+            </p:cNvPicPr>
+            <p:nvPr/>
+          </p:nvPicPr>
+          <p:blipFill>
+            <a:blip r:embed="rId4">
+              <a:extLst/>
+            </a:blip>
+            <a:stretch>
+              <a:fillRect/>
+            </a:stretch>
+          </p:blipFill>
+          <p:spPr>
+            <a:xfrm>
+              <a:off x="4036540" y="2321741"/>
+              <a:ext cx="2068531" cy="1270003"/>
+            </a:xfrm>
+            <a:prstGeom prst="rect">
+              <a:avLst/>
+            </a:prstGeom>
+            <a:ln w="12700">
+              <a:miter lim="400000"/>
+            </a:ln>
+          </p:spPr>
+        </p:pic>
+        <p:pic>
+          <p:nvPicPr>
+            <p:cNvPr id="133" name="이미지" descr="이미지"/>
+            <p:cNvPicPr>
+              <a:picLocks noChangeAspect="1"/>
+            </p:cNvPicPr>
+            <p:nvPr/>
+          </p:nvPicPr>
+          <p:blipFill>
+            <a:blip r:embed="rId5">
+              <a:extLst/>
+            </a:blip>
+            <a:stretch>
+              <a:fillRect/>
+            </a:stretch>
+          </p:blipFill>
+          <p:spPr>
+            <a:xfrm>
+              <a:off x="6238394" y="2282456"/>
+              <a:ext cx="1548509" cy="1270004"/>
+            </a:xfrm>
+            <a:prstGeom prst="rect">
+              <a:avLst/>
+            </a:prstGeom>
+            <a:ln w="12700">
+              <a:miter lim="400000"/>
+            </a:ln>
+          </p:spPr>
+        </p:pic>
+        <p:pic>
+          <p:nvPicPr>
+            <p:cNvPr id="134" name="이미지" descr="이미지"/>
+            <p:cNvPicPr>
+              <a:picLocks noChangeAspect="1"/>
+            </p:cNvPicPr>
+            <p:nvPr/>
+          </p:nvPicPr>
+          <p:blipFill>
+            <a:blip r:embed="rId2">
+              <a:extLst/>
+            </a:blip>
+            <a:stretch>
+              <a:fillRect/>
+            </a:stretch>
+          </p:blipFill>
+          <p:spPr>
+            <a:xfrm>
+              <a:off x="463540" y="4506731"/>
+              <a:ext cx="1548511" cy="1270003"/>
+            </a:xfrm>
+            <a:prstGeom prst="rect">
+              <a:avLst/>
+            </a:prstGeom>
+            <a:ln w="12700">
+              <a:miter lim="400000"/>
+            </a:ln>
+          </p:spPr>
+        </p:pic>
+        <p:pic>
+          <p:nvPicPr>
+            <p:cNvPr id="135" name="이미지" descr="이미지"/>
+            <p:cNvPicPr>
+              <a:picLocks noChangeAspect="1"/>
+            </p:cNvPicPr>
+            <p:nvPr/>
+          </p:nvPicPr>
+          <p:blipFill>
+            <a:blip r:embed="rId3">
+              <a:extLst/>
+            </a:blip>
+            <a:stretch>
+              <a:fillRect/>
+            </a:stretch>
+          </p:blipFill>
+          <p:spPr>
+            <a:xfrm>
+              <a:off x="2260144" y="4506731"/>
+              <a:ext cx="1548511" cy="1270003"/>
+            </a:xfrm>
+            <a:prstGeom prst="rect">
+              <a:avLst/>
+            </a:prstGeom>
+            <a:ln w="12700">
+              <a:miter lim="400000"/>
+            </a:ln>
+          </p:spPr>
+        </p:pic>
+        <p:pic>
+          <p:nvPicPr>
+            <p:cNvPr id="136" name="이미지" descr="이미지"/>
+            <p:cNvPicPr>
+              <a:picLocks noChangeAspect="1"/>
+            </p:cNvPicPr>
+            <p:nvPr/>
+          </p:nvPicPr>
+          <p:blipFill>
+            <a:blip r:embed="rId4">
+              <a:extLst/>
+            </a:blip>
+            <a:stretch>
+              <a:fillRect/>
+            </a:stretch>
+          </p:blipFill>
+          <p:spPr>
+            <a:xfrm>
+              <a:off x="4004343" y="4458041"/>
+              <a:ext cx="2068532" cy="1270003"/>
+            </a:xfrm>
+            <a:prstGeom prst="rect">
+              <a:avLst/>
+            </a:prstGeom>
+            <a:ln w="12700">
+              <a:miter lim="400000"/>
+            </a:ln>
+          </p:spPr>
+        </p:pic>
+        <p:pic>
+          <p:nvPicPr>
+            <p:cNvPr id="137" name="이미지" descr="이미지"/>
+            <p:cNvPicPr>
+              <a:picLocks noChangeAspect="1"/>
+            </p:cNvPicPr>
+            <p:nvPr/>
+          </p:nvPicPr>
+          <p:blipFill>
+            <a:blip r:embed="rId5">
+              <a:extLst/>
+            </a:blip>
+            <a:stretch>
+              <a:fillRect/>
+            </a:stretch>
+          </p:blipFill>
+          <p:spPr>
+            <a:xfrm>
+              <a:off x="6193042" y="4439244"/>
+              <a:ext cx="1548511" cy="1270003"/>
+            </a:xfrm>
+            <a:prstGeom prst="rect">
+              <a:avLst/>
+            </a:prstGeom>
+            <a:ln w="12700">
+              <a:miter lim="400000"/>
+            </a:ln>
+          </p:spPr>
+        </p:pic>
         <p:sp>
           <p:nvSpPr>
-            <p:cNvPr id="115" name="타원형"/>
-            <p:cNvSpPr/>
-            <p:nvPr/>
-          </p:nvSpPr>
-          <p:spPr>
-            <a:xfrm>
-              <a:off x="-2" y="-1"/>
-              <a:ext cx="1016899" cy="913811"/>
-            </a:xfrm>
-            <a:prstGeom prst="ellipse">
-              <a:avLst/>
-            </a:prstGeom>
-            <a:solidFill>
-              <a:srgbClr val="FFFFFF"/>
-            </a:solidFill>
-            <a:ln w="12700" cap="flat">
-              <a:solidFill>
-                <a:srgbClr val="000000"/>
-              </a:solidFill>
-              <a:prstDash val="solid"/>
-              <a:miter lim="800000"/>
-            </a:ln>
-            <a:effectLst/>
-          </p:spPr>
-          <p:txBody>
-            <a:bodyPr wrap="square" lIns="45718" tIns="45718" rIns="45718" bIns="45718" numCol="1" anchor="ctr">
-              <a:noAutofit/>
-            </a:bodyPr>
-            <a:lstStyle/>
-            <a:p>
-              <a:pPr algn="ctr">
-                <a:defRPr>
-                  <a:solidFill>
-                    <a:srgbClr val="EF000D"/>
-                  </a:solidFill>
-                  <a:latin typeface="+mn-lt"/>
-                  <a:ea typeface="+mn-ea"/>
-                  <a:cs typeface="+mn-cs"/>
-                  <a:sym typeface="맑은 고딕"/>
-                </a:defRPr>
-              </a:pPr>
-              <a:endParaRPr/>
-            </a:p>
-          </p:txBody>
-        </p:sp>
-        <p:sp>
-          <p:nvSpPr>
-            <p:cNvPr id="116" name="IT"/>
+            <p:cNvPr id="138" name="2020 맥북프로"/>
             <p:cNvSpPr txBox="1"/>
             <p:nvPr/>
           </p:nvSpPr>
           <p:spPr>
             <a:xfrm>
-              <a:off x="148920" y="271483"/>
-              <a:ext cx="719055" cy="370837"/>
+              <a:off x="551151" y="3677575"/>
+              <a:ext cx="1493096" cy="276995"/>
             </a:xfrm>
             <a:prstGeom prst="rect">
               <a:avLst/>
             </a:prstGeom>
-            <a:noFill/>
-            <a:ln w="12700" cap="flat">
-              <a:noFill/>
+            <a:ln w="12700">
               <a:miter lim="400000"/>
             </a:ln>
-            <a:effectLst/>
             <a:extLst>
               <a:ext uri="{C572A759-6A51-4108-AA02-DFA0A04FC94B}">
-                <ma14:wrappingTextBoxFlag xmlns:ma14="http://schemas.microsoft.com/office/mac/drawingml/2011/main" xmlns:a14="http://schemas.microsoft.com/office/drawing/2010/main" xmlns:m="http://schemas.openxmlformats.org/officeDocument/2006/math" xmlns="" val="1"/>
+                <ma14:wrappingTextBoxFlag xmlns="" xmlns:m="http://schemas.openxmlformats.org/officeDocument/2006/math" xmlns:a14="http://schemas.microsoft.com/office/drawing/2010/main" xmlns:ma14="http://schemas.microsoft.com/office/mac/drawingml/2011/main" val="1"/>
               </a:ext>
             </a:extLst>
           </p:spPr>
           <p:txBody>
-            <a:bodyPr wrap="square" lIns="45718" tIns="45718" rIns="45718" bIns="45718" numCol="1" anchor="ctr">
-              <a:spAutoFit/>
-            </a:bodyPr>
-            <a:lstStyle>
-              <a:lvl1pPr algn="ctr">
-                <a:defRPr>
-                  <a:solidFill>
-                    <a:srgbClr val="EF000D"/>
-                  </a:solidFill>
-                  <a:latin typeface="+mn-lt"/>
-                  <a:ea typeface="+mn-ea"/>
-                  <a:cs typeface="+mn-cs"/>
-                  <a:sym typeface="맑은 고딕"/>
-                </a:defRPr>
-              </a:lvl1pPr>
-            </a:lstStyle>
-            <a:p>
-              <a:r>
-                <a:t>IT</a:t>
-              </a:r>
-            </a:p>
-          </p:txBody>
-        </p:sp>
-      </p:grpSp>
-      <p:grpSp>
-        <p:nvGrpSpPr>
-          <p:cNvPr id="120" name="레져"/>
-          <p:cNvGrpSpPr/>
-          <p:nvPr/>
-        </p:nvGrpSpPr>
-        <p:grpSpPr>
-          <a:xfrm>
-            <a:off x="2222498" y="1308098"/>
-            <a:ext cx="1016899" cy="913811"/>
-            <a:chOff x="-1" y="0"/>
-            <a:chExt cx="1016898" cy="913810"/>
-          </a:xfrm>
-        </p:grpSpPr>
-        <p:sp>
-          <p:nvSpPr>
-            <p:cNvPr id="118" name="타원형"/>
-            <p:cNvSpPr/>
-            <p:nvPr/>
-          </p:nvSpPr>
-          <p:spPr>
-            <a:xfrm>
-              <a:off x="-2" y="-1"/>
-              <a:ext cx="1016899" cy="913811"/>
-            </a:xfrm>
-            <a:prstGeom prst="ellipse">
-              <a:avLst/>
-            </a:prstGeom>
-            <a:solidFill>
-              <a:srgbClr val="FFFFFF"/>
-            </a:solidFill>
-            <a:ln w="12700" cap="flat">
-              <a:solidFill>
-                <a:srgbClr val="000000"/>
-              </a:solidFill>
-              <a:prstDash val="solid"/>
-              <a:miter lim="800000"/>
-            </a:ln>
-            <a:effectLst/>
-          </p:spPr>
-          <p:txBody>
-            <a:bodyPr wrap="square" lIns="45718" tIns="45718" rIns="45718" bIns="45718" numCol="1" anchor="ctr">
-              <a:noAutofit/>
-            </a:bodyPr>
-            <a:lstStyle/>
-            <a:p>
-              <a:pPr algn="ctr">
-                <a:defRPr>
-                  <a:latin typeface="+mn-lt"/>
-                  <a:ea typeface="+mn-ea"/>
-                  <a:cs typeface="+mn-cs"/>
-                  <a:sym typeface="맑은 고딕"/>
-                </a:defRPr>
-              </a:pPr>
-              <a:endParaRPr/>
-            </a:p>
-          </p:txBody>
-        </p:sp>
-        <p:sp>
-          <p:nvSpPr>
-            <p:cNvPr id="119" name="레져"/>
-            <p:cNvSpPr txBox="1"/>
-            <p:nvPr/>
-          </p:nvSpPr>
-          <p:spPr>
-            <a:xfrm>
-              <a:off x="148920" y="277833"/>
-              <a:ext cx="719055" cy="358137"/>
-            </a:xfrm>
-            <a:prstGeom prst="rect">
-              <a:avLst/>
-            </a:prstGeom>
-            <a:noFill/>
-            <a:ln w="12700" cap="flat">
-              <a:noFill/>
-              <a:miter lim="400000"/>
-            </a:ln>
-            <a:effectLst/>
-            <a:extLst>
-              <a:ext uri="{C572A759-6A51-4108-AA02-DFA0A04FC94B}">
-                <ma14:wrappingTextBoxFlag xmlns:ma14="http://schemas.microsoft.com/office/mac/drawingml/2011/main" xmlns:a14="http://schemas.microsoft.com/office/drawing/2010/main" xmlns:m="http://schemas.openxmlformats.org/officeDocument/2006/math" xmlns="" val="1"/>
-              </a:ext>
-            </a:extLst>
-          </p:spPr>
-          <p:txBody>
-            <a:bodyPr wrap="square" lIns="45718" tIns="45718" rIns="45718" bIns="45718" numCol="1" anchor="ctr">
+            <a:bodyPr lIns="45718" tIns="45718" rIns="45718" bIns="45718">
               <a:spAutoFit/>
             </a:bodyPr>
             <a:lstStyle>
@@ -21334,98 +22358,100 @@
             </a:lstStyle>
             <a:p>
               <a:r>
-                <a:t>레져</a:t>
+                <a:rPr sz="1200" dirty="0"/>
+                <a:t>2020 </a:t>
               </a:r>
+              <a:r>
+                <a:rPr sz="1200" dirty="0" err="1"/>
+                <a:t>맥북프로</a:t>
+              </a:r>
+              <a:endParaRPr sz="1200" dirty="0"/>
             </a:p>
           </p:txBody>
         </p:sp>
-      </p:grpSp>
-      <p:grpSp>
-        <p:nvGrpSpPr>
-          <p:cNvPr id="123" name="가전"/>
-          <p:cNvGrpSpPr/>
-          <p:nvPr/>
-        </p:nvGrpSpPr>
-        <p:grpSpPr>
-          <a:xfrm>
-            <a:off x="3632197" y="1308098"/>
-            <a:ext cx="1016899" cy="913811"/>
-            <a:chOff x="-1" y="0"/>
-            <a:chExt cx="1016898" cy="913810"/>
-          </a:xfrm>
-        </p:grpSpPr>
         <p:sp>
           <p:nvSpPr>
-            <p:cNvPr id="121" name="타원형"/>
-            <p:cNvSpPr/>
+            <p:cNvPr id="139" name="대여기간 6/12까지…"/>
+            <p:cNvSpPr txBox="1"/>
             <p:nvPr/>
           </p:nvSpPr>
           <p:spPr>
             <a:xfrm>
-              <a:off x="-2" y="-1"/>
-              <a:ext cx="1016899" cy="913811"/>
+              <a:off x="565422" y="4033718"/>
+              <a:ext cx="1385953" cy="461661"/>
             </a:xfrm>
-            <a:prstGeom prst="ellipse">
+            <a:prstGeom prst="rect">
               <a:avLst/>
             </a:prstGeom>
-            <a:solidFill>
-              <a:srgbClr val="FFFFFF"/>
-            </a:solidFill>
-            <a:ln w="12700" cap="flat">
-              <a:solidFill>
-                <a:srgbClr val="000000"/>
-              </a:solidFill>
-              <a:prstDash val="solid"/>
-              <a:miter lim="800000"/>
+            <a:ln w="12700">
+              <a:miter lim="400000"/>
             </a:ln>
-            <a:effectLst/>
+            <a:extLst>
+              <a:ext uri="{C572A759-6A51-4108-AA02-DFA0A04FC94B}">
+                <ma14:wrappingTextBoxFlag xmlns="" xmlns:m="http://schemas.openxmlformats.org/officeDocument/2006/math" xmlns:a14="http://schemas.microsoft.com/office/drawing/2010/main" xmlns:ma14="http://schemas.microsoft.com/office/mac/drawingml/2011/main" val="1"/>
+              </a:ext>
+            </a:extLst>
           </p:spPr>
           <p:txBody>
-            <a:bodyPr wrap="square" lIns="45718" tIns="45718" rIns="45718" bIns="45718" numCol="1" anchor="ctr">
-              <a:noAutofit/>
+            <a:bodyPr wrap="none" lIns="45718" tIns="45718" rIns="45718" bIns="45718">
+              <a:spAutoFit/>
             </a:bodyPr>
             <a:lstStyle/>
             <a:p>
               <a:pPr algn="ctr">
-                <a:defRPr>
+                <a:defRPr sz="1300">
                   <a:latin typeface="+mn-lt"/>
                   <a:ea typeface="+mn-ea"/>
                   <a:cs typeface="+mn-cs"/>
                   <a:sym typeface="맑은 고딕"/>
                 </a:defRPr>
               </a:pPr>
-              <a:endParaRPr/>
+              <a:r>
+                <a:rPr sz="1200"/>
+                <a:t>대여기간 6/12까지</a:t>
+              </a:r>
+            </a:p>
+            <a:p>
+              <a:pPr algn="ctr">
+                <a:defRPr sz="1300">
+                  <a:latin typeface="+mn-lt"/>
+                  <a:ea typeface="+mn-ea"/>
+                  <a:cs typeface="+mn-cs"/>
+                  <a:sym typeface="맑은 고딕"/>
+                </a:defRPr>
+              </a:pPr>
+              <a:r>
+                <a:rPr sz="1200"/>
+                <a:t>300,000원</a:t>
+              </a:r>
             </a:p>
           </p:txBody>
         </p:sp>
         <p:sp>
           <p:nvSpPr>
-            <p:cNvPr id="122" name="가전"/>
+            <p:cNvPr id="140" name="2019 아이맥"/>
             <p:cNvSpPr txBox="1"/>
             <p:nvPr/>
           </p:nvSpPr>
           <p:spPr>
             <a:xfrm>
-              <a:off x="148920" y="277833"/>
-              <a:ext cx="719055" cy="358137"/>
+              <a:off x="2411284" y="3677575"/>
+              <a:ext cx="1493097" cy="276995"/>
             </a:xfrm>
             <a:prstGeom prst="rect">
               <a:avLst/>
             </a:prstGeom>
-            <a:noFill/>
-            <a:ln w="12700" cap="flat">
-              <a:noFill/>
+            <a:ln w="12700">
               <a:miter lim="400000"/>
             </a:ln>
-            <a:effectLst/>
             <a:extLst>
               <a:ext uri="{C572A759-6A51-4108-AA02-DFA0A04FC94B}">
-                <ma14:wrappingTextBoxFlag xmlns:ma14="http://schemas.microsoft.com/office/mac/drawingml/2011/main" xmlns:a14="http://schemas.microsoft.com/office/drawing/2010/main" xmlns:m="http://schemas.openxmlformats.org/officeDocument/2006/math" xmlns="" val="1"/>
+                <ma14:wrappingTextBoxFlag xmlns="" xmlns:m="http://schemas.openxmlformats.org/officeDocument/2006/math" xmlns:a14="http://schemas.microsoft.com/office/drawing/2010/main" xmlns:ma14="http://schemas.microsoft.com/office/mac/drawingml/2011/main" val="1"/>
               </a:ext>
             </a:extLst>
           </p:spPr>
           <p:txBody>
-            <a:bodyPr wrap="square" lIns="45718" tIns="45718" rIns="45718" bIns="45718" numCol="1" anchor="ctr">
+            <a:bodyPr lIns="45718" tIns="45718" rIns="45718" bIns="45718">
               <a:spAutoFit/>
             </a:bodyPr>
             <a:lstStyle>
@@ -21440,98 +22466,99 @@
             </a:lstStyle>
             <a:p>
               <a:r>
-                <a:t>가전</a:t>
+                <a:rPr sz="1200"/>
+                <a:t>2019 아이맥</a:t>
               </a:r>
             </a:p>
           </p:txBody>
         </p:sp>
-      </p:grpSp>
-      <p:grpSp>
-        <p:nvGrpSpPr>
-          <p:cNvPr id="126" name="헬스"/>
-          <p:cNvGrpSpPr/>
-          <p:nvPr/>
-        </p:nvGrpSpPr>
-        <p:grpSpPr>
-          <a:xfrm>
-            <a:off x="5041897" y="1308098"/>
-            <a:ext cx="1016899" cy="913811"/>
-            <a:chOff x="-1" y="0"/>
-            <a:chExt cx="1016898" cy="913810"/>
-          </a:xfrm>
-        </p:grpSpPr>
         <p:sp>
           <p:nvSpPr>
-            <p:cNvPr id="124" name="타원형"/>
-            <p:cNvSpPr/>
+            <p:cNvPr id="141" name="대여기간 6/12까지…"/>
+            <p:cNvSpPr txBox="1"/>
             <p:nvPr/>
           </p:nvSpPr>
           <p:spPr>
             <a:xfrm>
-              <a:off x="-2" y="-1"/>
-              <a:ext cx="1016899" cy="913811"/>
+              <a:off x="2424393" y="4018260"/>
+              <a:ext cx="1385953" cy="461661"/>
             </a:xfrm>
-            <a:prstGeom prst="ellipse">
+            <a:prstGeom prst="rect">
               <a:avLst/>
             </a:prstGeom>
-            <a:solidFill>
-              <a:srgbClr val="FFFFFF"/>
-            </a:solidFill>
-            <a:ln w="12700" cap="flat">
-              <a:solidFill>
-                <a:srgbClr val="000000"/>
-              </a:solidFill>
-              <a:prstDash val="solid"/>
-              <a:miter lim="800000"/>
+            <a:ln w="12700">
+              <a:miter lim="400000"/>
             </a:ln>
-            <a:effectLst/>
+            <a:extLst>
+              <a:ext uri="{C572A759-6A51-4108-AA02-DFA0A04FC94B}">
+                <ma14:wrappingTextBoxFlag xmlns="" xmlns:m="http://schemas.openxmlformats.org/officeDocument/2006/math" xmlns:a14="http://schemas.microsoft.com/office/drawing/2010/main" xmlns:ma14="http://schemas.microsoft.com/office/mac/drawingml/2011/main" val="1"/>
+              </a:ext>
+            </a:extLst>
           </p:spPr>
           <p:txBody>
-            <a:bodyPr wrap="square" lIns="45718" tIns="45718" rIns="45718" bIns="45718" numCol="1" anchor="ctr">
-              <a:noAutofit/>
+            <a:bodyPr wrap="none" lIns="45718" tIns="45718" rIns="45718" bIns="45718">
+              <a:spAutoFit/>
             </a:bodyPr>
             <a:lstStyle/>
             <a:p>
               <a:pPr algn="ctr">
-                <a:defRPr>
+                <a:defRPr sz="1300">
                   <a:latin typeface="+mn-lt"/>
                   <a:ea typeface="+mn-ea"/>
                   <a:cs typeface="+mn-cs"/>
                   <a:sym typeface="맑은 고딕"/>
                 </a:defRPr>
               </a:pPr>
-              <a:endParaRPr/>
+              <a:r>
+                <a:rPr sz="1200" dirty="0" err="1"/>
+                <a:t>대여기간</a:t>
+              </a:r>
+              <a:r>
+                <a:rPr sz="1200" dirty="0"/>
+                <a:t> 6/12까지</a:t>
+              </a:r>
+            </a:p>
+            <a:p>
+              <a:pPr algn="ctr">
+                <a:defRPr sz="1300">
+                  <a:latin typeface="+mn-lt"/>
+                  <a:ea typeface="+mn-ea"/>
+                  <a:cs typeface="+mn-cs"/>
+                  <a:sym typeface="맑은 고딕"/>
+                </a:defRPr>
+              </a:pPr>
+              <a:r>
+                <a:rPr sz="1200" dirty="0"/>
+                <a:t>300,000원</a:t>
+              </a:r>
             </a:p>
           </p:txBody>
         </p:sp>
         <p:sp>
           <p:nvSpPr>
-            <p:cNvPr id="125" name="헬스"/>
+            <p:cNvPr id="142" name="2020 아이패드"/>
             <p:cNvSpPr txBox="1"/>
             <p:nvPr/>
           </p:nvSpPr>
           <p:spPr>
             <a:xfrm>
-              <a:off x="148920" y="277833"/>
-              <a:ext cx="719055" cy="358137"/>
+              <a:off x="4367898" y="3677575"/>
+              <a:ext cx="1493098" cy="276995"/>
             </a:xfrm>
             <a:prstGeom prst="rect">
               <a:avLst/>
             </a:prstGeom>
-            <a:noFill/>
-            <a:ln w="12700" cap="flat">
-              <a:noFill/>
+            <a:ln w="12700">
               <a:miter lim="400000"/>
             </a:ln>
-            <a:effectLst/>
             <a:extLst>
               <a:ext uri="{C572A759-6A51-4108-AA02-DFA0A04FC94B}">
-                <ma14:wrappingTextBoxFlag xmlns:ma14="http://schemas.microsoft.com/office/mac/drawingml/2011/main" xmlns:a14="http://schemas.microsoft.com/office/drawing/2010/main" xmlns:m="http://schemas.openxmlformats.org/officeDocument/2006/math" xmlns="" val="1"/>
+                <ma14:wrappingTextBoxFlag xmlns="" xmlns:m="http://schemas.openxmlformats.org/officeDocument/2006/math" xmlns:a14="http://schemas.microsoft.com/office/drawing/2010/main" xmlns:ma14="http://schemas.microsoft.com/office/mac/drawingml/2011/main" val="1"/>
               </a:ext>
             </a:extLst>
           </p:spPr>
           <p:txBody>
-            <a:bodyPr wrap="square" lIns="45718" tIns="45718" rIns="45718" bIns="45718" numCol="1" anchor="ctr">
+            <a:bodyPr lIns="45718" tIns="45718" rIns="45718" bIns="45718">
               <a:spAutoFit/>
             </a:bodyPr>
             <a:lstStyle>
@@ -21546,98 +22573,95 @@
             </a:lstStyle>
             <a:p>
               <a:r>
-                <a:t>헬스</a:t>
+                <a:rPr sz="1200"/>
+                <a:t>2020 아이패드</a:t>
               </a:r>
             </a:p>
           </p:txBody>
         </p:sp>
-      </p:grpSp>
-      <p:grpSp>
-        <p:nvGrpSpPr>
-          <p:cNvPr id="129" name="차량"/>
-          <p:cNvGrpSpPr/>
-          <p:nvPr/>
-        </p:nvGrpSpPr>
-        <p:grpSpPr>
-          <a:xfrm>
-            <a:off x="6451597" y="1308098"/>
-            <a:ext cx="1016899" cy="913811"/>
-            <a:chOff x="-1" y="0"/>
-            <a:chExt cx="1016898" cy="913810"/>
-          </a:xfrm>
-        </p:grpSpPr>
         <p:sp>
           <p:nvSpPr>
-            <p:cNvPr id="127" name="타원형"/>
-            <p:cNvSpPr/>
+            <p:cNvPr id="143" name="대여기간 6/12까지…"/>
+            <p:cNvSpPr txBox="1"/>
             <p:nvPr/>
           </p:nvSpPr>
           <p:spPr>
             <a:xfrm>
-              <a:off x="-2" y="-1"/>
-              <a:ext cx="1016899" cy="913811"/>
+              <a:off x="4382169" y="4033718"/>
+              <a:ext cx="1385953" cy="461661"/>
             </a:xfrm>
-            <a:prstGeom prst="ellipse">
+            <a:prstGeom prst="rect">
               <a:avLst/>
             </a:prstGeom>
-            <a:solidFill>
-              <a:srgbClr val="FFFFFF"/>
-            </a:solidFill>
-            <a:ln w="12700" cap="flat">
-              <a:solidFill>
-                <a:srgbClr val="000000"/>
-              </a:solidFill>
-              <a:prstDash val="solid"/>
-              <a:miter lim="800000"/>
+            <a:ln w="12700">
+              <a:miter lim="400000"/>
             </a:ln>
-            <a:effectLst/>
+            <a:extLst>
+              <a:ext uri="{C572A759-6A51-4108-AA02-DFA0A04FC94B}">
+                <ma14:wrappingTextBoxFlag xmlns="" xmlns:m="http://schemas.openxmlformats.org/officeDocument/2006/math" xmlns:a14="http://schemas.microsoft.com/office/drawing/2010/main" xmlns:ma14="http://schemas.microsoft.com/office/mac/drawingml/2011/main" val="1"/>
+              </a:ext>
+            </a:extLst>
           </p:spPr>
           <p:txBody>
-            <a:bodyPr wrap="square" lIns="45718" tIns="45718" rIns="45718" bIns="45718" numCol="1" anchor="ctr">
-              <a:noAutofit/>
+            <a:bodyPr wrap="none" lIns="45718" tIns="45718" rIns="45718" bIns="45718">
+              <a:spAutoFit/>
             </a:bodyPr>
             <a:lstStyle/>
             <a:p>
               <a:pPr algn="ctr">
-                <a:defRPr>
+                <a:defRPr sz="1300">
                   <a:latin typeface="+mn-lt"/>
                   <a:ea typeface="+mn-ea"/>
                   <a:cs typeface="+mn-cs"/>
                   <a:sym typeface="맑은 고딕"/>
                 </a:defRPr>
               </a:pPr>
-              <a:endParaRPr/>
+              <a:r>
+                <a:rPr sz="1200"/>
+                <a:t>대여기간 6/12까지</a:t>
+              </a:r>
+            </a:p>
+            <a:p>
+              <a:pPr algn="ctr">
+                <a:defRPr sz="1300">
+                  <a:latin typeface="+mn-lt"/>
+                  <a:ea typeface="+mn-ea"/>
+                  <a:cs typeface="+mn-cs"/>
+                  <a:sym typeface="맑은 고딕"/>
+                </a:defRPr>
+              </a:pPr>
+              <a:r>
+                <a:rPr sz="1200"/>
+                <a:t>300,000원</a:t>
+              </a:r>
             </a:p>
           </p:txBody>
         </p:sp>
         <p:sp>
           <p:nvSpPr>
-            <p:cNvPr id="128" name="차량"/>
+            <p:cNvPr id="144" name="2018 맥미니"/>
             <p:cNvSpPr txBox="1"/>
             <p:nvPr/>
           </p:nvSpPr>
           <p:spPr>
             <a:xfrm>
-              <a:off x="148920" y="277833"/>
-              <a:ext cx="719055" cy="358137"/>
+              <a:off x="6325673" y="3606663"/>
+              <a:ext cx="1493097" cy="276995"/>
             </a:xfrm>
             <a:prstGeom prst="rect">
               <a:avLst/>
             </a:prstGeom>
-            <a:noFill/>
-            <a:ln w="12700" cap="flat">
-              <a:noFill/>
+            <a:ln w="12700">
               <a:miter lim="400000"/>
             </a:ln>
-            <a:effectLst/>
             <a:extLst>
               <a:ext uri="{C572A759-6A51-4108-AA02-DFA0A04FC94B}">
-                <ma14:wrappingTextBoxFlag xmlns:ma14="http://schemas.microsoft.com/office/mac/drawingml/2011/main" xmlns:a14="http://schemas.microsoft.com/office/drawing/2010/main" xmlns:m="http://schemas.openxmlformats.org/officeDocument/2006/math" xmlns="" val="1"/>
+                <ma14:wrappingTextBoxFlag xmlns="" xmlns:m="http://schemas.openxmlformats.org/officeDocument/2006/math" xmlns:a14="http://schemas.microsoft.com/office/drawing/2010/main" xmlns:ma14="http://schemas.microsoft.com/office/mac/drawingml/2011/main" val="1"/>
               </a:ext>
             </a:extLst>
           </p:spPr>
           <p:txBody>
-            <a:bodyPr wrap="square" lIns="45718" tIns="45718" rIns="45718" bIns="45718" numCol="1" anchor="ctr">
+            <a:bodyPr lIns="45718" tIns="45718" rIns="45718" bIns="45718">
               <a:spAutoFit/>
             </a:bodyPr>
             <a:lstStyle>
@@ -21652,1171 +22676,478 @@
             </a:lstStyle>
             <a:p>
               <a:r>
-                <a:t>차량</a:t>
+                <a:rPr sz="1200"/>
+                <a:t>2018 맥미니</a:t>
               </a:r>
-            </a:p>
-          </p:txBody>
-        </p:sp>
-      </p:grpSp>
-      <p:pic>
-        <p:nvPicPr>
-          <p:cNvPr id="130" name="이미지" descr="이미지"/>
-          <p:cNvPicPr>
-            <a:picLocks noChangeAspect="1"/>
-          </p:cNvPicPr>
-          <p:nvPr/>
-        </p:nvPicPr>
-        <p:blipFill>
-          <a:blip r:embed="rId2">
-            <a:extLst/>
-          </a:blip>
-          <a:stretch>
-            <a:fillRect/>
-          </a:stretch>
-        </p:blipFill>
-        <p:spPr>
-          <a:xfrm>
-            <a:off x="495738" y="2370432"/>
-            <a:ext cx="1548509" cy="1270003"/>
-          </a:xfrm>
-          <a:prstGeom prst="rect">
-            <a:avLst/>
-          </a:prstGeom>
-          <a:ln w="12700">
-            <a:miter lim="400000"/>
-          </a:ln>
-        </p:spPr>
-      </p:pic>
-      <p:pic>
-        <p:nvPicPr>
-          <p:cNvPr id="131" name="이미지" descr="이미지"/>
-          <p:cNvPicPr>
-            <a:picLocks noChangeAspect="1"/>
-          </p:cNvPicPr>
-          <p:nvPr/>
-        </p:nvPicPr>
-        <p:blipFill>
-          <a:blip r:embed="rId3">
-            <a:extLst/>
-          </a:blip>
-          <a:stretch>
-            <a:fillRect/>
-          </a:stretch>
-        </p:blipFill>
-        <p:spPr>
-          <a:xfrm>
-            <a:off x="2292342" y="2370432"/>
-            <a:ext cx="1548511" cy="1270003"/>
-          </a:xfrm>
-          <a:prstGeom prst="rect">
-            <a:avLst/>
-          </a:prstGeom>
-          <a:ln w="12700">
-            <a:miter lim="400000"/>
-          </a:ln>
-        </p:spPr>
-      </p:pic>
-      <p:pic>
-        <p:nvPicPr>
-          <p:cNvPr id="132" name="이미지" descr="이미지"/>
-          <p:cNvPicPr>
-            <a:picLocks noChangeAspect="1"/>
-          </p:cNvPicPr>
-          <p:nvPr/>
-        </p:nvPicPr>
-        <p:blipFill>
-          <a:blip r:embed="rId4">
-            <a:extLst/>
-          </a:blip>
-          <a:stretch>
-            <a:fillRect/>
-          </a:stretch>
-        </p:blipFill>
-        <p:spPr>
-          <a:xfrm>
-            <a:off x="4036540" y="2321741"/>
-            <a:ext cx="2068531" cy="1270003"/>
-          </a:xfrm>
-          <a:prstGeom prst="rect">
-            <a:avLst/>
-          </a:prstGeom>
-          <a:ln w="12700">
-            <a:miter lim="400000"/>
-          </a:ln>
-        </p:spPr>
-      </p:pic>
-      <p:pic>
-        <p:nvPicPr>
-          <p:cNvPr id="133" name="이미지" descr="이미지"/>
-          <p:cNvPicPr>
-            <a:picLocks noChangeAspect="1"/>
-          </p:cNvPicPr>
-          <p:nvPr/>
-        </p:nvPicPr>
-        <p:blipFill>
-          <a:blip r:embed="rId5">
-            <a:extLst/>
-          </a:blip>
-          <a:stretch>
-            <a:fillRect/>
-          </a:stretch>
-        </p:blipFill>
-        <p:spPr>
-          <a:xfrm>
-            <a:off x="6238394" y="2282456"/>
-            <a:ext cx="1548509" cy="1270004"/>
-          </a:xfrm>
-          <a:prstGeom prst="rect">
-            <a:avLst/>
-          </a:prstGeom>
-          <a:ln w="12700">
-            <a:miter lim="400000"/>
-          </a:ln>
-        </p:spPr>
-      </p:pic>
-      <p:pic>
-        <p:nvPicPr>
-          <p:cNvPr id="134" name="이미지" descr="이미지"/>
-          <p:cNvPicPr>
-            <a:picLocks noChangeAspect="1"/>
-          </p:cNvPicPr>
-          <p:nvPr/>
-        </p:nvPicPr>
-        <p:blipFill>
-          <a:blip r:embed="rId2">
-            <a:extLst/>
-          </a:blip>
-          <a:stretch>
-            <a:fillRect/>
-          </a:stretch>
-        </p:blipFill>
-        <p:spPr>
-          <a:xfrm>
-            <a:off x="463540" y="4506731"/>
-            <a:ext cx="1548511" cy="1270003"/>
-          </a:xfrm>
-          <a:prstGeom prst="rect">
-            <a:avLst/>
-          </a:prstGeom>
-          <a:ln w="12700">
-            <a:miter lim="400000"/>
-          </a:ln>
-        </p:spPr>
-      </p:pic>
-      <p:pic>
-        <p:nvPicPr>
-          <p:cNvPr id="135" name="이미지" descr="이미지"/>
-          <p:cNvPicPr>
-            <a:picLocks noChangeAspect="1"/>
-          </p:cNvPicPr>
-          <p:nvPr/>
-        </p:nvPicPr>
-        <p:blipFill>
-          <a:blip r:embed="rId3">
-            <a:extLst/>
-          </a:blip>
-          <a:stretch>
-            <a:fillRect/>
-          </a:stretch>
-        </p:blipFill>
-        <p:spPr>
-          <a:xfrm>
-            <a:off x="2260144" y="4506731"/>
-            <a:ext cx="1548511" cy="1270003"/>
-          </a:xfrm>
-          <a:prstGeom prst="rect">
-            <a:avLst/>
-          </a:prstGeom>
-          <a:ln w="12700">
-            <a:miter lim="400000"/>
-          </a:ln>
-        </p:spPr>
-      </p:pic>
-      <p:pic>
-        <p:nvPicPr>
-          <p:cNvPr id="136" name="이미지" descr="이미지"/>
-          <p:cNvPicPr>
-            <a:picLocks noChangeAspect="1"/>
-          </p:cNvPicPr>
-          <p:nvPr/>
-        </p:nvPicPr>
-        <p:blipFill>
-          <a:blip r:embed="rId4">
-            <a:extLst/>
-          </a:blip>
-          <a:stretch>
-            <a:fillRect/>
-          </a:stretch>
-        </p:blipFill>
-        <p:spPr>
-          <a:xfrm>
-            <a:off x="4004343" y="4458041"/>
-            <a:ext cx="2068532" cy="1270003"/>
-          </a:xfrm>
-          <a:prstGeom prst="rect">
-            <a:avLst/>
-          </a:prstGeom>
-          <a:ln w="12700">
-            <a:miter lim="400000"/>
-          </a:ln>
-        </p:spPr>
-      </p:pic>
-      <p:pic>
-        <p:nvPicPr>
-          <p:cNvPr id="137" name="이미지" descr="이미지"/>
-          <p:cNvPicPr>
-            <a:picLocks noChangeAspect="1"/>
-          </p:cNvPicPr>
-          <p:nvPr/>
-        </p:nvPicPr>
-        <p:blipFill>
-          <a:blip r:embed="rId5">
-            <a:extLst/>
-          </a:blip>
-          <a:stretch>
-            <a:fillRect/>
-          </a:stretch>
-        </p:blipFill>
-        <p:spPr>
-          <a:xfrm>
-            <a:off x="6193042" y="4439244"/>
-            <a:ext cx="1548511" cy="1270003"/>
-          </a:xfrm>
-          <a:prstGeom prst="rect">
-            <a:avLst/>
-          </a:prstGeom>
-          <a:ln w="12700">
-            <a:miter lim="400000"/>
-          </a:ln>
-        </p:spPr>
-      </p:pic>
-      <p:sp>
-        <p:nvSpPr>
-          <p:cNvPr id="138" name="2020 맥북프로"/>
-          <p:cNvSpPr txBox="1"/>
-          <p:nvPr/>
-        </p:nvSpPr>
-        <p:spPr>
-          <a:xfrm>
-            <a:off x="551151" y="3677575"/>
-            <a:ext cx="1493096" cy="276995"/>
-          </a:xfrm>
-          <a:prstGeom prst="rect">
-            <a:avLst/>
-          </a:prstGeom>
-          <a:ln w="12700">
-            <a:miter lim="400000"/>
-          </a:ln>
-          <a:extLst>
-            <a:ext uri="{C572A759-6A51-4108-AA02-DFA0A04FC94B}">
-              <ma14:wrappingTextBoxFlag xmlns:ma14="http://schemas.microsoft.com/office/mac/drawingml/2011/main" xmlns:a14="http://schemas.microsoft.com/office/drawing/2010/main" xmlns:m="http://schemas.openxmlformats.org/officeDocument/2006/math" xmlns="" val="1"/>
-            </a:ext>
-          </a:extLst>
-        </p:spPr>
-        <p:txBody>
-          <a:bodyPr lIns="45718" tIns="45718" rIns="45718" bIns="45718">
-            <a:spAutoFit/>
-          </a:bodyPr>
-          <a:lstStyle>
-            <a:lvl1pPr algn="ctr">
-              <a:defRPr>
-                <a:latin typeface="+mn-lt"/>
-                <a:ea typeface="+mn-ea"/>
-                <a:cs typeface="+mn-cs"/>
-                <a:sym typeface="맑은 고딕"/>
-              </a:defRPr>
-            </a:lvl1pPr>
-          </a:lstStyle>
-          <a:p>
-            <a:r>
-              <a:rPr sz="1200" dirty="0"/>
-              <a:t>2020 </a:t>
-            </a:r>
-            <a:r>
-              <a:rPr sz="1200" dirty="0" err="1"/>
-              <a:t>맥북프로</a:t>
-            </a:r>
-            <a:endParaRPr sz="1200" dirty="0"/>
-          </a:p>
-        </p:txBody>
-      </p:sp>
-      <p:sp>
-        <p:nvSpPr>
-          <p:cNvPr id="139" name="대여기간 6/12까지…"/>
-          <p:cNvSpPr txBox="1"/>
-          <p:nvPr/>
-        </p:nvSpPr>
-        <p:spPr>
-          <a:xfrm>
-            <a:off x="565422" y="4033718"/>
-            <a:ext cx="1385953" cy="461661"/>
-          </a:xfrm>
-          <a:prstGeom prst="rect">
-            <a:avLst/>
-          </a:prstGeom>
-          <a:ln w="12700">
-            <a:miter lim="400000"/>
-          </a:ln>
-          <a:extLst>
-            <a:ext uri="{C572A759-6A51-4108-AA02-DFA0A04FC94B}">
-              <ma14:wrappingTextBoxFlag xmlns:ma14="http://schemas.microsoft.com/office/mac/drawingml/2011/main" xmlns:a14="http://schemas.microsoft.com/office/drawing/2010/main" xmlns:m="http://schemas.openxmlformats.org/officeDocument/2006/math" xmlns="" val="1"/>
-            </a:ext>
-          </a:extLst>
-        </p:spPr>
-        <p:txBody>
-          <a:bodyPr wrap="none" lIns="45718" tIns="45718" rIns="45718" bIns="45718">
-            <a:spAutoFit/>
-          </a:bodyPr>
-          <a:lstStyle/>
-          <a:p>
-            <a:pPr algn="ctr">
-              <a:defRPr sz="1300">
-                <a:latin typeface="+mn-lt"/>
-                <a:ea typeface="+mn-ea"/>
-                <a:cs typeface="+mn-cs"/>
-                <a:sym typeface="맑은 고딕"/>
-              </a:defRPr>
-            </a:pPr>
-            <a:r>
-              <a:rPr sz="1200"/>
-              <a:t>대여기간 6/12까지</a:t>
-            </a:r>
-          </a:p>
-          <a:p>
-            <a:pPr algn="ctr">
-              <a:defRPr sz="1300">
-                <a:latin typeface="+mn-lt"/>
-                <a:ea typeface="+mn-ea"/>
-                <a:cs typeface="+mn-cs"/>
-                <a:sym typeface="맑은 고딕"/>
-              </a:defRPr>
-            </a:pPr>
-            <a:r>
-              <a:rPr sz="1200"/>
-              <a:t>300,000원</a:t>
-            </a:r>
-          </a:p>
-        </p:txBody>
-      </p:sp>
-      <p:sp>
-        <p:nvSpPr>
-          <p:cNvPr id="140" name="2019 아이맥"/>
-          <p:cNvSpPr txBox="1"/>
-          <p:nvPr/>
-        </p:nvSpPr>
-        <p:spPr>
-          <a:xfrm>
-            <a:off x="2411284" y="3677575"/>
-            <a:ext cx="1493097" cy="276995"/>
-          </a:xfrm>
-          <a:prstGeom prst="rect">
-            <a:avLst/>
-          </a:prstGeom>
-          <a:ln w="12700">
-            <a:miter lim="400000"/>
-          </a:ln>
-          <a:extLst>
-            <a:ext uri="{C572A759-6A51-4108-AA02-DFA0A04FC94B}">
-              <ma14:wrappingTextBoxFlag xmlns:ma14="http://schemas.microsoft.com/office/mac/drawingml/2011/main" xmlns:a14="http://schemas.microsoft.com/office/drawing/2010/main" xmlns:m="http://schemas.openxmlformats.org/officeDocument/2006/math" xmlns="" val="1"/>
-            </a:ext>
-          </a:extLst>
-        </p:spPr>
-        <p:txBody>
-          <a:bodyPr lIns="45718" tIns="45718" rIns="45718" bIns="45718">
-            <a:spAutoFit/>
-          </a:bodyPr>
-          <a:lstStyle>
-            <a:lvl1pPr algn="ctr">
-              <a:defRPr>
-                <a:latin typeface="+mn-lt"/>
-                <a:ea typeface="+mn-ea"/>
-                <a:cs typeface="+mn-cs"/>
-                <a:sym typeface="맑은 고딕"/>
-              </a:defRPr>
-            </a:lvl1pPr>
-          </a:lstStyle>
-          <a:p>
-            <a:r>
-              <a:rPr sz="1200"/>
-              <a:t>2019 아이맥</a:t>
-            </a:r>
-          </a:p>
-        </p:txBody>
-      </p:sp>
-      <p:sp>
-        <p:nvSpPr>
-          <p:cNvPr id="141" name="대여기간 6/12까지…"/>
-          <p:cNvSpPr txBox="1"/>
-          <p:nvPr/>
-        </p:nvSpPr>
-        <p:spPr>
-          <a:xfrm>
-            <a:off x="2424393" y="4018260"/>
-            <a:ext cx="1385953" cy="461661"/>
-          </a:xfrm>
-          <a:prstGeom prst="rect">
-            <a:avLst/>
-          </a:prstGeom>
-          <a:ln w="12700">
-            <a:miter lim="400000"/>
-          </a:ln>
-          <a:extLst>
-            <a:ext uri="{C572A759-6A51-4108-AA02-DFA0A04FC94B}">
-              <ma14:wrappingTextBoxFlag xmlns:ma14="http://schemas.microsoft.com/office/mac/drawingml/2011/main" xmlns:a14="http://schemas.microsoft.com/office/drawing/2010/main" xmlns:m="http://schemas.openxmlformats.org/officeDocument/2006/math" xmlns="" val="1"/>
-            </a:ext>
-          </a:extLst>
-        </p:spPr>
-        <p:txBody>
-          <a:bodyPr wrap="none" lIns="45718" tIns="45718" rIns="45718" bIns="45718">
-            <a:spAutoFit/>
-          </a:bodyPr>
-          <a:lstStyle/>
-          <a:p>
-            <a:pPr algn="ctr">
-              <a:defRPr sz="1300">
-                <a:latin typeface="+mn-lt"/>
-                <a:ea typeface="+mn-ea"/>
-                <a:cs typeface="+mn-cs"/>
-                <a:sym typeface="맑은 고딕"/>
-              </a:defRPr>
-            </a:pPr>
-            <a:r>
-              <a:rPr sz="1200"/>
-              <a:t>대여기간 6/12까지</a:t>
-            </a:r>
-          </a:p>
-          <a:p>
-            <a:pPr algn="ctr">
-              <a:defRPr sz="1300">
-                <a:latin typeface="+mn-lt"/>
-                <a:ea typeface="+mn-ea"/>
-                <a:cs typeface="+mn-cs"/>
-                <a:sym typeface="맑은 고딕"/>
-              </a:defRPr>
-            </a:pPr>
-            <a:r>
-              <a:rPr sz="1200"/>
-              <a:t>300,000원</a:t>
-            </a:r>
-          </a:p>
-        </p:txBody>
-      </p:sp>
-      <p:sp>
-        <p:nvSpPr>
-          <p:cNvPr id="142" name="2020 아이패드"/>
-          <p:cNvSpPr txBox="1"/>
-          <p:nvPr/>
-        </p:nvSpPr>
-        <p:spPr>
-          <a:xfrm>
-            <a:off x="4367898" y="3677575"/>
-            <a:ext cx="1493098" cy="276995"/>
-          </a:xfrm>
-          <a:prstGeom prst="rect">
-            <a:avLst/>
-          </a:prstGeom>
-          <a:ln w="12700">
-            <a:miter lim="400000"/>
-          </a:ln>
-          <a:extLst>
-            <a:ext uri="{C572A759-6A51-4108-AA02-DFA0A04FC94B}">
-              <ma14:wrappingTextBoxFlag xmlns:ma14="http://schemas.microsoft.com/office/mac/drawingml/2011/main" xmlns:a14="http://schemas.microsoft.com/office/drawing/2010/main" xmlns:m="http://schemas.openxmlformats.org/officeDocument/2006/math" xmlns="" val="1"/>
-            </a:ext>
-          </a:extLst>
-        </p:spPr>
-        <p:txBody>
-          <a:bodyPr lIns="45718" tIns="45718" rIns="45718" bIns="45718">
-            <a:spAutoFit/>
-          </a:bodyPr>
-          <a:lstStyle>
-            <a:lvl1pPr algn="ctr">
-              <a:defRPr>
-                <a:latin typeface="+mn-lt"/>
-                <a:ea typeface="+mn-ea"/>
-                <a:cs typeface="+mn-cs"/>
-                <a:sym typeface="맑은 고딕"/>
-              </a:defRPr>
-            </a:lvl1pPr>
-          </a:lstStyle>
-          <a:p>
-            <a:r>
-              <a:rPr sz="1200"/>
-              <a:t>2020 아이패드</a:t>
-            </a:r>
-          </a:p>
-        </p:txBody>
-      </p:sp>
-      <p:sp>
-        <p:nvSpPr>
-          <p:cNvPr id="143" name="대여기간 6/12까지…"/>
-          <p:cNvSpPr txBox="1"/>
-          <p:nvPr/>
-        </p:nvSpPr>
-        <p:spPr>
-          <a:xfrm>
-            <a:off x="4382169" y="4033718"/>
-            <a:ext cx="1385953" cy="461661"/>
-          </a:xfrm>
-          <a:prstGeom prst="rect">
-            <a:avLst/>
-          </a:prstGeom>
-          <a:ln w="12700">
-            <a:miter lim="400000"/>
-          </a:ln>
-          <a:extLst>
-            <a:ext uri="{C572A759-6A51-4108-AA02-DFA0A04FC94B}">
-              <ma14:wrappingTextBoxFlag xmlns:ma14="http://schemas.microsoft.com/office/mac/drawingml/2011/main" xmlns:a14="http://schemas.microsoft.com/office/drawing/2010/main" xmlns:m="http://schemas.openxmlformats.org/officeDocument/2006/math" xmlns="" val="1"/>
-            </a:ext>
-          </a:extLst>
-        </p:spPr>
-        <p:txBody>
-          <a:bodyPr wrap="none" lIns="45718" tIns="45718" rIns="45718" bIns="45718">
-            <a:spAutoFit/>
-          </a:bodyPr>
-          <a:lstStyle/>
-          <a:p>
-            <a:pPr algn="ctr">
-              <a:defRPr sz="1300">
-                <a:latin typeface="+mn-lt"/>
-                <a:ea typeface="+mn-ea"/>
-                <a:cs typeface="+mn-cs"/>
-                <a:sym typeface="맑은 고딕"/>
-              </a:defRPr>
-            </a:pPr>
-            <a:r>
-              <a:rPr sz="1200"/>
-              <a:t>대여기간 6/12까지</a:t>
-            </a:r>
-          </a:p>
-          <a:p>
-            <a:pPr algn="ctr">
-              <a:defRPr sz="1300">
-                <a:latin typeface="+mn-lt"/>
-                <a:ea typeface="+mn-ea"/>
-                <a:cs typeface="+mn-cs"/>
-                <a:sym typeface="맑은 고딕"/>
-              </a:defRPr>
-            </a:pPr>
-            <a:r>
-              <a:rPr sz="1200"/>
-              <a:t>300,000원</a:t>
-            </a:r>
-          </a:p>
-        </p:txBody>
-      </p:sp>
-      <p:sp>
-        <p:nvSpPr>
-          <p:cNvPr id="144" name="2018 맥미니"/>
-          <p:cNvSpPr txBox="1"/>
-          <p:nvPr/>
-        </p:nvSpPr>
-        <p:spPr>
-          <a:xfrm>
-            <a:off x="6325673" y="3606663"/>
-            <a:ext cx="1493097" cy="276995"/>
-          </a:xfrm>
-          <a:prstGeom prst="rect">
-            <a:avLst/>
-          </a:prstGeom>
-          <a:ln w="12700">
-            <a:miter lim="400000"/>
-          </a:ln>
-          <a:extLst>
-            <a:ext uri="{C572A759-6A51-4108-AA02-DFA0A04FC94B}">
-              <ma14:wrappingTextBoxFlag xmlns:ma14="http://schemas.microsoft.com/office/mac/drawingml/2011/main" xmlns:a14="http://schemas.microsoft.com/office/drawing/2010/main" xmlns:m="http://schemas.openxmlformats.org/officeDocument/2006/math" xmlns="" val="1"/>
-            </a:ext>
-          </a:extLst>
-        </p:spPr>
-        <p:txBody>
-          <a:bodyPr lIns="45718" tIns="45718" rIns="45718" bIns="45718">
-            <a:spAutoFit/>
-          </a:bodyPr>
-          <a:lstStyle>
-            <a:lvl1pPr algn="ctr">
-              <a:defRPr>
-                <a:latin typeface="+mn-lt"/>
-                <a:ea typeface="+mn-ea"/>
-                <a:cs typeface="+mn-cs"/>
-                <a:sym typeface="맑은 고딕"/>
-              </a:defRPr>
-            </a:lvl1pPr>
-          </a:lstStyle>
-          <a:p>
-            <a:r>
-              <a:rPr sz="1200"/>
-              <a:t>2018 맥미니</a:t>
-            </a:r>
-          </a:p>
-        </p:txBody>
-      </p:sp>
-      <p:sp>
-        <p:nvSpPr>
-          <p:cNvPr id="145" name="대여기간 6/12까지…"/>
-          <p:cNvSpPr txBox="1"/>
-          <p:nvPr/>
-        </p:nvSpPr>
-        <p:spPr>
-          <a:xfrm>
-            <a:off x="6339945" y="3962806"/>
-            <a:ext cx="1385953" cy="461661"/>
-          </a:xfrm>
-          <a:prstGeom prst="rect">
-            <a:avLst/>
-          </a:prstGeom>
-          <a:ln w="12700">
-            <a:miter lim="400000"/>
-          </a:ln>
-          <a:extLst>
-            <a:ext uri="{C572A759-6A51-4108-AA02-DFA0A04FC94B}">
-              <ma14:wrappingTextBoxFlag xmlns:ma14="http://schemas.microsoft.com/office/mac/drawingml/2011/main" xmlns:a14="http://schemas.microsoft.com/office/drawing/2010/main" xmlns:m="http://schemas.openxmlformats.org/officeDocument/2006/math" xmlns="" val="1"/>
-            </a:ext>
-          </a:extLst>
-        </p:spPr>
-        <p:txBody>
-          <a:bodyPr wrap="none" lIns="45718" tIns="45718" rIns="45718" bIns="45718">
-            <a:spAutoFit/>
-          </a:bodyPr>
-          <a:lstStyle/>
-          <a:p>
-            <a:pPr algn="ctr">
-              <a:defRPr sz="1300">
-                <a:latin typeface="+mn-lt"/>
-                <a:ea typeface="+mn-ea"/>
-                <a:cs typeface="+mn-cs"/>
-                <a:sym typeface="맑은 고딕"/>
-              </a:defRPr>
-            </a:pPr>
-            <a:r>
-              <a:rPr sz="1200"/>
-              <a:t>대여기간 6/12까지</a:t>
-            </a:r>
-          </a:p>
-          <a:p>
-            <a:pPr algn="ctr">
-              <a:defRPr sz="1300">
-                <a:latin typeface="+mn-lt"/>
-                <a:ea typeface="+mn-ea"/>
-                <a:cs typeface="+mn-cs"/>
-                <a:sym typeface="맑은 고딕"/>
-              </a:defRPr>
-            </a:pPr>
-            <a:r>
-              <a:rPr sz="1200"/>
-              <a:t>300,000원</a:t>
-            </a:r>
-          </a:p>
-        </p:txBody>
-      </p:sp>
-      <p:sp>
-        <p:nvSpPr>
-          <p:cNvPr id="146" name="2020 맥북프로"/>
-          <p:cNvSpPr txBox="1"/>
-          <p:nvPr/>
-        </p:nvSpPr>
-        <p:spPr>
-          <a:xfrm>
-            <a:off x="513840" y="5715880"/>
-            <a:ext cx="1493096" cy="276995"/>
-          </a:xfrm>
-          <a:prstGeom prst="rect">
-            <a:avLst/>
-          </a:prstGeom>
-          <a:ln w="12700">
-            <a:miter lim="400000"/>
-          </a:ln>
-          <a:extLst>
-            <a:ext uri="{C572A759-6A51-4108-AA02-DFA0A04FC94B}">
-              <ma14:wrappingTextBoxFlag xmlns:ma14="http://schemas.microsoft.com/office/mac/drawingml/2011/main" xmlns:a14="http://schemas.microsoft.com/office/drawing/2010/main" xmlns:m="http://schemas.openxmlformats.org/officeDocument/2006/math" xmlns="" val="1"/>
-            </a:ext>
-          </a:extLst>
-        </p:spPr>
-        <p:txBody>
-          <a:bodyPr lIns="45718" tIns="45718" rIns="45718" bIns="45718">
-            <a:spAutoFit/>
-          </a:bodyPr>
-          <a:lstStyle>
-            <a:lvl1pPr algn="ctr">
-              <a:defRPr>
-                <a:latin typeface="+mn-lt"/>
-                <a:ea typeface="+mn-ea"/>
-                <a:cs typeface="+mn-cs"/>
-                <a:sym typeface="맑은 고딕"/>
-              </a:defRPr>
-            </a:lvl1pPr>
-          </a:lstStyle>
-          <a:p>
-            <a:r>
-              <a:rPr sz="1200"/>
-              <a:t>2020 맥북프로</a:t>
-            </a:r>
-          </a:p>
-        </p:txBody>
-      </p:sp>
-      <p:sp>
-        <p:nvSpPr>
-          <p:cNvPr id="147" name="대여기간 6/12까지…"/>
-          <p:cNvSpPr txBox="1"/>
-          <p:nvPr/>
-        </p:nvSpPr>
-        <p:spPr>
-          <a:xfrm>
-            <a:off x="528111" y="6072025"/>
-            <a:ext cx="1385953" cy="461661"/>
-          </a:xfrm>
-          <a:prstGeom prst="rect">
-            <a:avLst/>
-          </a:prstGeom>
-          <a:ln w="12700">
-            <a:miter lim="400000"/>
-          </a:ln>
-          <a:extLst>
-            <a:ext uri="{C572A759-6A51-4108-AA02-DFA0A04FC94B}">
-              <ma14:wrappingTextBoxFlag xmlns:ma14="http://schemas.microsoft.com/office/mac/drawingml/2011/main" xmlns:a14="http://schemas.microsoft.com/office/drawing/2010/main" xmlns:m="http://schemas.openxmlformats.org/officeDocument/2006/math" xmlns="" val="1"/>
-            </a:ext>
-          </a:extLst>
-        </p:spPr>
-        <p:txBody>
-          <a:bodyPr wrap="none" lIns="45718" tIns="45718" rIns="45718" bIns="45718">
-            <a:spAutoFit/>
-          </a:bodyPr>
-          <a:lstStyle/>
-          <a:p>
-            <a:pPr algn="ctr">
-              <a:defRPr sz="1300">
-                <a:latin typeface="+mn-lt"/>
-                <a:ea typeface="+mn-ea"/>
-                <a:cs typeface="+mn-cs"/>
-                <a:sym typeface="맑은 고딕"/>
-              </a:defRPr>
-            </a:pPr>
-            <a:r>
-              <a:rPr sz="1200"/>
-              <a:t>대여기간 6/12까지</a:t>
-            </a:r>
-          </a:p>
-          <a:p>
-            <a:pPr algn="ctr">
-              <a:defRPr sz="1300">
-                <a:latin typeface="+mn-lt"/>
-                <a:ea typeface="+mn-ea"/>
-                <a:cs typeface="+mn-cs"/>
-                <a:sym typeface="맑은 고딕"/>
-              </a:defRPr>
-            </a:pPr>
-            <a:r>
-              <a:rPr sz="1200"/>
-              <a:t>300,000원</a:t>
-            </a:r>
-          </a:p>
-        </p:txBody>
-      </p:sp>
-      <p:sp>
-        <p:nvSpPr>
-          <p:cNvPr id="148" name="2020 맥북프로"/>
-          <p:cNvSpPr txBox="1"/>
-          <p:nvPr/>
-        </p:nvSpPr>
-        <p:spPr>
-          <a:xfrm>
-            <a:off x="2372809" y="5700424"/>
-            <a:ext cx="1493099" cy="276995"/>
-          </a:xfrm>
-          <a:prstGeom prst="rect">
-            <a:avLst/>
-          </a:prstGeom>
-          <a:ln w="12700">
-            <a:miter lim="400000"/>
-          </a:ln>
-          <a:extLst>
-            <a:ext uri="{C572A759-6A51-4108-AA02-DFA0A04FC94B}">
-              <ma14:wrappingTextBoxFlag xmlns:ma14="http://schemas.microsoft.com/office/mac/drawingml/2011/main" xmlns:a14="http://schemas.microsoft.com/office/drawing/2010/main" xmlns:m="http://schemas.openxmlformats.org/officeDocument/2006/math" xmlns="" val="1"/>
-            </a:ext>
-          </a:extLst>
-        </p:spPr>
-        <p:txBody>
-          <a:bodyPr lIns="45718" tIns="45718" rIns="45718" bIns="45718">
-            <a:spAutoFit/>
-          </a:bodyPr>
-          <a:lstStyle>
-            <a:lvl1pPr algn="ctr">
-              <a:defRPr>
-                <a:latin typeface="+mn-lt"/>
-                <a:ea typeface="+mn-ea"/>
-                <a:cs typeface="+mn-cs"/>
-                <a:sym typeface="맑은 고딕"/>
-              </a:defRPr>
-            </a:lvl1pPr>
-          </a:lstStyle>
-          <a:p>
-            <a:r>
-              <a:rPr sz="1200"/>
-              <a:t>2020 맥북프로</a:t>
-            </a:r>
-          </a:p>
-        </p:txBody>
-      </p:sp>
-      <p:sp>
-        <p:nvSpPr>
-          <p:cNvPr id="149" name="대여기간 6/12까지…"/>
-          <p:cNvSpPr txBox="1"/>
-          <p:nvPr/>
-        </p:nvSpPr>
-        <p:spPr>
-          <a:xfrm>
-            <a:off x="2387082" y="6056567"/>
-            <a:ext cx="1385953" cy="461661"/>
-          </a:xfrm>
-          <a:prstGeom prst="rect">
-            <a:avLst/>
-          </a:prstGeom>
-          <a:ln w="12700">
-            <a:miter lim="400000"/>
-          </a:ln>
-          <a:extLst>
-            <a:ext uri="{C572A759-6A51-4108-AA02-DFA0A04FC94B}">
-              <ma14:wrappingTextBoxFlag xmlns:ma14="http://schemas.microsoft.com/office/mac/drawingml/2011/main" xmlns:a14="http://schemas.microsoft.com/office/drawing/2010/main" xmlns:m="http://schemas.openxmlformats.org/officeDocument/2006/math" xmlns="" val="1"/>
-            </a:ext>
-          </a:extLst>
-        </p:spPr>
-        <p:txBody>
-          <a:bodyPr wrap="none" lIns="45718" tIns="45718" rIns="45718" bIns="45718">
-            <a:spAutoFit/>
-          </a:bodyPr>
-          <a:lstStyle/>
-          <a:p>
-            <a:pPr algn="ctr">
-              <a:defRPr sz="1300">
-                <a:latin typeface="+mn-lt"/>
-                <a:ea typeface="+mn-ea"/>
-                <a:cs typeface="+mn-cs"/>
-                <a:sym typeface="맑은 고딕"/>
-              </a:defRPr>
-            </a:pPr>
-            <a:r>
-              <a:rPr sz="1200"/>
-              <a:t>대여기간 6/12까지</a:t>
-            </a:r>
-          </a:p>
-          <a:p>
-            <a:pPr algn="ctr">
-              <a:defRPr sz="1300">
-                <a:latin typeface="+mn-lt"/>
-                <a:ea typeface="+mn-ea"/>
-                <a:cs typeface="+mn-cs"/>
-                <a:sym typeface="맑은 고딕"/>
-              </a:defRPr>
-            </a:pPr>
-            <a:r>
-              <a:rPr sz="1200"/>
-              <a:t>300,000원</a:t>
-            </a:r>
-          </a:p>
-        </p:txBody>
-      </p:sp>
-      <p:sp>
-        <p:nvSpPr>
-          <p:cNvPr id="150" name="2020 맥북프로"/>
-          <p:cNvSpPr txBox="1"/>
-          <p:nvPr/>
-        </p:nvSpPr>
-        <p:spPr>
-          <a:xfrm>
-            <a:off x="4330586" y="5715880"/>
-            <a:ext cx="1493097" cy="276995"/>
-          </a:xfrm>
-          <a:prstGeom prst="rect">
-            <a:avLst/>
-          </a:prstGeom>
-          <a:ln w="12700">
-            <a:miter lim="400000"/>
-          </a:ln>
-          <a:extLst>
-            <a:ext uri="{C572A759-6A51-4108-AA02-DFA0A04FC94B}">
-              <ma14:wrappingTextBoxFlag xmlns:ma14="http://schemas.microsoft.com/office/mac/drawingml/2011/main" xmlns:a14="http://schemas.microsoft.com/office/drawing/2010/main" xmlns:m="http://schemas.openxmlformats.org/officeDocument/2006/math" xmlns="" val="1"/>
-            </a:ext>
-          </a:extLst>
-        </p:spPr>
-        <p:txBody>
-          <a:bodyPr lIns="45718" tIns="45718" rIns="45718" bIns="45718">
-            <a:spAutoFit/>
-          </a:bodyPr>
-          <a:lstStyle>
-            <a:lvl1pPr algn="ctr">
-              <a:defRPr>
-                <a:latin typeface="+mn-lt"/>
-                <a:ea typeface="+mn-ea"/>
-                <a:cs typeface="+mn-cs"/>
-                <a:sym typeface="맑은 고딕"/>
-              </a:defRPr>
-            </a:lvl1pPr>
-          </a:lstStyle>
-          <a:p>
-            <a:r>
-              <a:rPr sz="1200"/>
-              <a:t>2020 맥북프로</a:t>
-            </a:r>
-          </a:p>
-        </p:txBody>
-      </p:sp>
-      <p:sp>
-        <p:nvSpPr>
-          <p:cNvPr id="151" name="대여기간 6/12까지…"/>
-          <p:cNvSpPr txBox="1"/>
-          <p:nvPr/>
-        </p:nvSpPr>
-        <p:spPr>
-          <a:xfrm>
-            <a:off x="4344857" y="6072025"/>
-            <a:ext cx="1385953" cy="461661"/>
-          </a:xfrm>
-          <a:prstGeom prst="rect">
-            <a:avLst/>
-          </a:prstGeom>
-          <a:ln w="12700">
-            <a:miter lim="400000"/>
-          </a:ln>
-          <a:extLst>
-            <a:ext uri="{C572A759-6A51-4108-AA02-DFA0A04FC94B}">
-              <ma14:wrappingTextBoxFlag xmlns:ma14="http://schemas.microsoft.com/office/mac/drawingml/2011/main" xmlns:a14="http://schemas.microsoft.com/office/drawing/2010/main" xmlns:m="http://schemas.openxmlformats.org/officeDocument/2006/math" xmlns="" val="1"/>
-            </a:ext>
-          </a:extLst>
-        </p:spPr>
-        <p:txBody>
-          <a:bodyPr wrap="none" lIns="45718" tIns="45718" rIns="45718" bIns="45718">
-            <a:spAutoFit/>
-          </a:bodyPr>
-          <a:lstStyle/>
-          <a:p>
-            <a:pPr algn="ctr">
-              <a:defRPr sz="1300">
-                <a:latin typeface="+mn-lt"/>
-                <a:ea typeface="+mn-ea"/>
-                <a:cs typeface="+mn-cs"/>
-                <a:sym typeface="맑은 고딕"/>
-              </a:defRPr>
-            </a:pPr>
-            <a:r>
-              <a:rPr sz="1200"/>
-              <a:t>대여기간 6/12까지</a:t>
-            </a:r>
-          </a:p>
-          <a:p>
-            <a:pPr algn="ctr">
-              <a:defRPr sz="1300">
-                <a:latin typeface="+mn-lt"/>
-                <a:ea typeface="+mn-ea"/>
-                <a:cs typeface="+mn-cs"/>
-                <a:sym typeface="맑은 고딕"/>
-              </a:defRPr>
-            </a:pPr>
-            <a:r>
-              <a:rPr sz="1200"/>
-              <a:t>300,000원</a:t>
-            </a:r>
-          </a:p>
-        </p:txBody>
-      </p:sp>
-      <p:sp>
-        <p:nvSpPr>
-          <p:cNvPr id="152" name="2020 맥북프로"/>
-          <p:cNvSpPr txBox="1"/>
-          <p:nvPr/>
-        </p:nvSpPr>
-        <p:spPr>
-          <a:xfrm>
-            <a:off x="6288363" y="5644970"/>
-            <a:ext cx="1493097" cy="276995"/>
-          </a:xfrm>
-          <a:prstGeom prst="rect">
-            <a:avLst/>
-          </a:prstGeom>
-          <a:ln w="12700">
-            <a:miter lim="400000"/>
-          </a:ln>
-          <a:extLst>
-            <a:ext uri="{C572A759-6A51-4108-AA02-DFA0A04FC94B}">
-              <ma14:wrappingTextBoxFlag xmlns:ma14="http://schemas.microsoft.com/office/mac/drawingml/2011/main" xmlns:a14="http://schemas.microsoft.com/office/drawing/2010/main" xmlns:m="http://schemas.openxmlformats.org/officeDocument/2006/math" xmlns="" val="1"/>
-            </a:ext>
-          </a:extLst>
-        </p:spPr>
-        <p:txBody>
-          <a:bodyPr lIns="45718" tIns="45718" rIns="45718" bIns="45718">
-            <a:spAutoFit/>
-          </a:bodyPr>
-          <a:lstStyle>
-            <a:lvl1pPr algn="ctr">
-              <a:defRPr>
-                <a:latin typeface="+mn-lt"/>
-                <a:ea typeface="+mn-ea"/>
-                <a:cs typeface="+mn-cs"/>
-                <a:sym typeface="맑은 고딕"/>
-              </a:defRPr>
-            </a:lvl1pPr>
-          </a:lstStyle>
-          <a:p>
-            <a:r>
-              <a:rPr sz="1200"/>
-              <a:t>2020 맥북프로</a:t>
-            </a:r>
-          </a:p>
-        </p:txBody>
-      </p:sp>
-      <p:sp>
-        <p:nvSpPr>
-          <p:cNvPr id="153" name="대여기간 6/12까지…"/>
-          <p:cNvSpPr txBox="1"/>
-          <p:nvPr/>
-        </p:nvSpPr>
-        <p:spPr>
-          <a:xfrm>
-            <a:off x="6302634" y="6001113"/>
-            <a:ext cx="1385953" cy="461661"/>
-          </a:xfrm>
-          <a:prstGeom prst="rect">
-            <a:avLst/>
-          </a:prstGeom>
-          <a:ln w="12700">
-            <a:miter lim="400000"/>
-          </a:ln>
-          <a:extLst>
-            <a:ext uri="{C572A759-6A51-4108-AA02-DFA0A04FC94B}">
-              <ma14:wrappingTextBoxFlag xmlns:ma14="http://schemas.microsoft.com/office/mac/drawingml/2011/main" xmlns:a14="http://schemas.microsoft.com/office/drawing/2010/main" xmlns:m="http://schemas.openxmlformats.org/officeDocument/2006/math" xmlns="" val="1"/>
-            </a:ext>
-          </a:extLst>
-        </p:spPr>
-        <p:txBody>
-          <a:bodyPr wrap="none" lIns="45718" tIns="45718" rIns="45718" bIns="45718">
-            <a:spAutoFit/>
-          </a:bodyPr>
-          <a:lstStyle/>
-          <a:p>
-            <a:pPr algn="ctr">
-              <a:defRPr sz="1300">
-                <a:latin typeface="+mn-lt"/>
-                <a:ea typeface="+mn-ea"/>
-                <a:cs typeface="+mn-cs"/>
-                <a:sym typeface="맑은 고딕"/>
-              </a:defRPr>
-            </a:pPr>
-            <a:r>
-              <a:rPr sz="1200"/>
-              <a:t>대여기간 6/12까지</a:t>
-            </a:r>
-          </a:p>
-          <a:p>
-            <a:pPr algn="ctr">
-              <a:defRPr sz="1300">
-                <a:latin typeface="+mn-lt"/>
-                <a:ea typeface="+mn-ea"/>
-                <a:cs typeface="+mn-cs"/>
-                <a:sym typeface="맑은 고딕"/>
-              </a:defRPr>
-            </a:pPr>
-            <a:r>
-              <a:rPr sz="1200"/>
-              <a:t>300,000원</a:t>
-            </a:r>
-          </a:p>
-        </p:txBody>
-      </p:sp>
-      <p:grpSp>
-        <p:nvGrpSpPr>
-          <p:cNvPr id="156" name="Google Shape;173;g7c553259d1_0_81"/>
-          <p:cNvGrpSpPr/>
-          <p:nvPr/>
-        </p:nvGrpSpPr>
-        <p:grpSpPr>
-          <a:xfrm>
-            <a:off x="682949" y="1283606"/>
-            <a:ext cx="302704" cy="370799"/>
-            <a:chOff x="0" y="-1"/>
-            <a:chExt cx="302702" cy="370798"/>
-          </a:xfrm>
-        </p:grpSpPr>
-        <p:sp>
-          <p:nvSpPr>
-            <p:cNvPr id="154" name="직사각형"/>
-            <p:cNvSpPr/>
-            <p:nvPr/>
-          </p:nvSpPr>
-          <p:spPr>
-            <a:xfrm>
-              <a:off x="0" y="23099"/>
-              <a:ext cx="302703" cy="324604"/>
-            </a:xfrm>
-            <a:prstGeom prst="rect">
-              <a:avLst/>
-            </a:prstGeom>
-            <a:solidFill>
-              <a:srgbClr val="FF0000"/>
-            </a:solidFill>
-            <a:ln w="12700" cap="flat">
-              <a:noFill/>
-              <a:miter lim="400000"/>
-            </a:ln>
-            <a:effectLst/>
-          </p:spPr>
-          <p:txBody>
-            <a:bodyPr wrap="square" lIns="45718" tIns="45718" rIns="45718" bIns="45718" numCol="1" anchor="ctr">
-              <a:noAutofit/>
-            </a:bodyPr>
-            <a:lstStyle/>
-            <a:p>
-              <a:pPr algn="ctr">
-                <a:defRPr b="1">
-                  <a:latin typeface="Malgun Gothic"/>
-                  <a:ea typeface="Malgun Gothic"/>
-                  <a:cs typeface="Malgun Gothic"/>
-                  <a:sym typeface="Malgun Gothic"/>
-                </a:defRPr>
-              </a:pPr>
-              <a:endParaRPr/>
             </a:p>
           </p:txBody>
         </p:sp>
         <p:sp>
           <p:nvSpPr>
-            <p:cNvPr id="155" name="1"/>
+            <p:cNvPr id="145" name="대여기간 6/12까지…"/>
             <p:cNvSpPr txBox="1"/>
             <p:nvPr/>
           </p:nvSpPr>
           <p:spPr>
             <a:xfrm>
-              <a:off x="45724" y="-2"/>
-              <a:ext cx="211253" cy="370799"/>
+              <a:off x="6339945" y="3962806"/>
+              <a:ext cx="1385953" cy="461661"/>
             </a:xfrm>
             <a:prstGeom prst="rect">
               <a:avLst/>
             </a:prstGeom>
-            <a:noFill/>
-            <a:ln w="12700" cap="flat">
-              <a:noFill/>
+            <a:ln w="12700">
               <a:miter lim="400000"/>
             </a:ln>
-            <a:effectLst/>
             <a:extLst>
               <a:ext uri="{C572A759-6A51-4108-AA02-DFA0A04FC94B}">
-                <ma14:wrappingTextBoxFlag xmlns:ma14="http://schemas.microsoft.com/office/mac/drawingml/2011/main" xmlns:a14="http://schemas.microsoft.com/office/drawing/2010/main" xmlns:m="http://schemas.openxmlformats.org/officeDocument/2006/math" xmlns="" val="1"/>
+                <ma14:wrappingTextBoxFlag xmlns="" xmlns:m="http://schemas.openxmlformats.org/officeDocument/2006/math" xmlns:a14="http://schemas.microsoft.com/office/drawing/2010/main" xmlns:ma14="http://schemas.microsoft.com/office/mac/drawingml/2011/main" val="1"/>
               </a:ext>
             </a:extLst>
           </p:spPr>
           <p:txBody>
-            <a:bodyPr wrap="square" lIns="45699" tIns="45699" rIns="45699" bIns="45699" numCol="1" anchor="ctr">
+            <a:bodyPr wrap="none" lIns="45718" tIns="45718" rIns="45718" bIns="45718">
+              <a:spAutoFit/>
+            </a:bodyPr>
+            <a:lstStyle/>
+            <a:p>
+              <a:pPr algn="ctr">
+                <a:defRPr sz="1300">
+                  <a:latin typeface="+mn-lt"/>
+                  <a:ea typeface="+mn-ea"/>
+                  <a:cs typeface="+mn-cs"/>
+                  <a:sym typeface="맑은 고딕"/>
+                </a:defRPr>
+              </a:pPr>
+              <a:r>
+                <a:rPr sz="1200"/>
+                <a:t>대여기간 6/12까지</a:t>
+              </a:r>
+            </a:p>
+            <a:p>
+              <a:pPr algn="ctr">
+                <a:defRPr sz="1300">
+                  <a:latin typeface="+mn-lt"/>
+                  <a:ea typeface="+mn-ea"/>
+                  <a:cs typeface="+mn-cs"/>
+                  <a:sym typeface="맑은 고딕"/>
+                </a:defRPr>
+              </a:pPr>
+              <a:r>
+                <a:rPr sz="1200"/>
+                <a:t>300,000원</a:t>
+              </a:r>
+            </a:p>
+          </p:txBody>
+        </p:sp>
+        <p:sp>
+          <p:nvSpPr>
+            <p:cNvPr id="146" name="2020 맥북프로"/>
+            <p:cNvSpPr txBox="1"/>
+            <p:nvPr/>
+          </p:nvSpPr>
+          <p:spPr>
+            <a:xfrm>
+              <a:off x="513840" y="5715880"/>
+              <a:ext cx="1493096" cy="276995"/>
+            </a:xfrm>
+            <a:prstGeom prst="rect">
+              <a:avLst/>
+            </a:prstGeom>
+            <a:ln w="12700">
+              <a:miter lim="400000"/>
+            </a:ln>
+            <a:extLst>
+              <a:ext uri="{C572A759-6A51-4108-AA02-DFA0A04FC94B}">
+                <ma14:wrappingTextBoxFlag xmlns="" xmlns:m="http://schemas.openxmlformats.org/officeDocument/2006/math" xmlns:a14="http://schemas.microsoft.com/office/drawing/2010/main" xmlns:ma14="http://schemas.microsoft.com/office/mac/drawingml/2011/main" val="1"/>
+              </a:ext>
+            </a:extLst>
+          </p:spPr>
+          <p:txBody>
+            <a:bodyPr lIns="45718" tIns="45718" rIns="45718" bIns="45718">
               <a:spAutoFit/>
             </a:bodyPr>
             <a:lstStyle>
               <a:lvl1pPr algn="ctr">
-                <a:defRPr b="1">
-                  <a:latin typeface="Malgun Gothic"/>
-                  <a:ea typeface="Malgun Gothic"/>
-                  <a:cs typeface="Malgun Gothic"/>
-                  <a:sym typeface="Malgun Gothic"/>
+                <a:defRPr>
+                  <a:latin typeface="+mn-lt"/>
+                  <a:ea typeface="+mn-ea"/>
+                  <a:cs typeface="+mn-cs"/>
+                  <a:sym typeface="맑은 고딕"/>
                 </a:defRPr>
               </a:lvl1pPr>
             </a:lstStyle>
             <a:p>
               <a:r>
-                <a:t>1</a:t>
+                <a:rPr sz="1200"/>
+                <a:t>2020 맥북프로</a:t>
+              </a:r>
+            </a:p>
+          </p:txBody>
+        </p:sp>
+        <p:sp>
+          <p:nvSpPr>
+            <p:cNvPr id="147" name="대여기간 6/12까지…"/>
+            <p:cNvSpPr txBox="1"/>
+            <p:nvPr/>
+          </p:nvSpPr>
+          <p:spPr>
+            <a:xfrm>
+              <a:off x="528111" y="6072025"/>
+              <a:ext cx="1385953" cy="461661"/>
+            </a:xfrm>
+            <a:prstGeom prst="rect">
+              <a:avLst/>
+            </a:prstGeom>
+            <a:ln w="12700">
+              <a:miter lim="400000"/>
+            </a:ln>
+            <a:extLst>
+              <a:ext uri="{C572A759-6A51-4108-AA02-DFA0A04FC94B}">
+                <ma14:wrappingTextBoxFlag xmlns="" xmlns:m="http://schemas.openxmlformats.org/officeDocument/2006/math" xmlns:a14="http://schemas.microsoft.com/office/drawing/2010/main" xmlns:ma14="http://schemas.microsoft.com/office/mac/drawingml/2011/main" val="1"/>
+              </a:ext>
+            </a:extLst>
+          </p:spPr>
+          <p:txBody>
+            <a:bodyPr wrap="none" lIns="45718" tIns="45718" rIns="45718" bIns="45718">
+              <a:spAutoFit/>
+            </a:bodyPr>
+            <a:lstStyle/>
+            <a:p>
+              <a:pPr algn="ctr">
+                <a:defRPr sz="1300">
+                  <a:latin typeface="+mn-lt"/>
+                  <a:ea typeface="+mn-ea"/>
+                  <a:cs typeface="+mn-cs"/>
+                  <a:sym typeface="맑은 고딕"/>
+                </a:defRPr>
+              </a:pPr>
+              <a:r>
+                <a:rPr sz="1200"/>
+                <a:t>대여기간 6/12까지</a:t>
+              </a:r>
+            </a:p>
+            <a:p>
+              <a:pPr algn="ctr">
+                <a:defRPr sz="1300">
+                  <a:latin typeface="+mn-lt"/>
+                  <a:ea typeface="+mn-ea"/>
+                  <a:cs typeface="+mn-cs"/>
+                  <a:sym typeface="맑은 고딕"/>
+                </a:defRPr>
+              </a:pPr>
+              <a:r>
+                <a:rPr sz="1200"/>
+                <a:t>300,000원</a:t>
+              </a:r>
+            </a:p>
+          </p:txBody>
+        </p:sp>
+        <p:sp>
+          <p:nvSpPr>
+            <p:cNvPr id="148" name="2020 맥북프로"/>
+            <p:cNvSpPr txBox="1"/>
+            <p:nvPr/>
+          </p:nvSpPr>
+          <p:spPr>
+            <a:xfrm>
+              <a:off x="2372809" y="5700424"/>
+              <a:ext cx="1493099" cy="276995"/>
+            </a:xfrm>
+            <a:prstGeom prst="rect">
+              <a:avLst/>
+            </a:prstGeom>
+            <a:ln w="12700">
+              <a:miter lim="400000"/>
+            </a:ln>
+            <a:extLst>
+              <a:ext uri="{C572A759-6A51-4108-AA02-DFA0A04FC94B}">
+                <ma14:wrappingTextBoxFlag xmlns="" xmlns:m="http://schemas.openxmlformats.org/officeDocument/2006/math" xmlns:a14="http://schemas.microsoft.com/office/drawing/2010/main" xmlns:ma14="http://schemas.microsoft.com/office/mac/drawingml/2011/main" val="1"/>
+              </a:ext>
+            </a:extLst>
+          </p:spPr>
+          <p:txBody>
+            <a:bodyPr lIns="45718" tIns="45718" rIns="45718" bIns="45718">
+              <a:spAutoFit/>
+            </a:bodyPr>
+            <a:lstStyle>
+              <a:lvl1pPr algn="ctr">
+                <a:defRPr>
+                  <a:latin typeface="+mn-lt"/>
+                  <a:ea typeface="+mn-ea"/>
+                  <a:cs typeface="+mn-cs"/>
+                  <a:sym typeface="맑은 고딕"/>
+                </a:defRPr>
+              </a:lvl1pPr>
+            </a:lstStyle>
+            <a:p>
+              <a:r>
+                <a:rPr sz="1200"/>
+                <a:t>2020 맥북프로</a:t>
+              </a:r>
+            </a:p>
+          </p:txBody>
+        </p:sp>
+        <p:sp>
+          <p:nvSpPr>
+            <p:cNvPr id="149" name="대여기간 6/12까지…"/>
+            <p:cNvSpPr txBox="1"/>
+            <p:nvPr/>
+          </p:nvSpPr>
+          <p:spPr>
+            <a:xfrm>
+              <a:off x="2387082" y="6056567"/>
+              <a:ext cx="1385953" cy="461661"/>
+            </a:xfrm>
+            <a:prstGeom prst="rect">
+              <a:avLst/>
+            </a:prstGeom>
+            <a:ln w="12700">
+              <a:miter lim="400000"/>
+            </a:ln>
+            <a:extLst>
+              <a:ext uri="{C572A759-6A51-4108-AA02-DFA0A04FC94B}">
+                <ma14:wrappingTextBoxFlag xmlns="" xmlns:m="http://schemas.openxmlformats.org/officeDocument/2006/math" xmlns:a14="http://schemas.microsoft.com/office/drawing/2010/main" xmlns:ma14="http://schemas.microsoft.com/office/mac/drawingml/2011/main" val="1"/>
+              </a:ext>
+            </a:extLst>
+          </p:spPr>
+          <p:txBody>
+            <a:bodyPr wrap="none" lIns="45718" tIns="45718" rIns="45718" bIns="45718">
+              <a:spAutoFit/>
+            </a:bodyPr>
+            <a:lstStyle/>
+            <a:p>
+              <a:pPr algn="ctr">
+                <a:defRPr sz="1300">
+                  <a:latin typeface="+mn-lt"/>
+                  <a:ea typeface="+mn-ea"/>
+                  <a:cs typeface="+mn-cs"/>
+                  <a:sym typeface="맑은 고딕"/>
+                </a:defRPr>
+              </a:pPr>
+              <a:r>
+                <a:rPr sz="1200"/>
+                <a:t>대여기간 6/12까지</a:t>
+              </a:r>
+            </a:p>
+            <a:p>
+              <a:pPr algn="ctr">
+                <a:defRPr sz="1300">
+                  <a:latin typeface="+mn-lt"/>
+                  <a:ea typeface="+mn-ea"/>
+                  <a:cs typeface="+mn-cs"/>
+                  <a:sym typeface="맑은 고딕"/>
+                </a:defRPr>
+              </a:pPr>
+              <a:r>
+                <a:rPr sz="1200"/>
+                <a:t>300,000원</a:t>
+              </a:r>
+            </a:p>
+          </p:txBody>
+        </p:sp>
+        <p:sp>
+          <p:nvSpPr>
+            <p:cNvPr id="150" name="2020 맥북프로"/>
+            <p:cNvSpPr txBox="1"/>
+            <p:nvPr/>
+          </p:nvSpPr>
+          <p:spPr>
+            <a:xfrm>
+              <a:off x="4330586" y="5715880"/>
+              <a:ext cx="1493097" cy="276995"/>
+            </a:xfrm>
+            <a:prstGeom prst="rect">
+              <a:avLst/>
+            </a:prstGeom>
+            <a:ln w="12700">
+              <a:miter lim="400000"/>
+            </a:ln>
+            <a:extLst>
+              <a:ext uri="{C572A759-6A51-4108-AA02-DFA0A04FC94B}">
+                <ma14:wrappingTextBoxFlag xmlns="" xmlns:m="http://schemas.openxmlformats.org/officeDocument/2006/math" xmlns:a14="http://schemas.microsoft.com/office/drawing/2010/main" xmlns:ma14="http://schemas.microsoft.com/office/mac/drawingml/2011/main" val="1"/>
+              </a:ext>
+            </a:extLst>
+          </p:spPr>
+          <p:txBody>
+            <a:bodyPr lIns="45718" tIns="45718" rIns="45718" bIns="45718">
+              <a:spAutoFit/>
+            </a:bodyPr>
+            <a:lstStyle>
+              <a:lvl1pPr algn="ctr">
+                <a:defRPr>
+                  <a:latin typeface="+mn-lt"/>
+                  <a:ea typeface="+mn-ea"/>
+                  <a:cs typeface="+mn-cs"/>
+                  <a:sym typeface="맑은 고딕"/>
+                </a:defRPr>
+              </a:lvl1pPr>
+            </a:lstStyle>
+            <a:p>
+              <a:r>
+                <a:rPr sz="1200"/>
+                <a:t>2020 맥북프로</a:t>
+              </a:r>
+            </a:p>
+          </p:txBody>
+        </p:sp>
+        <p:sp>
+          <p:nvSpPr>
+            <p:cNvPr id="151" name="대여기간 6/12까지…"/>
+            <p:cNvSpPr txBox="1"/>
+            <p:nvPr/>
+          </p:nvSpPr>
+          <p:spPr>
+            <a:xfrm>
+              <a:off x="4344857" y="6072025"/>
+              <a:ext cx="1385953" cy="461661"/>
+            </a:xfrm>
+            <a:prstGeom prst="rect">
+              <a:avLst/>
+            </a:prstGeom>
+            <a:ln w="12700">
+              <a:miter lim="400000"/>
+            </a:ln>
+            <a:extLst>
+              <a:ext uri="{C572A759-6A51-4108-AA02-DFA0A04FC94B}">
+                <ma14:wrappingTextBoxFlag xmlns="" xmlns:m="http://schemas.openxmlformats.org/officeDocument/2006/math" xmlns:a14="http://schemas.microsoft.com/office/drawing/2010/main" xmlns:ma14="http://schemas.microsoft.com/office/mac/drawingml/2011/main" val="1"/>
+              </a:ext>
+            </a:extLst>
+          </p:spPr>
+          <p:txBody>
+            <a:bodyPr wrap="none" lIns="45718" tIns="45718" rIns="45718" bIns="45718">
+              <a:spAutoFit/>
+            </a:bodyPr>
+            <a:lstStyle/>
+            <a:p>
+              <a:pPr algn="ctr">
+                <a:defRPr sz="1300">
+                  <a:latin typeface="+mn-lt"/>
+                  <a:ea typeface="+mn-ea"/>
+                  <a:cs typeface="+mn-cs"/>
+                  <a:sym typeface="맑은 고딕"/>
+                </a:defRPr>
+              </a:pPr>
+              <a:r>
+                <a:rPr sz="1200"/>
+                <a:t>대여기간 6/12까지</a:t>
+              </a:r>
+            </a:p>
+            <a:p>
+              <a:pPr algn="ctr">
+                <a:defRPr sz="1300">
+                  <a:latin typeface="+mn-lt"/>
+                  <a:ea typeface="+mn-ea"/>
+                  <a:cs typeface="+mn-cs"/>
+                  <a:sym typeface="맑은 고딕"/>
+                </a:defRPr>
+              </a:pPr>
+              <a:r>
+                <a:rPr sz="1200"/>
+                <a:t>300,000원</a:t>
+              </a:r>
+            </a:p>
+          </p:txBody>
+        </p:sp>
+        <p:sp>
+          <p:nvSpPr>
+            <p:cNvPr id="152" name="2020 맥북프로"/>
+            <p:cNvSpPr txBox="1"/>
+            <p:nvPr/>
+          </p:nvSpPr>
+          <p:spPr>
+            <a:xfrm>
+              <a:off x="6288363" y="5644970"/>
+              <a:ext cx="1493097" cy="276995"/>
+            </a:xfrm>
+            <a:prstGeom prst="rect">
+              <a:avLst/>
+            </a:prstGeom>
+            <a:ln w="12700">
+              <a:miter lim="400000"/>
+            </a:ln>
+            <a:extLst>
+              <a:ext uri="{C572A759-6A51-4108-AA02-DFA0A04FC94B}">
+                <ma14:wrappingTextBoxFlag xmlns="" xmlns:m="http://schemas.openxmlformats.org/officeDocument/2006/math" xmlns:a14="http://schemas.microsoft.com/office/drawing/2010/main" xmlns:ma14="http://schemas.microsoft.com/office/mac/drawingml/2011/main" val="1"/>
+              </a:ext>
+            </a:extLst>
+          </p:spPr>
+          <p:txBody>
+            <a:bodyPr lIns="45718" tIns="45718" rIns="45718" bIns="45718">
+              <a:spAutoFit/>
+            </a:bodyPr>
+            <a:lstStyle>
+              <a:lvl1pPr algn="ctr">
+                <a:defRPr>
+                  <a:latin typeface="+mn-lt"/>
+                  <a:ea typeface="+mn-ea"/>
+                  <a:cs typeface="+mn-cs"/>
+                  <a:sym typeface="맑은 고딕"/>
+                </a:defRPr>
+              </a:lvl1pPr>
+            </a:lstStyle>
+            <a:p>
+              <a:r>
+                <a:rPr sz="1200"/>
+                <a:t>2020 맥북프로</a:t>
+              </a:r>
+            </a:p>
+          </p:txBody>
+        </p:sp>
+        <p:sp>
+          <p:nvSpPr>
+            <p:cNvPr id="153" name="대여기간 6/12까지…"/>
+            <p:cNvSpPr txBox="1"/>
+            <p:nvPr/>
+          </p:nvSpPr>
+          <p:spPr>
+            <a:xfrm>
+              <a:off x="6302634" y="6001113"/>
+              <a:ext cx="1385953" cy="461661"/>
+            </a:xfrm>
+            <a:prstGeom prst="rect">
+              <a:avLst/>
+            </a:prstGeom>
+            <a:ln w="12700">
+              <a:miter lim="400000"/>
+            </a:ln>
+            <a:extLst>
+              <a:ext uri="{C572A759-6A51-4108-AA02-DFA0A04FC94B}">
+                <ma14:wrappingTextBoxFlag xmlns="" xmlns:m="http://schemas.openxmlformats.org/officeDocument/2006/math" xmlns:a14="http://schemas.microsoft.com/office/drawing/2010/main" xmlns:ma14="http://schemas.microsoft.com/office/mac/drawingml/2011/main" val="1"/>
+              </a:ext>
+            </a:extLst>
+          </p:spPr>
+          <p:txBody>
+            <a:bodyPr wrap="none" lIns="45718" tIns="45718" rIns="45718" bIns="45718">
+              <a:spAutoFit/>
+            </a:bodyPr>
+            <a:lstStyle/>
+            <a:p>
+              <a:pPr algn="ctr">
+                <a:defRPr sz="1300">
+                  <a:latin typeface="+mn-lt"/>
+                  <a:ea typeface="+mn-ea"/>
+                  <a:cs typeface="+mn-cs"/>
+                  <a:sym typeface="맑은 고딕"/>
+                </a:defRPr>
+              </a:pPr>
+              <a:r>
+                <a:rPr sz="1200"/>
+                <a:t>대여기간 6/12까지</a:t>
+              </a:r>
+            </a:p>
+            <a:p>
+              <a:pPr algn="ctr">
+                <a:defRPr sz="1300">
+                  <a:latin typeface="+mn-lt"/>
+                  <a:ea typeface="+mn-ea"/>
+                  <a:cs typeface="+mn-cs"/>
+                  <a:sym typeface="맑은 고딕"/>
+                </a:defRPr>
+              </a:pPr>
+              <a:r>
+                <a:rPr sz="1200"/>
+                <a:t>300,000원</a:t>
               </a:r>
             </a:p>
           </p:txBody>
@@ -22899,7 +23230,7 @@
             <a:effectLst/>
             <a:extLst>
               <a:ext uri="{C572A759-6A51-4108-AA02-DFA0A04FC94B}">
-                <ma14:wrappingTextBoxFlag xmlns:ma14="http://schemas.microsoft.com/office/mac/drawingml/2011/main" xmlns:a14="http://schemas.microsoft.com/office/drawing/2010/main" xmlns:m="http://schemas.openxmlformats.org/officeDocument/2006/math" xmlns="" val="1"/>
+                <ma14:wrappingTextBoxFlag xmlns="" xmlns:m="http://schemas.openxmlformats.org/officeDocument/2006/math" xmlns:a14="http://schemas.microsoft.com/office/drawing/2010/main" xmlns:ma14="http://schemas.microsoft.com/office/mac/drawingml/2011/main" val="1"/>
               </a:ext>
             </a:extLst>
           </p:spPr>
@@ -22920,6 +23251,154 @@
             <a:p>
               <a:r>
                 <a:t>2</a:t>
+              </a:r>
+            </a:p>
+          </p:txBody>
+        </p:sp>
+      </p:grpSp>
+      <p:pic>
+        <p:nvPicPr>
+          <p:cNvPr id="2" name="그림 1"/>
+          <p:cNvPicPr>
+            <a:picLocks noChangeAspect="1"/>
+          </p:cNvPicPr>
+          <p:nvPr/>
+        </p:nvPicPr>
+        <p:blipFill>
+          <a:blip r:embed="rId6">
+            <a:extLst>
+              <a:ext uri="{28A0092B-C50C-407E-A947-70E740481C1C}">
+                <a14:useLocalDpi xmlns:a14="http://schemas.microsoft.com/office/drawing/2010/main" val="0"/>
+              </a:ext>
+            </a:extLst>
+          </a:blip>
+          <a:stretch>
+            <a:fillRect/>
+          </a:stretch>
+        </p:blipFill>
+        <p:spPr>
+          <a:xfrm>
+            <a:off x="463540" y="1427295"/>
+            <a:ext cx="7215612" cy="699496"/>
+          </a:xfrm>
+          <a:prstGeom prst="rect">
+            <a:avLst/>
+          </a:prstGeom>
+          <a:ln w="38100" cap="sq">
+            <a:solidFill>
+              <a:srgbClr val="000000"/>
+            </a:solidFill>
+            <a:prstDash val="solid"/>
+            <a:miter lim="800000"/>
+          </a:ln>
+          <a:effectLst>
+            <a:outerShdw blurRad="50800" dist="38100" dir="2700000" algn="tl" rotWithShape="0">
+              <a:srgbClr val="000000">
+                <a:alpha val="43000"/>
+              </a:srgbClr>
+            </a:outerShdw>
+          </a:effectLst>
+        </p:spPr>
+      </p:pic>
+      <p:grpSp>
+        <p:nvGrpSpPr>
+          <p:cNvPr id="156" name="Google Shape;173;g7c553259d1_0_81"/>
+          <p:cNvGrpSpPr/>
+          <p:nvPr/>
+        </p:nvGrpSpPr>
+        <p:grpSpPr>
+          <a:xfrm>
+            <a:off x="278709" y="1287817"/>
+            <a:ext cx="302704" cy="370799"/>
+            <a:chOff x="0" y="-1"/>
+            <a:chExt cx="302702" cy="370798"/>
+          </a:xfrm>
+        </p:grpSpPr>
+        <p:sp>
+          <p:nvSpPr>
+            <p:cNvPr id="154" name="직사각형"/>
+            <p:cNvSpPr/>
+            <p:nvPr/>
+          </p:nvSpPr>
+          <p:spPr>
+            <a:xfrm>
+              <a:off x="0" y="23099"/>
+              <a:ext cx="302703" cy="324604"/>
+            </a:xfrm>
+            <a:prstGeom prst="rect">
+              <a:avLst/>
+            </a:prstGeom>
+            <a:solidFill>
+              <a:srgbClr val="FF0000"/>
+            </a:solidFill>
+            <a:ln w="12700" cap="flat">
+              <a:noFill/>
+              <a:miter lim="400000"/>
+            </a:ln>
+            <a:effectLst/>
+          </p:spPr>
+          <p:txBody>
+            <a:bodyPr wrap="square" lIns="45718" tIns="45718" rIns="45718" bIns="45718" numCol="1" anchor="ctr">
+              <a:noAutofit/>
+            </a:bodyPr>
+            <a:lstStyle/>
+            <a:p>
+              <a:pPr algn="ctr">
+                <a:defRPr b="1">
+                  <a:latin typeface="Malgun Gothic"/>
+                  <a:ea typeface="Malgun Gothic"/>
+                  <a:cs typeface="Malgun Gothic"/>
+                  <a:sym typeface="Malgun Gothic"/>
+                </a:defRPr>
+              </a:pPr>
+              <a:endParaRPr/>
+            </a:p>
+          </p:txBody>
+        </p:sp>
+        <p:sp>
+          <p:nvSpPr>
+            <p:cNvPr id="155" name="1"/>
+            <p:cNvSpPr txBox="1"/>
+            <p:nvPr/>
+          </p:nvSpPr>
+          <p:spPr>
+            <a:xfrm>
+              <a:off x="45724" y="-2"/>
+              <a:ext cx="211253" cy="370799"/>
+            </a:xfrm>
+            <a:prstGeom prst="rect">
+              <a:avLst/>
+            </a:prstGeom>
+            <a:noFill/>
+            <a:ln w="12700" cap="flat">
+              <a:noFill/>
+              <a:miter lim="400000"/>
+            </a:ln>
+            <a:effectLst/>
+            <a:extLst>
+              <a:ext uri="{C572A759-6A51-4108-AA02-DFA0A04FC94B}">
+                <ma14:wrappingTextBoxFlag xmlns="" xmlns:m="http://schemas.openxmlformats.org/officeDocument/2006/math" xmlns:a14="http://schemas.microsoft.com/office/drawing/2010/main" xmlns:ma14="http://schemas.microsoft.com/office/mac/drawingml/2011/main" val="1"/>
+              </a:ext>
+            </a:extLst>
+          </p:spPr>
+          <p:txBody>
+            <a:bodyPr wrap="square" lIns="45699" tIns="45699" rIns="45699" bIns="45699" numCol="1" anchor="ctr">
+              <a:spAutoFit/>
+            </a:bodyPr>
+            <a:lstStyle>
+              <a:lvl1pPr algn="ctr">
+                <a:defRPr b="1">
+                  <a:latin typeface="Malgun Gothic"/>
+                  <a:ea typeface="Malgun Gothic"/>
+                  <a:cs typeface="Malgun Gothic"/>
+                  <a:sym typeface="Malgun Gothic"/>
+                </a:defRPr>
+              </a:lvl1pPr>
+            </a:lstStyle>
+            <a:p>
+              <a:r>
+                <a:rPr dirty="0"/>
+                <a:t>1</a:t>
               </a:r>
             </a:p>
           </p:txBody>
@@ -24089,7 +24568,7 @@
             <a:effectLst/>
             <a:extLst>
               <a:ext uri="{C572A759-6A51-4108-AA02-DFA0A04FC94B}">
-                <ma14:wrappingTextBoxFlag xmlns:ma14="http://schemas.microsoft.com/office/mac/drawingml/2011/main" xmlns:a14="http://schemas.microsoft.com/office/drawing/2010/main" xmlns:m="http://schemas.openxmlformats.org/officeDocument/2006/math" xmlns="" val="1"/>
+                <ma14:wrappingTextBoxFlag xmlns="" xmlns:m="http://schemas.openxmlformats.org/officeDocument/2006/math" xmlns:a14="http://schemas.microsoft.com/office/drawing/2010/main" xmlns:ma14="http://schemas.microsoft.com/office/mac/drawingml/2011/main" val="1"/>
               </a:ext>
             </a:extLst>
           </p:spPr>
@@ -24198,7 +24677,7 @@
             <a:effectLst/>
             <a:extLst>
               <a:ext uri="{C572A759-6A51-4108-AA02-DFA0A04FC94B}">
-                <ma14:wrappingTextBoxFlag xmlns:ma14="http://schemas.microsoft.com/office/mac/drawingml/2011/main" xmlns:a14="http://schemas.microsoft.com/office/drawing/2010/main" xmlns:m="http://schemas.openxmlformats.org/officeDocument/2006/math" xmlns="" val="1"/>
+                <ma14:wrappingTextBoxFlag xmlns="" xmlns:m="http://schemas.openxmlformats.org/officeDocument/2006/math" xmlns:a14="http://schemas.microsoft.com/office/drawing/2010/main" xmlns:ma14="http://schemas.microsoft.com/office/mac/drawingml/2011/main" val="1"/>
               </a:ext>
             </a:extLst>
           </p:spPr>
@@ -24307,7 +24786,7 @@
             <a:effectLst/>
             <a:extLst>
               <a:ext uri="{C572A759-6A51-4108-AA02-DFA0A04FC94B}">
-                <ma14:wrappingTextBoxFlag xmlns:ma14="http://schemas.microsoft.com/office/mac/drawingml/2011/main" xmlns:a14="http://schemas.microsoft.com/office/drawing/2010/main" xmlns:m="http://schemas.openxmlformats.org/officeDocument/2006/math" xmlns="" val="1"/>
+                <ma14:wrappingTextBoxFlag xmlns="" xmlns:m="http://schemas.openxmlformats.org/officeDocument/2006/math" xmlns:a14="http://schemas.microsoft.com/office/drawing/2010/main" xmlns:ma14="http://schemas.microsoft.com/office/mac/drawingml/2011/main" val="1"/>
               </a:ext>
             </a:extLst>
           </p:spPr>
@@ -24413,7 +24892,7 @@
             <a:effectLst/>
             <a:extLst>
               <a:ext uri="{C572A759-6A51-4108-AA02-DFA0A04FC94B}">
-                <ma14:wrappingTextBoxFlag xmlns:ma14="http://schemas.microsoft.com/office/mac/drawingml/2011/main" xmlns:a14="http://schemas.microsoft.com/office/drawing/2010/main" xmlns:m="http://schemas.openxmlformats.org/officeDocument/2006/math" xmlns="" val="1"/>
+                <ma14:wrappingTextBoxFlag xmlns="" xmlns:m="http://schemas.openxmlformats.org/officeDocument/2006/math" xmlns:a14="http://schemas.microsoft.com/office/drawing/2010/main" xmlns:ma14="http://schemas.microsoft.com/office/mac/drawingml/2011/main" val="1"/>
               </a:ext>
             </a:extLst>
           </p:spPr>
@@ -24519,7 +24998,7 @@
             <a:effectLst/>
             <a:extLst>
               <a:ext uri="{C572A759-6A51-4108-AA02-DFA0A04FC94B}">
-                <ma14:wrappingTextBoxFlag xmlns:ma14="http://schemas.microsoft.com/office/mac/drawingml/2011/main" xmlns:a14="http://schemas.microsoft.com/office/drawing/2010/main" xmlns:m="http://schemas.openxmlformats.org/officeDocument/2006/math" xmlns="" val="1"/>
+                <ma14:wrappingTextBoxFlag xmlns="" xmlns:m="http://schemas.openxmlformats.org/officeDocument/2006/math" xmlns:a14="http://schemas.microsoft.com/office/drawing/2010/main" xmlns:ma14="http://schemas.microsoft.com/office/mac/drawingml/2011/main" val="1"/>
               </a:ext>
             </a:extLst>
           </p:spPr>
@@ -24622,7 +25101,7 @@
             <a:effectLst/>
             <a:extLst>
               <a:ext uri="{C572A759-6A51-4108-AA02-DFA0A04FC94B}">
-                <ma14:wrappingTextBoxFlag xmlns:ma14="http://schemas.microsoft.com/office/mac/drawingml/2011/main" xmlns:a14="http://schemas.microsoft.com/office/drawing/2010/main" xmlns:m="http://schemas.openxmlformats.org/officeDocument/2006/math" xmlns="" val="1"/>
+                <ma14:wrappingTextBoxFlag xmlns="" xmlns:m="http://schemas.openxmlformats.org/officeDocument/2006/math" xmlns:a14="http://schemas.microsoft.com/office/drawing/2010/main" xmlns:ma14="http://schemas.microsoft.com/office/mac/drawingml/2011/main" val="1"/>
               </a:ext>
             </a:extLst>
           </p:spPr>
@@ -24696,7 +25175,7 @@
           </a:ln>
           <a:extLst>
             <a:ext uri="{C572A759-6A51-4108-AA02-DFA0A04FC94B}">
-              <ma14:wrappingTextBoxFlag xmlns:ma14="http://schemas.microsoft.com/office/mac/drawingml/2011/main" xmlns:a14="http://schemas.microsoft.com/office/drawing/2010/main" xmlns:m="http://schemas.openxmlformats.org/officeDocument/2006/math" xmlns="" val="1"/>
+              <ma14:wrappingTextBoxFlag xmlns="" xmlns:m="http://schemas.openxmlformats.org/officeDocument/2006/math" xmlns:a14="http://schemas.microsoft.com/office/drawing/2010/main" xmlns:ma14="http://schemas.microsoft.com/office/mac/drawingml/2011/main" val="1"/>
             </a:ext>
           </a:extLst>
         </p:spPr>
@@ -24741,7 +25220,7 @@
           </a:ln>
           <a:extLst>
             <a:ext uri="{C572A759-6A51-4108-AA02-DFA0A04FC94B}">
-              <ma14:wrappingTextBoxFlag xmlns:ma14="http://schemas.microsoft.com/office/mac/drawingml/2011/main" xmlns:a14="http://schemas.microsoft.com/office/drawing/2010/main" xmlns:m="http://schemas.openxmlformats.org/officeDocument/2006/math" xmlns="" val="1"/>
+              <ma14:wrappingTextBoxFlag xmlns="" xmlns:m="http://schemas.openxmlformats.org/officeDocument/2006/math" xmlns:a14="http://schemas.microsoft.com/office/drawing/2010/main" xmlns:ma14="http://schemas.microsoft.com/office/mac/drawingml/2011/main" val="1"/>
             </a:ext>
           </a:extLst>
         </p:spPr>
@@ -24828,7 +25307,7 @@
           </a:ln>
           <a:extLst>
             <a:ext uri="{C572A759-6A51-4108-AA02-DFA0A04FC94B}">
-              <ma14:wrappingTextBoxFlag xmlns:ma14="http://schemas.microsoft.com/office/mac/drawingml/2011/main" xmlns:a14="http://schemas.microsoft.com/office/drawing/2010/main" xmlns:m="http://schemas.openxmlformats.org/officeDocument/2006/math" xmlns="" val="1"/>
+              <ma14:wrappingTextBoxFlag xmlns="" xmlns:m="http://schemas.openxmlformats.org/officeDocument/2006/math" xmlns:a14="http://schemas.microsoft.com/office/drawing/2010/main" xmlns:ma14="http://schemas.microsoft.com/office/mac/drawingml/2011/main" val="1"/>
             </a:ext>
           </a:extLst>
         </p:spPr>
@@ -24873,7 +25352,7 @@
           </a:ln>
           <a:extLst>
             <a:ext uri="{C572A759-6A51-4108-AA02-DFA0A04FC94B}">
-              <ma14:wrappingTextBoxFlag xmlns:ma14="http://schemas.microsoft.com/office/mac/drawingml/2011/main" xmlns:a14="http://schemas.microsoft.com/office/drawing/2010/main" xmlns:m="http://schemas.openxmlformats.org/officeDocument/2006/math" xmlns="" val="1"/>
+              <ma14:wrappingTextBoxFlag xmlns="" xmlns:m="http://schemas.openxmlformats.org/officeDocument/2006/math" xmlns:a14="http://schemas.microsoft.com/office/drawing/2010/main" xmlns:ma14="http://schemas.microsoft.com/office/mac/drawingml/2011/main" val="1"/>
             </a:ext>
           </a:extLst>
         </p:spPr>
@@ -24960,7 +25439,7 @@
           </a:ln>
           <a:extLst>
             <a:ext uri="{C572A759-6A51-4108-AA02-DFA0A04FC94B}">
-              <ma14:wrappingTextBoxFlag xmlns:ma14="http://schemas.microsoft.com/office/mac/drawingml/2011/main" xmlns:a14="http://schemas.microsoft.com/office/drawing/2010/main" xmlns:m="http://schemas.openxmlformats.org/officeDocument/2006/math" xmlns="" val="1"/>
+              <ma14:wrappingTextBoxFlag xmlns="" xmlns:m="http://schemas.openxmlformats.org/officeDocument/2006/math" xmlns:a14="http://schemas.microsoft.com/office/drawing/2010/main" xmlns:ma14="http://schemas.microsoft.com/office/mac/drawingml/2011/main" val="1"/>
             </a:ext>
           </a:extLst>
         </p:spPr>
@@ -25005,7 +25484,7 @@
           </a:ln>
           <a:extLst>
             <a:ext uri="{C572A759-6A51-4108-AA02-DFA0A04FC94B}">
-              <ma14:wrappingTextBoxFlag xmlns:ma14="http://schemas.microsoft.com/office/mac/drawingml/2011/main" xmlns:a14="http://schemas.microsoft.com/office/drawing/2010/main" xmlns:m="http://schemas.openxmlformats.org/officeDocument/2006/math" xmlns="" val="1"/>
+              <ma14:wrappingTextBoxFlag xmlns="" xmlns:m="http://schemas.openxmlformats.org/officeDocument/2006/math" xmlns:a14="http://schemas.microsoft.com/office/drawing/2010/main" xmlns:ma14="http://schemas.microsoft.com/office/mac/drawingml/2011/main" val="1"/>
             </a:ext>
           </a:extLst>
         </p:spPr>
@@ -25092,7 +25571,7 @@
           </a:ln>
           <a:extLst>
             <a:ext uri="{C572A759-6A51-4108-AA02-DFA0A04FC94B}">
-              <ma14:wrappingTextBoxFlag xmlns:ma14="http://schemas.microsoft.com/office/mac/drawingml/2011/main" xmlns:a14="http://schemas.microsoft.com/office/drawing/2010/main" xmlns:m="http://schemas.openxmlformats.org/officeDocument/2006/math" xmlns="" val="1"/>
+              <ma14:wrappingTextBoxFlag xmlns="" xmlns:m="http://schemas.openxmlformats.org/officeDocument/2006/math" xmlns:a14="http://schemas.microsoft.com/office/drawing/2010/main" xmlns:ma14="http://schemas.microsoft.com/office/mac/drawingml/2011/main" val="1"/>
             </a:ext>
           </a:extLst>
         </p:spPr>
@@ -25137,7 +25616,7 @@
           </a:ln>
           <a:extLst>
             <a:ext uri="{C572A759-6A51-4108-AA02-DFA0A04FC94B}">
-              <ma14:wrappingTextBoxFlag xmlns:ma14="http://schemas.microsoft.com/office/mac/drawingml/2011/main" xmlns:a14="http://schemas.microsoft.com/office/drawing/2010/main" xmlns:m="http://schemas.openxmlformats.org/officeDocument/2006/math" xmlns="" val="1"/>
+              <ma14:wrappingTextBoxFlag xmlns="" xmlns:m="http://schemas.openxmlformats.org/officeDocument/2006/math" xmlns:a14="http://schemas.microsoft.com/office/drawing/2010/main" xmlns:ma14="http://schemas.microsoft.com/office/mac/drawingml/2011/main" val="1"/>
             </a:ext>
           </a:extLst>
         </p:spPr>
@@ -26330,7 +26809,7 @@
             <a:effectLst/>
             <a:extLst>
               <a:ext uri="{C572A759-6A51-4108-AA02-DFA0A04FC94B}">
-                <ma14:wrappingTextBoxFlag xmlns:ma14="http://schemas.microsoft.com/office/mac/drawingml/2011/main" xmlns:a14="http://schemas.microsoft.com/office/drawing/2010/main" xmlns:m="http://schemas.openxmlformats.org/officeDocument/2006/math" xmlns="" val="1"/>
+                <ma14:wrappingTextBoxFlag xmlns="" xmlns:m="http://schemas.openxmlformats.org/officeDocument/2006/math" xmlns:a14="http://schemas.microsoft.com/office/drawing/2010/main" xmlns:ma14="http://schemas.microsoft.com/office/mac/drawingml/2011/main" val="1"/>
               </a:ext>
             </a:extLst>
           </p:spPr>
@@ -26377,7 +26856,7 @@
           </a:ln>
           <a:extLst>
             <a:ext uri="{C572A759-6A51-4108-AA02-DFA0A04FC94B}">
-              <ma14:wrappingTextBoxFlag xmlns:ma14="http://schemas.microsoft.com/office/mac/drawingml/2011/main" xmlns:a14="http://schemas.microsoft.com/office/drawing/2010/main" xmlns:m="http://schemas.openxmlformats.org/officeDocument/2006/math" xmlns="" val="1"/>
+              <ma14:wrappingTextBoxFlag xmlns="" xmlns:m="http://schemas.openxmlformats.org/officeDocument/2006/math" xmlns:a14="http://schemas.microsoft.com/office/drawing/2010/main" xmlns:ma14="http://schemas.microsoft.com/office/mac/drawingml/2011/main" val="1"/>
             </a:ext>
           </a:extLst>
         </p:spPr>
@@ -26743,7 +27222,7 @@
           </a:ln>
           <a:extLst>
             <a:ext uri="{C572A759-6A51-4108-AA02-DFA0A04FC94B}">
-              <ma14:wrappingTextBoxFlag xmlns:ma14="http://schemas.microsoft.com/office/mac/drawingml/2011/main" xmlns:a14="http://schemas.microsoft.com/office/drawing/2010/main" xmlns:m="http://schemas.openxmlformats.org/officeDocument/2006/math" xmlns="" val="1"/>
+              <ma14:wrappingTextBoxFlag xmlns="" xmlns:m="http://schemas.openxmlformats.org/officeDocument/2006/math" xmlns:a14="http://schemas.microsoft.com/office/drawing/2010/main" xmlns:ma14="http://schemas.microsoft.com/office/mac/drawingml/2011/main" val="1"/>
             </a:ext>
           </a:extLst>
         </p:spPr>
@@ -26793,7 +27272,7 @@
           </a:ln>
           <a:extLst>
             <a:ext uri="{C572A759-6A51-4108-AA02-DFA0A04FC94B}">
-              <ma14:wrappingTextBoxFlag xmlns:ma14="http://schemas.microsoft.com/office/mac/drawingml/2011/main" xmlns:a14="http://schemas.microsoft.com/office/drawing/2010/main" xmlns:m="http://schemas.openxmlformats.org/officeDocument/2006/math" xmlns="" val="1"/>
+              <ma14:wrappingTextBoxFlag xmlns="" xmlns:m="http://schemas.openxmlformats.org/officeDocument/2006/math" xmlns:a14="http://schemas.microsoft.com/office/drawing/2010/main" xmlns:ma14="http://schemas.microsoft.com/office/mac/drawingml/2011/main" val="1"/>
             </a:ext>
           </a:extLst>
         </p:spPr>
@@ -26849,7 +27328,7 @@
           </a:ln>
           <a:extLst>
             <a:ext uri="{C572A759-6A51-4108-AA02-DFA0A04FC94B}">
-              <ma14:wrappingTextBoxFlag xmlns:ma14="http://schemas.microsoft.com/office/mac/drawingml/2011/main" xmlns:a14="http://schemas.microsoft.com/office/drawing/2010/main" xmlns:m="http://schemas.openxmlformats.org/officeDocument/2006/math" xmlns="" val="1"/>
+              <ma14:wrappingTextBoxFlag xmlns="" xmlns:m="http://schemas.openxmlformats.org/officeDocument/2006/math" xmlns:a14="http://schemas.microsoft.com/office/drawing/2010/main" xmlns:ma14="http://schemas.microsoft.com/office/mac/drawingml/2011/main" val="1"/>
             </a:ext>
           </a:extLst>
         </p:spPr>
@@ -26894,7 +27373,7 @@
           </a:ln>
           <a:extLst>
             <a:ext uri="{C572A759-6A51-4108-AA02-DFA0A04FC94B}">
-              <ma14:wrappingTextBoxFlag xmlns:ma14="http://schemas.microsoft.com/office/mac/drawingml/2011/main" xmlns:a14="http://schemas.microsoft.com/office/drawing/2010/main" xmlns:m="http://schemas.openxmlformats.org/officeDocument/2006/math" xmlns="" val="1"/>
+              <ma14:wrappingTextBoxFlag xmlns="" xmlns:m="http://schemas.openxmlformats.org/officeDocument/2006/math" xmlns:a14="http://schemas.microsoft.com/office/drawing/2010/main" xmlns:ma14="http://schemas.microsoft.com/office/mac/drawingml/2011/main" val="1"/>
             </a:ext>
           </a:extLst>
         </p:spPr>
@@ -26950,7 +27429,7 @@
           </a:ln>
           <a:extLst>
             <a:ext uri="{C572A759-6A51-4108-AA02-DFA0A04FC94B}">
-              <ma14:wrappingTextBoxFlag xmlns:ma14="http://schemas.microsoft.com/office/mac/drawingml/2011/main" xmlns:a14="http://schemas.microsoft.com/office/drawing/2010/main" xmlns:m="http://schemas.openxmlformats.org/officeDocument/2006/math" xmlns="" val="1"/>
+              <ma14:wrappingTextBoxFlag xmlns="" xmlns:m="http://schemas.openxmlformats.org/officeDocument/2006/math" xmlns:a14="http://schemas.microsoft.com/office/drawing/2010/main" xmlns:ma14="http://schemas.microsoft.com/office/mac/drawingml/2011/main" val="1"/>
             </a:ext>
           </a:extLst>
         </p:spPr>
@@ -26995,7 +27474,7 @@
           </a:ln>
           <a:extLst>
             <a:ext uri="{C572A759-6A51-4108-AA02-DFA0A04FC94B}">
-              <ma14:wrappingTextBoxFlag xmlns:ma14="http://schemas.microsoft.com/office/mac/drawingml/2011/main" xmlns:a14="http://schemas.microsoft.com/office/drawing/2010/main" xmlns:m="http://schemas.openxmlformats.org/officeDocument/2006/math" xmlns="" val="1"/>
+              <ma14:wrappingTextBoxFlag xmlns="" xmlns:m="http://schemas.openxmlformats.org/officeDocument/2006/math" xmlns:a14="http://schemas.microsoft.com/office/drawing/2010/main" xmlns:ma14="http://schemas.microsoft.com/office/mac/drawingml/2011/main" val="1"/>
             </a:ext>
           </a:extLst>
         </p:spPr>
@@ -27051,7 +27530,7 @@
           </a:ln>
           <a:extLst>
             <a:ext uri="{C572A759-6A51-4108-AA02-DFA0A04FC94B}">
-              <ma14:wrappingTextBoxFlag xmlns:ma14="http://schemas.microsoft.com/office/mac/drawingml/2011/main" xmlns:a14="http://schemas.microsoft.com/office/drawing/2010/main" xmlns:m="http://schemas.openxmlformats.org/officeDocument/2006/math" xmlns="" val="1"/>
+              <ma14:wrappingTextBoxFlag xmlns="" xmlns:m="http://schemas.openxmlformats.org/officeDocument/2006/math" xmlns:a14="http://schemas.microsoft.com/office/drawing/2010/main" xmlns:ma14="http://schemas.microsoft.com/office/mac/drawingml/2011/main" val="1"/>
             </a:ext>
           </a:extLst>
         </p:spPr>
@@ -27096,7 +27575,7 @@
           </a:ln>
           <a:extLst>
             <a:ext uri="{C572A759-6A51-4108-AA02-DFA0A04FC94B}">
-              <ma14:wrappingTextBoxFlag xmlns:ma14="http://schemas.microsoft.com/office/mac/drawingml/2011/main" xmlns:a14="http://schemas.microsoft.com/office/drawing/2010/main" xmlns:m="http://schemas.openxmlformats.org/officeDocument/2006/math" xmlns="" val="1"/>
+              <ma14:wrappingTextBoxFlag xmlns="" xmlns:m="http://schemas.openxmlformats.org/officeDocument/2006/math" xmlns:a14="http://schemas.microsoft.com/office/drawing/2010/main" xmlns:ma14="http://schemas.microsoft.com/office/mac/drawingml/2011/main" val="1"/>
             </a:ext>
           </a:extLst>
         </p:spPr>
@@ -27210,7 +27689,7 @@
             <a:effectLst/>
             <a:extLst>
               <a:ext uri="{C572A759-6A51-4108-AA02-DFA0A04FC94B}">
-                <ma14:wrappingTextBoxFlag xmlns:ma14="http://schemas.microsoft.com/office/mac/drawingml/2011/main" xmlns:a14="http://schemas.microsoft.com/office/drawing/2010/main" xmlns:m="http://schemas.openxmlformats.org/officeDocument/2006/math" xmlns="" val="1"/>
+                <ma14:wrappingTextBoxFlag xmlns="" xmlns:m="http://schemas.openxmlformats.org/officeDocument/2006/math" xmlns:a14="http://schemas.microsoft.com/office/drawing/2010/main" xmlns:ma14="http://schemas.microsoft.com/office/mac/drawingml/2011/main" val="1"/>
               </a:ext>
             </a:extLst>
           </p:spPr>
@@ -27313,7 +27792,7 @@
             <a:effectLst/>
             <a:extLst>
               <a:ext uri="{C572A759-6A51-4108-AA02-DFA0A04FC94B}">
-                <ma14:wrappingTextBoxFlag xmlns:ma14="http://schemas.microsoft.com/office/mac/drawingml/2011/main" xmlns:a14="http://schemas.microsoft.com/office/drawing/2010/main" xmlns:m="http://schemas.openxmlformats.org/officeDocument/2006/math" xmlns="" val="1"/>
+                <ma14:wrappingTextBoxFlag xmlns="" xmlns:m="http://schemas.openxmlformats.org/officeDocument/2006/math" xmlns:a14="http://schemas.microsoft.com/office/drawing/2010/main" xmlns:ma14="http://schemas.microsoft.com/office/mac/drawingml/2011/main" val="1"/>
               </a:ext>
             </a:extLst>
           </p:spPr>
@@ -27416,7 +27895,7 @@
             <a:effectLst/>
             <a:extLst>
               <a:ext uri="{C572A759-6A51-4108-AA02-DFA0A04FC94B}">
-                <ma14:wrappingTextBoxFlag xmlns:ma14="http://schemas.microsoft.com/office/mac/drawingml/2011/main" xmlns:a14="http://schemas.microsoft.com/office/drawing/2010/main" xmlns:m="http://schemas.openxmlformats.org/officeDocument/2006/math" xmlns="" val="1"/>
+                <ma14:wrappingTextBoxFlag xmlns="" xmlns:m="http://schemas.openxmlformats.org/officeDocument/2006/math" xmlns:a14="http://schemas.microsoft.com/office/drawing/2010/main" xmlns:ma14="http://schemas.microsoft.com/office/mac/drawingml/2011/main" val="1"/>
               </a:ext>
             </a:extLst>
           </p:spPr>
@@ -27519,7 +27998,7 @@
             <a:effectLst/>
             <a:extLst>
               <a:ext uri="{C572A759-6A51-4108-AA02-DFA0A04FC94B}">
-                <ma14:wrappingTextBoxFlag xmlns:ma14="http://schemas.microsoft.com/office/mac/drawingml/2011/main" xmlns:a14="http://schemas.microsoft.com/office/drawing/2010/main" xmlns:m="http://schemas.openxmlformats.org/officeDocument/2006/math" xmlns="" val="1"/>
+                <ma14:wrappingTextBoxFlag xmlns="" xmlns:m="http://schemas.openxmlformats.org/officeDocument/2006/math" xmlns:a14="http://schemas.microsoft.com/office/drawing/2010/main" xmlns:ma14="http://schemas.microsoft.com/office/mac/drawingml/2011/main" val="1"/>
               </a:ext>
             </a:extLst>
           </p:spPr>
@@ -28657,7 +29136,7 @@
             <a:effectLst/>
             <a:extLst>
               <a:ext uri="{C572A759-6A51-4108-AA02-DFA0A04FC94B}">
-                <ma14:wrappingTextBoxFlag xmlns:ma14="http://schemas.microsoft.com/office/mac/drawingml/2011/main" xmlns:a14="http://schemas.microsoft.com/office/drawing/2010/main" xmlns:m="http://schemas.openxmlformats.org/officeDocument/2006/math" xmlns="" val="1"/>
+                <ma14:wrappingTextBoxFlag xmlns="" xmlns:m="http://schemas.openxmlformats.org/officeDocument/2006/math" xmlns:a14="http://schemas.microsoft.com/office/drawing/2010/main" xmlns:ma14="http://schemas.microsoft.com/office/mac/drawingml/2011/main" val="1"/>
               </a:ext>
             </a:extLst>
           </p:spPr>
@@ -28704,7 +29183,7 @@
           </a:ln>
           <a:extLst>
             <a:ext uri="{C572A759-6A51-4108-AA02-DFA0A04FC94B}">
-              <ma14:wrappingTextBoxFlag xmlns:ma14="http://schemas.microsoft.com/office/mac/drawingml/2011/main" xmlns:a14="http://schemas.microsoft.com/office/drawing/2010/main" xmlns:m="http://schemas.openxmlformats.org/officeDocument/2006/math" xmlns="" val="1"/>
+              <ma14:wrappingTextBoxFlag xmlns="" xmlns:m="http://schemas.openxmlformats.org/officeDocument/2006/math" xmlns:a14="http://schemas.microsoft.com/office/drawing/2010/main" xmlns:ma14="http://schemas.microsoft.com/office/mac/drawingml/2011/main" val="1"/>
             </a:ext>
           </a:extLst>
         </p:spPr>
@@ -28986,7 +29465,7 @@
             <a:effectLst/>
             <a:extLst>
               <a:ext uri="{C572A759-6A51-4108-AA02-DFA0A04FC94B}">
-                <ma14:wrappingTextBoxFlag xmlns:ma14="http://schemas.microsoft.com/office/mac/drawingml/2011/main" xmlns:a14="http://schemas.microsoft.com/office/drawing/2010/main" xmlns:m="http://schemas.openxmlformats.org/officeDocument/2006/math" xmlns="" val="1"/>
+                <ma14:wrappingTextBoxFlag xmlns="" xmlns:m="http://schemas.openxmlformats.org/officeDocument/2006/math" xmlns:a14="http://schemas.microsoft.com/office/drawing/2010/main" xmlns:ma14="http://schemas.microsoft.com/office/mac/drawingml/2011/main" val="1"/>
               </a:ext>
             </a:extLst>
           </p:spPr>
@@ -29092,7 +29571,7 @@
             <a:effectLst/>
             <a:extLst>
               <a:ext uri="{C572A759-6A51-4108-AA02-DFA0A04FC94B}">
-                <ma14:wrappingTextBoxFlag xmlns:ma14="http://schemas.microsoft.com/office/mac/drawingml/2011/main" xmlns:a14="http://schemas.microsoft.com/office/drawing/2010/main" xmlns:m="http://schemas.openxmlformats.org/officeDocument/2006/math" xmlns="" val="1"/>
+                <ma14:wrappingTextBoxFlag xmlns="" xmlns:m="http://schemas.openxmlformats.org/officeDocument/2006/math" xmlns:a14="http://schemas.microsoft.com/office/drawing/2010/main" xmlns:ma14="http://schemas.microsoft.com/office/mac/drawingml/2011/main" val="1"/>
               </a:ext>
             </a:extLst>
           </p:spPr>
@@ -29306,7 +29785,7 @@
           </a:ln>
           <a:extLst>
             <a:ext uri="{C572A759-6A51-4108-AA02-DFA0A04FC94B}">
-              <ma14:wrappingTextBoxFlag xmlns:ma14="http://schemas.microsoft.com/office/mac/drawingml/2011/main" xmlns:a14="http://schemas.microsoft.com/office/drawing/2010/main" xmlns:m="http://schemas.openxmlformats.org/officeDocument/2006/math" xmlns="" val="1"/>
+              <ma14:wrappingTextBoxFlag xmlns="" xmlns:m="http://schemas.openxmlformats.org/officeDocument/2006/math" xmlns:a14="http://schemas.microsoft.com/office/drawing/2010/main" xmlns:ma14="http://schemas.microsoft.com/office/mac/drawingml/2011/main" val="1"/>
             </a:ext>
           </a:extLst>
         </p:spPr>
@@ -29356,7 +29835,7 @@
           </a:ln>
           <a:extLst>
             <a:ext uri="{C572A759-6A51-4108-AA02-DFA0A04FC94B}">
-              <ma14:wrappingTextBoxFlag xmlns:ma14="http://schemas.microsoft.com/office/mac/drawingml/2011/main" xmlns:a14="http://schemas.microsoft.com/office/drawing/2010/main" xmlns:m="http://schemas.openxmlformats.org/officeDocument/2006/math" xmlns="" val="1"/>
+              <ma14:wrappingTextBoxFlag xmlns="" xmlns:m="http://schemas.openxmlformats.org/officeDocument/2006/math" xmlns:a14="http://schemas.microsoft.com/office/drawing/2010/main" xmlns:ma14="http://schemas.microsoft.com/office/mac/drawingml/2011/main" val="1"/>
             </a:ext>
           </a:extLst>
         </p:spPr>
@@ -29443,7 +29922,7 @@
           </a:ln>
           <a:extLst>
             <a:ext uri="{C572A759-6A51-4108-AA02-DFA0A04FC94B}">
-              <ma14:wrappingTextBoxFlag xmlns:ma14="http://schemas.microsoft.com/office/mac/drawingml/2011/main" xmlns:a14="http://schemas.microsoft.com/office/drawing/2010/main" xmlns:m="http://schemas.openxmlformats.org/officeDocument/2006/math" xmlns="" val="1"/>
+              <ma14:wrappingTextBoxFlag xmlns="" xmlns:m="http://schemas.openxmlformats.org/officeDocument/2006/math" xmlns:a14="http://schemas.microsoft.com/office/drawing/2010/main" xmlns:ma14="http://schemas.microsoft.com/office/mac/drawingml/2011/main" val="1"/>
             </a:ext>
           </a:extLst>
         </p:spPr>
@@ -29488,7 +29967,7 @@
           </a:ln>
           <a:extLst>
             <a:ext uri="{C572A759-6A51-4108-AA02-DFA0A04FC94B}">
-              <ma14:wrappingTextBoxFlag xmlns:ma14="http://schemas.microsoft.com/office/mac/drawingml/2011/main" xmlns:a14="http://schemas.microsoft.com/office/drawing/2010/main" xmlns:m="http://schemas.openxmlformats.org/officeDocument/2006/math" xmlns="" val="1"/>
+              <ma14:wrappingTextBoxFlag xmlns="" xmlns:m="http://schemas.openxmlformats.org/officeDocument/2006/math" xmlns:a14="http://schemas.microsoft.com/office/drawing/2010/main" xmlns:ma14="http://schemas.microsoft.com/office/mac/drawingml/2011/main" val="1"/>
             </a:ext>
           </a:extLst>
         </p:spPr>
@@ -29575,7 +30054,7 @@
           </a:ln>
           <a:extLst>
             <a:ext uri="{C572A759-6A51-4108-AA02-DFA0A04FC94B}">
-              <ma14:wrappingTextBoxFlag xmlns:ma14="http://schemas.microsoft.com/office/mac/drawingml/2011/main" xmlns:a14="http://schemas.microsoft.com/office/drawing/2010/main" xmlns:m="http://schemas.openxmlformats.org/officeDocument/2006/math" xmlns="" val="1"/>
+              <ma14:wrappingTextBoxFlag xmlns="" xmlns:m="http://schemas.openxmlformats.org/officeDocument/2006/math" xmlns:a14="http://schemas.microsoft.com/office/drawing/2010/main" xmlns:ma14="http://schemas.microsoft.com/office/mac/drawingml/2011/main" val="1"/>
             </a:ext>
           </a:extLst>
         </p:spPr>
@@ -29620,7 +30099,7 @@
           </a:ln>
           <a:extLst>
             <a:ext uri="{C572A759-6A51-4108-AA02-DFA0A04FC94B}">
-              <ma14:wrappingTextBoxFlag xmlns:ma14="http://schemas.microsoft.com/office/mac/drawingml/2011/main" xmlns:a14="http://schemas.microsoft.com/office/drawing/2010/main" xmlns:m="http://schemas.openxmlformats.org/officeDocument/2006/math" xmlns="" val="1"/>
+              <ma14:wrappingTextBoxFlag xmlns="" xmlns:m="http://schemas.openxmlformats.org/officeDocument/2006/math" xmlns:a14="http://schemas.microsoft.com/office/drawing/2010/main" xmlns:ma14="http://schemas.microsoft.com/office/mac/drawingml/2011/main" val="1"/>
             </a:ext>
           </a:extLst>
         </p:spPr>
@@ -29707,7 +30186,7 @@
           </a:ln>
           <a:extLst>
             <a:ext uri="{C572A759-6A51-4108-AA02-DFA0A04FC94B}">
-              <ma14:wrappingTextBoxFlag xmlns:ma14="http://schemas.microsoft.com/office/mac/drawingml/2011/main" xmlns:a14="http://schemas.microsoft.com/office/drawing/2010/main" xmlns:m="http://schemas.openxmlformats.org/officeDocument/2006/math" xmlns="" val="1"/>
+              <ma14:wrappingTextBoxFlag xmlns="" xmlns:m="http://schemas.openxmlformats.org/officeDocument/2006/math" xmlns:a14="http://schemas.microsoft.com/office/drawing/2010/main" xmlns:ma14="http://schemas.microsoft.com/office/mac/drawingml/2011/main" val="1"/>
             </a:ext>
           </a:extLst>
         </p:spPr>
@@ -29752,7 +30231,7 @@
           </a:ln>
           <a:extLst>
             <a:ext uri="{C572A759-6A51-4108-AA02-DFA0A04FC94B}">
-              <ma14:wrappingTextBoxFlag xmlns:ma14="http://schemas.microsoft.com/office/mac/drawingml/2011/main" xmlns:a14="http://schemas.microsoft.com/office/drawing/2010/main" xmlns:m="http://schemas.openxmlformats.org/officeDocument/2006/math" xmlns="" val="1"/>
+              <ma14:wrappingTextBoxFlag xmlns="" xmlns:m="http://schemas.openxmlformats.org/officeDocument/2006/math" xmlns:a14="http://schemas.microsoft.com/office/drawing/2010/main" xmlns:ma14="http://schemas.microsoft.com/office/mac/drawingml/2011/main" val="1"/>
             </a:ext>
           </a:extLst>
         </p:spPr>
@@ -30029,11 +30508,17 @@
         <p:nvGraphicFramePr>
           <p:cNvPr id="267" name="표 13"/>
           <p:cNvGraphicFramePr/>
-          <p:nvPr/>
+          <p:nvPr>
+            <p:extLst>
+              <p:ext uri="{D42A27DB-BD31-4B8C-83A1-F6EECF244321}">
+                <p14:modId xmlns:p14="http://schemas.microsoft.com/office/powerpoint/2010/main" val="1483493114"/>
+              </p:ext>
+            </p:extLst>
+          </p:nvPr>
         </p:nvGraphicFramePr>
         <p:xfrm>
           <a:off x="8509686" y="1289960"/>
-          <a:ext cx="3491813" cy="5919919"/>
+          <a:ext cx="3491813" cy="5465684"/>
         </p:xfrm>
         <a:graphic>
           <a:graphicData uri="http://schemas.openxmlformats.org/drawingml/2006/table">
@@ -30059,7 +30544,7 @@
                         </a:defRPr>
                       </a:pPr>
                       <a:r>
-                        <a:rPr sz="1500" b="1"/>
+                        <a:rPr sz="1500" b="1" dirty="0"/>
                         <a:t>#</a:t>
                       </a:r>
                     </a:p>
@@ -30269,32 +30754,42 @@
                         <a:defRPr sz="1500"/>
                       </a:pPr>
                       <a:r>
-                        <a:t>렌탈하기 - 제품 렌탈결제 페이지 이동</a:t>
+                        <a:rPr dirty="0" err="1"/>
+                        <a:t>렌탈하기</a:t>
                       </a:r>
-                    </a:p>
-                    <a:p>
-                      <a:pPr algn="l">
-                        <a:defRPr sz="1500"/>
-                      </a:pPr>
                       <a:r>
-                        <a:t>찜하기 - 마이페이지 내의 wishlist이동</a:t>
+                        <a:rPr dirty="0"/>
+                        <a:t> - </a:t>
                       </a:r>
-                    </a:p>
-                    <a:p>
-                      <a:pPr algn="l">
-                        <a:defRPr sz="1500"/>
-                      </a:pPr>
                       <a:r>
-                        <a:t>             (장바구니 개념)</a:t>
+                        <a:rPr dirty="0" err="1"/>
+                        <a:t>제품</a:t>
                       </a:r>
-                    </a:p>
-                    <a:p>
-                      <a:pPr algn="l">
-                        <a:defRPr sz="1500"/>
-                      </a:pPr>
                       <a:r>
-                        <a:t>신고하기 - 부적합 상품, 욕설, 비속어 등 있을 시 신고할 수 있는 버튼</a:t>
+                        <a:rPr dirty="0"/>
+                        <a:t> </a:t>
                       </a:r>
+                      <a:r>
+                        <a:rPr dirty="0" err="1"/>
+                        <a:t>렌탈결제</a:t>
+                      </a:r>
+                      <a:r>
+                        <a:rPr dirty="0"/>
+                        <a:t> </a:t>
+                      </a:r>
+                      <a:r>
+                        <a:rPr dirty="0" err="1"/>
+                        <a:t>페이지</a:t>
+                      </a:r>
+                      <a:r>
+                        <a:rPr dirty="0"/>
+                        <a:t> </a:t>
+                      </a:r>
+                      <a:r>
+                        <a:rPr dirty="0" err="1" smtClean="0"/>
+                        <a:t>이동</a:t>
+                      </a:r>
+                      <a:endParaRPr dirty="0"/>
                     </a:p>
                   </a:txBody>
                   <a:tcPr marL="45720" marR="45720" horzOverflow="overflow">
@@ -30373,7 +30868,47 @@
                       <a:pPr algn="l">
                         <a:defRPr sz="1500"/>
                       </a:pPr>
-                      <a:endParaRPr/>
+                      <a:r>
+                        <a:rPr lang="ko-KR" altLang="en-US" dirty="0" err="1" smtClean="0"/>
+                        <a:t>찜하기</a:t>
+                      </a:r>
+                      <a:r>
+                        <a:rPr lang="ko-KR" altLang="en-US" dirty="0" smtClean="0"/>
+                        <a:t> 클릭 시 팝업으로 </a:t>
+                      </a:r>
+                      <a:r>
+                        <a:rPr lang="ko-KR" altLang="en-US" dirty="0" err="1" smtClean="0"/>
+                        <a:t>찜하기</a:t>
+                      </a:r>
+                      <a:r>
+                        <a:rPr lang="ko-KR" altLang="en-US" dirty="0" smtClean="0"/>
+                        <a:t> 되었다는 알림</a:t>
+                      </a:r>
+                      <a:r>
+                        <a:rPr lang="en-US" altLang="ko-KR" dirty="0" smtClean="0"/>
+                        <a:t>, </a:t>
+                      </a:r>
+                      <a:r>
+                        <a:rPr lang="ko-KR" altLang="en-US" dirty="0" err="1" smtClean="0"/>
+                        <a:t>마이페이지</a:t>
+                      </a:r>
+                      <a:r>
+                        <a:rPr lang="ko-KR" altLang="en-US" dirty="0" smtClean="0"/>
+                        <a:t> </a:t>
+                      </a:r>
+                      <a:r>
+                        <a:rPr lang="en-US" altLang="ko-KR" dirty="0" err="1" smtClean="0"/>
+                        <a:t>wishlist</a:t>
+                      </a:r>
+                      <a:r>
+                        <a:rPr lang="ko-KR" altLang="en-US" dirty="0" smtClean="0"/>
+                        <a:t>에 추가</a:t>
+                      </a:r>
+                      <a:r>
+                        <a:rPr lang="en-US" altLang="ko-KR" dirty="0" smtClean="0"/>
+                        <a:t>.</a:t>
+                      </a:r>
+                      <a:endParaRPr dirty="0"/>
                     </a:p>
                   </a:txBody>
                   <a:tcPr marL="45720" marR="45720" horzOverflow="overflow">
@@ -30449,10 +30984,57 @@
                     <a:bodyPr/>
                     <a:lstStyle/>
                     <a:p>
+                      <a:pPr marL="0" marR="0" lvl="0" indent="0" algn="l" defTabSz="914400" rtl="0" eaLnBrk="1" fontAlgn="auto" latinLnBrk="0" hangingPunct="1">
+                        <a:lnSpc>
+                          <a:spcPct val="100000"/>
+                        </a:lnSpc>
+                        <a:spcBef>
+                          <a:spcPts val="0"/>
+                        </a:spcBef>
+                        <a:spcAft>
+                          <a:spcPts val="0"/>
+                        </a:spcAft>
+                        <a:buClrTx/>
+                        <a:buSzTx/>
+                        <a:buFontTx/>
+                        <a:buNone/>
+                        <a:tabLst/>
+                        <a:defRPr sz="1500"/>
+                      </a:pPr>
+                      <a:r>
+                        <a:rPr lang="ko-KR" altLang="en-US" dirty="0" smtClean="0"/>
+                        <a:t>신고하기 </a:t>
+                      </a:r>
+                      <a:r>
+                        <a:rPr lang="en-US" altLang="ko-KR" dirty="0" smtClean="0"/>
+                        <a:t>- </a:t>
+                      </a:r>
+                      <a:r>
+                        <a:rPr lang="ko-KR" altLang="en-US" dirty="0" smtClean="0"/>
+                        <a:t>부적합 상품</a:t>
+                      </a:r>
+                      <a:r>
+                        <a:rPr lang="en-US" altLang="ko-KR" dirty="0" smtClean="0"/>
+                        <a:t>, </a:t>
+                      </a:r>
+                      <a:r>
+                        <a:rPr lang="ko-KR" altLang="en-US" dirty="0" smtClean="0"/>
+                        <a:t>욕설</a:t>
+                      </a:r>
+                      <a:r>
+                        <a:rPr lang="en-US" altLang="ko-KR" dirty="0" smtClean="0"/>
+                        <a:t>, </a:t>
+                      </a:r>
+                      <a:r>
+                        <a:rPr lang="ko-KR" altLang="en-US" dirty="0" smtClean="0"/>
+                        <a:t>비속어 등 있을 시 신고할 수 있는 버튼</a:t>
+                      </a:r>
+                    </a:p>
+                    <a:p>
                       <a:pPr algn="l">
                         <a:defRPr sz="1500"/>
                       </a:pPr>
-                      <a:endParaRPr/>
+                      <a:endParaRPr dirty="0"/>
                     </a:p>
                   </a:txBody>
                   <a:tcPr marL="45720" marR="45720" horzOverflow="overflow">
@@ -30531,7 +31113,7 @@
                       <a:pPr algn="l">
                         <a:defRPr sz="1500"/>
                       </a:pPr>
-                      <a:endParaRPr/>
+                      <a:endParaRPr dirty="0"/>
                     </a:p>
                   </a:txBody>
                   <a:tcPr marL="45720" marR="45720" horzOverflow="overflow">
@@ -30974,7 +31556,7 @@
             <a:effectLst/>
             <a:extLst>
               <a:ext uri="{C572A759-6A51-4108-AA02-DFA0A04FC94B}">
-                <ma14:wrappingTextBoxFlag xmlns:ma14="http://schemas.microsoft.com/office/mac/drawingml/2011/main" xmlns:a14="http://schemas.microsoft.com/office/drawing/2010/main" xmlns:m="http://schemas.openxmlformats.org/officeDocument/2006/math" xmlns="" val="1"/>
+                <ma14:wrappingTextBoxFlag xmlns="" xmlns:m="http://schemas.openxmlformats.org/officeDocument/2006/math" xmlns:a14="http://schemas.microsoft.com/office/drawing/2010/main" xmlns:ma14="http://schemas.microsoft.com/office/mac/drawingml/2011/main" val="1"/>
               </a:ext>
             </a:extLst>
           </p:spPr>
@@ -31150,7 +31732,7 @@
             <a:effectLst/>
             <a:extLst>
               <a:ext uri="{C572A759-6A51-4108-AA02-DFA0A04FC94B}">
-                <ma14:wrappingTextBoxFlag xmlns:ma14="http://schemas.microsoft.com/office/mac/drawingml/2011/main" xmlns:a14="http://schemas.microsoft.com/office/drawing/2010/main" xmlns:m="http://schemas.openxmlformats.org/officeDocument/2006/math" xmlns="" val="1"/>
+                <ma14:wrappingTextBoxFlag xmlns="" xmlns:m="http://schemas.openxmlformats.org/officeDocument/2006/math" xmlns:a14="http://schemas.microsoft.com/office/drawing/2010/main" xmlns:ma14="http://schemas.microsoft.com/office/mac/drawingml/2011/main" val="1"/>
               </a:ext>
             </a:extLst>
           </p:spPr>
@@ -31256,7 +31838,7 @@
             <a:effectLst/>
             <a:extLst>
               <a:ext uri="{C572A759-6A51-4108-AA02-DFA0A04FC94B}">
-                <ma14:wrappingTextBoxFlag xmlns:ma14="http://schemas.microsoft.com/office/mac/drawingml/2011/main" xmlns:a14="http://schemas.microsoft.com/office/drawing/2010/main" xmlns:m="http://schemas.openxmlformats.org/officeDocument/2006/math" xmlns="" val="1"/>
+                <ma14:wrappingTextBoxFlag xmlns="" xmlns:m="http://schemas.openxmlformats.org/officeDocument/2006/math" xmlns:a14="http://schemas.microsoft.com/office/drawing/2010/main" xmlns:ma14="http://schemas.microsoft.com/office/mac/drawingml/2011/main" val="1"/>
               </a:ext>
             </a:extLst>
           </p:spPr>
@@ -31362,7 +31944,7 @@
             <a:effectLst/>
             <a:extLst>
               <a:ext uri="{C572A759-6A51-4108-AA02-DFA0A04FC94B}">
-                <ma14:wrappingTextBoxFlag xmlns:ma14="http://schemas.microsoft.com/office/mac/drawingml/2011/main" xmlns:a14="http://schemas.microsoft.com/office/drawing/2010/main" xmlns:m="http://schemas.openxmlformats.org/officeDocument/2006/math" xmlns="" val="1"/>
+                <ma14:wrappingTextBoxFlag xmlns="" xmlns:m="http://schemas.openxmlformats.org/officeDocument/2006/math" xmlns:a14="http://schemas.microsoft.com/office/drawing/2010/main" xmlns:ma14="http://schemas.microsoft.com/office/mac/drawingml/2011/main" val="1"/>
               </a:ext>
             </a:extLst>
           </p:spPr>
@@ -31634,7 +32216,7 @@
             <a:effectLst/>
             <a:extLst>
               <a:ext uri="{C572A759-6A51-4108-AA02-DFA0A04FC94B}">
-                <ma14:wrappingTextBoxFlag xmlns:ma14="http://schemas.microsoft.com/office/mac/drawingml/2011/main" xmlns:a14="http://schemas.microsoft.com/office/drawing/2010/main" xmlns:m="http://schemas.openxmlformats.org/officeDocument/2006/math" xmlns="" val="1"/>
+                <ma14:wrappingTextBoxFlag xmlns="" xmlns:m="http://schemas.openxmlformats.org/officeDocument/2006/math" xmlns:a14="http://schemas.microsoft.com/office/drawing/2010/main" xmlns:ma14="http://schemas.microsoft.com/office/mac/drawingml/2011/main" val="1"/>
               </a:ext>
             </a:extLst>
           </p:spPr>
@@ -31740,7 +32322,7 @@
             <a:effectLst/>
             <a:extLst>
               <a:ext uri="{C572A759-6A51-4108-AA02-DFA0A04FC94B}">
-                <ma14:wrappingTextBoxFlag xmlns:ma14="http://schemas.microsoft.com/office/mac/drawingml/2011/main" xmlns:a14="http://schemas.microsoft.com/office/drawing/2010/main" xmlns:m="http://schemas.openxmlformats.org/officeDocument/2006/math" xmlns="" val="1"/>
+                <ma14:wrappingTextBoxFlag xmlns="" xmlns:m="http://schemas.openxmlformats.org/officeDocument/2006/math" xmlns:a14="http://schemas.microsoft.com/office/drawing/2010/main" xmlns:ma14="http://schemas.microsoft.com/office/mac/drawingml/2011/main" val="1"/>
               </a:ext>
             </a:extLst>
           </p:spPr>
@@ -31843,7 +32425,7 @@
             <a:effectLst/>
             <a:extLst>
               <a:ext uri="{C572A759-6A51-4108-AA02-DFA0A04FC94B}">
-                <ma14:wrappingTextBoxFlag xmlns:ma14="http://schemas.microsoft.com/office/mac/drawingml/2011/main" xmlns:a14="http://schemas.microsoft.com/office/drawing/2010/main" xmlns:m="http://schemas.openxmlformats.org/officeDocument/2006/math" xmlns="" val="1"/>
+                <ma14:wrappingTextBoxFlag xmlns="" xmlns:m="http://schemas.openxmlformats.org/officeDocument/2006/math" xmlns:a14="http://schemas.microsoft.com/office/drawing/2010/main" xmlns:ma14="http://schemas.microsoft.com/office/mac/drawingml/2011/main" val="1"/>
               </a:ext>
             </a:extLst>
           </p:spPr>
@@ -31949,7 +32531,7 @@
             <a:effectLst/>
             <a:extLst>
               <a:ext uri="{C572A759-6A51-4108-AA02-DFA0A04FC94B}">
-                <ma14:wrappingTextBoxFlag xmlns:ma14="http://schemas.microsoft.com/office/mac/drawingml/2011/main" xmlns:a14="http://schemas.microsoft.com/office/drawing/2010/main" xmlns:m="http://schemas.openxmlformats.org/officeDocument/2006/math" xmlns="" val="1"/>
+                <ma14:wrappingTextBoxFlag xmlns="" xmlns:m="http://schemas.openxmlformats.org/officeDocument/2006/math" xmlns:a14="http://schemas.microsoft.com/office/drawing/2010/main" xmlns:ma14="http://schemas.microsoft.com/office/mac/drawingml/2011/main" val="1"/>
               </a:ext>
             </a:extLst>
           </p:spPr>
@@ -32052,7 +32634,7 @@
             <a:effectLst/>
             <a:extLst>
               <a:ext uri="{C572A759-6A51-4108-AA02-DFA0A04FC94B}">
-                <ma14:wrappingTextBoxFlag xmlns:ma14="http://schemas.microsoft.com/office/mac/drawingml/2011/main" xmlns:a14="http://schemas.microsoft.com/office/drawing/2010/main" xmlns:m="http://schemas.openxmlformats.org/officeDocument/2006/math" xmlns="" val="1"/>
+                <ma14:wrappingTextBoxFlag xmlns="" xmlns:m="http://schemas.openxmlformats.org/officeDocument/2006/math" xmlns:a14="http://schemas.microsoft.com/office/drawing/2010/main" xmlns:ma14="http://schemas.microsoft.com/office/mac/drawingml/2011/main" val="1"/>
               </a:ext>
             </a:extLst>
           </p:spPr>
@@ -32072,8 +32654,219 @@
             </a:lstStyle>
             <a:p>
               <a:r>
+                <a:rPr dirty="0"/>
                 <a:t>2</a:t>
               </a:r>
+            </a:p>
+          </p:txBody>
+        </p:sp>
+      </p:grpSp>
+      <p:grpSp>
+        <p:nvGrpSpPr>
+          <p:cNvPr id="37" name="Google Shape;173;g7c553259d1_0_81"/>
+          <p:cNvGrpSpPr/>
+          <p:nvPr/>
+        </p:nvGrpSpPr>
+        <p:grpSpPr>
+          <a:xfrm>
+            <a:off x="6065137" y="3540307"/>
+            <a:ext cx="302704" cy="370799"/>
+            <a:chOff x="0" y="-1"/>
+            <a:chExt cx="302702" cy="370798"/>
+          </a:xfrm>
+        </p:grpSpPr>
+        <p:sp>
+          <p:nvSpPr>
+            <p:cNvPr id="38" name="직사각형"/>
+            <p:cNvSpPr/>
+            <p:nvPr/>
+          </p:nvSpPr>
+          <p:spPr>
+            <a:xfrm>
+              <a:off x="0" y="23099"/>
+              <a:ext cx="302703" cy="324604"/>
+            </a:xfrm>
+            <a:prstGeom prst="rect">
+              <a:avLst/>
+            </a:prstGeom>
+            <a:solidFill>
+              <a:srgbClr val="FF0000"/>
+            </a:solidFill>
+            <a:ln w="12700" cap="flat">
+              <a:noFill/>
+              <a:miter lim="400000"/>
+            </a:ln>
+            <a:effectLst/>
+          </p:spPr>
+          <p:txBody>
+            <a:bodyPr wrap="square" lIns="45718" tIns="45718" rIns="45718" bIns="45718" numCol="1" anchor="ctr">
+              <a:noAutofit/>
+            </a:bodyPr>
+            <a:lstStyle/>
+            <a:p>
+              <a:pPr algn="ctr">
+                <a:defRPr b="1">
+                  <a:latin typeface="Malgun Gothic"/>
+                  <a:ea typeface="Malgun Gothic"/>
+                  <a:cs typeface="Malgun Gothic"/>
+                  <a:sym typeface="Malgun Gothic"/>
+                </a:defRPr>
+              </a:pPr>
+              <a:endParaRPr/>
+            </a:p>
+          </p:txBody>
+        </p:sp>
+        <p:sp>
+          <p:nvSpPr>
+            <p:cNvPr id="39" name="2"/>
+            <p:cNvSpPr txBox="1"/>
+            <p:nvPr/>
+          </p:nvSpPr>
+          <p:spPr>
+            <a:xfrm>
+              <a:off x="45724" y="-2"/>
+              <a:ext cx="211253" cy="370799"/>
+            </a:xfrm>
+            <a:prstGeom prst="rect">
+              <a:avLst/>
+            </a:prstGeom>
+            <a:noFill/>
+            <a:ln w="12700" cap="flat">
+              <a:noFill/>
+              <a:miter lim="400000"/>
+            </a:ln>
+            <a:effectLst/>
+            <a:extLst>
+              <a:ext uri="{C572A759-6A51-4108-AA02-DFA0A04FC94B}">
+                <ma14:wrappingTextBoxFlag xmlns="" xmlns:m="http://schemas.openxmlformats.org/officeDocument/2006/math" xmlns:a14="http://schemas.microsoft.com/office/drawing/2010/main" xmlns:ma14="http://schemas.microsoft.com/office/mac/drawingml/2011/main" val="1"/>
+              </a:ext>
+            </a:extLst>
+          </p:spPr>
+          <p:txBody>
+            <a:bodyPr wrap="square" lIns="45699" tIns="45699" rIns="45699" bIns="45699" numCol="1" anchor="ctr">
+              <a:spAutoFit/>
+            </a:bodyPr>
+            <a:lstStyle>
+              <a:lvl1pPr algn="ctr">
+                <a:defRPr b="1">
+                  <a:latin typeface="Malgun Gothic"/>
+                  <a:ea typeface="Malgun Gothic"/>
+                  <a:cs typeface="Malgun Gothic"/>
+                  <a:sym typeface="Malgun Gothic"/>
+                </a:defRPr>
+              </a:lvl1pPr>
+            </a:lstStyle>
+            <a:p>
+              <a:r>
+                <a:rPr lang="en-US" dirty="0" smtClean="0"/>
+                <a:t>3</a:t>
+              </a:r>
+              <a:endParaRPr dirty="0"/>
+            </a:p>
+          </p:txBody>
+        </p:sp>
+      </p:grpSp>
+      <p:grpSp>
+        <p:nvGrpSpPr>
+          <p:cNvPr id="40" name="Google Shape;173;g7c553259d1_0_81"/>
+          <p:cNvGrpSpPr/>
+          <p:nvPr/>
+        </p:nvGrpSpPr>
+        <p:grpSpPr>
+          <a:xfrm>
+            <a:off x="7505972" y="3317289"/>
+            <a:ext cx="302705" cy="369289"/>
+            <a:chOff x="0" y="753"/>
+            <a:chExt cx="302703" cy="369288"/>
+          </a:xfrm>
+        </p:grpSpPr>
+        <p:sp>
+          <p:nvSpPr>
+            <p:cNvPr id="41" name="직사각형"/>
+            <p:cNvSpPr/>
+            <p:nvPr/>
+          </p:nvSpPr>
+          <p:spPr>
+            <a:xfrm>
+              <a:off x="0" y="23099"/>
+              <a:ext cx="302703" cy="324604"/>
+            </a:xfrm>
+            <a:prstGeom prst="rect">
+              <a:avLst/>
+            </a:prstGeom>
+            <a:solidFill>
+              <a:srgbClr val="FF0000"/>
+            </a:solidFill>
+            <a:ln w="12700" cap="flat">
+              <a:noFill/>
+              <a:miter lim="400000"/>
+            </a:ln>
+            <a:effectLst/>
+          </p:spPr>
+          <p:txBody>
+            <a:bodyPr wrap="square" lIns="45718" tIns="45718" rIns="45718" bIns="45718" numCol="1" anchor="ctr">
+              <a:noAutofit/>
+            </a:bodyPr>
+            <a:lstStyle/>
+            <a:p>
+              <a:pPr algn="ctr">
+                <a:defRPr b="1">
+                  <a:latin typeface="Malgun Gothic"/>
+                  <a:ea typeface="Malgun Gothic"/>
+                  <a:cs typeface="Malgun Gothic"/>
+                  <a:sym typeface="Malgun Gothic"/>
+                </a:defRPr>
+              </a:pPr>
+              <a:endParaRPr/>
+            </a:p>
+          </p:txBody>
+        </p:sp>
+        <p:sp>
+          <p:nvSpPr>
+            <p:cNvPr id="42" name="2"/>
+            <p:cNvSpPr txBox="1"/>
+            <p:nvPr/>
+          </p:nvSpPr>
+          <p:spPr>
+            <a:xfrm>
+              <a:off x="45724" y="753"/>
+              <a:ext cx="211253" cy="369288"/>
+            </a:xfrm>
+            <a:prstGeom prst="rect">
+              <a:avLst/>
+            </a:prstGeom>
+            <a:noFill/>
+            <a:ln w="12700" cap="flat">
+              <a:noFill/>
+              <a:miter lim="400000"/>
+            </a:ln>
+            <a:effectLst/>
+            <a:extLst>
+              <a:ext uri="{C572A759-6A51-4108-AA02-DFA0A04FC94B}">
+                <ma14:wrappingTextBoxFlag xmlns="" xmlns:m="http://schemas.openxmlformats.org/officeDocument/2006/math" xmlns:a14="http://schemas.microsoft.com/office/drawing/2010/main" xmlns:ma14="http://schemas.microsoft.com/office/mac/drawingml/2011/main" val="1"/>
+              </a:ext>
+            </a:extLst>
+          </p:spPr>
+          <p:txBody>
+            <a:bodyPr wrap="square" lIns="45699" tIns="45699" rIns="45699" bIns="45699" numCol="1" anchor="ctr">
+              <a:spAutoFit/>
+            </a:bodyPr>
+            <a:lstStyle>
+              <a:lvl1pPr algn="ctr">
+                <a:defRPr b="1">
+                  <a:latin typeface="Malgun Gothic"/>
+                  <a:ea typeface="Malgun Gothic"/>
+                  <a:cs typeface="Malgun Gothic"/>
+                  <a:sym typeface="Malgun Gothic"/>
+                </a:defRPr>
+              </a:lvl1pPr>
+            </a:lstStyle>
+            <a:p>
+              <a:r>
+                <a:rPr lang="en-US" dirty="0" smtClean="0"/>
+                <a:t>4</a:t>
+              </a:r>
+              <a:endParaRPr dirty="0"/>
             </a:p>
           </p:txBody>
         </p:sp>
@@ -32084,6 +32877,13 @@
     <a:masterClrMapping/>
   </p:clrMapOvr>
   <p:transition spd="med"/>
+  <p:timing>
+    <p:tnLst>
+      <p:par>
+        <p:cTn id="1" dur="indefinite" restart="never" nodeType="tmRoot"/>
+      </p:par>
+    </p:tnLst>
+  </p:timing>
 </p:sld>
 </file>
 
@@ -33240,7 +34040,7 @@
             <a:effectLst/>
             <a:extLst>
               <a:ext uri="{C572A759-6A51-4108-AA02-DFA0A04FC94B}">
-                <ma14:wrappingTextBoxFlag xmlns:ma14="http://schemas.microsoft.com/office/mac/drawingml/2011/main" xmlns:a14="http://schemas.microsoft.com/office/drawing/2010/main" xmlns:m="http://schemas.openxmlformats.org/officeDocument/2006/math" xmlns="" val="1"/>
+                <ma14:wrappingTextBoxFlag xmlns="" xmlns:m="http://schemas.openxmlformats.org/officeDocument/2006/math" xmlns:a14="http://schemas.microsoft.com/office/drawing/2010/main" xmlns:ma14="http://schemas.microsoft.com/office/mac/drawingml/2011/main" val="1"/>
               </a:ext>
             </a:extLst>
           </p:spPr>
@@ -33387,7 +34187,7 @@
             <a:effectLst/>
             <a:extLst>
               <a:ext uri="{C572A759-6A51-4108-AA02-DFA0A04FC94B}">
-                <ma14:wrappingTextBoxFlag xmlns:ma14="http://schemas.microsoft.com/office/mac/drawingml/2011/main" xmlns:a14="http://schemas.microsoft.com/office/drawing/2010/main" xmlns:m="http://schemas.openxmlformats.org/officeDocument/2006/math" xmlns="" val="1"/>
+                <ma14:wrappingTextBoxFlag xmlns="" xmlns:m="http://schemas.openxmlformats.org/officeDocument/2006/math" xmlns:a14="http://schemas.microsoft.com/office/drawing/2010/main" xmlns:ma14="http://schemas.microsoft.com/office/mac/drawingml/2011/main" val="1"/>
               </a:ext>
             </a:extLst>
           </p:spPr>
@@ -33494,7 +34294,7 @@
             <a:effectLst/>
             <a:extLst>
               <a:ext uri="{C572A759-6A51-4108-AA02-DFA0A04FC94B}">
-                <ma14:wrappingTextBoxFlag xmlns:ma14="http://schemas.microsoft.com/office/mac/drawingml/2011/main" xmlns:a14="http://schemas.microsoft.com/office/drawing/2010/main" xmlns:m="http://schemas.openxmlformats.org/officeDocument/2006/math" xmlns="" val="1"/>
+                <ma14:wrappingTextBoxFlag xmlns="" xmlns:m="http://schemas.openxmlformats.org/officeDocument/2006/math" xmlns:a14="http://schemas.microsoft.com/office/drawing/2010/main" xmlns:ma14="http://schemas.microsoft.com/office/mac/drawingml/2011/main" val="1"/>
               </a:ext>
             </a:extLst>
           </p:spPr>
@@ -33601,7 +34401,7 @@
             <a:effectLst/>
             <a:extLst>
               <a:ext uri="{C572A759-6A51-4108-AA02-DFA0A04FC94B}">
-                <ma14:wrappingTextBoxFlag xmlns:ma14="http://schemas.microsoft.com/office/mac/drawingml/2011/main" xmlns:a14="http://schemas.microsoft.com/office/drawing/2010/main" xmlns:m="http://schemas.openxmlformats.org/officeDocument/2006/math" xmlns="" val="1"/>
+                <ma14:wrappingTextBoxFlag xmlns="" xmlns:m="http://schemas.openxmlformats.org/officeDocument/2006/math" xmlns:a14="http://schemas.microsoft.com/office/drawing/2010/main" xmlns:ma14="http://schemas.microsoft.com/office/mac/drawingml/2011/main" val="1"/>
               </a:ext>
             </a:extLst>
           </p:spPr>
@@ -33708,7 +34508,7 @@
             <a:effectLst/>
             <a:extLst>
               <a:ext uri="{C572A759-6A51-4108-AA02-DFA0A04FC94B}">
-                <ma14:wrappingTextBoxFlag xmlns:ma14="http://schemas.microsoft.com/office/mac/drawingml/2011/main" xmlns:a14="http://schemas.microsoft.com/office/drawing/2010/main" xmlns:m="http://schemas.openxmlformats.org/officeDocument/2006/math" xmlns="" val="1"/>
+                <ma14:wrappingTextBoxFlag xmlns="" xmlns:m="http://schemas.openxmlformats.org/officeDocument/2006/math" xmlns:a14="http://schemas.microsoft.com/office/drawing/2010/main" xmlns:ma14="http://schemas.microsoft.com/office/mac/drawingml/2011/main" val="1"/>
               </a:ext>
             </a:extLst>
           </p:spPr>
@@ -33815,7 +34615,7 @@
             <a:effectLst/>
             <a:extLst>
               <a:ext uri="{C572A759-6A51-4108-AA02-DFA0A04FC94B}">
-                <ma14:wrappingTextBoxFlag xmlns:ma14="http://schemas.microsoft.com/office/mac/drawingml/2011/main" xmlns:a14="http://schemas.microsoft.com/office/drawing/2010/main" xmlns:m="http://schemas.openxmlformats.org/officeDocument/2006/math" xmlns="" val="1"/>
+                <ma14:wrappingTextBoxFlag xmlns="" xmlns:m="http://schemas.openxmlformats.org/officeDocument/2006/math" xmlns:a14="http://schemas.microsoft.com/office/drawing/2010/main" xmlns:ma14="http://schemas.microsoft.com/office/mac/drawingml/2011/main" val="1"/>
               </a:ext>
             </a:extLst>
           </p:spPr>
@@ -33864,7 +34664,7 @@
           </a:ln>
           <a:extLst>
             <a:ext uri="{C572A759-6A51-4108-AA02-DFA0A04FC94B}">
-              <ma14:wrappingTextBoxFlag xmlns:ma14="http://schemas.microsoft.com/office/mac/drawingml/2011/main" xmlns:a14="http://schemas.microsoft.com/office/drawing/2010/main" xmlns:m="http://schemas.openxmlformats.org/officeDocument/2006/math" xmlns="" val="1"/>
+              <ma14:wrappingTextBoxFlag xmlns="" xmlns:m="http://schemas.openxmlformats.org/officeDocument/2006/math" xmlns:a14="http://schemas.microsoft.com/office/drawing/2010/main" xmlns:ma14="http://schemas.microsoft.com/office/mac/drawingml/2011/main" val="1"/>
             </a:ext>
           </a:extLst>
         </p:spPr>
@@ -33912,7 +34712,7 @@
           </a:ln>
           <a:extLst>
             <a:ext uri="{C572A759-6A51-4108-AA02-DFA0A04FC94B}">
-              <ma14:wrappingTextBoxFlag xmlns:ma14="http://schemas.microsoft.com/office/mac/drawingml/2011/main" xmlns:a14="http://schemas.microsoft.com/office/drawing/2010/main" xmlns:m="http://schemas.openxmlformats.org/officeDocument/2006/math" xmlns="" val="1"/>
+              <ma14:wrappingTextBoxFlag xmlns="" xmlns:m="http://schemas.openxmlformats.org/officeDocument/2006/math" xmlns:a14="http://schemas.microsoft.com/office/drawing/2010/main" xmlns:ma14="http://schemas.microsoft.com/office/mac/drawingml/2011/main" val="1"/>
             </a:ext>
           </a:extLst>
         </p:spPr>
@@ -33960,7 +34760,7 @@
           </a:ln>
           <a:extLst>
             <a:ext uri="{C572A759-6A51-4108-AA02-DFA0A04FC94B}">
-              <ma14:wrappingTextBoxFlag xmlns:ma14="http://schemas.microsoft.com/office/mac/drawingml/2011/main" xmlns:a14="http://schemas.microsoft.com/office/drawing/2010/main" xmlns:m="http://schemas.openxmlformats.org/officeDocument/2006/math" xmlns="" val="1"/>
+              <ma14:wrappingTextBoxFlag xmlns="" xmlns:m="http://schemas.openxmlformats.org/officeDocument/2006/math" xmlns:a14="http://schemas.microsoft.com/office/drawing/2010/main" xmlns:ma14="http://schemas.microsoft.com/office/mac/drawingml/2011/main" val="1"/>
             </a:ext>
           </a:extLst>
         </p:spPr>
@@ -34008,7 +34808,7 @@
           </a:ln>
           <a:extLst>
             <a:ext uri="{C572A759-6A51-4108-AA02-DFA0A04FC94B}">
-              <ma14:wrappingTextBoxFlag xmlns:ma14="http://schemas.microsoft.com/office/mac/drawingml/2011/main" xmlns:a14="http://schemas.microsoft.com/office/drawing/2010/main" xmlns:m="http://schemas.openxmlformats.org/officeDocument/2006/math" xmlns="" val="1"/>
+              <ma14:wrappingTextBoxFlag xmlns="" xmlns:m="http://schemas.openxmlformats.org/officeDocument/2006/math" xmlns:a14="http://schemas.microsoft.com/office/drawing/2010/main" xmlns:ma14="http://schemas.microsoft.com/office/mac/drawingml/2011/main" val="1"/>
             </a:ext>
           </a:extLst>
         </p:spPr>
@@ -34111,7 +34911,7 @@
             <a:effectLst/>
             <a:extLst>
               <a:ext uri="{C572A759-6A51-4108-AA02-DFA0A04FC94B}">
-                <ma14:wrappingTextBoxFlag xmlns:ma14="http://schemas.microsoft.com/office/mac/drawingml/2011/main" xmlns:a14="http://schemas.microsoft.com/office/drawing/2010/main" xmlns:m="http://schemas.openxmlformats.org/officeDocument/2006/math" xmlns="" val="1"/>
+                <ma14:wrappingTextBoxFlag xmlns="" xmlns:m="http://schemas.openxmlformats.org/officeDocument/2006/math" xmlns:a14="http://schemas.microsoft.com/office/drawing/2010/main" xmlns:ma14="http://schemas.microsoft.com/office/mac/drawingml/2011/main" val="1"/>
               </a:ext>
             </a:extLst>
           </p:spPr>
@@ -34214,7 +35014,7 @@
             <a:effectLst/>
             <a:extLst>
               <a:ext uri="{C572A759-6A51-4108-AA02-DFA0A04FC94B}">
-                <ma14:wrappingTextBoxFlag xmlns:ma14="http://schemas.microsoft.com/office/mac/drawingml/2011/main" xmlns:a14="http://schemas.microsoft.com/office/drawing/2010/main" xmlns:m="http://schemas.openxmlformats.org/officeDocument/2006/math" xmlns="" val="1"/>
+                <ma14:wrappingTextBoxFlag xmlns="" xmlns:m="http://schemas.openxmlformats.org/officeDocument/2006/math" xmlns:a14="http://schemas.microsoft.com/office/drawing/2010/main" xmlns:ma14="http://schemas.microsoft.com/office/mac/drawingml/2011/main" val="1"/>
               </a:ext>
             </a:extLst>
           </p:spPr>

--- a/0 발표용 파워포인트/project04 - 파워포인트 종합 - 용승.pptx
+++ b/0 발표용 파워포인트/project04 - 파워포인트 종합 - 용승.pptx
@@ -5,7 +5,7 @@
     <p:sldMasterId id="2147483648" r:id="rId1"/>
   </p:sldMasterIdLst>
   <p:notesMasterIdLst>
-    <p:notesMasterId r:id="rId17"/>
+    <p:notesMasterId r:id="rId18"/>
   </p:notesMasterIdLst>
   <p:sldIdLst>
     <p:sldId id="256" r:id="rId2"/>
@@ -18,11 +18,12 @@
     <p:sldId id="263" r:id="rId9"/>
     <p:sldId id="264" r:id="rId10"/>
     <p:sldId id="270" r:id="rId11"/>
-    <p:sldId id="265" r:id="rId12"/>
-    <p:sldId id="266" r:id="rId13"/>
-    <p:sldId id="267" r:id="rId14"/>
-    <p:sldId id="268" r:id="rId15"/>
-    <p:sldId id="269" r:id="rId16"/>
+    <p:sldId id="271" r:id="rId12"/>
+    <p:sldId id="265" r:id="rId13"/>
+    <p:sldId id="266" r:id="rId14"/>
+    <p:sldId id="267" r:id="rId15"/>
+    <p:sldId id="268" r:id="rId16"/>
+    <p:sldId id="269" r:id="rId17"/>
   </p:sldIdLst>
   <p:sldSz cx="12192000" cy="6858000"/>
   <p:notesSz cx="6858000" cy="9144000"/>
@@ -1729,7 +1730,7 @@
           </a:ln>
           <a:extLst>
             <a:ext uri="{C572A759-6A51-4108-AA02-DFA0A04FC94B}">
-              <ma14:wrappingTextBoxFlag xmlns="" xmlns:m="http://schemas.openxmlformats.org/officeDocument/2006/math" xmlns:a14="http://schemas.microsoft.com/office/drawing/2010/main" xmlns:ma14="http://schemas.microsoft.com/office/mac/drawingml/2011/main" val="1"/>
+              <ma14:wrappingTextBoxFlag xmlns:ma14="http://schemas.microsoft.com/office/mac/drawingml/2011/main" xmlns:a14="http://schemas.microsoft.com/office/drawing/2010/main" xmlns:m="http://schemas.openxmlformats.org/officeDocument/2006/math" xmlns="" val="1"/>
             </a:ext>
           </a:extLst>
         </p:spPr>
@@ -1768,7 +1769,7 @@
           </a:ln>
           <a:extLst>
             <a:ext uri="{C572A759-6A51-4108-AA02-DFA0A04FC94B}">
-              <ma14:wrappingTextBoxFlag xmlns="" xmlns:m="http://schemas.openxmlformats.org/officeDocument/2006/math" xmlns:a14="http://schemas.microsoft.com/office/drawing/2010/main" xmlns:ma14="http://schemas.microsoft.com/office/mac/drawingml/2011/main" val="1"/>
+              <ma14:wrappingTextBoxFlag xmlns:ma14="http://schemas.microsoft.com/office/mac/drawingml/2011/main" xmlns:a14="http://schemas.microsoft.com/office/drawing/2010/main" xmlns:m="http://schemas.openxmlformats.org/officeDocument/2006/math" xmlns="" val="1"/>
             </a:ext>
           </a:extLst>
         </p:spPr>
@@ -2830,7 +2831,7 @@
                       <a:pPr algn="ctr">
                         <a:defRPr sz="1500"/>
                       </a:pPr>
-                      <a:endParaRPr/>
+                      <a:endParaRPr dirty="0"/>
                     </a:p>
                   </a:txBody>
                   <a:tcPr marL="45720" marR="45720" anchor="ctr" horzOverflow="overflow">
@@ -2905,11 +2906,17 @@
         <p:nvGraphicFramePr>
           <p:cNvPr id="99" name="표 13"/>
           <p:cNvGraphicFramePr/>
-          <p:nvPr/>
+          <p:nvPr>
+            <p:extLst>
+              <p:ext uri="{D42A27DB-BD31-4B8C-83A1-F6EECF244321}">
+                <p14:modId xmlns:p14="http://schemas.microsoft.com/office/powerpoint/2010/main" val="254114908"/>
+              </p:ext>
+            </p:extLst>
+          </p:nvPr>
         </p:nvGraphicFramePr>
         <p:xfrm>
           <a:off x="8509686" y="1289960"/>
-          <a:ext cx="3491813" cy="5349990"/>
+          <a:ext cx="3491813" cy="5407837"/>
         </p:xfrm>
         <a:graphic>
           <a:graphicData uri="http://schemas.openxmlformats.org/drawingml/2006/table">
@@ -2935,7 +2942,7 @@
                         </a:defRPr>
                       </a:pPr>
                       <a:r>
-                        <a:rPr sz="1500" b="1"/>
+                        <a:rPr sz="1500" b="1" dirty="0"/>
                         <a:t>#</a:t>
                       </a:r>
                     </a:p>
@@ -3060,7 +3067,65 @@
                       <a:pPr algn="l">
                         <a:defRPr sz="1500"/>
                       </a:pPr>
-                      <a:endParaRPr/>
+                      <a:r>
+                        <a:rPr lang="ko-KR" altLang="en-US" dirty="0" err="1" smtClean="0"/>
+                        <a:t>기존배송지</a:t>
+                      </a:r>
+                      <a:r>
+                        <a:rPr lang="ko-KR" altLang="en-US" dirty="0" smtClean="0"/>
+                        <a:t> </a:t>
+                      </a:r>
+                      <a:r>
+                        <a:rPr lang="ko-KR" altLang="en-US" dirty="0" err="1" smtClean="0"/>
+                        <a:t>선택시</a:t>
+                      </a:r>
+                      <a:r>
+                        <a:rPr lang="ko-KR" altLang="en-US" dirty="0" smtClean="0"/>
+                        <a:t> </a:t>
+                      </a:r>
+                      <a:r>
+                        <a:rPr lang="ko-KR" altLang="en-US" dirty="0" err="1" smtClean="0"/>
+                        <a:t>가입시</a:t>
+                      </a:r>
+                      <a:r>
+                        <a:rPr lang="ko-KR" altLang="en-US" dirty="0" smtClean="0"/>
+                        <a:t> 입력한 주소로 </a:t>
+                      </a:r>
+                      <a:r>
+                        <a:rPr lang="ko-KR" altLang="en-US" dirty="0" err="1" smtClean="0"/>
+                        <a:t>배송지설정</a:t>
+                      </a:r>
+                      <a:endParaRPr lang="en-US" altLang="ko-KR" dirty="0" smtClean="0"/>
+                    </a:p>
+                    <a:p>
+                      <a:pPr algn="l">
+                        <a:defRPr sz="1500"/>
+                      </a:pPr>
+                      <a:r>
+                        <a:rPr lang="ko-KR" altLang="en-US" dirty="0" err="1" smtClean="0"/>
+                        <a:t>신규배송지</a:t>
+                      </a:r>
+                      <a:r>
+                        <a:rPr lang="ko-KR" altLang="en-US" dirty="0" smtClean="0"/>
+                        <a:t> </a:t>
+                      </a:r>
+                      <a:r>
+                        <a:rPr lang="ko-KR" altLang="en-US" dirty="0" err="1" smtClean="0"/>
+                        <a:t>선택시</a:t>
+                      </a:r>
+                      <a:r>
+                        <a:rPr lang="ko-KR" altLang="en-US" dirty="0" smtClean="0"/>
+                        <a:t> 새로운 </a:t>
+                      </a:r>
+                      <a:r>
+                        <a:rPr lang="ko-KR" altLang="en-US" dirty="0" err="1" smtClean="0"/>
+                        <a:t>배송지</a:t>
+                      </a:r>
+                      <a:r>
+                        <a:rPr lang="ko-KR" altLang="en-US" dirty="0" smtClean="0"/>
+                        <a:t> 입력</a:t>
+                      </a:r>
+                      <a:endParaRPr dirty="0"/>
                     </a:p>
                   </a:txBody>
                   <a:tcPr marL="45720" marR="45720" horzOverflow="overflow">
@@ -3457,7 +3522,7 @@
           <p:nvPr>
             <p:extLst>
               <p:ext uri="{D42A27DB-BD31-4B8C-83A1-F6EECF244321}">
-                <p14:modId xmlns:p14="http://schemas.microsoft.com/office/powerpoint/2010/main" val="1679760886"/>
+                <p14:modId xmlns:p14="http://schemas.microsoft.com/office/powerpoint/2010/main" val="3927645812"/>
               </p:ext>
             </p:extLst>
           </p:nvPr>
@@ -3680,7 +3745,15 @@
                             <a:schemeClr val="tx1"/>
                           </a:solidFill>
                         </a:rPr>
-                        <a:t>결제하기</a:t>
+                        <a:t>결제페이지 </a:t>
+                      </a:r>
+                      <a:r>
+                        <a:rPr lang="en-US" altLang="ko-KR" dirty="0" smtClean="0">
+                          <a:solidFill>
+                            <a:schemeClr val="tx1"/>
+                          </a:solidFill>
+                        </a:rPr>
+                        <a:t>2-1</a:t>
                       </a:r>
                       <a:endParaRPr dirty="0">
                         <a:solidFill>
@@ -3720,6 +3793,538 @@
           </a:graphicData>
         </a:graphic>
       </p:graphicFrame>
+      <p:sp>
+        <p:nvSpPr>
+          <p:cNvPr id="2" name="TextBox 1"/>
+          <p:cNvSpPr txBox="1"/>
+          <p:nvPr/>
+        </p:nvSpPr>
+        <p:spPr>
+          <a:xfrm>
+            <a:off x="937167" y="1586002"/>
+            <a:ext cx="1403287" cy="369328"/>
+          </a:xfrm>
+          <a:prstGeom prst="rect">
+            <a:avLst/>
+          </a:prstGeom>
+          <a:noFill/>
+          <a:ln w="12700" cap="flat">
+            <a:solidFill>
+              <a:schemeClr val="tx1">
+                <a:lumMod val="95000"/>
+                <a:lumOff val="5000"/>
+              </a:schemeClr>
+            </a:solidFill>
+            <a:miter lim="400000"/>
+          </a:ln>
+          <a:effectLst/>
+          <a:sp3d/>
+        </p:spPr>
+        <p:style>
+          <a:lnRef idx="0">
+            <a:scrgbClr r="0" g="0" b="0"/>
+          </a:lnRef>
+          <a:fillRef idx="0">
+            <a:scrgbClr r="0" g="0" b="0"/>
+          </a:fillRef>
+          <a:effectRef idx="0">
+            <a:scrgbClr r="0" g="0" b="0"/>
+          </a:effectRef>
+          <a:fontRef idx="none"/>
+        </p:style>
+        <p:txBody>
+          <a:bodyPr rot="0" spcFirstLastPara="1" vertOverflow="overflow" horzOverflow="overflow" vert="horz" wrap="square" lIns="45718" tIns="45718" rIns="45718" bIns="45718" numCol="1" spcCol="38100" rtlCol="0" anchor="t">
+            <a:spAutoFit/>
+          </a:bodyPr>
+          <a:lstStyle/>
+          <a:p>
+            <a:pPr marL="0" marR="0" indent="0" algn="ctr" defTabSz="914400" rtl="0" fontAlgn="auto" latinLnBrk="0" hangingPunct="0">
+              <a:lnSpc>
+                <a:spcPct val="100000"/>
+              </a:lnSpc>
+              <a:spcBef>
+                <a:spcPts val="0"/>
+              </a:spcBef>
+              <a:spcAft>
+                <a:spcPts val="0"/>
+              </a:spcAft>
+              <a:buClrTx/>
+              <a:buSzTx/>
+              <a:buFontTx/>
+              <a:buNone/>
+              <a:tabLst/>
+            </a:pPr>
+            <a:r>
+              <a:rPr kumimoji="0" lang="ko-KR" altLang="en-US" sz="1800" b="0" i="0" u="none" strike="noStrike" cap="none" spc="0" normalizeH="0" baseline="0" dirty="0" err="1" smtClean="0">
+                <a:ln>
+                  <a:noFill/>
+                </a:ln>
+                <a:solidFill>
+                  <a:srgbClr val="000000"/>
+                </a:solidFill>
+                <a:effectLst/>
+                <a:uFillTx/>
+                <a:latin typeface="+mj-lt"/>
+                <a:ea typeface="+mj-ea"/>
+                <a:cs typeface="+mj-cs"/>
+                <a:sym typeface="Helvetica"/>
+              </a:rPr>
+              <a:t>배송지</a:t>
+            </a:r>
+            <a:r>
+              <a:rPr kumimoji="0" lang="ko-KR" altLang="en-US" sz="1800" b="0" i="0" u="none" strike="noStrike" cap="none" spc="0" normalizeH="0" baseline="0" dirty="0" smtClean="0">
+                <a:ln>
+                  <a:noFill/>
+                </a:ln>
+                <a:solidFill>
+                  <a:srgbClr val="000000"/>
+                </a:solidFill>
+                <a:effectLst/>
+                <a:uFillTx/>
+                <a:latin typeface="+mj-lt"/>
+                <a:ea typeface="+mj-ea"/>
+                <a:cs typeface="+mj-cs"/>
+                <a:sym typeface="Helvetica"/>
+              </a:rPr>
+              <a:t> 정보</a:t>
+            </a:r>
+            <a:endParaRPr kumimoji="0" lang="ko-KR" altLang="en-US" sz="1800" b="0" i="0" u="none" strike="noStrike" cap="none" spc="0" normalizeH="0" baseline="0" dirty="0">
+              <a:ln>
+                <a:noFill/>
+              </a:ln>
+              <a:solidFill>
+                <a:srgbClr val="000000"/>
+              </a:solidFill>
+              <a:effectLst/>
+              <a:uFillTx/>
+              <a:latin typeface="+mj-lt"/>
+              <a:ea typeface="+mj-ea"/>
+              <a:cs typeface="+mj-cs"/>
+              <a:sym typeface="Helvetica"/>
+            </a:endParaRPr>
+          </a:p>
+        </p:txBody>
+      </p:sp>
+      <p:sp>
+        <p:nvSpPr>
+          <p:cNvPr id="3" name="TextBox 2"/>
+          <p:cNvSpPr txBox="1"/>
+          <p:nvPr/>
+        </p:nvSpPr>
+        <p:spPr>
+          <a:xfrm>
+            <a:off x="1005068" y="2336349"/>
+            <a:ext cx="2670771" cy="323161"/>
+          </a:xfrm>
+          <a:prstGeom prst="rect">
+            <a:avLst/>
+          </a:prstGeom>
+          <a:noFill/>
+          <a:ln w="12700" cap="flat">
+            <a:noFill/>
+            <a:miter lim="400000"/>
+          </a:ln>
+          <a:effectLst/>
+          <a:sp3d/>
+        </p:spPr>
+        <p:style>
+          <a:lnRef idx="0">
+            <a:scrgbClr r="0" g="0" b="0"/>
+          </a:lnRef>
+          <a:fillRef idx="0">
+            <a:scrgbClr r="0" g="0" b="0"/>
+          </a:fillRef>
+          <a:effectRef idx="0">
+            <a:scrgbClr r="0" g="0" b="0"/>
+          </a:effectRef>
+          <a:fontRef idx="none"/>
+        </p:style>
+        <p:txBody>
+          <a:bodyPr rot="0" spcFirstLastPara="1" vertOverflow="overflow" horzOverflow="overflow" vert="horz" wrap="square" lIns="45718" tIns="45718" rIns="45718" bIns="45718" numCol="1" spcCol="38100" rtlCol="0" anchor="t">
+            <a:spAutoFit/>
+          </a:bodyPr>
+          <a:lstStyle/>
+          <a:p>
+            <a:pPr marL="0" marR="0" indent="0" algn="l" defTabSz="914400" rtl="0" fontAlgn="auto" latinLnBrk="0" hangingPunct="0">
+              <a:lnSpc>
+                <a:spcPct val="100000"/>
+              </a:lnSpc>
+              <a:spcBef>
+                <a:spcPts val="0"/>
+              </a:spcBef>
+              <a:spcAft>
+                <a:spcPts val="0"/>
+              </a:spcAft>
+              <a:buClrTx/>
+              <a:buSzTx/>
+              <a:buFontTx/>
+              <a:buNone/>
+              <a:tabLst/>
+            </a:pPr>
+            <a:r>
+              <a:rPr kumimoji="0" lang="ko-KR" altLang="en-US" sz="1500" b="0" i="0" u="none" strike="noStrike" cap="none" spc="0" normalizeH="0" baseline="0" dirty="0" smtClean="0">
+                <a:ln>
+                  <a:noFill/>
+                </a:ln>
+                <a:solidFill>
+                  <a:srgbClr val="000000"/>
+                </a:solidFill>
+                <a:effectLst/>
+                <a:uFillTx/>
+                <a:latin typeface="+mj-lt"/>
+                <a:ea typeface="+mj-ea"/>
+                <a:cs typeface="+mj-cs"/>
+                <a:sym typeface="Helvetica"/>
+              </a:rPr>
+              <a:t>○</a:t>
+            </a:r>
+            <a:r>
+              <a:rPr kumimoji="0" lang="ko-KR" altLang="en-US" sz="1500" b="0" i="0" u="none" strike="noStrike" cap="none" spc="0" normalizeH="0" baseline="0" dirty="0" err="1" smtClean="0">
+                <a:ln>
+                  <a:noFill/>
+                </a:ln>
+                <a:solidFill>
+                  <a:srgbClr val="000000"/>
+                </a:solidFill>
+                <a:effectLst/>
+                <a:uFillTx/>
+                <a:latin typeface="+mj-lt"/>
+                <a:ea typeface="+mj-ea"/>
+                <a:cs typeface="+mj-cs"/>
+                <a:sym typeface="Helvetica"/>
+              </a:rPr>
+              <a:t>기존배송지</a:t>
+            </a:r>
+            <a:r>
+              <a:rPr kumimoji="0" lang="ko-KR" altLang="en-US" sz="1500" b="0" i="0" u="none" strike="noStrike" cap="none" spc="0" normalizeH="0" baseline="0" dirty="0" smtClean="0">
+                <a:ln>
+                  <a:noFill/>
+                </a:ln>
+                <a:solidFill>
+                  <a:srgbClr val="000000"/>
+                </a:solidFill>
+                <a:effectLst/>
+                <a:uFillTx/>
+                <a:latin typeface="+mj-lt"/>
+                <a:ea typeface="+mj-ea"/>
+                <a:cs typeface="+mj-cs"/>
+                <a:sym typeface="Helvetica"/>
+              </a:rPr>
+              <a:t> </a:t>
+            </a:r>
+            <a:r>
+              <a:rPr lang="ko-KR" altLang="en-US" sz="1500" dirty="0" smtClean="0"/>
+              <a:t>●</a:t>
+            </a:r>
+            <a:r>
+              <a:rPr kumimoji="0" lang="ko-KR" altLang="en-US" sz="1500" b="0" i="0" u="none" strike="noStrike" cap="none" spc="0" normalizeH="0" baseline="0" dirty="0" err="1" smtClean="0">
+                <a:ln>
+                  <a:noFill/>
+                </a:ln>
+                <a:solidFill>
+                  <a:srgbClr val="000000"/>
+                </a:solidFill>
+                <a:effectLst/>
+                <a:uFillTx/>
+                <a:latin typeface="+mj-lt"/>
+                <a:ea typeface="+mj-ea"/>
+                <a:cs typeface="+mj-cs"/>
+                <a:sym typeface="Helvetica"/>
+              </a:rPr>
+              <a:t>신규배송지</a:t>
+            </a:r>
+            <a:endParaRPr kumimoji="0" lang="ko-KR" altLang="en-US" sz="1500" b="0" i="0" u="none" strike="noStrike" cap="none" spc="0" normalizeH="0" baseline="0" dirty="0">
+              <a:ln>
+                <a:noFill/>
+              </a:ln>
+              <a:solidFill>
+                <a:srgbClr val="000000"/>
+              </a:solidFill>
+              <a:effectLst/>
+              <a:uFillTx/>
+              <a:latin typeface="+mj-lt"/>
+              <a:ea typeface="+mj-ea"/>
+              <a:cs typeface="+mj-cs"/>
+              <a:sym typeface="Helvetica"/>
+            </a:endParaRPr>
+          </a:p>
+        </p:txBody>
+      </p:sp>
+      <p:pic>
+        <p:nvPicPr>
+          <p:cNvPr id="4" name="그림 3"/>
+          <p:cNvPicPr>
+            <a:picLocks noChangeAspect="1"/>
+          </p:cNvPicPr>
+          <p:nvPr/>
+        </p:nvPicPr>
+        <p:blipFill>
+          <a:blip r:embed="rId2"/>
+          <a:stretch>
+            <a:fillRect/>
+          </a:stretch>
+        </p:blipFill>
+        <p:spPr>
+          <a:xfrm>
+            <a:off x="1027703" y="2766550"/>
+            <a:ext cx="6524625" cy="2152650"/>
+          </a:xfrm>
+          <a:prstGeom prst="rect">
+            <a:avLst/>
+          </a:prstGeom>
+        </p:spPr>
+      </p:pic>
+      <p:sp>
+        <p:nvSpPr>
+          <p:cNvPr id="5" name="TextBox 4"/>
+          <p:cNvSpPr txBox="1"/>
+          <p:nvPr/>
+        </p:nvSpPr>
+        <p:spPr>
+          <a:xfrm>
+            <a:off x="1027703" y="5267150"/>
+            <a:ext cx="1023041" cy="369328"/>
+          </a:xfrm>
+          <a:prstGeom prst="rect">
+            <a:avLst/>
+          </a:prstGeom>
+          <a:noFill/>
+          <a:ln w="12700" cap="flat">
+            <a:solidFill>
+              <a:schemeClr val="tx1"/>
+            </a:solidFill>
+            <a:miter lim="400000"/>
+          </a:ln>
+          <a:effectLst/>
+          <a:sp3d/>
+        </p:spPr>
+        <p:style>
+          <a:lnRef idx="0">
+            <a:scrgbClr r="0" g="0" b="0"/>
+          </a:lnRef>
+          <a:fillRef idx="0">
+            <a:scrgbClr r="0" g="0" b="0"/>
+          </a:fillRef>
+          <a:effectRef idx="0">
+            <a:scrgbClr r="0" g="0" b="0"/>
+          </a:effectRef>
+          <a:fontRef idx="none"/>
+        </p:style>
+        <p:txBody>
+          <a:bodyPr rot="0" spcFirstLastPara="1" vertOverflow="overflow" horzOverflow="overflow" vert="horz" wrap="square" lIns="45718" tIns="45718" rIns="45718" bIns="45718" numCol="1" spcCol="38100" rtlCol="0" anchor="t">
+            <a:spAutoFit/>
+          </a:bodyPr>
+          <a:lstStyle/>
+          <a:p>
+            <a:pPr marL="0" marR="0" indent="0" algn="l" defTabSz="914400" rtl="0" fontAlgn="auto" latinLnBrk="0" hangingPunct="0">
+              <a:lnSpc>
+                <a:spcPct val="100000"/>
+              </a:lnSpc>
+              <a:spcBef>
+                <a:spcPts val="0"/>
+              </a:spcBef>
+              <a:spcAft>
+                <a:spcPts val="0"/>
+              </a:spcAft>
+              <a:buClrTx/>
+              <a:buSzTx/>
+              <a:buFontTx/>
+              <a:buNone/>
+              <a:tabLst/>
+            </a:pPr>
+            <a:r>
+              <a:rPr kumimoji="0" lang="ko-KR" altLang="en-US" sz="1800" b="0" i="0" u="none" strike="noStrike" cap="none" spc="0" normalizeH="0" baseline="0" dirty="0" smtClean="0">
+                <a:ln>
+                  <a:noFill/>
+                </a:ln>
+                <a:solidFill>
+                  <a:srgbClr val="000000"/>
+                </a:solidFill>
+                <a:effectLst/>
+                <a:uFillTx/>
+                <a:latin typeface="+mj-lt"/>
+                <a:ea typeface="+mj-ea"/>
+                <a:cs typeface="+mj-cs"/>
+                <a:sym typeface="Helvetica"/>
+              </a:rPr>
+              <a:t>배송메모</a:t>
+            </a:r>
+            <a:endParaRPr kumimoji="0" lang="ko-KR" altLang="en-US" sz="1800" b="0" i="0" u="none" strike="noStrike" cap="none" spc="0" normalizeH="0" baseline="0" dirty="0">
+              <a:ln>
+                <a:noFill/>
+              </a:ln>
+              <a:solidFill>
+                <a:srgbClr val="000000"/>
+              </a:solidFill>
+              <a:effectLst/>
+              <a:uFillTx/>
+              <a:latin typeface="+mj-lt"/>
+              <a:ea typeface="+mj-ea"/>
+              <a:cs typeface="+mj-cs"/>
+              <a:sym typeface="Helvetica"/>
+            </a:endParaRPr>
+          </a:p>
+        </p:txBody>
+      </p:sp>
+      <p:sp>
+        <p:nvSpPr>
+          <p:cNvPr id="11" name="최대 5개 까지 입력 가능"/>
+          <p:cNvSpPr txBox="1"/>
+          <p:nvPr/>
+        </p:nvSpPr>
+        <p:spPr>
+          <a:xfrm>
+            <a:off x="2254122" y="5267150"/>
+            <a:ext cx="5298206" cy="338550"/>
+          </a:xfrm>
+          <a:prstGeom prst="rect">
+            <a:avLst/>
+          </a:prstGeom>
+          <a:ln w="12700">
+            <a:solidFill>
+              <a:srgbClr val="000000"/>
+            </a:solidFill>
+          </a:ln>
+          <a:extLst>
+            <a:ext uri="{C572A759-6A51-4108-AA02-DFA0A04FC94B}">
+              <ma14:wrappingTextBoxFlag xmlns:ma14="http://schemas.microsoft.com/office/mac/drawingml/2011/main" xmlns:a14="http://schemas.microsoft.com/office/drawing/2010/main" xmlns:m="http://schemas.openxmlformats.org/officeDocument/2006/math" xmlns="" val="1"/>
+            </a:ext>
+          </a:extLst>
+        </p:spPr>
+        <p:txBody>
+          <a:bodyPr wrap="square" lIns="45718" tIns="45718" rIns="45718" bIns="45718">
+            <a:spAutoFit/>
+          </a:bodyPr>
+          <a:lstStyle>
+            <a:lvl1pPr>
+              <a:defRPr>
+                <a:solidFill>
+                  <a:srgbClr val="767676"/>
+                </a:solidFill>
+                <a:latin typeface="+mn-lt"/>
+                <a:ea typeface="+mn-ea"/>
+                <a:cs typeface="+mn-cs"/>
+                <a:sym typeface="맑은 고딕"/>
+              </a:defRPr>
+            </a:lvl1pPr>
+          </a:lstStyle>
+          <a:p>
+            <a:r>
+              <a:rPr lang="ko-KR" altLang="en-US" sz="1600" dirty="0" smtClean="0"/>
+              <a:t>배송 메모를 입력해주세요</a:t>
+            </a:r>
+            <a:r>
+              <a:rPr lang="en-US" altLang="ko-KR" sz="1600" dirty="0" smtClean="0"/>
+              <a:t>.</a:t>
+            </a:r>
+            <a:endParaRPr sz="1600" dirty="0"/>
+          </a:p>
+        </p:txBody>
+      </p:sp>
+      <p:grpSp>
+        <p:nvGrpSpPr>
+          <p:cNvPr id="12" name="Google Shape;173;g7c553259d1_0_81"/>
+          <p:cNvGrpSpPr/>
+          <p:nvPr/>
+        </p:nvGrpSpPr>
+        <p:grpSpPr>
+          <a:xfrm>
+            <a:off x="853716" y="2079780"/>
+            <a:ext cx="302703" cy="370799"/>
+            <a:chOff x="0" y="-1"/>
+            <a:chExt cx="302702" cy="370798"/>
+          </a:xfrm>
+        </p:grpSpPr>
+        <p:sp>
+          <p:nvSpPr>
+            <p:cNvPr id="13" name="직사각형"/>
+            <p:cNvSpPr/>
+            <p:nvPr/>
+          </p:nvSpPr>
+          <p:spPr>
+            <a:xfrm>
+              <a:off x="0" y="23099"/>
+              <a:ext cx="302703" cy="324604"/>
+            </a:xfrm>
+            <a:prstGeom prst="rect">
+              <a:avLst/>
+            </a:prstGeom>
+            <a:solidFill>
+              <a:srgbClr val="FF0000"/>
+            </a:solidFill>
+            <a:ln w="12700" cap="flat">
+              <a:noFill/>
+              <a:miter lim="400000"/>
+            </a:ln>
+            <a:effectLst/>
+          </p:spPr>
+          <p:txBody>
+            <a:bodyPr wrap="square" lIns="45718" tIns="45718" rIns="45718" bIns="45718" numCol="1" anchor="ctr">
+              <a:noAutofit/>
+            </a:bodyPr>
+            <a:lstStyle/>
+            <a:p>
+              <a:pPr algn="ctr">
+                <a:defRPr b="1">
+                  <a:latin typeface="Malgun Gothic"/>
+                  <a:ea typeface="Malgun Gothic"/>
+                  <a:cs typeface="Malgun Gothic"/>
+                  <a:sym typeface="Malgun Gothic"/>
+                </a:defRPr>
+              </a:pPr>
+              <a:endParaRPr/>
+            </a:p>
+          </p:txBody>
+        </p:sp>
+        <p:sp>
+          <p:nvSpPr>
+            <p:cNvPr id="14" name="1"/>
+            <p:cNvSpPr txBox="1"/>
+            <p:nvPr/>
+          </p:nvSpPr>
+          <p:spPr>
+            <a:xfrm>
+              <a:off x="45724" y="-2"/>
+              <a:ext cx="211253" cy="370799"/>
+            </a:xfrm>
+            <a:prstGeom prst="rect">
+              <a:avLst/>
+            </a:prstGeom>
+            <a:noFill/>
+            <a:ln w="12700" cap="flat">
+              <a:noFill/>
+              <a:miter lim="400000"/>
+            </a:ln>
+            <a:effectLst/>
+            <a:extLst>
+              <a:ext uri="{C572A759-6A51-4108-AA02-DFA0A04FC94B}">
+                <ma14:wrappingTextBoxFlag xmlns:ma14="http://schemas.microsoft.com/office/mac/drawingml/2011/main" xmlns:a14="http://schemas.microsoft.com/office/drawing/2010/main" xmlns:m="http://schemas.openxmlformats.org/officeDocument/2006/math" xmlns="" val="1"/>
+              </a:ext>
+            </a:extLst>
+          </p:spPr>
+          <p:txBody>
+            <a:bodyPr wrap="square" lIns="45699" tIns="45699" rIns="45699" bIns="45699" numCol="1" anchor="ctr">
+              <a:spAutoFit/>
+            </a:bodyPr>
+            <a:lstStyle>
+              <a:lvl1pPr algn="ctr">
+                <a:defRPr b="1">
+                  <a:latin typeface="Malgun Gothic"/>
+                  <a:ea typeface="Malgun Gothic"/>
+                  <a:cs typeface="Malgun Gothic"/>
+                  <a:sym typeface="Malgun Gothic"/>
+                </a:defRPr>
+              </a:lvl1pPr>
+            </a:lstStyle>
+            <a:p>
+              <a:r>
+                <a:rPr dirty="0"/>
+                <a:t>1</a:t>
+              </a:r>
+            </a:p>
+          </p:txBody>
+        </p:sp>
+      </p:grpSp>
     </p:spTree>
     <p:extLst>
       <p:ext uri="{BB962C8B-B14F-4D97-AF65-F5344CB8AC3E}">
@@ -3742,6 +4347,2123 @@
 </file>
 
 <file path=ppt/slides/slide11.xml><?xml version="1.0" encoding="utf-8"?>
+<p:sld xmlns:a="http://schemas.openxmlformats.org/drawingml/2006/main" xmlns:r="http://schemas.openxmlformats.org/officeDocument/2006/relationships" xmlns:p="http://schemas.openxmlformats.org/presentationml/2006/main">
+  <p:cSld>
+    <p:spTree>
+      <p:nvGrpSpPr>
+        <p:cNvPr id="1" name=""/>
+        <p:cNvGrpSpPr/>
+        <p:nvPr/>
+      </p:nvGrpSpPr>
+      <p:grpSpPr>
+        <a:xfrm>
+          <a:off x="0" y="0"/>
+          <a:ext cx="0" cy="0"/>
+          <a:chOff x="0" y="0"/>
+          <a:chExt cx="0" cy="0"/>
+        </a:xfrm>
+      </p:grpSpPr>
+      <p:graphicFrame>
+        <p:nvGraphicFramePr>
+          <p:cNvPr id="97" name="표 6"/>
+          <p:cNvGraphicFramePr/>
+          <p:nvPr/>
+        </p:nvGraphicFramePr>
+        <p:xfrm>
+          <a:off x="9309044" y="197402"/>
+          <a:ext cx="2815494" cy="320040"/>
+        </p:xfrm>
+        <a:graphic>
+          <a:graphicData uri="http://schemas.openxmlformats.org/drawingml/2006/table">
+            <a:tbl>
+              <a:tblPr>
+                <a:tableStyleId>{4C3C2611-4C71-4FC5-86AE-919BDF0F9419}</a:tableStyleId>
+              </a:tblPr>
+              <a:tblGrid>
+                <a:gridCol w="1407747"/>
+                <a:gridCol w="1407747"/>
+              </a:tblGrid>
+              <a:tr h="265071">
+                <a:tc>
+                  <a:txBody>
+                    <a:bodyPr/>
+                    <a:lstStyle/>
+                    <a:p>
+                      <a:pPr algn="ctr">
+                        <a:defRPr sz="1800"/>
+                      </a:pPr>
+                      <a:r>
+                        <a:rPr sz="1500"/>
+                        <a:t>화면 번호</a:t>
+                      </a:r>
+                    </a:p>
+                  </a:txBody>
+                  <a:tcPr marL="45720" marR="45720" anchor="ctr" horzOverflow="overflow">
+                    <a:lnL w="12700">
+                      <a:solidFill>
+                        <a:srgbClr val="000000"/>
+                      </a:solidFill>
+                    </a:lnL>
+                    <a:lnR w="12700">
+                      <a:solidFill>
+                        <a:srgbClr val="000000"/>
+                      </a:solidFill>
+                    </a:lnR>
+                    <a:lnT w="12700">
+                      <a:solidFill>
+                        <a:srgbClr val="000000"/>
+                      </a:solidFill>
+                    </a:lnT>
+                    <a:lnB w="12700">
+                      <a:solidFill>
+                        <a:srgbClr val="000000"/>
+                      </a:solidFill>
+                    </a:lnB>
+                    <a:solidFill>
+                      <a:srgbClr val="D9D9D9"/>
+                    </a:solidFill>
+                  </a:tcPr>
+                </a:tc>
+                <a:tc>
+                  <a:txBody>
+                    <a:bodyPr/>
+                    <a:lstStyle/>
+                    <a:p>
+                      <a:pPr algn="ctr">
+                        <a:defRPr sz="1000">
+                          <a:latin typeface="Arial"/>
+                          <a:ea typeface="Arial"/>
+                          <a:cs typeface="Arial"/>
+                          <a:sym typeface="Arial"/>
+                        </a:defRPr>
+                      </a:pPr>
+                      <a:endParaRPr/>
+                    </a:p>
+                  </a:txBody>
+                  <a:tcPr marL="9525" marR="9525" marT="9525" marB="9525" anchor="ctr" horzOverflow="overflow">
+                    <a:lnL w="12700">
+                      <a:solidFill>
+                        <a:srgbClr val="000000"/>
+                      </a:solidFill>
+                    </a:lnL>
+                    <a:lnR w="12700">
+                      <a:solidFill>
+                        <a:srgbClr val="000000"/>
+                      </a:solidFill>
+                    </a:lnR>
+                    <a:lnT w="12700">
+                      <a:solidFill>
+                        <a:srgbClr val="000000"/>
+                      </a:solidFill>
+                    </a:lnT>
+                    <a:lnB w="12700">
+                      <a:solidFill>
+                        <a:srgbClr val="000000"/>
+                      </a:solidFill>
+                    </a:lnB>
+                    <a:solidFill>
+                      <a:srgbClr val="FFFFFF"/>
+                    </a:solidFill>
+                  </a:tcPr>
+                </a:tc>
+              </a:tr>
+            </a:tbl>
+          </a:graphicData>
+        </a:graphic>
+      </p:graphicFrame>
+      <p:graphicFrame>
+        <p:nvGraphicFramePr>
+          <p:cNvPr id="98" name="표 8"/>
+          <p:cNvGraphicFramePr/>
+          <p:nvPr/>
+        </p:nvGraphicFramePr>
+        <p:xfrm>
+          <a:off x="6200085" y="197402"/>
+          <a:ext cx="2815494" cy="320040"/>
+        </p:xfrm>
+        <a:graphic>
+          <a:graphicData uri="http://schemas.openxmlformats.org/drawingml/2006/table">
+            <a:tbl>
+              <a:tblPr>
+                <a:tableStyleId>{4C3C2611-4C71-4FC5-86AE-919BDF0F9419}</a:tableStyleId>
+              </a:tblPr>
+              <a:tblGrid>
+                <a:gridCol w="1407747"/>
+                <a:gridCol w="1407747"/>
+              </a:tblGrid>
+              <a:tr h="265071">
+                <a:tc>
+                  <a:txBody>
+                    <a:bodyPr/>
+                    <a:lstStyle/>
+                    <a:p>
+                      <a:pPr algn="ctr">
+                        <a:defRPr sz="1500"/>
+                      </a:pPr>
+                      <a:endParaRPr/>
+                    </a:p>
+                  </a:txBody>
+                  <a:tcPr marL="45720" marR="45720" anchor="ctr" horzOverflow="overflow">
+                    <a:lnL w="12700">
+                      <a:solidFill>
+                        <a:srgbClr val="000000"/>
+                      </a:solidFill>
+                    </a:lnL>
+                    <a:lnR w="12700">
+                      <a:solidFill>
+                        <a:srgbClr val="000000"/>
+                      </a:solidFill>
+                    </a:lnR>
+                    <a:lnT w="12700">
+                      <a:solidFill>
+                        <a:srgbClr val="000000"/>
+                      </a:solidFill>
+                    </a:lnT>
+                    <a:lnB w="12700">
+                      <a:solidFill>
+                        <a:srgbClr val="000000"/>
+                      </a:solidFill>
+                    </a:lnB>
+                    <a:solidFill>
+                      <a:srgbClr val="D9D9D9"/>
+                    </a:solidFill>
+                  </a:tcPr>
+                </a:tc>
+                <a:tc>
+                  <a:txBody>
+                    <a:bodyPr/>
+                    <a:lstStyle/>
+                    <a:p>
+                      <a:pPr algn="ctr">
+                        <a:defRPr sz="1500"/>
+                      </a:pPr>
+                      <a:endParaRPr/>
+                    </a:p>
+                  </a:txBody>
+                  <a:tcPr marL="45720" marR="45720" anchor="ctr" horzOverflow="overflow">
+                    <a:lnL w="12700">
+                      <a:solidFill>
+                        <a:srgbClr val="000000"/>
+                      </a:solidFill>
+                    </a:lnL>
+                    <a:lnR w="12700">
+                      <a:solidFill>
+                        <a:srgbClr val="000000"/>
+                      </a:solidFill>
+                    </a:lnR>
+                    <a:lnT w="12700">
+                      <a:solidFill>
+                        <a:srgbClr val="000000"/>
+                      </a:solidFill>
+                    </a:lnT>
+                    <a:lnB w="12700">
+                      <a:solidFill>
+                        <a:srgbClr val="000000"/>
+                      </a:solidFill>
+                    </a:lnB>
+                    <a:solidFill>
+                      <a:srgbClr val="FFFFFF"/>
+                    </a:solidFill>
+                  </a:tcPr>
+                </a:tc>
+              </a:tr>
+            </a:tbl>
+          </a:graphicData>
+        </a:graphic>
+      </p:graphicFrame>
+      <p:graphicFrame>
+        <p:nvGraphicFramePr>
+          <p:cNvPr id="99" name="표 13"/>
+          <p:cNvGraphicFramePr/>
+          <p:nvPr>
+            <p:extLst>
+              <p:ext uri="{D42A27DB-BD31-4B8C-83A1-F6EECF244321}">
+                <p14:modId xmlns:p14="http://schemas.microsoft.com/office/powerpoint/2010/main" val="3487454466"/>
+              </p:ext>
+            </p:extLst>
+          </p:nvPr>
+        </p:nvGraphicFramePr>
+        <p:xfrm>
+          <a:off x="8509686" y="1289960"/>
+          <a:ext cx="3491813" cy="5349990"/>
+        </p:xfrm>
+        <a:graphic>
+          <a:graphicData uri="http://schemas.openxmlformats.org/drawingml/2006/table">
+            <a:tbl>
+              <a:tblPr firstRow="1">
+                <a:tableStyleId>{4C3C2611-4C71-4FC5-86AE-919BDF0F9419}</a:tableStyleId>
+              </a:tblPr>
+              <a:tblGrid>
+                <a:gridCol w="342705"/>
+                <a:gridCol w="3149108"/>
+              </a:tblGrid>
+              <a:tr h="378460">
+                <a:tc>
+                  <a:txBody>
+                    <a:bodyPr/>
+                    <a:lstStyle/>
+                    <a:p>
+                      <a:pPr algn="ctr">
+                        <a:defRPr sz="1800" b="0">
+                          <a:solidFill>
+                            <a:srgbClr val="000000"/>
+                          </a:solidFill>
+                        </a:defRPr>
+                      </a:pPr>
+                      <a:r>
+                        <a:rPr sz="1500" b="1" dirty="0"/>
+                        <a:t>#</a:t>
+                      </a:r>
+                    </a:p>
+                  </a:txBody>
+                  <a:tcPr marL="45720" marR="45720" anchor="ctr" horzOverflow="overflow">
+                    <a:lnL w="12700">
+                      <a:solidFill>
+                        <a:srgbClr val="000000"/>
+                      </a:solidFill>
+                    </a:lnL>
+                    <a:lnR w="12700">
+                      <a:solidFill>
+                        <a:srgbClr val="000000"/>
+                      </a:solidFill>
+                    </a:lnR>
+                    <a:lnT w="12700">
+                      <a:solidFill>
+                        <a:srgbClr val="000000"/>
+                      </a:solidFill>
+                    </a:lnT>
+                    <a:lnB w="12700">
+                      <a:solidFill>
+                        <a:srgbClr val="000000"/>
+                      </a:solidFill>
+                    </a:lnB>
+                    <a:solidFill>
+                      <a:srgbClr val="D9D9D9"/>
+                    </a:solidFill>
+                  </a:tcPr>
+                </a:tc>
+                <a:tc>
+                  <a:txBody>
+                    <a:bodyPr/>
+                    <a:lstStyle/>
+                    <a:p>
+                      <a:pPr algn="ctr">
+                        <a:defRPr sz="1800" b="0">
+                          <a:solidFill>
+                            <a:srgbClr val="000000"/>
+                          </a:solidFill>
+                        </a:defRPr>
+                      </a:pPr>
+                      <a:r>
+                        <a:rPr sz="1500" b="1"/>
+                        <a:t>기능명</a:t>
+                      </a:r>
+                    </a:p>
+                  </a:txBody>
+                  <a:tcPr marL="45720" marR="45720" anchor="ctr" horzOverflow="overflow">
+                    <a:lnL w="12700">
+                      <a:solidFill>
+                        <a:srgbClr val="000000"/>
+                      </a:solidFill>
+                    </a:lnL>
+                    <a:lnR w="12700">
+                      <a:solidFill>
+                        <a:srgbClr val="000000"/>
+                      </a:solidFill>
+                    </a:lnR>
+                    <a:lnT w="12700">
+                      <a:solidFill>
+                        <a:srgbClr val="000000"/>
+                      </a:solidFill>
+                    </a:lnT>
+                    <a:lnB w="12700">
+                      <a:solidFill>
+                        <a:srgbClr val="000000"/>
+                      </a:solidFill>
+                    </a:lnB>
+                    <a:solidFill>
+                      <a:srgbClr val="D9D9D9"/>
+                    </a:solidFill>
+                  </a:tcPr>
+                </a:tc>
+              </a:tr>
+              <a:tr h="947993">
+                <a:tc>
+                  <a:txBody>
+                    <a:bodyPr/>
+                    <a:lstStyle/>
+                    <a:p>
+                      <a:pPr algn="ctr">
+                        <a:defRPr sz="1800"/>
+                      </a:pPr>
+                      <a:r>
+                        <a:rPr sz="1500"/>
+                        <a:t>1</a:t>
+                      </a:r>
+                    </a:p>
+                  </a:txBody>
+                  <a:tcPr marL="45720" marR="45720" anchor="ctr" horzOverflow="overflow">
+                    <a:lnL w="12700">
+                      <a:solidFill>
+                        <a:srgbClr val="000000"/>
+                      </a:solidFill>
+                    </a:lnL>
+                    <a:lnR w="12700">
+                      <a:solidFill>
+                        <a:srgbClr val="000000"/>
+                      </a:solidFill>
+                    </a:lnR>
+                    <a:lnT w="12700">
+                      <a:solidFill>
+                        <a:srgbClr val="000000"/>
+                      </a:solidFill>
+                    </a:lnT>
+                    <a:lnB w="12700">
+                      <a:solidFill>
+                        <a:srgbClr val="000000"/>
+                      </a:solidFill>
+                    </a:lnB>
+                    <a:solidFill>
+                      <a:srgbClr val="FFFFFF"/>
+                    </a:solidFill>
+                  </a:tcPr>
+                </a:tc>
+                <a:tc>
+                  <a:txBody>
+                    <a:bodyPr/>
+                    <a:lstStyle/>
+                    <a:p>
+                      <a:pPr algn="l">
+                        <a:defRPr sz="1500"/>
+                      </a:pPr>
+                      <a:r>
+                        <a:rPr lang="ko-KR" altLang="en-US" dirty="0" smtClean="0"/>
+                        <a:t>쿠폰사용 버튼 </a:t>
+                      </a:r>
+                      <a:r>
+                        <a:rPr lang="ko-KR" altLang="en-US" dirty="0" err="1" smtClean="0"/>
+                        <a:t>클릭시</a:t>
+                      </a:r>
+                      <a:r>
+                        <a:rPr lang="ko-KR" altLang="en-US" dirty="0" smtClean="0"/>
+                        <a:t> 내 쿠폰 리스트 보여주는 </a:t>
+                      </a:r>
+                      <a:r>
+                        <a:rPr lang="ko-KR" altLang="en-US" dirty="0" err="1" smtClean="0"/>
+                        <a:t>팝업창</a:t>
+                      </a:r>
+                      <a:r>
+                        <a:rPr lang="ko-KR" altLang="en-US" dirty="0" smtClean="0"/>
+                        <a:t> 오픈</a:t>
+                      </a:r>
+                      <a:endParaRPr dirty="0"/>
+                    </a:p>
+                  </a:txBody>
+                  <a:tcPr marL="45720" marR="45720" horzOverflow="overflow">
+                    <a:lnL w="12700">
+                      <a:solidFill>
+                        <a:srgbClr val="000000"/>
+                      </a:solidFill>
+                    </a:lnL>
+                    <a:lnR w="12700">
+                      <a:solidFill>
+                        <a:srgbClr val="000000"/>
+                      </a:solidFill>
+                    </a:lnR>
+                    <a:lnT w="12700">
+                      <a:solidFill>
+                        <a:srgbClr val="000000"/>
+                      </a:solidFill>
+                    </a:lnT>
+                    <a:lnB w="12700">
+                      <a:solidFill>
+                        <a:srgbClr val="000000"/>
+                      </a:solidFill>
+                    </a:lnB>
+                    <a:solidFill>
+                      <a:srgbClr val="FFFFFF"/>
+                    </a:solidFill>
+                  </a:tcPr>
+                </a:tc>
+              </a:tr>
+              <a:tr h="1179558">
+                <a:tc>
+                  <a:txBody>
+                    <a:bodyPr/>
+                    <a:lstStyle/>
+                    <a:p>
+                      <a:pPr algn="ctr">
+                        <a:defRPr sz="1800"/>
+                      </a:pPr>
+                      <a:r>
+                        <a:rPr lang="en-US" sz="1500" dirty="0" smtClean="0"/>
+                        <a:t>2</a:t>
+                      </a:r>
+                      <a:endParaRPr sz="1500" dirty="0"/>
+                    </a:p>
+                  </a:txBody>
+                  <a:tcPr marL="45720" marR="45720" anchor="ctr" horzOverflow="overflow">
+                    <a:lnL w="12700">
+                      <a:solidFill>
+                        <a:srgbClr val="000000"/>
+                      </a:solidFill>
+                    </a:lnL>
+                    <a:lnR w="12700">
+                      <a:solidFill>
+                        <a:srgbClr val="000000"/>
+                      </a:solidFill>
+                    </a:lnR>
+                    <a:lnT w="12700">
+                      <a:solidFill>
+                        <a:srgbClr val="000000"/>
+                      </a:solidFill>
+                    </a:lnT>
+                    <a:lnB w="12700">
+                      <a:solidFill>
+                        <a:srgbClr val="000000"/>
+                      </a:solidFill>
+                    </a:lnB>
+                    <a:solidFill>
+                      <a:srgbClr val="FFFFFF"/>
+                    </a:solidFill>
+                  </a:tcPr>
+                </a:tc>
+                <a:tc>
+                  <a:txBody>
+                    <a:bodyPr/>
+                    <a:lstStyle/>
+                    <a:p>
+                      <a:pPr algn="l">
+                        <a:defRPr sz="1500"/>
+                      </a:pPr>
+                      <a:r>
+                        <a:rPr lang="ko-KR" altLang="en-US" dirty="0" smtClean="0"/>
+                        <a:t>사용포인트에 포인트 </a:t>
+                      </a:r>
+                      <a:r>
+                        <a:rPr lang="ko-KR" altLang="en-US" dirty="0" err="1" smtClean="0"/>
+                        <a:t>입력시</a:t>
+                      </a:r>
+                      <a:r>
+                        <a:rPr lang="ko-KR" altLang="en-US" dirty="0" smtClean="0"/>
+                        <a:t> 자동적으로 사용</a:t>
+                      </a:r>
+                      <a:r>
+                        <a:rPr lang="en-US" altLang="ko-KR" dirty="0" smtClean="0"/>
+                        <a:t>.</a:t>
+                      </a:r>
+                    </a:p>
+                    <a:p>
+                      <a:pPr algn="l">
+                        <a:defRPr sz="1500"/>
+                      </a:pPr>
+                      <a:r>
+                        <a:rPr lang="ko-KR" altLang="en-US" dirty="0" err="1" smtClean="0"/>
+                        <a:t>총금액으로</a:t>
+                      </a:r>
+                      <a:r>
+                        <a:rPr lang="ko-KR" altLang="en-US" dirty="0" smtClean="0"/>
+                        <a:t> 표시</a:t>
+                      </a:r>
+                      <a:endParaRPr dirty="0"/>
+                    </a:p>
+                  </a:txBody>
+                  <a:tcPr marL="45720" marR="45720" horzOverflow="overflow">
+                    <a:lnL w="12700">
+                      <a:solidFill>
+                        <a:srgbClr val="000000"/>
+                      </a:solidFill>
+                    </a:lnL>
+                    <a:lnR w="12700">
+                      <a:solidFill>
+                        <a:srgbClr val="000000"/>
+                      </a:solidFill>
+                    </a:lnR>
+                    <a:lnT w="12700">
+                      <a:solidFill>
+                        <a:srgbClr val="000000"/>
+                      </a:solidFill>
+                    </a:lnT>
+                    <a:lnB w="12700">
+                      <a:solidFill>
+                        <a:srgbClr val="000000"/>
+                      </a:solidFill>
+                    </a:lnB>
+                    <a:solidFill>
+                      <a:srgbClr val="FFFFFF"/>
+                    </a:solidFill>
+                  </a:tcPr>
+                </a:tc>
+              </a:tr>
+              <a:tr h="947993">
+                <a:tc>
+                  <a:txBody>
+                    <a:bodyPr/>
+                    <a:lstStyle/>
+                    <a:p>
+                      <a:pPr algn="ctr">
+                        <a:defRPr sz="1800"/>
+                      </a:pPr>
+                      <a:r>
+                        <a:rPr sz="1500"/>
+                        <a:t>3</a:t>
+                      </a:r>
+                    </a:p>
+                  </a:txBody>
+                  <a:tcPr marL="45720" marR="45720" anchor="ctr" horzOverflow="overflow">
+                    <a:lnL w="12700">
+                      <a:solidFill>
+                        <a:srgbClr val="000000"/>
+                      </a:solidFill>
+                    </a:lnL>
+                    <a:lnR w="12700">
+                      <a:solidFill>
+                        <a:srgbClr val="000000"/>
+                      </a:solidFill>
+                    </a:lnR>
+                    <a:lnT w="12700">
+                      <a:solidFill>
+                        <a:srgbClr val="000000"/>
+                      </a:solidFill>
+                    </a:lnT>
+                    <a:lnB w="12700">
+                      <a:solidFill>
+                        <a:srgbClr val="000000"/>
+                      </a:solidFill>
+                    </a:lnB>
+                    <a:solidFill>
+                      <a:srgbClr val="FFFFFF"/>
+                    </a:solidFill>
+                  </a:tcPr>
+                </a:tc>
+                <a:tc>
+                  <a:txBody>
+                    <a:bodyPr/>
+                    <a:lstStyle/>
+                    <a:p>
+                      <a:pPr algn="l">
+                        <a:defRPr sz="1500"/>
+                      </a:pPr>
+                      <a:endParaRPr/>
+                    </a:p>
+                  </a:txBody>
+                  <a:tcPr marL="45720" marR="45720" horzOverflow="overflow">
+                    <a:lnL w="12700">
+                      <a:solidFill>
+                        <a:srgbClr val="000000"/>
+                      </a:solidFill>
+                    </a:lnL>
+                    <a:lnR w="12700">
+                      <a:solidFill>
+                        <a:srgbClr val="000000"/>
+                      </a:solidFill>
+                    </a:lnR>
+                    <a:lnT w="12700">
+                      <a:solidFill>
+                        <a:srgbClr val="000000"/>
+                      </a:solidFill>
+                    </a:lnT>
+                    <a:lnB w="12700">
+                      <a:solidFill>
+                        <a:srgbClr val="000000"/>
+                      </a:solidFill>
+                    </a:lnB>
+                    <a:solidFill>
+                      <a:srgbClr val="FFFFFF"/>
+                    </a:solidFill>
+                  </a:tcPr>
+                </a:tc>
+              </a:tr>
+              <a:tr h="947993">
+                <a:tc>
+                  <a:txBody>
+                    <a:bodyPr/>
+                    <a:lstStyle/>
+                    <a:p>
+                      <a:pPr algn="ctr">
+                        <a:defRPr sz="1800"/>
+                      </a:pPr>
+                      <a:r>
+                        <a:rPr sz="1500"/>
+                        <a:t>4</a:t>
+                      </a:r>
+                    </a:p>
+                  </a:txBody>
+                  <a:tcPr marL="45720" marR="45720" anchor="ctr" horzOverflow="overflow">
+                    <a:lnL w="12700">
+                      <a:solidFill>
+                        <a:srgbClr val="000000"/>
+                      </a:solidFill>
+                    </a:lnL>
+                    <a:lnR w="12700">
+                      <a:solidFill>
+                        <a:srgbClr val="000000"/>
+                      </a:solidFill>
+                    </a:lnR>
+                    <a:lnT w="12700">
+                      <a:solidFill>
+                        <a:srgbClr val="000000"/>
+                      </a:solidFill>
+                    </a:lnT>
+                    <a:lnB w="12700">
+                      <a:solidFill>
+                        <a:srgbClr val="000000"/>
+                      </a:solidFill>
+                    </a:lnB>
+                    <a:solidFill>
+                      <a:srgbClr val="FFFFFF"/>
+                    </a:solidFill>
+                  </a:tcPr>
+                </a:tc>
+                <a:tc>
+                  <a:txBody>
+                    <a:bodyPr/>
+                    <a:lstStyle/>
+                    <a:p>
+                      <a:pPr algn="l">
+                        <a:defRPr sz="1500"/>
+                      </a:pPr>
+                      <a:endParaRPr/>
+                    </a:p>
+                  </a:txBody>
+                  <a:tcPr marL="45720" marR="45720" horzOverflow="overflow">
+                    <a:lnL w="12700">
+                      <a:solidFill>
+                        <a:srgbClr val="000000"/>
+                      </a:solidFill>
+                    </a:lnL>
+                    <a:lnR w="12700">
+                      <a:solidFill>
+                        <a:srgbClr val="000000"/>
+                      </a:solidFill>
+                    </a:lnR>
+                    <a:lnT w="12700">
+                      <a:solidFill>
+                        <a:srgbClr val="000000"/>
+                      </a:solidFill>
+                    </a:lnT>
+                    <a:lnB w="12700">
+                      <a:solidFill>
+                        <a:srgbClr val="000000"/>
+                      </a:solidFill>
+                    </a:lnB>
+                    <a:solidFill>
+                      <a:srgbClr val="FFFFFF"/>
+                    </a:solidFill>
+                  </a:tcPr>
+                </a:tc>
+              </a:tr>
+              <a:tr h="947993">
+                <a:tc>
+                  <a:txBody>
+                    <a:bodyPr/>
+                    <a:lstStyle/>
+                    <a:p>
+                      <a:pPr algn="ctr">
+                        <a:defRPr sz="1800"/>
+                      </a:pPr>
+                      <a:r>
+                        <a:rPr sz="1500"/>
+                        <a:t>5</a:t>
+                      </a:r>
+                    </a:p>
+                  </a:txBody>
+                  <a:tcPr marL="45720" marR="45720" anchor="ctr" horzOverflow="overflow">
+                    <a:lnL w="12700">
+                      <a:solidFill>
+                        <a:srgbClr val="000000"/>
+                      </a:solidFill>
+                    </a:lnL>
+                    <a:lnR w="12700">
+                      <a:solidFill>
+                        <a:srgbClr val="000000"/>
+                      </a:solidFill>
+                    </a:lnR>
+                    <a:lnT w="12700">
+                      <a:solidFill>
+                        <a:srgbClr val="000000"/>
+                      </a:solidFill>
+                    </a:lnT>
+                    <a:lnB w="12700">
+                      <a:solidFill>
+                        <a:srgbClr val="000000"/>
+                      </a:solidFill>
+                    </a:lnB>
+                    <a:solidFill>
+                      <a:srgbClr val="FFFFFF"/>
+                    </a:solidFill>
+                  </a:tcPr>
+                </a:tc>
+                <a:tc>
+                  <a:txBody>
+                    <a:bodyPr/>
+                    <a:lstStyle/>
+                    <a:p>
+                      <a:pPr algn="l">
+                        <a:defRPr sz="1500"/>
+                      </a:pPr>
+                      <a:endParaRPr/>
+                    </a:p>
+                  </a:txBody>
+                  <a:tcPr marL="45720" marR="45720" horzOverflow="overflow">
+                    <a:lnL w="12700">
+                      <a:solidFill>
+                        <a:srgbClr val="000000"/>
+                      </a:solidFill>
+                    </a:lnL>
+                    <a:lnR w="12700">
+                      <a:solidFill>
+                        <a:srgbClr val="000000"/>
+                      </a:solidFill>
+                    </a:lnR>
+                    <a:lnT w="12700">
+                      <a:solidFill>
+                        <a:srgbClr val="000000"/>
+                      </a:solidFill>
+                    </a:lnT>
+                    <a:lnB w="12700">
+                      <a:solidFill>
+                        <a:srgbClr val="000000"/>
+                      </a:solidFill>
+                    </a:lnB>
+                    <a:solidFill>
+                      <a:srgbClr val="FFFFFF"/>
+                    </a:solidFill>
+                  </a:tcPr>
+                </a:tc>
+              </a:tr>
+            </a:tbl>
+          </a:graphicData>
+        </a:graphic>
+      </p:graphicFrame>
+      <p:sp>
+        <p:nvSpPr>
+          <p:cNvPr id="100" name="직사각형 39"/>
+          <p:cNvSpPr/>
+          <p:nvPr/>
+        </p:nvSpPr>
+        <p:spPr>
+          <a:xfrm>
+            <a:off x="131601" y="1289957"/>
+            <a:ext cx="8032096" cy="5350000"/>
+          </a:xfrm>
+          <a:prstGeom prst="rect">
+            <a:avLst/>
+          </a:prstGeom>
+          <a:solidFill>
+            <a:srgbClr val="FFFFFF"/>
+          </a:solidFill>
+          <a:ln w="12700">
+            <a:solidFill>
+              <a:srgbClr val="000000"/>
+            </a:solidFill>
+            <a:miter/>
+          </a:ln>
+        </p:spPr>
+        <p:txBody>
+          <a:bodyPr lIns="45718" tIns="45718" rIns="45718" bIns="45718" anchor="ctr"/>
+          <a:lstStyle/>
+          <a:p>
+            <a:pPr algn="ctr">
+              <a:defRPr sz="1500">
+                <a:latin typeface="+mn-lt"/>
+                <a:ea typeface="+mn-ea"/>
+                <a:cs typeface="+mn-cs"/>
+                <a:sym typeface="맑은 고딕"/>
+              </a:defRPr>
+            </a:pPr>
+            <a:endParaRPr/>
+          </a:p>
+        </p:txBody>
+      </p:sp>
+      <p:graphicFrame>
+        <p:nvGraphicFramePr>
+          <p:cNvPr id="101" name="표 57"/>
+          <p:cNvGraphicFramePr/>
+          <p:nvPr>
+            <p:extLst>
+              <p:ext uri="{D42A27DB-BD31-4B8C-83A1-F6EECF244321}">
+                <p14:modId xmlns:p14="http://schemas.microsoft.com/office/powerpoint/2010/main" val="3360207123"/>
+              </p:ext>
+            </p:extLst>
+          </p:nvPr>
+        </p:nvGraphicFramePr>
+        <p:xfrm>
+          <a:off x="131601" y="115758"/>
+          <a:ext cx="3313726" cy="960120"/>
+        </p:xfrm>
+        <a:graphic>
+          <a:graphicData uri="http://schemas.openxmlformats.org/drawingml/2006/table">
+            <a:tbl>
+              <a:tblPr firstRow="1">
+                <a:tableStyleId>{4C3C2611-4C71-4FC5-86AE-919BDF0F9419}</a:tableStyleId>
+              </a:tblPr>
+              <a:tblGrid>
+                <a:gridCol w="1656863"/>
+                <a:gridCol w="1656863"/>
+              </a:tblGrid>
+              <a:tr h="271237">
+                <a:tc>
+                  <a:txBody>
+                    <a:bodyPr/>
+                    <a:lstStyle/>
+                    <a:p>
+                      <a:pPr algn="ctr">
+                        <a:defRPr sz="1800" b="0">
+                          <a:solidFill>
+                            <a:srgbClr val="000000"/>
+                          </a:solidFill>
+                        </a:defRPr>
+                      </a:pPr>
+                      <a:r>
+                        <a:rPr sz="1500" dirty="0" err="1"/>
+                        <a:t>화면코드</a:t>
+                      </a:r>
+                      <a:endParaRPr sz="1500" dirty="0"/>
+                    </a:p>
+                  </a:txBody>
+                  <a:tcPr marL="45720" marR="45720" anchor="ctr" horzOverflow="overflow">
+                    <a:lnL w="12700">
+                      <a:solidFill>
+                        <a:srgbClr val="000000"/>
+                      </a:solidFill>
+                    </a:lnL>
+                    <a:lnR w="12700">
+                      <a:solidFill>
+                        <a:srgbClr val="000000"/>
+                      </a:solidFill>
+                    </a:lnR>
+                    <a:lnT w="12700">
+                      <a:solidFill>
+                        <a:srgbClr val="000000"/>
+                      </a:solidFill>
+                    </a:lnT>
+                    <a:lnB w="12700">
+                      <a:solidFill>
+                        <a:srgbClr val="000000"/>
+                      </a:solidFill>
+                    </a:lnB>
+                    <a:solidFill>
+                      <a:srgbClr val="D9D9D9"/>
+                    </a:solidFill>
+                  </a:tcPr>
+                </a:tc>
+                <a:tc>
+                  <a:txBody>
+                    <a:bodyPr/>
+                    <a:lstStyle/>
+                    <a:p>
+                      <a:pPr algn="ctr">
+                        <a:defRPr sz="1000" b="0">
+                          <a:solidFill>
+                            <a:srgbClr val="000000"/>
+                          </a:solidFill>
+                          <a:latin typeface="Arial"/>
+                          <a:ea typeface="Arial"/>
+                          <a:cs typeface="Arial"/>
+                          <a:sym typeface="Arial"/>
+                        </a:defRPr>
+                      </a:pPr>
+                      <a:endParaRPr/>
+                    </a:p>
+                  </a:txBody>
+                  <a:tcPr marL="9525" marR="9525" marT="9525" marB="9525" anchor="ctr" horzOverflow="overflow">
+                    <a:lnL w="12700">
+                      <a:solidFill>
+                        <a:srgbClr val="000000"/>
+                      </a:solidFill>
+                    </a:lnL>
+                    <a:lnR w="12700">
+                      <a:solidFill>
+                        <a:srgbClr val="000000"/>
+                      </a:solidFill>
+                    </a:lnR>
+                    <a:lnT w="12700">
+                      <a:solidFill>
+                        <a:srgbClr val="000000"/>
+                      </a:solidFill>
+                    </a:lnT>
+                    <a:lnB w="12700">
+                      <a:solidFill>
+                        <a:srgbClr val="000000"/>
+                      </a:solidFill>
+                    </a:lnB>
+                    <a:solidFill>
+                      <a:srgbClr val="FFFFFF"/>
+                    </a:solidFill>
+                  </a:tcPr>
+                </a:tc>
+              </a:tr>
+              <a:tr h="271237">
+                <a:tc rowSpan="2">
+                  <a:txBody>
+                    <a:bodyPr/>
+                    <a:lstStyle/>
+                    <a:p>
+                      <a:pPr algn="ctr">
+                        <a:defRPr sz="1800"/>
+                      </a:pPr>
+                      <a:r>
+                        <a:rPr sz="1500"/>
+                        <a:t>화면명</a:t>
+                      </a:r>
+                    </a:p>
+                  </a:txBody>
+                  <a:tcPr marL="45720" marR="45720" anchor="ctr" horzOverflow="overflow">
+                    <a:lnL w="12700">
+                      <a:solidFill>
+                        <a:srgbClr val="000000"/>
+                      </a:solidFill>
+                    </a:lnL>
+                    <a:lnR w="12700">
+                      <a:solidFill>
+                        <a:srgbClr val="000000"/>
+                      </a:solidFill>
+                    </a:lnR>
+                    <a:lnT w="12700">
+                      <a:solidFill>
+                        <a:srgbClr val="000000"/>
+                      </a:solidFill>
+                    </a:lnT>
+                    <a:lnB w="12700">
+                      <a:solidFill>
+                        <a:srgbClr val="000000"/>
+                      </a:solidFill>
+                    </a:lnB>
+                    <a:solidFill>
+                      <a:srgbClr val="D9D9D9"/>
+                    </a:solidFill>
+                  </a:tcPr>
+                </a:tc>
+                <a:tc>
+                  <a:txBody>
+                    <a:bodyPr/>
+                    <a:lstStyle/>
+                    <a:p>
+                      <a:pPr algn="ctr">
+                        <a:defRPr sz="1500">
+                          <a:solidFill>
+                            <a:srgbClr val="0070C0"/>
+                          </a:solidFill>
+                        </a:defRPr>
+                      </a:pPr>
+                      <a:endParaRPr/>
+                    </a:p>
+                  </a:txBody>
+                  <a:tcPr marL="45720" marR="45720" anchor="ctr" horzOverflow="overflow">
+                    <a:lnL w="12700">
+                      <a:solidFill>
+                        <a:srgbClr val="000000"/>
+                      </a:solidFill>
+                    </a:lnL>
+                    <a:lnR w="12700">
+                      <a:solidFill>
+                        <a:srgbClr val="000000"/>
+                      </a:solidFill>
+                    </a:lnR>
+                    <a:lnT w="12700">
+                      <a:solidFill>
+                        <a:srgbClr val="000000"/>
+                      </a:solidFill>
+                    </a:lnT>
+                    <a:lnB w="12700">
+                      <a:solidFill>
+                        <a:srgbClr val="000000"/>
+                      </a:solidFill>
+                    </a:lnB>
+                    <a:solidFill>
+                      <a:srgbClr val="FFFFFF"/>
+                    </a:solidFill>
+                  </a:tcPr>
+                </a:tc>
+              </a:tr>
+              <a:tr h="271237">
+                <a:tc vMerge="1">
+                  <a:txBody>
+                    <a:bodyPr/>
+                    <a:lstStyle/>
+                    <a:p>
+                      <a:endParaRPr lang="ko-KR"/>
+                    </a:p>
+                  </a:txBody>
+                  <a:tcPr/>
+                </a:tc>
+                <a:tc>
+                  <a:txBody>
+                    <a:bodyPr/>
+                    <a:lstStyle/>
+                    <a:p>
+                      <a:pPr algn="ctr">
+                        <a:defRPr sz="1500">
+                          <a:solidFill>
+                            <a:srgbClr val="0070C0"/>
+                          </a:solidFill>
+                        </a:defRPr>
+                      </a:pPr>
+                      <a:r>
+                        <a:rPr lang="ko-KR" altLang="en-US" dirty="0" smtClean="0">
+                          <a:solidFill>
+                            <a:schemeClr val="tx1"/>
+                          </a:solidFill>
+                        </a:rPr>
+                        <a:t>결제페이지 </a:t>
+                      </a:r>
+                      <a:r>
+                        <a:rPr lang="en-US" altLang="ko-KR" dirty="0" smtClean="0">
+                          <a:solidFill>
+                            <a:schemeClr val="tx1"/>
+                          </a:solidFill>
+                        </a:rPr>
+                        <a:t>2-2</a:t>
+                      </a:r>
+                      <a:endParaRPr dirty="0">
+                        <a:solidFill>
+                          <a:schemeClr val="tx1"/>
+                        </a:solidFill>
+                      </a:endParaRPr>
+                    </a:p>
+                  </a:txBody>
+                  <a:tcPr marL="45720" marR="45720" anchor="ctr" horzOverflow="overflow">
+                    <a:lnL w="12700">
+                      <a:solidFill>
+                        <a:srgbClr val="000000"/>
+                      </a:solidFill>
+                    </a:lnL>
+                    <a:lnR w="12700">
+                      <a:solidFill>
+                        <a:srgbClr val="000000"/>
+                      </a:solidFill>
+                    </a:lnR>
+                    <a:lnT w="12700">
+                      <a:solidFill>
+                        <a:srgbClr val="000000"/>
+                      </a:solidFill>
+                    </a:lnT>
+                    <a:lnB w="12700">
+                      <a:solidFill>
+                        <a:srgbClr val="000000"/>
+                      </a:solidFill>
+                    </a:lnB>
+                    <a:solidFill>
+                      <a:srgbClr val="FFFFFF"/>
+                    </a:solidFill>
+                  </a:tcPr>
+                </a:tc>
+              </a:tr>
+            </a:tbl>
+          </a:graphicData>
+        </a:graphic>
+      </p:graphicFrame>
+      <p:sp>
+        <p:nvSpPr>
+          <p:cNvPr id="7" name="TextBox 6"/>
+          <p:cNvSpPr txBox="1"/>
+          <p:nvPr/>
+        </p:nvSpPr>
+        <p:spPr>
+          <a:xfrm>
+            <a:off x="1370548" y="1589901"/>
+            <a:ext cx="1620570" cy="369328"/>
+          </a:xfrm>
+          <a:prstGeom prst="rect">
+            <a:avLst/>
+          </a:prstGeom>
+          <a:noFill/>
+          <a:ln w="12700" cap="flat">
+            <a:solidFill>
+              <a:schemeClr val="tx1"/>
+            </a:solidFill>
+            <a:miter lim="400000"/>
+          </a:ln>
+          <a:effectLst/>
+          <a:sp3d/>
+        </p:spPr>
+        <p:style>
+          <a:lnRef idx="0">
+            <a:scrgbClr r="0" g="0" b="0"/>
+          </a:lnRef>
+          <a:fillRef idx="0">
+            <a:scrgbClr r="0" g="0" b="0"/>
+          </a:fillRef>
+          <a:effectRef idx="0">
+            <a:scrgbClr r="0" g="0" b="0"/>
+          </a:effectRef>
+          <a:fontRef idx="none"/>
+        </p:style>
+        <p:txBody>
+          <a:bodyPr rot="0" spcFirstLastPara="1" vertOverflow="overflow" horzOverflow="overflow" vert="horz" wrap="square" lIns="45718" tIns="45718" rIns="45718" bIns="45718" numCol="1" spcCol="38100" rtlCol="0" anchor="t">
+            <a:spAutoFit/>
+          </a:bodyPr>
+          <a:lstStyle/>
+          <a:p>
+            <a:pPr marL="0" marR="0" indent="0" algn="l" defTabSz="914400" rtl="0" fontAlgn="auto" latinLnBrk="0" hangingPunct="0">
+              <a:lnSpc>
+                <a:spcPct val="100000"/>
+              </a:lnSpc>
+              <a:spcBef>
+                <a:spcPts val="0"/>
+              </a:spcBef>
+              <a:spcAft>
+                <a:spcPts val="0"/>
+              </a:spcAft>
+              <a:buClrTx/>
+              <a:buSzTx/>
+              <a:buFontTx/>
+              <a:buNone/>
+              <a:tabLst/>
+            </a:pPr>
+            <a:r>
+              <a:rPr kumimoji="0" lang="ko-KR" altLang="en-US" sz="1800" b="0" i="0" u="none" strike="noStrike" cap="none" spc="0" normalizeH="0" baseline="0" dirty="0" smtClean="0">
+                <a:ln>
+                  <a:noFill/>
+                </a:ln>
+                <a:solidFill>
+                  <a:srgbClr val="000000"/>
+                </a:solidFill>
+                <a:effectLst/>
+                <a:uFillTx/>
+                <a:latin typeface="+mj-lt"/>
+                <a:ea typeface="+mj-ea"/>
+                <a:cs typeface="+mj-cs"/>
+                <a:sym typeface="Helvetica"/>
+              </a:rPr>
+              <a:t>쿠폰 및 포인트</a:t>
+            </a:r>
+            <a:endParaRPr kumimoji="0" lang="ko-KR" altLang="en-US" sz="1800" b="0" i="0" u="none" strike="noStrike" cap="none" spc="0" normalizeH="0" baseline="0" dirty="0">
+              <a:ln>
+                <a:noFill/>
+              </a:ln>
+              <a:solidFill>
+                <a:srgbClr val="000000"/>
+              </a:solidFill>
+              <a:effectLst/>
+              <a:uFillTx/>
+              <a:latin typeface="+mj-lt"/>
+              <a:ea typeface="+mj-ea"/>
+              <a:cs typeface="+mj-cs"/>
+              <a:sym typeface="Helvetica"/>
+            </a:endParaRPr>
+          </a:p>
+        </p:txBody>
+      </p:sp>
+      <p:sp>
+        <p:nvSpPr>
+          <p:cNvPr id="2" name="TextBox 1"/>
+          <p:cNvSpPr txBox="1"/>
+          <p:nvPr/>
+        </p:nvSpPr>
+        <p:spPr>
+          <a:xfrm>
+            <a:off x="1370548" y="2165973"/>
+            <a:ext cx="1620570" cy="323161"/>
+          </a:xfrm>
+          <a:prstGeom prst="rect">
+            <a:avLst/>
+          </a:prstGeom>
+          <a:noFill/>
+          <a:ln w="12700" cap="flat">
+            <a:noFill/>
+            <a:miter lim="400000"/>
+          </a:ln>
+          <a:effectLst/>
+          <a:sp3d/>
+        </p:spPr>
+        <p:style>
+          <a:lnRef idx="0">
+            <a:scrgbClr r="0" g="0" b="0"/>
+          </a:lnRef>
+          <a:fillRef idx="0">
+            <a:scrgbClr r="0" g="0" b="0"/>
+          </a:fillRef>
+          <a:effectRef idx="0">
+            <a:scrgbClr r="0" g="0" b="0"/>
+          </a:effectRef>
+          <a:fontRef idx="none"/>
+        </p:style>
+        <p:txBody>
+          <a:bodyPr rot="0" spcFirstLastPara="1" vertOverflow="overflow" horzOverflow="overflow" vert="horz" wrap="square" lIns="45718" tIns="45718" rIns="45718" bIns="45718" numCol="1" spcCol="38100" rtlCol="0" anchor="t">
+            <a:spAutoFit/>
+          </a:bodyPr>
+          <a:lstStyle/>
+          <a:p>
+            <a:pPr marL="0" marR="0" indent="0" algn="ctr" defTabSz="914400" rtl="0" fontAlgn="auto" latinLnBrk="0" hangingPunct="0">
+              <a:lnSpc>
+                <a:spcPct val="100000"/>
+              </a:lnSpc>
+              <a:spcBef>
+                <a:spcPts val="0"/>
+              </a:spcBef>
+              <a:spcAft>
+                <a:spcPts val="0"/>
+              </a:spcAft>
+              <a:buClrTx/>
+              <a:buSzTx/>
+              <a:buFontTx/>
+              <a:buNone/>
+              <a:tabLst/>
+            </a:pPr>
+            <a:r>
+              <a:rPr kumimoji="0" lang="ko-KR" altLang="en-US" sz="1500" b="0" i="0" u="none" strike="noStrike" cap="none" spc="0" normalizeH="0" baseline="0" dirty="0" smtClean="0">
+                <a:ln>
+                  <a:noFill/>
+                </a:ln>
+                <a:solidFill>
+                  <a:srgbClr val="000000"/>
+                </a:solidFill>
+                <a:effectLst/>
+                <a:uFillTx/>
+                <a:latin typeface="+mj-lt"/>
+                <a:ea typeface="+mj-ea"/>
+                <a:cs typeface="+mj-cs"/>
+                <a:sym typeface="Helvetica"/>
+              </a:rPr>
+              <a:t>쿠폰할인</a:t>
+            </a:r>
+            <a:endParaRPr kumimoji="0" lang="ko-KR" altLang="en-US" sz="1500" b="0" i="0" u="none" strike="noStrike" cap="none" spc="0" normalizeH="0" baseline="0" dirty="0">
+              <a:ln>
+                <a:noFill/>
+              </a:ln>
+              <a:solidFill>
+                <a:srgbClr val="000000"/>
+              </a:solidFill>
+              <a:effectLst/>
+              <a:uFillTx/>
+              <a:latin typeface="+mj-lt"/>
+              <a:ea typeface="+mj-ea"/>
+              <a:cs typeface="+mj-cs"/>
+              <a:sym typeface="Helvetica"/>
+            </a:endParaRPr>
+          </a:p>
+        </p:txBody>
+      </p:sp>
+      <p:sp>
+        <p:nvSpPr>
+          <p:cNvPr id="10" name="TextBox 9"/>
+          <p:cNvSpPr txBox="1"/>
+          <p:nvPr/>
+        </p:nvSpPr>
+        <p:spPr>
+          <a:xfrm>
+            <a:off x="1370548" y="2825368"/>
+            <a:ext cx="1620570" cy="323161"/>
+          </a:xfrm>
+          <a:prstGeom prst="rect">
+            <a:avLst/>
+          </a:prstGeom>
+          <a:noFill/>
+          <a:ln w="12700" cap="flat">
+            <a:noFill/>
+            <a:miter lim="400000"/>
+          </a:ln>
+          <a:effectLst/>
+          <a:sp3d/>
+        </p:spPr>
+        <p:style>
+          <a:lnRef idx="0">
+            <a:scrgbClr r="0" g="0" b="0"/>
+          </a:lnRef>
+          <a:fillRef idx="0">
+            <a:scrgbClr r="0" g="0" b="0"/>
+          </a:fillRef>
+          <a:effectRef idx="0">
+            <a:scrgbClr r="0" g="0" b="0"/>
+          </a:effectRef>
+          <a:fontRef idx="none"/>
+        </p:style>
+        <p:txBody>
+          <a:bodyPr rot="0" spcFirstLastPara="1" vertOverflow="overflow" horzOverflow="overflow" vert="horz" wrap="square" lIns="45718" tIns="45718" rIns="45718" bIns="45718" numCol="1" spcCol="38100" rtlCol="0" anchor="t">
+            <a:spAutoFit/>
+          </a:bodyPr>
+          <a:lstStyle/>
+          <a:p>
+            <a:pPr marL="0" marR="0" indent="0" algn="ctr" defTabSz="914400" rtl="0" fontAlgn="auto" latinLnBrk="0" hangingPunct="0">
+              <a:lnSpc>
+                <a:spcPct val="100000"/>
+              </a:lnSpc>
+              <a:spcBef>
+                <a:spcPts val="0"/>
+              </a:spcBef>
+              <a:spcAft>
+                <a:spcPts val="0"/>
+              </a:spcAft>
+              <a:buClrTx/>
+              <a:buSzTx/>
+              <a:buFontTx/>
+              <a:buNone/>
+              <a:tabLst/>
+            </a:pPr>
+            <a:r>
+              <a:rPr lang="ko-KR" altLang="en-US" sz="1500" dirty="0" smtClean="0"/>
+              <a:t>포인트할인</a:t>
+            </a:r>
+            <a:endParaRPr kumimoji="0" lang="ko-KR" altLang="en-US" sz="1500" b="0" i="0" u="none" strike="noStrike" cap="none" spc="0" normalizeH="0" baseline="0" dirty="0">
+              <a:ln>
+                <a:noFill/>
+              </a:ln>
+              <a:solidFill>
+                <a:srgbClr val="000000"/>
+              </a:solidFill>
+              <a:effectLst/>
+              <a:uFillTx/>
+              <a:sym typeface="Helvetica"/>
+            </a:endParaRPr>
+          </a:p>
+        </p:txBody>
+      </p:sp>
+      <p:pic>
+        <p:nvPicPr>
+          <p:cNvPr id="4" name="그림 3"/>
+          <p:cNvPicPr>
+            <a:picLocks noChangeAspect="1"/>
+          </p:cNvPicPr>
+          <p:nvPr/>
+        </p:nvPicPr>
+        <p:blipFill>
+          <a:blip r:embed="rId2"/>
+          <a:stretch>
+            <a:fillRect/>
+          </a:stretch>
+        </p:blipFill>
+        <p:spPr>
+          <a:xfrm>
+            <a:off x="2968632" y="2148337"/>
+            <a:ext cx="4305300" cy="361950"/>
+          </a:xfrm>
+          <a:prstGeom prst="rect">
+            <a:avLst/>
+          </a:prstGeom>
+        </p:spPr>
+      </p:pic>
+      <p:pic>
+        <p:nvPicPr>
+          <p:cNvPr id="5" name="그림 4"/>
+          <p:cNvPicPr>
+            <a:picLocks noChangeAspect="1"/>
+          </p:cNvPicPr>
+          <p:nvPr/>
+        </p:nvPicPr>
+        <p:blipFill>
+          <a:blip r:embed="rId3"/>
+          <a:stretch>
+            <a:fillRect/>
+          </a:stretch>
+        </p:blipFill>
+        <p:spPr>
+          <a:xfrm>
+            <a:off x="2991118" y="2805629"/>
+            <a:ext cx="2562225" cy="685800"/>
+          </a:xfrm>
+          <a:prstGeom prst="rect">
+            <a:avLst/>
+          </a:prstGeom>
+        </p:spPr>
+      </p:pic>
+      <p:sp>
+        <p:nvSpPr>
+          <p:cNvPr id="15" name="TextBox 14"/>
+          <p:cNvSpPr txBox="1"/>
+          <p:nvPr/>
+        </p:nvSpPr>
+        <p:spPr>
+          <a:xfrm>
+            <a:off x="1370548" y="4052946"/>
+            <a:ext cx="1620570" cy="369328"/>
+          </a:xfrm>
+          <a:prstGeom prst="rect">
+            <a:avLst/>
+          </a:prstGeom>
+          <a:noFill/>
+          <a:ln w="12700" cap="flat">
+            <a:solidFill>
+              <a:schemeClr val="tx1"/>
+            </a:solidFill>
+            <a:miter lim="400000"/>
+          </a:ln>
+          <a:effectLst/>
+          <a:sp3d/>
+        </p:spPr>
+        <p:style>
+          <a:lnRef idx="0">
+            <a:scrgbClr r="0" g="0" b="0"/>
+          </a:lnRef>
+          <a:fillRef idx="0">
+            <a:scrgbClr r="0" g="0" b="0"/>
+          </a:fillRef>
+          <a:effectRef idx="0">
+            <a:scrgbClr r="0" g="0" b="0"/>
+          </a:effectRef>
+          <a:fontRef idx="none"/>
+        </p:style>
+        <p:txBody>
+          <a:bodyPr rot="0" spcFirstLastPara="1" vertOverflow="overflow" horzOverflow="overflow" vert="horz" wrap="square" lIns="45718" tIns="45718" rIns="45718" bIns="45718" numCol="1" spcCol="38100" rtlCol="0" anchor="t">
+            <a:spAutoFit/>
+          </a:bodyPr>
+          <a:lstStyle/>
+          <a:p>
+            <a:pPr marL="0" marR="0" indent="0" algn="ctr" defTabSz="914400" rtl="0" fontAlgn="auto" latinLnBrk="0" hangingPunct="0">
+              <a:lnSpc>
+                <a:spcPct val="100000"/>
+              </a:lnSpc>
+              <a:spcBef>
+                <a:spcPts val="0"/>
+              </a:spcBef>
+              <a:spcAft>
+                <a:spcPts val="0"/>
+              </a:spcAft>
+              <a:buClrTx/>
+              <a:buSzTx/>
+              <a:buFontTx/>
+              <a:buNone/>
+              <a:tabLst/>
+            </a:pPr>
+            <a:r>
+              <a:rPr kumimoji="0" lang="ko-KR" altLang="en-US" sz="1800" b="0" i="0" u="none" strike="noStrike" cap="none" spc="0" normalizeH="0" baseline="0" dirty="0" smtClean="0">
+                <a:ln>
+                  <a:noFill/>
+                </a:ln>
+                <a:solidFill>
+                  <a:srgbClr val="000000"/>
+                </a:solidFill>
+                <a:effectLst/>
+                <a:uFillTx/>
+                <a:latin typeface="+mj-lt"/>
+                <a:ea typeface="+mj-ea"/>
+                <a:cs typeface="+mj-cs"/>
+                <a:sym typeface="Helvetica"/>
+              </a:rPr>
+              <a:t>결제정보</a:t>
+            </a:r>
+            <a:endParaRPr kumimoji="0" lang="ko-KR" altLang="en-US" sz="1800" b="0" i="0" u="none" strike="noStrike" cap="none" spc="0" normalizeH="0" baseline="0" dirty="0">
+              <a:ln>
+                <a:noFill/>
+              </a:ln>
+              <a:solidFill>
+                <a:srgbClr val="000000"/>
+              </a:solidFill>
+              <a:effectLst/>
+              <a:uFillTx/>
+              <a:latin typeface="+mj-lt"/>
+              <a:ea typeface="+mj-ea"/>
+              <a:cs typeface="+mj-cs"/>
+              <a:sym typeface="Helvetica"/>
+            </a:endParaRPr>
+          </a:p>
+        </p:txBody>
+      </p:sp>
+      <p:sp>
+        <p:nvSpPr>
+          <p:cNvPr id="16" name="TextBox 15"/>
+          <p:cNvSpPr txBox="1"/>
+          <p:nvPr/>
+        </p:nvSpPr>
+        <p:spPr>
+          <a:xfrm>
+            <a:off x="1370548" y="4678883"/>
+            <a:ext cx="2670771" cy="1246491"/>
+          </a:xfrm>
+          <a:prstGeom prst="rect">
+            <a:avLst/>
+          </a:prstGeom>
+          <a:noFill/>
+          <a:ln w="12700" cap="flat">
+            <a:noFill/>
+            <a:miter lim="400000"/>
+          </a:ln>
+          <a:effectLst/>
+          <a:sp3d/>
+        </p:spPr>
+        <p:style>
+          <a:lnRef idx="0">
+            <a:scrgbClr r="0" g="0" b="0"/>
+          </a:lnRef>
+          <a:fillRef idx="0">
+            <a:scrgbClr r="0" g="0" b="0"/>
+          </a:fillRef>
+          <a:effectRef idx="0">
+            <a:scrgbClr r="0" g="0" b="0"/>
+          </a:effectRef>
+          <a:fontRef idx="none"/>
+        </p:style>
+        <p:txBody>
+          <a:bodyPr rot="0" spcFirstLastPara="1" vertOverflow="overflow" horzOverflow="overflow" vert="horz" wrap="square" lIns="45718" tIns="45718" rIns="45718" bIns="45718" numCol="1" spcCol="38100" rtlCol="0" anchor="t">
+            <a:spAutoFit/>
+          </a:bodyPr>
+          <a:lstStyle/>
+          <a:p>
+            <a:pPr marL="0" marR="0" indent="0" algn="l" defTabSz="914400" rtl="0" fontAlgn="auto" latinLnBrk="0" hangingPunct="0">
+              <a:lnSpc>
+                <a:spcPct val="100000"/>
+              </a:lnSpc>
+              <a:spcBef>
+                <a:spcPts val="0"/>
+              </a:spcBef>
+              <a:spcAft>
+                <a:spcPts val="0"/>
+              </a:spcAft>
+              <a:buClrTx/>
+              <a:buSzTx/>
+              <a:buFontTx/>
+              <a:buNone/>
+              <a:tabLst/>
+            </a:pPr>
+            <a:r>
+              <a:rPr kumimoji="0" lang="ko-KR" altLang="en-US" sz="1500" b="0" i="0" u="none" strike="noStrike" cap="none" spc="0" normalizeH="0" baseline="0" dirty="0" smtClean="0">
+                <a:ln>
+                  <a:noFill/>
+                </a:ln>
+                <a:solidFill>
+                  <a:srgbClr val="000000"/>
+                </a:solidFill>
+                <a:effectLst/>
+                <a:uFillTx/>
+                <a:latin typeface="+mj-lt"/>
+                <a:ea typeface="+mj-ea"/>
+                <a:cs typeface="+mj-cs"/>
+                <a:sym typeface="Helvetica"/>
+              </a:rPr>
+              <a:t>○ 카드결제</a:t>
+            </a:r>
+            <a:endParaRPr kumimoji="0" lang="en-US" altLang="ko-KR" sz="1500" b="0" i="0" u="none" strike="noStrike" cap="none" spc="0" normalizeH="0" baseline="0" dirty="0" smtClean="0">
+              <a:ln>
+                <a:noFill/>
+              </a:ln>
+              <a:solidFill>
+                <a:srgbClr val="000000"/>
+              </a:solidFill>
+              <a:effectLst/>
+              <a:uFillTx/>
+              <a:latin typeface="+mj-lt"/>
+              <a:ea typeface="+mj-ea"/>
+              <a:cs typeface="+mj-cs"/>
+              <a:sym typeface="Helvetica"/>
+            </a:endParaRPr>
+          </a:p>
+          <a:p>
+            <a:pPr marL="0" marR="0" indent="0" algn="l" defTabSz="914400" rtl="0" fontAlgn="auto" latinLnBrk="0" hangingPunct="0">
+              <a:lnSpc>
+                <a:spcPct val="100000"/>
+              </a:lnSpc>
+              <a:spcBef>
+                <a:spcPts val="0"/>
+              </a:spcBef>
+              <a:spcAft>
+                <a:spcPts val="0"/>
+              </a:spcAft>
+              <a:buClrTx/>
+              <a:buSzTx/>
+              <a:buFontTx/>
+              <a:buNone/>
+              <a:tabLst/>
+            </a:pPr>
+            <a:endParaRPr kumimoji="0" lang="en-US" altLang="ko-KR" sz="1500" b="0" i="0" u="none" strike="noStrike" cap="none" spc="0" normalizeH="0" baseline="0" dirty="0" smtClean="0">
+              <a:ln>
+                <a:noFill/>
+              </a:ln>
+              <a:solidFill>
+                <a:srgbClr val="000000"/>
+              </a:solidFill>
+              <a:effectLst/>
+              <a:uFillTx/>
+              <a:latin typeface="+mj-lt"/>
+              <a:ea typeface="+mj-ea"/>
+              <a:cs typeface="+mj-cs"/>
+              <a:sym typeface="Helvetica"/>
+            </a:endParaRPr>
+          </a:p>
+          <a:p>
+            <a:r>
+              <a:rPr lang="ko-KR" altLang="en-US" sz="1500" dirty="0"/>
+              <a:t>○ </a:t>
+            </a:r>
+            <a:r>
+              <a:rPr lang="ko-KR" altLang="en-US" sz="1500" dirty="0" smtClean="0"/>
+              <a:t>핸드폰결제</a:t>
+            </a:r>
+            <a:endParaRPr lang="en-US" altLang="ko-KR" sz="1500" dirty="0" smtClean="0"/>
+          </a:p>
+          <a:p>
+            <a:endParaRPr kumimoji="0" lang="en-US" altLang="ko-KR" sz="1500" b="0" i="0" u="none" strike="noStrike" cap="none" spc="0" normalizeH="0" baseline="0" dirty="0" smtClean="0">
+              <a:ln>
+                <a:noFill/>
+              </a:ln>
+              <a:solidFill>
+                <a:srgbClr val="000000"/>
+              </a:solidFill>
+              <a:effectLst/>
+              <a:uFillTx/>
+              <a:latin typeface="+mj-lt"/>
+              <a:ea typeface="+mj-ea"/>
+              <a:cs typeface="+mj-cs"/>
+              <a:sym typeface="Helvetica"/>
+            </a:endParaRPr>
+          </a:p>
+          <a:p>
+            <a:r>
+              <a:rPr lang="ko-KR" altLang="en-US" sz="1500" dirty="0" smtClean="0"/>
+              <a:t>○ 일반결제</a:t>
+            </a:r>
+            <a:endParaRPr kumimoji="0" lang="ko-KR" altLang="en-US" sz="1500" b="0" i="0" u="none" strike="noStrike" cap="none" spc="0" normalizeH="0" baseline="0" dirty="0">
+              <a:ln>
+                <a:noFill/>
+              </a:ln>
+              <a:solidFill>
+                <a:srgbClr val="000000"/>
+              </a:solidFill>
+              <a:effectLst/>
+              <a:uFillTx/>
+              <a:latin typeface="+mj-lt"/>
+              <a:ea typeface="+mj-ea"/>
+              <a:cs typeface="+mj-cs"/>
+              <a:sym typeface="Helvetica"/>
+            </a:endParaRPr>
+          </a:p>
+        </p:txBody>
+      </p:sp>
+      <p:sp>
+        <p:nvSpPr>
+          <p:cNvPr id="6" name="직사각형 5"/>
+          <p:cNvSpPr/>
+          <p:nvPr/>
+        </p:nvSpPr>
+        <p:spPr>
+          <a:xfrm>
+            <a:off x="2991118" y="6179185"/>
+            <a:ext cx="2772373" cy="369328"/>
+          </a:xfrm>
+          <a:prstGeom prst="rect">
+            <a:avLst/>
+          </a:prstGeom>
+          <a:solidFill>
+            <a:srgbClr val="FF6600"/>
+          </a:solidFill>
+          <a:ln w="25400" cap="flat">
+            <a:solidFill>
+              <a:schemeClr val="bg1"/>
+            </a:solidFill>
+            <a:prstDash val="solid"/>
+            <a:round/>
+          </a:ln>
+          <a:effectLst/>
+          <a:sp3d/>
+        </p:spPr>
+        <p:style>
+          <a:lnRef idx="0">
+            <a:scrgbClr r="0" g="0" b="0"/>
+          </a:lnRef>
+          <a:fillRef idx="0">
+            <a:scrgbClr r="0" g="0" b="0"/>
+          </a:fillRef>
+          <a:effectRef idx="0">
+            <a:scrgbClr r="0" g="0" b="0"/>
+          </a:effectRef>
+          <a:fontRef idx="none"/>
+        </p:style>
+        <p:txBody>
+          <a:bodyPr rot="0" spcFirstLastPara="1" vertOverflow="overflow" horzOverflow="overflow" vert="horz" wrap="square" lIns="45718" tIns="45718" rIns="45718" bIns="45718" numCol="1" spcCol="38100" rtlCol="0" anchor="ctr">
+            <a:spAutoFit/>
+          </a:bodyPr>
+          <a:lstStyle/>
+          <a:p>
+            <a:pPr marL="0" marR="0" indent="0" algn="ctr" defTabSz="914400" rtl="0" fontAlgn="auto" latinLnBrk="0" hangingPunct="0">
+              <a:lnSpc>
+                <a:spcPct val="100000"/>
+              </a:lnSpc>
+              <a:spcBef>
+                <a:spcPts val="0"/>
+              </a:spcBef>
+              <a:spcAft>
+                <a:spcPts val="0"/>
+              </a:spcAft>
+              <a:buClrTx/>
+              <a:buSzTx/>
+              <a:buFontTx/>
+              <a:buNone/>
+              <a:tabLst/>
+            </a:pPr>
+            <a:r>
+              <a:rPr kumimoji="0" lang="ko-KR" altLang="en-US" sz="1800" b="0" i="0" u="none" strike="noStrike" cap="none" spc="0" normalizeH="0" baseline="0" dirty="0" smtClean="0">
+                <a:ln>
+                  <a:noFill/>
+                </a:ln>
+                <a:solidFill>
+                  <a:srgbClr val="000000"/>
+                </a:solidFill>
+                <a:effectLst/>
+                <a:uFillTx/>
+                <a:latin typeface="+mj-lt"/>
+                <a:ea typeface="+mj-ea"/>
+                <a:cs typeface="+mj-cs"/>
+                <a:sym typeface="Helvetica"/>
+              </a:rPr>
+              <a:t>결제하기</a:t>
+            </a:r>
+            <a:endParaRPr kumimoji="0" lang="ko-KR" altLang="en-US" sz="1800" b="0" i="0" u="none" strike="noStrike" cap="none" spc="0" normalizeH="0" baseline="0" dirty="0">
+              <a:ln>
+                <a:noFill/>
+              </a:ln>
+              <a:solidFill>
+                <a:srgbClr val="000000"/>
+              </a:solidFill>
+              <a:effectLst/>
+              <a:uFillTx/>
+              <a:latin typeface="+mj-lt"/>
+              <a:ea typeface="+mj-ea"/>
+              <a:cs typeface="+mj-cs"/>
+              <a:sym typeface="Helvetica"/>
+            </a:endParaRPr>
+          </a:p>
+        </p:txBody>
+      </p:sp>
+      <p:grpSp>
+        <p:nvGrpSpPr>
+          <p:cNvPr id="18" name="Google Shape;173;g7c553259d1_0_81"/>
+          <p:cNvGrpSpPr/>
+          <p:nvPr/>
+        </p:nvGrpSpPr>
+        <p:grpSpPr>
+          <a:xfrm>
+            <a:off x="4589202" y="1795174"/>
+            <a:ext cx="302703" cy="370799"/>
+            <a:chOff x="0" y="-1"/>
+            <a:chExt cx="302702" cy="370798"/>
+          </a:xfrm>
+        </p:grpSpPr>
+        <p:sp>
+          <p:nvSpPr>
+            <p:cNvPr id="19" name="직사각형"/>
+            <p:cNvSpPr/>
+            <p:nvPr/>
+          </p:nvSpPr>
+          <p:spPr>
+            <a:xfrm>
+              <a:off x="0" y="23099"/>
+              <a:ext cx="302703" cy="324604"/>
+            </a:xfrm>
+            <a:prstGeom prst="rect">
+              <a:avLst/>
+            </a:prstGeom>
+            <a:solidFill>
+              <a:srgbClr val="FF0000"/>
+            </a:solidFill>
+            <a:ln w="12700" cap="flat">
+              <a:noFill/>
+              <a:miter lim="400000"/>
+            </a:ln>
+            <a:effectLst/>
+          </p:spPr>
+          <p:txBody>
+            <a:bodyPr wrap="square" lIns="45718" tIns="45718" rIns="45718" bIns="45718" numCol="1" anchor="ctr">
+              <a:noAutofit/>
+            </a:bodyPr>
+            <a:lstStyle/>
+            <a:p>
+              <a:pPr algn="ctr">
+                <a:defRPr b="1">
+                  <a:latin typeface="Malgun Gothic"/>
+                  <a:ea typeface="Malgun Gothic"/>
+                  <a:cs typeface="Malgun Gothic"/>
+                  <a:sym typeface="Malgun Gothic"/>
+                </a:defRPr>
+              </a:pPr>
+              <a:endParaRPr/>
+            </a:p>
+          </p:txBody>
+        </p:sp>
+        <p:sp>
+          <p:nvSpPr>
+            <p:cNvPr id="20" name="1"/>
+            <p:cNvSpPr txBox="1"/>
+            <p:nvPr/>
+          </p:nvSpPr>
+          <p:spPr>
+            <a:xfrm>
+              <a:off x="45724" y="-2"/>
+              <a:ext cx="211253" cy="370799"/>
+            </a:xfrm>
+            <a:prstGeom prst="rect">
+              <a:avLst/>
+            </a:prstGeom>
+            <a:noFill/>
+            <a:ln w="12700" cap="flat">
+              <a:noFill/>
+              <a:miter lim="400000"/>
+            </a:ln>
+            <a:effectLst/>
+            <a:extLst>
+              <a:ext uri="{C572A759-6A51-4108-AA02-DFA0A04FC94B}">
+                <ma14:wrappingTextBoxFlag xmlns:ma14="http://schemas.microsoft.com/office/mac/drawingml/2011/main" xmlns:a14="http://schemas.microsoft.com/office/drawing/2010/main" xmlns:m="http://schemas.openxmlformats.org/officeDocument/2006/math" xmlns="" val="1"/>
+              </a:ext>
+            </a:extLst>
+          </p:spPr>
+          <p:txBody>
+            <a:bodyPr wrap="square" lIns="45699" tIns="45699" rIns="45699" bIns="45699" numCol="1" anchor="ctr">
+              <a:spAutoFit/>
+            </a:bodyPr>
+            <a:lstStyle>
+              <a:lvl1pPr algn="ctr">
+                <a:defRPr b="1">
+                  <a:latin typeface="Malgun Gothic"/>
+                  <a:ea typeface="Malgun Gothic"/>
+                  <a:cs typeface="Malgun Gothic"/>
+                  <a:sym typeface="Malgun Gothic"/>
+                </a:defRPr>
+              </a:lvl1pPr>
+            </a:lstStyle>
+            <a:p>
+              <a:r>
+                <a:rPr dirty="0"/>
+                <a:t>1</a:t>
+              </a:r>
+            </a:p>
+          </p:txBody>
+        </p:sp>
+      </p:grpSp>
+      <p:grpSp>
+        <p:nvGrpSpPr>
+          <p:cNvPr id="21" name="Google Shape;173;g7c553259d1_0_81"/>
+          <p:cNvGrpSpPr/>
+          <p:nvPr/>
+        </p:nvGrpSpPr>
+        <p:grpSpPr>
+          <a:xfrm>
+            <a:off x="4589203" y="3167433"/>
+            <a:ext cx="302704" cy="369289"/>
+            <a:chOff x="0" y="753"/>
+            <a:chExt cx="302703" cy="369288"/>
+          </a:xfrm>
+        </p:grpSpPr>
+        <p:sp>
+          <p:nvSpPr>
+            <p:cNvPr id="22" name="직사각형"/>
+            <p:cNvSpPr/>
+            <p:nvPr/>
+          </p:nvSpPr>
+          <p:spPr>
+            <a:xfrm>
+              <a:off x="0" y="23099"/>
+              <a:ext cx="302703" cy="324604"/>
+            </a:xfrm>
+            <a:prstGeom prst="rect">
+              <a:avLst/>
+            </a:prstGeom>
+            <a:solidFill>
+              <a:srgbClr val="FF0000"/>
+            </a:solidFill>
+            <a:ln w="12700" cap="flat">
+              <a:noFill/>
+              <a:miter lim="400000"/>
+            </a:ln>
+            <a:effectLst/>
+          </p:spPr>
+          <p:txBody>
+            <a:bodyPr wrap="square" lIns="45718" tIns="45718" rIns="45718" bIns="45718" numCol="1" anchor="ctr">
+              <a:noAutofit/>
+            </a:bodyPr>
+            <a:lstStyle/>
+            <a:p>
+              <a:pPr algn="ctr">
+                <a:defRPr b="1">
+                  <a:latin typeface="Malgun Gothic"/>
+                  <a:ea typeface="Malgun Gothic"/>
+                  <a:cs typeface="Malgun Gothic"/>
+                  <a:sym typeface="Malgun Gothic"/>
+                </a:defRPr>
+              </a:pPr>
+              <a:endParaRPr/>
+            </a:p>
+          </p:txBody>
+        </p:sp>
+        <p:sp>
+          <p:nvSpPr>
+            <p:cNvPr id="23" name="1"/>
+            <p:cNvSpPr txBox="1"/>
+            <p:nvPr/>
+          </p:nvSpPr>
+          <p:spPr>
+            <a:xfrm>
+              <a:off x="45724" y="753"/>
+              <a:ext cx="211253" cy="369288"/>
+            </a:xfrm>
+            <a:prstGeom prst="rect">
+              <a:avLst/>
+            </a:prstGeom>
+            <a:noFill/>
+            <a:ln w="12700" cap="flat">
+              <a:noFill/>
+              <a:miter lim="400000"/>
+            </a:ln>
+            <a:effectLst/>
+            <a:extLst>
+              <a:ext uri="{C572A759-6A51-4108-AA02-DFA0A04FC94B}">
+                <ma14:wrappingTextBoxFlag xmlns:ma14="http://schemas.microsoft.com/office/mac/drawingml/2011/main" xmlns:a14="http://schemas.microsoft.com/office/drawing/2010/main" xmlns:m="http://schemas.openxmlformats.org/officeDocument/2006/math" xmlns="" val="1"/>
+              </a:ext>
+            </a:extLst>
+          </p:spPr>
+          <p:txBody>
+            <a:bodyPr wrap="square" lIns="45699" tIns="45699" rIns="45699" bIns="45699" numCol="1" anchor="ctr">
+              <a:spAutoFit/>
+            </a:bodyPr>
+            <a:lstStyle>
+              <a:lvl1pPr algn="ctr">
+                <a:defRPr b="1">
+                  <a:latin typeface="Malgun Gothic"/>
+                  <a:ea typeface="Malgun Gothic"/>
+                  <a:cs typeface="Malgun Gothic"/>
+                  <a:sym typeface="Malgun Gothic"/>
+                </a:defRPr>
+              </a:lvl1pPr>
+            </a:lstStyle>
+            <a:p>
+              <a:r>
+                <a:rPr lang="en-US" dirty="0"/>
+                <a:t>2</a:t>
+              </a:r>
+              <a:endParaRPr dirty="0"/>
+            </a:p>
+          </p:txBody>
+        </p:sp>
+      </p:grpSp>
+      <p:sp>
+        <p:nvSpPr>
+          <p:cNvPr id="24" name="TextBox 23"/>
+          <p:cNvSpPr txBox="1"/>
+          <p:nvPr/>
+        </p:nvSpPr>
+        <p:spPr>
+          <a:xfrm>
+            <a:off x="3125842" y="3646854"/>
+            <a:ext cx="2502924" cy="369328"/>
+          </a:xfrm>
+          <a:prstGeom prst="rect">
+            <a:avLst/>
+          </a:prstGeom>
+          <a:noFill/>
+          <a:ln w="12700" cap="flat">
+            <a:solidFill>
+              <a:schemeClr val="tx1"/>
+            </a:solidFill>
+            <a:miter lim="400000"/>
+          </a:ln>
+          <a:effectLst/>
+          <a:sp3d/>
+        </p:spPr>
+        <p:style>
+          <a:lnRef idx="0">
+            <a:scrgbClr r="0" g="0" b="0"/>
+          </a:lnRef>
+          <a:fillRef idx="0">
+            <a:scrgbClr r="0" g="0" b="0"/>
+          </a:fillRef>
+          <a:effectRef idx="0">
+            <a:scrgbClr r="0" g="0" b="0"/>
+          </a:effectRef>
+          <a:fontRef idx="none"/>
+        </p:style>
+        <p:txBody>
+          <a:bodyPr rot="0" spcFirstLastPara="1" vertOverflow="overflow" horzOverflow="overflow" vert="horz" wrap="square" lIns="45718" tIns="45718" rIns="45718" bIns="45718" numCol="1" spcCol="38100" rtlCol="0" anchor="t">
+            <a:spAutoFit/>
+          </a:bodyPr>
+          <a:lstStyle/>
+          <a:p>
+            <a:pPr marL="0" marR="0" indent="0" algn="ctr" defTabSz="914400" rtl="0" fontAlgn="auto" latinLnBrk="0" hangingPunct="0">
+              <a:lnSpc>
+                <a:spcPct val="100000"/>
+              </a:lnSpc>
+              <a:spcBef>
+                <a:spcPts val="0"/>
+              </a:spcBef>
+              <a:spcAft>
+                <a:spcPts val="0"/>
+              </a:spcAft>
+              <a:buClrTx/>
+              <a:buSzTx/>
+              <a:buFontTx/>
+              <a:buNone/>
+              <a:tabLst/>
+            </a:pPr>
+            <a:r>
+              <a:rPr kumimoji="0" lang="ko-KR" altLang="en-US" sz="1800" b="0" i="0" u="none" strike="noStrike" cap="none" spc="0" normalizeH="0" baseline="0" dirty="0" smtClean="0">
+                <a:ln>
+                  <a:noFill/>
+                </a:ln>
+                <a:solidFill>
+                  <a:srgbClr val="000000"/>
+                </a:solidFill>
+                <a:effectLst/>
+                <a:uFillTx/>
+                <a:latin typeface="+mj-lt"/>
+                <a:ea typeface="+mj-ea"/>
+                <a:cs typeface="+mj-cs"/>
+                <a:sym typeface="Helvetica"/>
+              </a:rPr>
+              <a:t>총 금액 </a:t>
+            </a:r>
+            <a:r>
+              <a:rPr kumimoji="0" lang="en-US" altLang="ko-KR" sz="1800" b="0" i="0" u="none" strike="noStrike" cap="none" spc="0" normalizeH="0" baseline="0" dirty="0" smtClean="0">
+                <a:ln>
+                  <a:noFill/>
+                </a:ln>
+                <a:solidFill>
+                  <a:srgbClr val="000000"/>
+                </a:solidFill>
+                <a:effectLst/>
+                <a:uFillTx/>
+                <a:latin typeface="+mj-lt"/>
+                <a:ea typeface="+mj-ea"/>
+                <a:cs typeface="+mj-cs"/>
+                <a:sym typeface="Helvetica"/>
+              </a:rPr>
+              <a:t>: @@@</a:t>
+            </a:r>
+            <a:r>
+              <a:rPr kumimoji="0" lang="ko-KR" altLang="en-US" sz="1800" b="0" i="0" u="none" strike="noStrike" cap="none" spc="0" normalizeH="0" baseline="0" dirty="0" smtClean="0">
+                <a:ln>
+                  <a:noFill/>
+                </a:ln>
+                <a:solidFill>
+                  <a:srgbClr val="000000"/>
+                </a:solidFill>
+                <a:effectLst/>
+                <a:uFillTx/>
+                <a:latin typeface="+mj-lt"/>
+                <a:ea typeface="+mj-ea"/>
+                <a:cs typeface="+mj-cs"/>
+                <a:sym typeface="Helvetica"/>
+              </a:rPr>
+              <a:t>원</a:t>
+            </a:r>
+            <a:endParaRPr kumimoji="0" lang="ko-KR" altLang="en-US" sz="1800" b="0" i="0" u="none" strike="noStrike" cap="none" spc="0" normalizeH="0" baseline="0" dirty="0">
+              <a:ln>
+                <a:noFill/>
+              </a:ln>
+              <a:solidFill>
+                <a:srgbClr val="000000"/>
+              </a:solidFill>
+              <a:effectLst/>
+              <a:uFillTx/>
+              <a:latin typeface="+mj-lt"/>
+              <a:ea typeface="+mj-ea"/>
+              <a:cs typeface="+mj-cs"/>
+              <a:sym typeface="Helvetica"/>
+            </a:endParaRPr>
+          </a:p>
+        </p:txBody>
+      </p:sp>
+    </p:spTree>
+    <p:extLst>
+      <p:ext uri="{BB962C8B-B14F-4D97-AF65-F5344CB8AC3E}">
+        <p14:creationId xmlns:p14="http://schemas.microsoft.com/office/powerpoint/2010/main" val="4166165950"/>
+      </p:ext>
+    </p:extLst>
+  </p:cSld>
+  <p:clrMapOvr>
+    <a:masterClrMapping/>
+  </p:clrMapOvr>
+  <p:transition spd="med"/>
+</p:sld>
+</file>
+
+<file path=ppt/slides/slide12.xml><?xml version="1.0" encoding="utf-8"?>
 <p:sld xmlns:a="http://schemas.openxmlformats.org/drawingml/2006/main" xmlns:r="http://schemas.openxmlformats.org/officeDocument/2006/relationships" xmlns:p="http://schemas.openxmlformats.org/presentationml/2006/main">
   <p:cSld>
     <p:spTree>
@@ -4884,7 +7606,7 @@
             <a:effectLst/>
             <a:extLst>
               <a:ext uri="{C572A759-6A51-4108-AA02-DFA0A04FC94B}">
-                <ma14:wrappingTextBoxFlag xmlns="" xmlns:m="http://schemas.openxmlformats.org/officeDocument/2006/math" xmlns:a14="http://schemas.microsoft.com/office/drawing/2010/main" xmlns:ma14="http://schemas.microsoft.com/office/mac/drawingml/2011/main" val="1"/>
+                <ma14:wrappingTextBoxFlag xmlns:ma14="http://schemas.microsoft.com/office/mac/drawingml/2011/main" xmlns:a14="http://schemas.microsoft.com/office/drawing/2010/main" xmlns:m="http://schemas.openxmlformats.org/officeDocument/2006/math" xmlns="" val="1"/>
               </a:ext>
             </a:extLst>
           </p:spPr>
@@ -5022,7 +7744,7 @@
             <a:effectLst/>
             <a:extLst>
               <a:ext uri="{C572A759-6A51-4108-AA02-DFA0A04FC94B}">
-                <ma14:wrappingTextBoxFlag xmlns="" xmlns:m="http://schemas.openxmlformats.org/officeDocument/2006/math" xmlns:a14="http://schemas.microsoft.com/office/drawing/2010/main" xmlns:ma14="http://schemas.microsoft.com/office/mac/drawingml/2011/main" val="1"/>
+                <ma14:wrappingTextBoxFlag xmlns:ma14="http://schemas.microsoft.com/office/mac/drawingml/2011/main" xmlns:a14="http://schemas.microsoft.com/office/drawing/2010/main" xmlns:m="http://schemas.openxmlformats.org/officeDocument/2006/math" xmlns="" val="1"/>
               </a:ext>
             </a:extLst>
           </p:spPr>
@@ -5166,7 +7888,7 @@
             <a:effectLst/>
             <a:extLst>
               <a:ext uri="{C572A759-6A51-4108-AA02-DFA0A04FC94B}">
-                <ma14:wrappingTextBoxFlag xmlns="" xmlns:m="http://schemas.openxmlformats.org/officeDocument/2006/math" xmlns:a14="http://schemas.microsoft.com/office/drawing/2010/main" xmlns:ma14="http://schemas.microsoft.com/office/mac/drawingml/2011/main" val="1"/>
+                <ma14:wrappingTextBoxFlag xmlns:ma14="http://schemas.microsoft.com/office/mac/drawingml/2011/main" xmlns:a14="http://schemas.microsoft.com/office/drawing/2010/main" xmlns:m="http://schemas.openxmlformats.org/officeDocument/2006/math" xmlns="" val="1"/>
               </a:ext>
             </a:extLst>
           </p:spPr>
@@ -5272,7 +7994,7 @@
             <a:effectLst/>
             <a:extLst>
               <a:ext uri="{C572A759-6A51-4108-AA02-DFA0A04FC94B}">
-                <ma14:wrappingTextBoxFlag xmlns="" xmlns:m="http://schemas.openxmlformats.org/officeDocument/2006/math" xmlns:a14="http://schemas.microsoft.com/office/drawing/2010/main" xmlns:ma14="http://schemas.microsoft.com/office/mac/drawingml/2011/main" val="1"/>
+                <ma14:wrappingTextBoxFlag xmlns:ma14="http://schemas.microsoft.com/office/mac/drawingml/2011/main" xmlns:a14="http://schemas.microsoft.com/office/drawing/2010/main" xmlns:m="http://schemas.openxmlformats.org/officeDocument/2006/math" xmlns="" val="1"/>
               </a:ext>
             </a:extLst>
           </p:spPr>
@@ -5378,7 +8100,7 @@
             <a:effectLst/>
             <a:extLst>
               <a:ext uri="{C572A759-6A51-4108-AA02-DFA0A04FC94B}">
-                <ma14:wrappingTextBoxFlag xmlns="" xmlns:m="http://schemas.openxmlformats.org/officeDocument/2006/math" xmlns:a14="http://schemas.microsoft.com/office/drawing/2010/main" xmlns:ma14="http://schemas.microsoft.com/office/mac/drawingml/2011/main" val="1"/>
+                <ma14:wrappingTextBoxFlag xmlns:ma14="http://schemas.microsoft.com/office/mac/drawingml/2011/main" xmlns:a14="http://schemas.microsoft.com/office/drawing/2010/main" xmlns:m="http://schemas.openxmlformats.org/officeDocument/2006/math" xmlns="" val="1"/>
               </a:ext>
             </a:extLst>
           </p:spPr>
@@ -5523,7 +8245,7 @@
             <a:effectLst/>
             <a:extLst>
               <a:ext uri="{C572A759-6A51-4108-AA02-DFA0A04FC94B}">
-                <ma14:wrappingTextBoxFlag xmlns="" xmlns:m="http://schemas.openxmlformats.org/officeDocument/2006/math" xmlns:a14="http://schemas.microsoft.com/office/drawing/2010/main" xmlns:ma14="http://schemas.microsoft.com/office/mac/drawingml/2011/main" val="1"/>
+                <ma14:wrappingTextBoxFlag xmlns:ma14="http://schemas.microsoft.com/office/mac/drawingml/2011/main" xmlns:a14="http://schemas.microsoft.com/office/drawing/2010/main" xmlns:m="http://schemas.openxmlformats.org/officeDocument/2006/math" xmlns="" val="1"/>
               </a:ext>
             </a:extLst>
           </p:spPr>
@@ -5629,7 +8351,7 @@
             <a:effectLst/>
             <a:extLst>
               <a:ext uri="{C572A759-6A51-4108-AA02-DFA0A04FC94B}">
-                <ma14:wrappingTextBoxFlag xmlns="" xmlns:m="http://schemas.openxmlformats.org/officeDocument/2006/math" xmlns:a14="http://schemas.microsoft.com/office/drawing/2010/main" xmlns:ma14="http://schemas.microsoft.com/office/mac/drawingml/2011/main" val="1"/>
+                <ma14:wrappingTextBoxFlag xmlns:ma14="http://schemas.microsoft.com/office/mac/drawingml/2011/main" xmlns:a14="http://schemas.microsoft.com/office/drawing/2010/main" xmlns:m="http://schemas.openxmlformats.org/officeDocument/2006/math" xmlns="" val="1"/>
               </a:ext>
             </a:extLst>
           </p:spPr>
@@ -5677,7 +8399,7 @@
           </a:ln>
           <a:extLst>
             <a:ext uri="{C572A759-6A51-4108-AA02-DFA0A04FC94B}">
-              <ma14:wrappingTextBoxFlag xmlns="" xmlns:m="http://schemas.openxmlformats.org/officeDocument/2006/math" xmlns:a14="http://schemas.microsoft.com/office/drawing/2010/main" xmlns:ma14="http://schemas.microsoft.com/office/mac/drawingml/2011/main" val="1"/>
+              <ma14:wrappingTextBoxFlag xmlns:ma14="http://schemas.microsoft.com/office/mac/drawingml/2011/main" xmlns:a14="http://schemas.microsoft.com/office/drawing/2010/main" xmlns:m="http://schemas.openxmlformats.org/officeDocument/2006/math" xmlns="" val="1"/>
             </a:ext>
           </a:extLst>
         </p:spPr>
@@ -5782,7 +8504,7 @@
             <a:effectLst/>
             <a:extLst>
               <a:ext uri="{C572A759-6A51-4108-AA02-DFA0A04FC94B}">
-                <ma14:wrappingTextBoxFlag xmlns="" xmlns:m="http://schemas.openxmlformats.org/officeDocument/2006/math" xmlns:a14="http://schemas.microsoft.com/office/drawing/2010/main" xmlns:ma14="http://schemas.microsoft.com/office/mac/drawingml/2011/main" val="1"/>
+                <ma14:wrappingTextBoxFlag xmlns:ma14="http://schemas.microsoft.com/office/mac/drawingml/2011/main" xmlns:a14="http://schemas.microsoft.com/office/drawing/2010/main" xmlns:m="http://schemas.openxmlformats.org/officeDocument/2006/math" xmlns="" val="1"/>
               </a:ext>
             </a:extLst>
           </p:spPr>
@@ -5888,7 +8610,7 @@
             <a:effectLst/>
             <a:extLst>
               <a:ext uri="{C572A759-6A51-4108-AA02-DFA0A04FC94B}">
-                <ma14:wrappingTextBoxFlag xmlns="" xmlns:m="http://schemas.openxmlformats.org/officeDocument/2006/math" xmlns:a14="http://schemas.microsoft.com/office/drawing/2010/main" xmlns:ma14="http://schemas.microsoft.com/office/mac/drawingml/2011/main" val="1"/>
+                <ma14:wrappingTextBoxFlag xmlns:ma14="http://schemas.microsoft.com/office/mac/drawingml/2011/main" xmlns:a14="http://schemas.microsoft.com/office/drawing/2010/main" xmlns:m="http://schemas.openxmlformats.org/officeDocument/2006/math" xmlns="" val="1"/>
               </a:ext>
             </a:extLst>
           </p:spPr>
@@ -6033,7 +8755,7 @@
             <a:effectLst/>
             <a:extLst>
               <a:ext uri="{C572A759-6A51-4108-AA02-DFA0A04FC94B}">
-                <ma14:wrappingTextBoxFlag xmlns="" xmlns:m="http://schemas.openxmlformats.org/officeDocument/2006/math" xmlns:a14="http://schemas.microsoft.com/office/drawing/2010/main" xmlns:ma14="http://schemas.microsoft.com/office/mac/drawingml/2011/main" val="1"/>
+                <ma14:wrappingTextBoxFlag xmlns:ma14="http://schemas.microsoft.com/office/mac/drawingml/2011/main" xmlns:a14="http://schemas.microsoft.com/office/drawing/2010/main" xmlns:m="http://schemas.openxmlformats.org/officeDocument/2006/math" xmlns="" val="1"/>
               </a:ext>
             </a:extLst>
           </p:spPr>
@@ -6139,7 +8861,7 @@
             <a:effectLst/>
             <a:extLst>
               <a:ext uri="{C572A759-6A51-4108-AA02-DFA0A04FC94B}">
-                <ma14:wrappingTextBoxFlag xmlns="" xmlns:m="http://schemas.openxmlformats.org/officeDocument/2006/math" xmlns:a14="http://schemas.microsoft.com/office/drawing/2010/main" xmlns:ma14="http://schemas.microsoft.com/office/mac/drawingml/2011/main" val="1"/>
+                <ma14:wrappingTextBoxFlag xmlns:ma14="http://schemas.microsoft.com/office/mac/drawingml/2011/main" xmlns:a14="http://schemas.microsoft.com/office/drawing/2010/main" xmlns:m="http://schemas.openxmlformats.org/officeDocument/2006/math" xmlns="" val="1"/>
               </a:ext>
             </a:extLst>
           </p:spPr>
@@ -6187,7 +8909,7 @@
           </a:ln>
           <a:extLst>
             <a:ext uri="{C572A759-6A51-4108-AA02-DFA0A04FC94B}">
-              <ma14:wrappingTextBoxFlag xmlns="" xmlns:m="http://schemas.openxmlformats.org/officeDocument/2006/math" xmlns:a14="http://schemas.microsoft.com/office/drawing/2010/main" xmlns:ma14="http://schemas.microsoft.com/office/mac/drawingml/2011/main" val="1"/>
+              <ma14:wrappingTextBoxFlag xmlns:ma14="http://schemas.microsoft.com/office/mac/drawingml/2011/main" xmlns:a14="http://schemas.microsoft.com/office/drawing/2010/main" xmlns:m="http://schemas.openxmlformats.org/officeDocument/2006/math" xmlns="" val="1"/>
             </a:ext>
           </a:extLst>
         </p:spPr>
@@ -6292,7 +9014,7 @@
             <a:effectLst/>
             <a:extLst>
               <a:ext uri="{C572A759-6A51-4108-AA02-DFA0A04FC94B}">
-                <ma14:wrappingTextBoxFlag xmlns="" xmlns:m="http://schemas.openxmlformats.org/officeDocument/2006/math" xmlns:a14="http://schemas.microsoft.com/office/drawing/2010/main" xmlns:ma14="http://schemas.microsoft.com/office/mac/drawingml/2011/main" val="1"/>
+                <ma14:wrappingTextBoxFlag xmlns:ma14="http://schemas.microsoft.com/office/mac/drawingml/2011/main" xmlns:a14="http://schemas.microsoft.com/office/drawing/2010/main" xmlns:m="http://schemas.openxmlformats.org/officeDocument/2006/math" xmlns="" val="1"/>
               </a:ext>
             </a:extLst>
           </p:spPr>
@@ -6435,7 +9157,7 @@
             <a:effectLst/>
             <a:extLst>
               <a:ext uri="{C572A759-6A51-4108-AA02-DFA0A04FC94B}">
-                <ma14:wrappingTextBoxFlag xmlns="" xmlns:m="http://schemas.openxmlformats.org/officeDocument/2006/math" xmlns:a14="http://schemas.microsoft.com/office/drawing/2010/main" xmlns:ma14="http://schemas.microsoft.com/office/mac/drawingml/2011/main" val="1"/>
+                <ma14:wrappingTextBoxFlag xmlns:ma14="http://schemas.microsoft.com/office/mac/drawingml/2011/main" xmlns:a14="http://schemas.microsoft.com/office/drawing/2010/main" xmlns:m="http://schemas.openxmlformats.org/officeDocument/2006/math" xmlns="" val="1"/>
               </a:ext>
             </a:extLst>
           </p:spPr>
@@ -6471,7 +9193,7 @@
 </p:sld>
 </file>
 
-<file path=ppt/slides/slide12.xml><?xml version="1.0" encoding="utf-8"?>
+<file path=ppt/slides/slide13.xml><?xml version="1.0" encoding="utf-8"?>
 <p:sld xmlns:a="http://schemas.openxmlformats.org/drawingml/2006/main" xmlns:r="http://schemas.openxmlformats.org/officeDocument/2006/relationships" xmlns:p="http://schemas.openxmlformats.org/presentationml/2006/main">
   <p:cSld>
     <p:spTree>
@@ -7541,7 +10263,7 @@
           </a:ln>
           <a:extLst>
             <a:ext uri="{C572A759-6A51-4108-AA02-DFA0A04FC94B}">
-              <ma14:wrappingTextBoxFlag xmlns="" xmlns:m="http://schemas.openxmlformats.org/officeDocument/2006/math" xmlns:a14="http://schemas.microsoft.com/office/drawing/2010/main" xmlns:ma14="http://schemas.microsoft.com/office/mac/drawingml/2011/main" val="1"/>
+              <ma14:wrappingTextBoxFlag xmlns:ma14="http://schemas.microsoft.com/office/mac/drawingml/2011/main" xmlns:a14="http://schemas.microsoft.com/office/drawing/2010/main" xmlns:m="http://schemas.openxmlformats.org/officeDocument/2006/math" xmlns="" val="1"/>
             </a:ext>
           </a:extLst>
         </p:spPr>
@@ -7656,7 +10378,7 @@
             <a:effectLst/>
             <a:extLst>
               <a:ext uri="{C572A759-6A51-4108-AA02-DFA0A04FC94B}">
-                <ma14:wrappingTextBoxFlag xmlns="" xmlns:m="http://schemas.openxmlformats.org/officeDocument/2006/math" xmlns:a14="http://schemas.microsoft.com/office/drawing/2010/main" xmlns:ma14="http://schemas.microsoft.com/office/mac/drawingml/2011/main" val="1"/>
+                <ma14:wrappingTextBoxFlag xmlns:ma14="http://schemas.microsoft.com/office/mac/drawingml/2011/main" xmlns:a14="http://schemas.microsoft.com/office/drawing/2010/main" xmlns:m="http://schemas.openxmlformats.org/officeDocument/2006/math" xmlns="" val="1"/>
               </a:ext>
             </a:extLst>
           </p:spPr>
@@ -7762,7 +10484,7 @@
             <a:effectLst/>
             <a:extLst>
               <a:ext uri="{C572A759-6A51-4108-AA02-DFA0A04FC94B}">
-                <ma14:wrappingTextBoxFlag xmlns="" xmlns:m="http://schemas.openxmlformats.org/officeDocument/2006/math" xmlns:a14="http://schemas.microsoft.com/office/drawing/2010/main" xmlns:ma14="http://schemas.microsoft.com/office/mac/drawingml/2011/main" val="1"/>
+                <ma14:wrappingTextBoxFlag xmlns:ma14="http://schemas.microsoft.com/office/mac/drawingml/2011/main" xmlns:a14="http://schemas.microsoft.com/office/drawing/2010/main" xmlns:m="http://schemas.openxmlformats.org/officeDocument/2006/math" xmlns="" val="1"/>
               </a:ext>
             </a:extLst>
           </p:spPr>
@@ -7868,7 +10590,7 @@
             <a:effectLst/>
             <a:extLst>
               <a:ext uri="{C572A759-6A51-4108-AA02-DFA0A04FC94B}">
-                <ma14:wrappingTextBoxFlag xmlns="" xmlns:m="http://schemas.openxmlformats.org/officeDocument/2006/math" xmlns:a14="http://schemas.microsoft.com/office/drawing/2010/main" xmlns:ma14="http://schemas.microsoft.com/office/mac/drawingml/2011/main" val="1"/>
+                <ma14:wrappingTextBoxFlag xmlns:ma14="http://schemas.microsoft.com/office/mac/drawingml/2011/main" xmlns:a14="http://schemas.microsoft.com/office/drawing/2010/main" xmlns:m="http://schemas.openxmlformats.org/officeDocument/2006/math" xmlns="" val="1"/>
               </a:ext>
             </a:extLst>
           </p:spPr>
@@ -7974,7 +10696,7 @@
             <a:effectLst/>
             <a:extLst>
               <a:ext uri="{C572A759-6A51-4108-AA02-DFA0A04FC94B}">
-                <ma14:wrappingTextBoxFlag xmlns="" xmlns:m="http://schemas.openxmlformats.org/officeDocument/2006/math" xmlns:a14="http://schemas.microsoft.com/office/drawing/2010/main" xmlns:ma14="http://schemas.microsoft.com/office/mac/drawingml/2011/main" val="1"/>
+                <ma14:wrappingTextBoxFlag xmlns:ma14="http://schemas.microsoft.com/office/mac/drawingml/2011/main" xmlns:a14="http://schemas.microsoft.com/office/drawing/2010/main" xmlns:m="http://schemas.openxmlformats.org/officeDocument/2006/math" xmlns="" val="1"/>
               </a:ext>
             </a:extLst>
           </p:spPr>
@@ -8080,7 +10802,7 @@
             <a:effectLst/>
             <a:extLst>
               <a:ext uri="{C572A759-6A51-4108-AA02-DFA0A04FC94B}">
-                <ma14:wrappingTextBoxFlag xmlns="" xmlns:m="http://schemas.openxmlformats.org/officeDocument/2006/math" xmlns:a14="http://schemas.microsoft.com/office/drawing/2010/main" xmlns:ma14="http://schemas.microsoft.com/office/mac/drawingml/2011/main" val="1"/>
+                <ma14:wrappingTextBoxFlag xmlns:ma14="http://schemas.microsoft.com/office/mac/drawingml/2011/main" xmlns:a14="http://schemas.microsoft.com/office/drawing/2010/main" xmlns:m="http://schemas.openxmlformats.org/officeDocument/2006/math" xmlns="" val="1"/>
               </a:ext>
             </a:extLst>
           </p:spPr>
@@ -8183,7 +10905,7 @@
             <a:effectLst/>
             <a:extLst>
               <a:ext uri="{C572A759-6A51-4108-AA02-DFA0A04FC94B}">
-                <ma14:wrappingTextBoxFlag xmlns="" xmlns:m="http://schemas.openxmlformats.org/officeDocument/2006/math" xmlns:a14="http://schemas.microsoft.com/office/drawing/2010/main" xmlns:ma14="http://schemas.microsoft.com/office/mac/drawingml/2011/main" val="1"/>
+                <ma14:wrappingTextBoxFlag xmlns:ma14="http://schemas.microsoft.com/office/mac/drawingml/2011/main" xmlns:a14="http://schemas.microsoft.com/office/drawing/2010/main" xmlns:m="http://schemas.openxmlformats.org/officeDocument/2006/math" xmlns="" val="1"/>
               </a:ext>
             </a:extLst>
           </p:spPr>
@@ -8230,7 +10952,7 @@
           </a:ln>
           <a:extLst>
             <a:ext uri="{C572A759-6A51-4108-AA02-DFA0A04FC94B}">
-              <ma14:wrappingTextBoxFlag xmlns="" xmlns:m="http://schemas.openxmlformats.org/officeDocument/2006/math" xmlns:a14="http://schemas.microsoft.com/office/drawing/2010/main" xmlns:ma14="http://schemas.microsoft.com/office/mac/drawingml/2011/main" val="1"/>
+              <ma14:wrappingTextBoxFlag xmlns:ma14="http://schemas.microsoft.com/office/mac/drawingml/2011/main" xmlns:a14="http://schemas.microsoft.com/office/drawing/2010/main" xmlns:m="http://schemas.openxmlformats.org/officeDocument/2006/math" xmlns="" val="1"/>
             </a:ext>
           </a:extLst>
         </p:spPr>
@@ -8276,7 +10998,7 @@
           </a:ln>
           <a:extLst>
             <a:ext uri="{C572A759-6A51-4108-AA02-DFA0A04FC94B}">
-              <ma14:wrappingTextBoxFlag xmlns="" xmlns:m="http://schemas.openxmlformats.org/officeDocument/2006/math" xmlns:a14="http://schemas.microsoft.com/office/drawing/2010/main" xmlns:ma14="http://schemas.microsoft.com/office/mac/drawingml/2011/main" val="1"/>
+              <ma14:wrappingTextBoxFlag xmlns:ma14="http://schemas.microsoft.com/office/mac/drawingml/2011/main" xmlns:a14="http://schemas.microsoft.com/office/drawing/2010/main" xmlns:m="http://schemas.openxmlformats.org/officeDocument/2006/math" xmlns="" val="1"/>
             </a:ext>
           </a:extLst>
         </p:spPr>
@@ -8323,7 +11045,7 @@
           </a:ln>
           <a:extLst>
             <a:ext uri="{C572A759-6A51-4108-AA02-DFA0A04FC94B}">
-              <ma14:wrappingTextBoxFlag xmlns="" xmlns:m="http://schemas.openxmlformats.org/officeDocument/2006/math" xmlns:a14="http://schemas.microsoft.com/office/drawing/2010/main" xmlns:ma14="http://schemas.microsoft.com/office/mac/drawingml/2011/main" val="1"/>
+              <ma14:wrappingTextBoxFlag xmlns:ma14="http://schemas.microsoft.com/office/mac/drawingml/2011/main" xmlns:a14="http://schemas.microsoft.com/office/drawing/2010/main" xmlns:m="http://schemas.openxmlformats.org/officeDocument/2006/math" xmlns="" val="1"/>
             </a:ext>
           </a:extLst>
         </p:spPr>
@@ -8425,7 +11147,7 @@
             <a:effectLst/>
             <a:extLst>
               <a:ext uri="{C572A759-6A51-4108-AA02-DFA0A04FC94B}">
-                <ma14:wrappingTextBoxFlag xmlns="" xmlns:m="http://schemas.openxmlformats.org/officeDocument/2006/math" xmlns:a14="http://schemas.microsoft.com/office/drawing/2010/main" xmlns:ma14="http://schemas.microsoft.com/office/mac/drawingml/2011/main" val="1"/>
+                <ma14:wrappingTextBoxFlag xmlns:ma14="http://schemas.microsoft.com/office/mac/drawingml/2011/main" xmlns:a14="http://schemas.microsoft.com/office/drawing/2010/main" xmlns:m="http://schemas.openxmlformats.org/officeDocument/2006/math" xmlns="" val="1"/>
               </a:ext>
             </a:extLst>
           </p:spPr>
@@ -8472,7 +11194,7 @@
           </a:ln>
           <a:extLst>
             <a:ext uri="{C572A759-6A51-4108-AA02-DFA0A04FC94B}">
-              <ma14:wrappingTextBoxFlag xmlns="" xmlns:m="http://schemas.openxmlformats.org/officeDocument/2006/math" xmlns:a14="http://schemas.microsoft.com/office/drawing/2010/main" xmlns:ma14="http://schemas.microsoft.com/office/mac/drawingml/2011/main" val="1"/>
+              <ma14:wrappingTextBoxFlag xmlns:ma14="http://schemas.microsoft.com/office/mac/drawingml/2011/main" xmlns:a14="http://schemas.microsoft.com/office/drawing/2010/main" xmlns:m="http://schemas.openxmlformats.org/officeDocument/2006/math" xmlns="" val="1"/>
             </a:ext>
           </a:extLst>
         </p:spPr>
@@ -8577,7 +11299,7 @@
             <a:effectLst/>
             <a:extLst>
               <a:ext uri="{C572A759-6A51-4108-AA02-DFA0A04FC94B}">
-                <ma14:wrappingTextBoxFlag xmlns="" xmlns:m="http://schemas.openxmlformats.org/officeDocument/2006/math" xmlns:a14="http://schemas.microsoft.com/office/drawing/2010/main" xmlns:ma14="http://schemas.microsoft.com/office/mac/drawingml/2011/main" val="1"/>
+                <ma14:wrappingTextBoxFlag xmlns:ma14="http://schemas.microsoft.com/office/mac/drawingml/2011/main" xmlns:a14="http://schemas.microsoft.com/office/drawing/2010/main" xmlns:m="http://schemas.openxmlformats.org/officeDocument/2006/math" xmlns="" val="1"/>
               </a:ext>
             </a:extLst>
           </p:spPr>
@@ -8695,7 +11417,7 @@
             <a:effectLst/>
             <a:extLst>
               <a:ext uri="{C572A759-6A51-4108-AA02-DFA0A04FC94B}">
-                <ma14:wrappingTextBoxFlag xmlns="" xmlns:m="http://schemas.openxmlformats.org/officeDocument/2006/math" xmlns:a14="http://schemas.microsoft.com/office/drawing/2010/main" xmlns:ma14="http://schemas.microsoft.com/office/mac/drawingml/2011/main" val="1"/>
+                <ma14:wrappingTextBoxFlag xmlns:ma14="http://schemas.microsoft.com/office/mac/drawingml/2011/main" xmlns:a14="http://schemas.microsoft.com/office/drawing/2010/main" xmlns:m="http://schemas.openxmlformats.org/officeDocument/2006/math" xmlns="" val="1"/>
               </a:ext>
             </a:extLst>
           </p:spPr>
@@ -8813,7 +11535,7 @@
             <a:effectLst/>
             <a:extLst>
               <a:ext uri="{C572A759-6A51-4108-AA02-DFA0A04FC94B}">
-                <ma14:wrappingTextBoxFlag xmlns="" xmlns:m="http://schemas.openxmlformats.org/officeDocument/2006/math" xmlns:a14="http://schemas.microsoft.com/office/drawing/2010/main" xmlns:ma14="http://schemas.microsoft.com/office/mac/drawingml/2011/main" val="1"/>
+                <ma14:wrappingTextBoxFlag xmlns:ma14="http://schemas.microsoft.com/office/mac/drawingml/2011/main" xmlns:a14="http://schemas.microsoft.com/office/drawing/2010/main" xmlns:m="http://schemas.openxmlformats.org/officeDocument/2006/math" xmlns="" val="1"/>
               </a:ext>
             </a:extLst>
           </p:spPr>
@@ -8870,7 +11592,7 @@
           </a:ln>
           <a:extLst>
             <a:ext uri="{C572A759-6A51-4108-AA02-DFA0A04FC94B}">
-              <ma14:wrappingTextBoxFlag xmlns="" xmlns:m="http://schemas.openxmlformats.org/officeDocument/2006/math" xmlns:a14="http://schemas.microsoft.com/office/drawing/2010/main" xmlns:ma14="http://schemas.microsoft.com/office/mac/drawingml/2011/main" val="1"/>
+              <ma14:wrappingTextBoxFlag xmlns:ma14="http://schemas.microsoft.com/office/mac/drawingml/2011/main" xmlns:a14="http://schemas.microsoft.com/office/drawing/2010/main" xmlns:m="http://schemas.openxmlformats.org/officeDocument/2006/math" xmlns="" val="1"/>
             </a:ext>
           </a:extLst>
         </p:spPr>
@@ -8973,7 +11695,7 @@
             <a:effectLst/>
             <a:extLst>
               <a:ext uri="{C572A759-6A51-4108-AA02-DFA0A04FC94B}">
-                <ma14:wrappingTextBoxFlag xmlns="" xmlns:m="http://schemas.openxmlformats.org/officeDocument/2006/math" xmlns:a14="http://schemas.microsoft.com/office/drawing/2010/main" xmlns:ma14="http://schemas.microsoft.com/office/mac/drawingml/2011/main" val="1"/>
+                <ma14:wrappingTextBoxFlag xmlns:ma14="http://schemas.microsoft.com/office/mac/drawingml/2011/main" xmlns:a14="http://schemas.microsoft.com/office/drawing/2010/main" xmlns:m="http://schemas.openxmlformats.org/officeDocument/2006/math" xmlns="" val="1"/>
               </a:ext>
             </a:extLst>
           </p:spPr>
@@ -9008,7 +11730,7 @@
 </p:sld>
 </file>
 
-<file path=ppt/slides/slide13.xml><?xml version="1.0" encoding="utf-8"?>
+<file path=ppt/slides/slide14.xml><?xml version="1.0" encoding="utf-8"?>
 <p:sld xmlns:a="http://schemas.openxmlformats.org/drawingml/2006/main" xmlns:r="http://schemas.openxmlformats.org/officeDocument/2006/relationships" xmlns:p="http://schemas.openxmlformats.org/presentationml/2006/main">
   <p:cSld>
     <p:spTree>
@@ -10055,7 +12777,7 @@
           </a:ln>
           <a:extLst>
             <a:ext uri="{C572A759-6A51-4108-AA02-DFA0A04FC94B}">
-              <ma14:wrappingTextBoxFlag xmlns="" xmlns:m="http://schemas.openxmlformats.org/officeDocument/2006/math" xmlns:a14="http://schemas.microsoft.com/office/drawing/2010/main" xmlns:ma14="http://schemas.microsoft.com/office/mac/drawingml/2011/main" val="1"/>
+              <ma14:wrappingTextBoxFlag xmlns:ma14="http://schemas.microsoft.com/office/mac/drawingml/2011/main" xmlns:a14="http://schemas.microsoft.com/office/drawing/2010/main" xmlns:m="http://schemas.openxmlformats.org/officeDocument/2006/math" xmlns="" val="1"/>
             </a:ext>
           </a:extLst>
         </p:spPr>
@@ -10099,7 +12821,7 @@
           </a:ln>
           <a:extLst>
             <a:ext uri="{C572A759-6A51-4108-AA02-DFA0A04FC94B}">
-              <ma14:wrappingTextBoxFlag xmlns="" xmlns:m="http://schemas.openxmlformats.org/officeDocument/2006/math" xmlns:a14="http://schemas.microsoft.com/office/drawing/2010/main" xmlns:ma14="http://schemas.microsoft.com/office/mac/drawingml/2011/main" val="1"/>
+              <ma14:wrappingTextBoxFlag xmlns:ma14="http://schemas.microsoft.com/office/mac/drawingml/2011/main" xmlns:a14="http://schemas.microsoft.com/office/drawing/2010/main" xmlns:m="http://schemas.openxmlformats.org/officeDocument/2006/math" xmlns="" val="1"/>
             </a:ext>
           </a:extLst>
         </p:spPr>
@@ -10145,7 +12867,7 @@
           </a:ln>
           <a:extLst>
             <a:ext uri="{C572A759-6A51-4108-AA02-DFA0A04FC94B}">
-              <ma14:wrappingTextBoxFlag xmlns="" xmlns:m="http://schemas.openxmlformats.org/officeDocument/2006/math" xmlns:a14="http://schemas.microsoft.com/office/drawing/2010/main" xmlns:ma14="http://schemas.microsoft.com/office/mac/drawingml/2011/main" val="1"/>
+              <ma14:wrappingTextBoxFlag xmlns:ma14="http://schemas.microsoft.com/office/mac/drawingml/2011/main" xmlns:a14="http://schemas.microsoft.com/office/drawing/2010/main" xmlns:m="http://schemas.openxmlformats.org/officeDocument/2006/math" xmlns="" val="1"/>
             </a:ext>
           </a:extLst>
         </p:spPr>
@@ -10189,7 +12911,7 @@
           </a:ln>
           <a:extLst>
             <a:ext uri="{C572A759-6A51-4108-AA02-DFA0A04FC94B}">
-              <ma14:wrappingTextBoxFlag xmlns="" xmlns:m="http://schemas.openxmlformats.org/officeDocument/2006/math" xmlns:a14="http://schemas.microsoft.com/office/drawing/2010/main" xmlns:ma14="http://schemas.microsoft.com/office/mac/drawingml/2011/main" val="1"/>
+              <ma14:wrappingTextBoxFlag xmlns:ma14="http://schemas.microsoft.com/office/mac/drawingml/2011/main" xmlns:a14="http://schemas.microsoft.com/office/drawing/2010/main" xmlns:m="http://schemas.openxmlformats.org/officeDocument/2006/math" xmlns="" val="1"/>
             </a:ext>
           </a:extLst>
         </p:spPr>
@@ -10909,7 +13631,7 @@
           </a:ln>
           <a:extLst>
             <a:ext uri="{C572A759-6A51-4108-AA02-DFA0A04FC94B}">
-              <ma14:wrappingTextBoxFlag xmlns="" xmlns:m="http://schemas.openxmlformats.org/officeDocument/2006/math" xmlns:a14="http://schemas.microsoft.com/office/drawing/2010/main" xmlns:ma14="http://schemas.microsoft.com/office/mac/drawingml/2011/main" val="1"/>
+              <ma14:wrappingTextBoxFlag xmlns:ma14="http://schemas.microsoft.com/office/mac/drawingml/2011/main" xmlns:a14="http://schemas.microsoft.com/office/drawing/2010/main" xmlns:m="http://schemas.openxmlformats.org/officeDocument/2006/math" xmlns="" val="1"/>
             </a:ext>
           </a:extLst>
         </p:spPr>
@@ -10953,7 +13675,7 @@
           </a:ln>
           <a:extLst>
             <a:ext uri="{C572A759-6A51-4108-AA02-DFA0A04FC94B}">
-              <ma14:wrappingTextBoxFlag xmlns="" xmlns:m="http://schemas.openxmlformats.org/officeDocument/2006/math" xmlns:a14="http://schemas.microsoft.com/office/drawing/2010/main" xmlns:ma14="http://schemas.microsoft.com/office/mac/drawingml/2011/main" val="1"/>
+              <ma14:wrappingTextBoxFlag xmlns:ma14="http://schemas.microsoft.com/office/mac/drawingml/2011/main" xmlns:a14="http://schemas.microsoft.com/office/drawing/2010/main" xmlns:m="http://schemas.openxmlformats.org/officeDocument/2006/math" xmlns="" val="1"/>
             </a:ext>
           </a:extLst>
         </p:spPr>
@@ -11675,7 +14397,7 @@
           </a:ln>
           <a:extLst>
             <a:ext uri="{C572A759-6A51-4108-AA02-DFA0A04FC94B}">
-              <ma14:wrappingTextBoxFlag xmlns="" xmlns:m="http://schemas.openxmlformats.org/officeDocument/2006/math" xmlns:a14="http://schemas.microsoft.com/office/drawing/2010/main" xmlns:ma14="http://schemas.microsoft.com/office/mac/drawingml/2011/main" val="1"/>
+              <ma14:wrappingTextBoxFlag xmlns:ma14="http://schemas.microsoft.com/office/mac/drawingml/2011/main" xmlns:a14="http://schemas.microsoft.com/office/drawing/2010/main" xmlns:m="http://schemas.openxmlformats.org/officeDocument/2006/math" xmlns="" val="1"/>
             </a:ext>
           </a:extLst>
         </p:spPr>
@@ -11719,7 +14441,7 @@
           </a:ln>
           <a:extLst>
             <a:ext uri="{C572A759-6A51-4108-AA02-DFA0A04FC94B}">
-              <ma14:wrappingTextBoxFlag xmlns="" xmlns:m="http://schemas.openxmlformats.org/officeDocument/2006/math" xmlns:a14="http://schemas.microsoft.com/office/drawing/2010/main" xmlns:ma14="http://schemas.microsoft.com/office/mac/drawingml/2011/main" val="1"/>
+              <ma14:wrappingTextBoxFlag xmlns:ma14="http://schemas.microsoft.com/office/mac/drawingml/2011/main" xmlns:a14="http://schemas.microsoft.com/office/drawing/2010/main" xmlns:m="http://schemas.openxmlformats.org/officeDocument/2006/math" xmlns="" val="1"/>
             </a:ext>
           </a:extLst>
         </p:spPr>
@@ -11765,7 +14487,7 @@
           </a:ln>
           <a:extLst>
             <a:ext uri="{C572A759-6A51-4108-AA02-DFA0A04FC94B}">
-              <ma14:wrappingTextBoxFlag xmlns="" xmlns:m="http://schemas.openxmlformats.org/officeDocument/2006/math" xmlns:a14="http://schemas.microsoft.com/office/drawing/2010/main" xmlns:ma14="http://schemas.microsoft.com/office/mac/drawingml/2011/main" val="1"/>
+              <ma14:wrappingTextBoxFlag xmlns:ma14="http://schemas.microsoft.com/office/mac/drawingml/2011/main" xmlns:a14="http://schemas.microsoft.com/office/drawing/2010/main" xmlns:m="http://schemas.openxmlformats.org/officeDocument/2006/math" xmlns="" val="1"/>
             </a:ext>
           </a:extLst>
         </p:spPr>
@@ -11850,7 +14572,7 @@
           </a:ln>
           <a:extLst>
             <a:ext uri="{C572A759-6A51-4108-AA02-DFA0A04FC94B}">
-              <ma14:wrappingTextBoxFlag xmlns="" xmlns:m="http://schemas.openxmlformats.org/officeDocument/2006/math" xmlns:a14="http://schemas.microsoft.com/office/drawing/2010/main" xmlns:ma14="http://schemas.microsoft.com/office/mac/drawingml/2011/main" val="1"/>
+              <ma14:wrappingTextBoxFlag xmlns:ma14="http://schemas.microsoft.com/office/mac/drawingml/2011/main" xmlns:a14="http://schemas.microsoft.com/office/drawing/2010/main" xmlns:m="http://schemas.openxmlformats.org/officeDocument/2006/math" xmlns="" val="1"/>
             </a:ext>
           </a:extLst>
         </p:spPr>
@@ -11896,7 +14618,7 @@
           </a:ln>
           <a:extLst>
             <a:ext uri="{C572A759-6A51-4108-AA02-DFA0A04FC94B}">
-              <ma14:wrappingTextBoxFlag xmlns="" xmlns:m="http://schemas.openxmlformats.org/officeDocument/2006/math" xmlns:a14="http://schemas.microsoft.com/office/drawing/2010/main" xmlns:ma14="http://schemas.microsoft.com/office/mac/drawingml/2011/main" val="1"/>
+              <ma14:wrappingTextBoxFlag xmlns:ma14="http://schemas.microsoft.com/office/mac/drawingml/2011/main" xmlns:a14="http://schemas.microsoft.com/office/drawing/2010/main" xmlns:m="http://schemas.openxmlformats.org/officeDocument/2006/math" xmlns="" val="1"/>
             </a:ext>
           </a:extLst>
         </p:spPr>
@@ -12004,7 +14726,7 @@
             <a:effectLst/>
             <a:extLst>
               <a:ext uri="{C572A759-6A51-4108-AA02-DFA0A04FC94B}">
-                <ma14:wrappingTextBoxFlag xmlns="" xmlns:m="http://schemas.openxmlformats.org/officeDocument/2006/math" xmlns:a14="http://schemas.microsoft.com/office/drawing/2010/main" xmlns:ma14="http://schemas.microsoft.com/office/mac/drawingml/2011/main" val="1"/>
+                <ma14:wrappingTextBoxFlag xmlns:ma14="http://schemas.microsoft.com/office/mac/drawingml/2011/main" xmlns:a14="http://schemas.microsoft.com/office/drawing/2010/main" xmlns:m="http://schemas.openxmlformats.org/officeDocument/2006/math" xmlns="" val="1"/>
               </a:ext>
             </a:extLst>
           </p:spPr>
@@ -12107,7 +14829,7 @@
             <a:effectLst/>
             <a:extLst>
               <a:ext uri="{C572A759-6A51-4108-AA02-DFA0A04FC94B}">
-                <ma14:wrappingTextBoxFlag xmlns="" xmlns:m="http://schemas.openxmlformats.org/officeDocument/2006/math" xmlns:a14="http://schemas.microsoft.com/office/drawing/2010/main" xmlns:ma14="http://schemas.microsoft.com/office/mac/drawingml/2011/main" val="1"/>
+                <ma14:wrappingTextBoxFlag xmlns:ma14="http://schemas.microsoft.com/office/mac/drawingml/2011/main" xmlns:a14="http://schemas.microsoft.com/office/drawing/2010/main" xmlns:m="http://schemas.openxmlformats.org/officeDocument/2006/math" xmlns="" val="1"/>
               </a:ext>
             </a:extLst>
           </p:spPr>
@@ -12154,7 +14876,7 @@
           </a:ln>
           <a:extLst>
             <a:ext uri="{C572A759-6A51-4108-AA02-DFA0A04FC94B}">
-              <ma14:wrappingTextBoxFlag xmlns="" xmlns:m="http://schemas.openxmlformats.org/officeDocument/2006/math" xmlns:a14="http://schemas.microsoft.com/office/drawing/2010/main" xmlns:ma14="http://schemas.microsoft.com/office/mac/drawingml/2011/main" val="1"/>
+              <ma14:wrappingTextBoxFlag xmlns:ma14="http://schemas.microsoft.com/office/mac/drawingml/2011/main" xmlns:a14="http://schemas.microsoft.com/office/drawing/2010/main" xmlns:m="http://schemas.openxmlformats.org/officeDocument/2006/math" xmlns="" val="1"/>
             </a:ext>
           </a:extLst>
         </p:spPr>
@@ -12198,7 +14920,7 @@
           </a:ln>
           <a:extLst>
             <a:ext uri="{C572A759-6A51-4108-AA02-DFA0A04FC94B}">
-              <ma14:wrappingTextBoxFlag xmlns="" xmlns:m="http://schemas.openxmlformats.org/officeDocument/2006/math" xmlns:a14="http://schemas.microsoft.com/office/drawing/2010/main" xmlns:ma14="http://schemas.microsoft.com/office/mac/drawingml/2011/main" val="1"/>
+              <ma14:wrappingTextBoxFlag xmlns:ma14="http://schemas.microsoft.com/office/mac/drawingml/2011/main" xmlns:a14="http://schemas.microsoft.com/office/drawing/2010/main" xmlns:m="http://schemas.openxmlformats.org/officeDocument/2006/math" xmlns="" val="1"/>
             </a:ext>
           </a:extLst>
         </p:spPr>
@@ -12232,7 +14954,7 @@
 </p:sld>
 </file>
 
-<file path=ppt/slides/slide14.xml><?xml version="1.0" encoding="utf-8"?>
+<file path=ppt/slides/slide15.xml><?xml version="1.0" encoding="utf-8"?>
 <p:sld xmlns:a="http://schemas.openxmlformats.org/drawingml/2006/main" xmlns:r="http://schemas.openxmlformats.org/officeDocument/2006/relationships" xmlns:p="http://schemas.openxmlformats.org/presentationml/2006/main">
   <p:cSld>
     <p:spTree>
@@ -13317,7 +16039,7 @@
           </a:ln>
           <a:extLst>
             <a:ext uri="{C572A759-6A51-4108-AA02-DFA0A04FC94B}">
-              <ma14:wrappingTextBoxFlag xmlns="" xmlns:m="http://schemas.openxmlformats.org/officeDocument/2006/math" xmlns:a14="http://schemas.microsoft.com/office/drawing/2010/main" xmlns:ma14="http://schemas.microsoft.com/office/mac/drawingml/2011/main" val="1"/>
+              <ma14:wrappingTextBoxFlag xmlns:ma14="http://schemas.microsoft.com/office/mac/drawingml/2011/main" xmlns:a14="http://schemas.microsoft.com/office/drawing/2010/main" xmlns:m="http://schemas.openxmlformats.org/officeDocument/2006/math" xmlns="" val="1"/>
             </a:ext>
           </a:extLst>
         </p:spPr>
@@ -13375,7 +16097,7 @@
           </a:ln>
           <a:extLst>
             <a:ext uri="{C572A759-6A51-4108-AA02-DFA0A04FC94B}">
-              <ma14:wrappingTextBoxFlag xmlns="" xmlns:m="http://schemas.openxmlformats.org/officeDocument/2006/math" xmlns:a14="http://schemas.microsoft.com/office/drawing/2010/main" xmlns:ma14="http://schemas.microsoft.com/office/mac/drawingml/2011/main" val="1"/>
+              <ma14:wrappingTextBoxFlag xmlns:ma14="http://schemas.microsoft.com/office/mac/drawingml/2011/main" xmlns:a14="http://schemas.microsoft.com/office/drawing/2010/main" xmlns:m="http://schemas.openxmlformats.org/officeDocument/2006/math" xmlns="" val="1"/>
             </a:ext>
           </a:extLst>
         </p:spPr>
@@ -13491,7 +16213,7 @@
             <a:effectLst/>
             <a:extLst>
               <a:ext uri="{C572A759-6A51-4108-AA02-DFA0A04FC94B}">
-                <ma14:wrappingTextBoxFlag xmlns="" xmlns:m="http://schemas.openxmlformats.org/officeDocument/2006/math" xmlns:a14="http://schemas.microsoft.com/office/drawing/2010/main" xmlns:ma14="http://schemas.microsoft.com/office/mac/drawingml/2011/main" val="1"/>
+                <ma14:wrappingTextBoxFlag xmlns:ma14="http://schemas.microsoft.com/office/mac/drawingml/2011/main" xmlns:a14="http://schemas.microsoft.com/office/drawing/2010/main" xmlns:m="http://schemas.openxmlformats.org/officeDocument/2006/math" xmlns="" val="1"/>
               </a:ext>
             </a:extLst>
           </p:spPr>
@@ -13597,7 +16319,7 @@
             <a:effectLst/>
             <a:extLst>
               <a:ext uri="{C572A759-6A51-4108-AA02-DFA0A04FC94B}">
-                <ma14:wrappingTextBoxFlag xmlns="" xmlns:m="http://schemas.openxmlformats.org/officeDocument/2006/math" xmlns:a14="http://schemas.microsoft.com/office/drawing/2010/main" xmlns:ma14="http://schemas.microsoft.com/office/mac/drawingml/2011/main" val="1"/>
+                <ma14:wrappingTextBoxFlag xmlns:ma14="http://schemas.microsoft.com/office/mac/drawingml/2011/main" xmlns:a14="http://schemas.microsoft.com/office/drawing/2010/main" xmlns:m="http://schemas.openxmlformats.org/officeDocument/2006/math" xmlns="" val="1"/>
               </a:ext>
             </a:extLst>
           </p:spPr>
@@ -13703,7 +16425,7 @@
             <a:effectLst/>
             <a:extLst>
               <a:ext uri="{C572A759-6A51-4108-AA02-DFA0A04FC94B}">
-                <ma14:wrappingTextBoxFlag xmlns="" xmlns:m="http://schemas.openxmlformats.org/officeDocument/2006/math" xmlns:a14="http://schemas.microsoft.com/office/drawing/2010/main" xmlns:ma14="http://schemas.microsoft.com/office/mac/drawingml/2011/main" val="1"/>
+                <ma14:wrappingTextBoxFlag xmlns:ma14="http://schemas.microsoft.com/office/mac/drawingml/2011/main" xmlns:a14="http://schemas.microsoft.com/office/drawing/2010/main" xmlns:m="http://schemas.openxmlformats.org/officeDocument/2006/math" xmlns="" val="1"/>
               </a:ext>
             </a:extLst>
           </p:spPr>
@@ -13750,7 +16472,7 @@
           </a:ln>
           <a:extLst>
             <a:ext uri="{C572A759-6A51-4108-AA02-DFA0A04FC94B}">
-              <ma14:wrappingTextBoxFlag xmlns="" xmlns:m="http://schemas.openxmlformats.org/officeDocument/2006/math" xmlns:a14="http://schemas.microsoft.com/office/drawing/2010/main" xmlns:ma14="http://schemas.microsoft.com/office/mac/drawingml/2011/main" val="1"/>
+              <ma14:wrappingTextBoxFlag xmlns:ma14="http://schemas.microsoft.com/office/mac/drawingml/2011/main" xmlns:a14="http://schemas.microsoft.com/office/drawing/2010/main" xmlns:m="http://schemas.openxmlformats.org/officeDocument/2006/math" xmlns="" val="1"/>
             </a:ext>
           </a:extLst>
         </p:spPr>
@@ -13796,7 +16518,7 @@
           </a:ln>
           <a:extLst>
             <a:ext uri="{C572A759-6A51-4108-AA02-DFA0A04FC94B}">
-              <ma14:wrappingTextBoxFlag xmlns="" xmlns:m="http://schemas.openxmlformats.org/officeDocument/2006/math" xmlns:a14="http://schemas.microsoft.com/office/drawing/2010/main" xmlns:ma14="http://schemas.microsoft.com/office/mac/drawingml/2011/main" val="1"/>
+              <ma14:wrappingTextBoxFlag xmlns:ma14="http://schemas.microsoft.com/office/mac/drawingml/2011/main" xmlns:a14="http://schemas.microsoft.com/office/drawing/2010/main" xmlns:m="http://schemas.openxmlformats.org/officeDocument/2006/math" xmlns="" val="1"/>
             </a:ext>
           </a:extLst>
         </p:spPr>
@@ -13866,7 +16588,7 @@
           </a:ln>
           <a:extLst>
             <a:ext uri="{C572A759-6A51-4108-AA02-DFA0A04FC94B}">
-              <ma14:wrappingTextBoxFlag xmlns="" xmlns:m="http://schemas.openxmlformats.org/officeDocument/2006/math" xmlns:a14="http://schemas.microsoft.com/office/drawing/2010/main" xmlns:ma14="http://schemas.microsoft.com/office/mac/drawingml/2011/main" val="1"/>
+              <ma14:wrappingTextBoxFlag xmlns:ma14="http://schemas.microsoft.com/office/mac/drawingml/2011/main" xmlns:a14="http://schemas.microsoft.com/office/drawing/2010/main" xmlns:m="http://schemas.openxmlformats.org/officeDocument/2006/math" xmlns="" val="1"/>
             </a:ext>
           </a:extLst>
         </p:spPr>
@@ -13971,7 +16693,7 @@
             <a:effectLst/>
             <a:extLst>
               <a:ext uri="{C572A759-6A51-4108-AA02-DFA0A04FC94B}">
-                <ma14:wrappingTextBoxFlag xmlns="" xmlns:m="http://schemas.openxmlformats.org/officeDocument/2006/math" xmlns:a14="http://schemas.microsoft.com/office/drawing/2010/main" xmlns:ma14="http://schemas.microsoft.com/office/mac/drawingml/2011/main" val="1"/>
+                <ma14:wrappingTextBoxFlag xmlns:ma14="http://schemas.microsoft.com/office/mac/drawingml/2011/main" xmlns:a14="http://schemas.microsoft.com/office/drawing/2010/main" xmlns:m="http://schemas.openxmlformats.org/officeDocument/2006/math" xmlns="" val="1"/>
               </a:ext>
             </a:extLst>
           </p:spPr>
@@ -14089,7 +16811,7 @@
             <a:effectLst/>
             <a:extLst>
               <a:ext uri="{C572A759-6A51-4108-AA02-DFA0A04FC94B}">
-                <ma14:wrappingTextBoxFlag xmlns="" xmlns:m="http://schemas.openxmlformats.org/officeDocument/2006/math" xmlns:a14="http://schemas.microsoft.com/office/drawing/2010/main" xmlns:ma14="http://schemas.microsoft.com/office/mac/drawingml/2011/main" val="1"/>
+                <ma14:wrappingTextBoxFlag xmlns:ma14="http://schemas.microsoft.com/office/mac/drawingml/2011/main" xmlns:a14="http://schemas.microsoft.com/office/drawing/2010/main" xmlns:m="http://schemas.openxmlformats.org/officeDocument/2006/math" xmlns="" val="1"/>
               </a:ext>
             </a:extLst>
           </p:spPr>
@@ -14207,7 +16929,7 @@
             <a:effectLst/>
             <a:extLst>
               <a:ext uri="{C572A759-6A51-4108-AA02-DFA0A04FC94B}">
-                <ma14:wrappingTextBoxFlag xmlns="" xmlns:m="http://schemas.openxmlformats.org/officeDocument/2006/math" xmlns:a14="http://schemas.microsoft.com/office/drawing/2010/main" xmlns:ma14="http://schemas.microsoft.com/office/mac/drawingml/2011/main" val="1"/>
+                <ma14:wrappingTextBoxFlag xmlns:ma14="http://schemas.microsoft.com/office/mac/drawingml/2011/main" xmlns:a14="http://schemas.microsoft.com/office/drawing/2010/main" xmlns:m="http://schemas.openxmlformats.org/officeDocument/2006/math" xmlns="" val="1"/>
               </a:ext>
             </a:extLst>
           </p:spPr>
@@ -14266,7 +16988,7 @@
           </a:ln>
           <a:extLst>
             <a:ext uri="{C572A759-6A51-4108-AA02-DFA0A04FC94B}">
-              <ma14:wrappingTextBoxFlag xmlns="" xmlns:m="http://schemas.openxmlformats.org/officeDocument/2006/math" xmlns:a14="http://schemas.microsoft.com/office/drawing/2010/main" xmlns:ma14="http://schemas.microsoft.com/office/mac/drawingml/2011/main" val="1"/>
+              <ma14:wrappingTextBoxFlag xmlns:ma14="http://schemas.microsoft.com/office/mac/drawingml/2011/main" xmlns:a14="http://schemas.microsoft.com/office/drawing/2010/main" xmlns:m="http://schemas.openxmlformats.org/officeDocument/2006/math" xmlns="" val="1"/>
             </a:ext>
           </a:extLst>
         </p:spPr>
@@ -14310,7 +17032,7 @@
           </a:ln>
           <a:extLst>
             <a:ext uri="{C572A759-6A51-4108-AA02-DFA0A04FC94B}">
-              <ma14:wrappingTextBoxFlag xmlns="" xmlns:m="http://schemas.openxmlformats.org/officeDocument/2006/math" xmlns:a14="http://schemas.microsoft.com/office/drawing/2010/main" xmlns:ma14="http://schemas.microsoft.com/office/mac/drawingml/2011/main" val="1"/>
+              <ma14:wrappingTextBoxFlag xmlns:ma14="http://schemas.microsoft.com/office/mac/drawingml/2011/main" xmlns:a14="http://schemas.microsoft.com/office/drawing/2010/main" xmlns:m="http://schemas.openxmlformats.org/officeDocument/2006/math" xmlns="" val="1"/>
             </a:ext>
           </a:extLst>
         </p:spPr>
@@ -14370,7 +17092,7 @@
           </a:ln>
           <a:extLst>
             <a:ext uri="{C572A759-6A51-4108-AA02-DFA0A04FC94B}">
-              <ma14:wrappingTextBoxFlag xmlns="" xmlns:m="http://schemas.openxmlformats.org/officeDocument/2006/math" xmlns:a14="http://schemas.microsoft.com/office/drawing/2010/main" xmlns:ma14="http://schemas.microsoft.com/office/mac/drawingml/2011/main" val="1"/>
+              <ma14:wrappingTextBoxFlag xmlns:ma14="http://schemas.microsoft.com/office/mac/drawingml/2011/main" xmlns:a14="http://schemas.microsoft.com/office/drawing/2010/main" xmlns:m="http://schemas.openxmlformats.org/officeDocument/2006/math" xmlns="" val="1"/>
             </a:ext>
           </a:extLst>
         </p:spPr>
@@ -14415,7 +17137,7 @@
           </a:ln>
           <a:extLst>
             <a:ext uri="{C572A759-6A51-4108-AA02-DFA0A04FC94B}">
-              <ma14:wrappingTextBoxFlag xmlns="" xmlns:m="http://schemas.openxmlformats.org/officeDocument/2006/math" xmlns:a14="http://schemas.microsoft.com/office/drawing/2010/main" xmlns:ma14="http://schemas.microsoft.com/office/mac/drawingml/2011/main" val="1"/>
+              <ma14:wrappingTextBoxFlag xmlns:ma14="http://schemas.microsoft.com/office/mac/drawingml/2011/main" xmlns:a14="http://schemas.microsoft.com/office/drawing/2010/main" xmlns:m="http://schemas.openxmlformats.org/officeDocument/2006/math" xmlns="" val="1"/>
             </a:ext>
           </a:extLst>
         </p:spPr>
@@ -15135,7 +17857,7 @@
           </a:ln>
           <a:extLst>
             <a:ext uri="{C572A759-6A51-4108-AA02-DFA0A04FC94B}">
-              <ma14:wrappingTextBoxFlag xmlns="" xmlns:m="http://schemas.openxmlformats.org/officeDocument/2006/math" xmlns:a14="http://schemas.microsoft.com/office/drawing/2010/main" xmlns:ma14="http://schemas.microsoft.com/office/mac/drawingml/2011/main" val="1"/>
+              <ma14:wrappingTextBoxFlag xmlns:ma14="http://schemas.microsoft.com/office/mac/drawingml/2011/main" xmlns:a14="http://schemas.microsoft.com/office/drawing/2010/main" xmlns:m="http://schemas.openxmlformats.org/officeDocument/2006/math" xmlns="" val="1"/>
             </a:ext>
           </a:extLst>
         </p:spPr>
@@ -15179,7 +17901,7 @@
           </a:ln>
           <a:extLst>
             <a:ext uri="{C572A759-6A51-4108-AA02-DFA0A04FC94B}">
-              <ma14:wrappingTextBoxFlag xmlns="" xmlns:m="http://schemas.openxmlformats.org/officeDocument/2006/math" xmlns:a14="http://schemas.microsoft.com/office/drawing/2010/main" xmlns:ma14="http://schemas.microsoft.com/office/mac/drawingml/2011/main" val="1"/>
+              <ma14:wrappingTextBoxFlag xmlns:ma14="http://schemas.microsoft.com/office/mac/drawingml/2011/main" xmlns:a14="http://schemas.microsoft.com/office/drawing/2010/main" xmlns:m="http://schemas.openxmlformats.org/officeDocument/2006/math" xmlns="" val="1"/>
             </a:ext>
           </a:extLst>
         </p:spPr>
@@ -15901,7 +18623,7 @@
           </a:ln>
           <a:extLst>
             <a:ext uri="{C572A759-6A51-4108-AA02-DFA0A04FC94B}">
-              <ma14:wrappingTextBoxFlag xmlns="" xmlns:m="http://schemas.openxmlformats.org/officeDocument/2006/math" xmlns:a14="http://schemas.microsoft.com/office/drawing/2010/main" xmlns:ma14="http://schemas.microsoft.com/office/mac/drawingml/2011/main" val="1"/>
+              <ma14:wrappingTextBoxFlag xmlns:ma14="http://schemas.microsoft.com/office/mac/drawingml/2011/main" xmlns:a14="http://schemas.microsoft.com/office/drawing/2010/main" xmlns:m="http://schemas.openxmlformats.org/officeDocument/2006/math" xmlns="" val="1"/>
             </a:ext>
           </a:extLst>
         </p:spPr>
@@ -15946,7 +18668,7 @@
           </a:ln>
           <a:extLst>
             <a:ext uri="{C572A759-6A51-4108-AA02-DFA0A04FC94B}">
-              <ma14:wrappingTextBoxFlag xmlns="" xmlns:m="http://schemas.openxmlformats.org/officeDocument/2006/math" xmlns:a14="http://schemas.microsoft.com/office/drawing/2010/main" xmlns:ma14="http://schemas.microsoft.com/office/mac/drawingml/2011/main" val="1"/>
+              <ma14:wrappingTextBoxFlag xmlns:ma14="http://schemas.microsoft.com/office/mac/drawingml/2011/main" xmlns:a14="http://schemas.microsoft.com/office/drawing/2010/main" xmlns:m="http://schemas.openxmlformats.org/officeDocument/2006/math" xmlns="" val="1"/>
             </a:ext>
           </a:extLst>
         </p:spPr>
@@ -15992,7 +18714,7 @@
           </a:ln>
           <a:extLst>
             <a:ext uri="{C572A759-6A51-4108-AA02-DFA0A04FC94B}">
-              <ma14:wrappingTextBoxFlag xmlns="" xmlns:m="http://schemas.openxmlformats.org/officeDocument/2006/math" xmlns:a14="http://schemas.microsoft.com/office/drawing/2010/main" xmlns:ma14="http://schemas.microsoft.com/office/mac/drawingml/2011/main" val="1"/>
+              <ma14:wrappingTextBoxFlag xmlns:ma14="http://schemas.microsoft.com/office/mac/drawingml/2011/main" xmlns:a14="http://schemas.microsoft.com/office/drawing/2010/main" xmlns:m="http://schemas.openxmlformats.org/officeDocument/2006/math" xmlns="" val="1"/>
             </a:ext>
           </a:extLst>
         </p:spPr>
@@ -16036,7 +18758,7 @@
           </a:ln>
           <a:extLst>
             <a:ext uri="{C572A759-6A51-4108-AA02-DFA0A04FC94B}">
-              <ma14:wrappingTextBoxFlag xmlns="" xmlns:m="http://schemas.openxmlformats.org/officeDocument/2006/math" xmlns:a14="http://schemas.microsoft.com/office/drawing/2010/main" xmlns:ma14="http://schemas.microsoft.com/office/mac/drawingml/2011/main" val="1"/>
+              <ma14:wrappingTextBoxFlag xmlns:ma14="http://schemas.microsoft.com/office/mac/drawingml/2011/main" xmlns:a14="http://schemas.microsoft.com/office/drawing/2010/main" xmlns:m="http://schemas.openxmlformats.org/officeDocument/2006/math" xmlns="" val="1"/>
             </a:ext>
           </a:extLst>
         </p:spPr>
@@ -16082,7 +18804,7 @@
           </a:ln>
           <a:extLst>
             <a:ext uri="{C572A759-6A51-4108-AA02-DFA0A04FC94B}">
-              <ma14:wrappingTextBoxFlag xmlns="" xmlns:m="http://schemas.openxmlformats.org/officeDocument/2006/math" xmlns:a14="http://schemas.microsoft.com/office/drawing/2010/main" xmlns:ma14="http://schemas.microsoft.com/office/mac/drawingml/2011/main" val="1"/>
+              <ma14:wrappingTextBoxFlag xmlns:ma14="http://schemas.microsoft.com/office/mac/drawingml/2011/main" xmlns:a14="http://schemas.microsoft.com/office/drawing/2010/main" xmlns:m="http://schemas.openxmlformats.org/officeDocument/2006/math" xmlns="" val="1"/>
             </a:ext>
           </a:extLst>
         </p:spPr>
@@ -16226,7 +18948,7 @@
             <a:effectLst/>
             <a:extLst>
               <a:ext uri="{C572A759-6A51-4108-AA02-DFA0A04FC94B}">
-                <ma14:wrappingTextBoxFlag xmlns="" xmlns:m="http://schemas.openxmlformats.org/officeDocument/2006/math" xmlns:a14="http://schemas.microsoft.com/office/drawing/2010/main" xmlns:ma14="http://schemas.microsoft.com/office/mac/drawingml/2011/main" val="1"/>
+                <ma14:wrappingTextBoxFlag xmlns:ma14="http://schemas.microsoft.com/office/mac/drawingml/2011/main" xmlns:a14="http://schemas.microsoft.com/office/drawing/2010/main" xmlns:m="http://schemas.openxmlformats.org/officeDocument/2006/math" xmlns="" val="1"/>
               </a:ext>
             </a:extLst>
           </p:spPr>
@@ -16273,7 +18995,7 @@
           </a:ln>
           <a:extLst>
             <a:ext uri="{C572A759-6A51-4108-AA02-DFA0A04FC94B}">
-              <ma14:wrappingTextBoxFlag xmlns="" xmlns:m="http://schemas.openxmlformats.org/officeDocument/2006/math" xmlns:a14="http://schemas.microsoft.com/office/drawing/2010/main" xmlns:ma14="http://schemas.microsoft.com/office/mac/drawingml/2011/main" val="1"/>
+              <ma14:wrappingTextBoxFlag xmlns:ma14="http://schemas.microsoft.com/office/mac/drawingml/2011/main" xmlns:a14="http://schemas.microsoft.com/office/drawing/2010/main" xmlns:m="http://schemas.openxmlformats.org/officeDocument/2006/math" xmlns="" val="1"/>
             </a:ext>
           </a:extLst>
         </p:spPr>
@@ -16329,7 +19051,7 @@
           </a:ln>
           <a:extLst>
             <a:ext uri="{C572A759-6A51-4108-AA02-DFA0A04FC94B}">
-              <ma14:wrappingTextBoxFlag xmlns="" xmlns:m="http://schemas.openxmlformats.org/officeDocument/2006/math" xmlns:a14="http://schemas.microsoft.com/office/drawing/2010/main" xmlns:ma14="http://schemas.microsoft.com/office/mac/drawingml/2011/main" val="1"/>
+              <ma14:wrappingTextBoxFlag xmlns:ma14="http://schemas.microsoft.com/office/mac/drawingml/2011/main" xmlns:a14="http://schemas.microsoft.com/office/drawing/2010/main" xmlns:m="http://schemas.openxmlformats.org/officeDocument/2006/math" xmlns="" val="1"/>
             </a:ext>
           </a:extLst>
         </p:spPr>
@@ -16352,9 +19074,34 @@
           </a:lstStyle>
           <a:p>
             <a:r>
-              <a:rPr sz="1600"/>
-              <a:t>최대 5개 까지 입력 가능</a:t>
+              <a:rPr sz="1600" dirty="0" err="1"/>
+              <a:t>최대</a:t>
             </a:r>
+            <a:r>
+              <a:rPr sz="1600" dirty="0"/>
+              <a:t> 5개 </a:t>
+            </a:r>
+            <a:r>
+              <a:rPr sz="1600" dirty="0" err="1"/>
+              <a:t>까지</a:t>
+            </a:r>
+            <a:r>
+              <a:rPr sz="1600" dirty="0"/>
+              <a:t> </a:t>
+            </a:r>
+            <a:r>
+              <a:rPr sz="1600" dirty="0" err="1"/>
+              <a:t>입력</a:t>
+            </a:r>
+            <a:r>
+              <a:rPr sz="1600" dirty="0"/>
+              <a:t> </a:t>
+            </a:r>
+            <a:r>
+              <a:rPr sz="1600" dirty="0" err="1"/>
+              <a:t>가능</a:t>
+            </a:r>
+            <a:endParaRPr sz="1600" dirty="0"/>
           </a:p>
         </p:txBody>
       </p:sp>
@@ -16374,7 +19121,7 @@
 </p:sld>
 </file>
 
-<file path=ppt/slides/slide15.xml><?xml version="1.0" encoding="utf-8"?>
+<file path=ppt/slides/slide16.xml><?xml version="1.0" encoding="utf-8"?>
 <p:sld xmlns:a="http://schemas.openxmlformats.org/drawingml/2006/main" xmlns:r="http://schemas.openxmlformats.org/officeDocument/2006/relationships" xmlns:p="http://schemas.openxmlformats.org/presentationml/2006/main">
   <p:cSld>
     <p:spTree>
@@ -18275,7 +21022,7 @@
             <a:effectLst/>
             <a:extLst>
               <a:ext uri="{C572A759-6A51-4108-AA02-DFA0A04FC94B}">
-                <ma14:wrappingTextBoxFlag xmlns="" xmlns:m="http://schemas.openxmlformats.org/officeDocument/2006/math" xmlns:a14="http://schemas.microsoft.com/office/drawing/2010/main" xmlns:ma14="http://schemas.microsoft.com/office/mac/drawingml/2011/main" val="1"/>
+                <ma14:wrappingTextBoxFlag xmlns:ma14="http://schemas.microsoft.com/office/mac/drawingml/2011/main" xmlns:a14="http://schemas.microsoft.com/office/drawing/2010/main" xmlns:m="http://schemas.openxmlformats.org/officeDocument/2006/math" xmlns="" val="1"/>
               </a:ext>
             </a:extLst>
           </p:spPr>
@@ -18325,7 +21072,7 @@
           </a:ln>
           <a:extLst>
             <a:ext uri="{C572A759-6A51-4108-AA02-DFA0A04FC94B}">
-              <ma14:wrappingTextBoxFlag xmlns="" xmlns:m="http://schemas.openxmlformats.org/officeDocument/2006/math" xmlns:a14="http://schemas.microsoft.com/office/drawing/2010/main" xmlns:ma14="http://schemas.microsoft.com/office/mac/drawingml/2011/main" val="1"/>
+              <ma14:wrappingTextBoxFlag xmlns:ma14="http://schemas.microsoft.com/office/mac/drawingml/2011/main" xmlns:a14="http://schemas.microsoft.com/office/drawing/2010/main" xmlns:m="http://schemas.openxmlformats.org/officeDocument/2006/math" xmlns="" val="1"/>
             </a:ext>
           </a:extLst>
         </p:spPr>
@@ -18365,7 +21112,7 @@
           </a:ln>
           <a:extLst>
             <a:ext uri="{C572A759-6A51-4108-AA02-DFA0A04FC94B}">
-              <ma14:wrappingTextBoxFlag xmlns="" xmlns:m="http://schemas.openxmlformats.org/officeDocument/2006/math" xmlns:a14="http://schemas.microsoft.com/office/drawing/2010/main" xmlns:ma14="http://schemas.microsoft.com/office/mac/drawingml/2011/main" val="1"/>
+              <ma14:wrappingTextBoxFlag xmlns:ma14="http://schemas.microsoft.com/office/mac/drawingml/2011/main" xmlns:a14="http://schemas.microsoft.com/office/drawing/2010/main" xmlns:m="http://schemas.openxmlformats.org/officeDocument/2006/math" xmlns="" val="1"/>
             </a:ext>
           </a:extLst>
         </p:spPr>
@@ -18458,7 +21205,7 @@
             <a:effectLst/>
             <a:extLst>
               <a:ext uri="{C572A759-6A51-4108-AA02-DFA0A04FC94B}">
-                <ma14:wrappingTextBoxFlag xmlns="" xmlns:m="http://schemas.openxmlformats.org/officeDocument/2006/math" xmlns:a14="http://schemas.microsoft.com/office/drawing/2010/main" xmlns:ma14="http://schemas.microsoft.com/office/mac/drawingml/2011/main" val="1"/>
+                <ma14:wrappingTextBoxFlag xmlns:ma14="http://schemas.microsoft.com/office/mac/drawingml/2011/main" xmlns:a14="http://schemas.microsoft.com/office/drawing/2010/main" xmlns:m="http://schemas.openxmlformats.org/officeDocument/2006/math" xmlns="" val="1"/>
               </a:ext>
             </a:extLst>
           </p:spPr>
@@ -18561,7 +21308,7 @@
             <a:effectLst/>
             <a:extLst>
               <a:ext uri="{C572A759-6A51-4108-AA02-DFA0A04FC94B}">
-                <ma14:wrappingTextBoxFlag xmlns="" xmlns:m="http://schemas.openxmlformats.org/officeDocument/2006/math" xmlns:a14="http://schemas.microsoft.com/office/drawing/2010/main" xmlns:ma14="http://schemas.microsoft.com/office/mac/drawingml/2011/main" val="1"/>
+                <ma14:wrappingTextBoxFlag xmlns:ma14="http://schemas.microsoft.com/office/mac/drawingml/2011/main" xmlns:a14="http://schemas.microsoft.com/office/drawing/2010/main" xmlns:m="http://schemas.openxmlformats.org/officeDocument/2006/math" xmlns="" val="1"/>
               </a:ext>
             </a:extLst>
           </p:spPr>
@@ -18611,7 +21358,7 @@
           </a:ln>
           <a:extLst>
             <a:ext uri="{C572A759-6A51-4108-AA02-DFA0A04FC94B}">
-              <ma14:wrappingTextBoxFlag xmlns="" xmlns:m="http://schemas.openxmlformats.org/officeDocument/2006/math" xmlns:a14="http://schemas.microsoft.com/office/drawing/2010/main" xmlns:ma14="http://schemas.microsoft.com/office/mac/drawingml/2011/main" val="1"/>
+              <ma14:wrappingTextBoxFlag xmlns:ma14="http://schemas.microsoft.com/office/mac/drawingml/2011/main" xmlns:a14="http://schemas.microsoft.com/office/drawing/2010/main" xmlns:m="http://schemas.openxmlformats.org/officeDocument/2006/math" xmlns="" val="1"/>
             </a:ext>
           </a:extLst>
         </p:spPr>
@@ -18651,7 +21398,7 @@
           </a:ln>
           <a:extLst>
             <a:ext uri="{C572A759-6A51-4108-AA02-DFA0A04FC94B}">
-              <ma14:wrappingTextBoxFlag xmlns="" xmlns:m="http://schemas.openxmlformats.org/officeDocument/2006/math" xmlns:a14="http://schemas.microsoft.com/office/drawing/2010/main" xmlns:ma14="http://schemas.microsoft.com/office/mac/drawingml/2011/main" val="1"/>
+              <ma14:wrappingTextBoxFlag xmlns:ma14="http://schemas.microsoft.com/office/mac/drawingml/2011/main" xmlns:a14="http://schemas.microsoft.com/office/drawing/2010/main" xmlns:m="http://schemas.openxmlformats.org/officeDocument/2006/math" xmlns="" val="1"/>
             </a:ext>
           </a:extLst>
         </p:spPr>
@@ -18691,7 +21438,7 @@
           </a:ln>
           <a:extLst>
             <a:ext uri="{C572A759-6A51-4108-AA02-DFA0A04FC94B}">
-              <ma14:wrappingTextBoxFlag xmlns="" xmlns:m="http://schemas.openxmlformats.org/officeDocument/2006/math" xmlns:a14="http://schemas.microsoft.com/office/drawing/2010/main" xmlns:ma14="http://schemas.microsoft.com/office/mac/drawingml/2011/main" val="1"/>
+              <ma14:wrappingTextBoxFlag xmlns:ma14="http://schemas.microsoft.com/office/mac/drawingml/2011/main" xmlns:a14="http://schemas.microsoft.com/office/drawing/2010/main" xmlns:m="http://schemas.openxmlformats.org/officeDocument/2006/math" xmlns="" val="1"/>
             </a:ext>
           </a:extLst>
         </p:spPr>
@@ -18731,7 +21478,7 @@
           </a:ln>
           <a:extLst>
             <a:ext uri="{C572A759-6A51-4108-AA02-DFA0A04FC94B}">
-              <ma14:wrappingTextBoxFlag xmlns="" xmlns:m="http://schemas.openxmlformats.org/officeDocument/2006/math" xmlns:a14="http://schemas.microsoft.com/office/drawing/2010/main" xmlns:ma14="http://schemas.microsoft.com/office/mac/drawingml/2011/main" val="1"/>
+              <ma14:wrappingTextBoxFlag xmlns:ma14="http://schemas.microsoft.com/office/mac/drawingml/2011/main" xmlns:a14="http://schemas.microsoft.com/office/drawing/2010/main" xmlns:m="http://schemas.openxmlformats.org/officeDocument/2006/math" xmlns="" val="1"/>
             </a:ext>
           </a:extLst>
         </p:spPr>
@@ -18771,7 +21518,7 @@
           </a:ln>
           <a:extLst>
             <a:ext uri="{C572A759-6A51-4108-AA02-DFA0A04FC94B}">
-              <ma14:wrappingTextBoxFlag xmlns="" xmlns:m="http://schemas.openxmlformats.org/officeDocument/2006/math" xmlns:a14="http://schemas.microsoft.com/office/drawing/2010/main" xmlns:ma14="http://schemas.microsoft.com/office/mac/drawingml/2011/main" val="1"/>
+              <ma14:wrappingTextBoxFlag xmlns:ma14="http://schemas.microsoft.com/office/mac/drawingml/2011/main" xmlns:a14="http://schemas.microsoft.com/office/drawing/2010/main" xmlns:m="http://schemas.openxmlformats.org/officeDocument/2006/math" xmlns="" val="1"/>
             </a:ext>
           </a:extLst>
         </p:spPr>
@@ -18811,7 +21558,7 @@
           </a:ln>
           <a:extLst>
             <a:ext uri="{C572A759-6A51-4108-AA02-DFA0A04FC94B}">
-              <ma14:wrappingTextBoxFlag xmlns="" xmlns:m="http://schemas.openxmlformats.org/officeDocument/2006/math" xmlns:a14="http://schemas.microsoft.com/office/drawing/2010/main" xmlns:ma14="http://schemas.microsoft.com/office/mac/drawingml/2011/main" val="1"/>
+              <ma14:wrappingTextBoxFlag xmlns:ma14="http://schemas.microsoft.com/office/mac/drawingml/2011/main" xmlns:a14="http://schemas.microsoft.com/office/drawing/2010/main" xmlns:m="http://schemas.openxmlformats.org/officeDocument/2006/math" xmlns="" val="1"/>
             </a:ext>
           </a:extLst>
         </p:spPr>
@@ -18851,7 +21598,7 @@
           </a:ln>
           <a:extLst>
             <a:ext uri="{C572A759-6A51-4108-AA02-DFA0A04FC94B}">
-              <ma14:wrappingTextBoxFlag xmlns="" xmlns:m="http://schemas.openxmlformats.org/officeDocument/2006/math" xmlns:a14="http://schemas.microsoft.com/office/drawing/2010/main" xmlns:ma14="http://schemas.microsoft.com/office/mac/drawingml/2011/main" val="1"/>
+              <ma14:wrappingTextBoxFlag xmlns:ma14="http://schemas.microsoft.com/office/mac/drawingml/2011/main" xmlns:a14="http://schemas.microsoft.com/office/drawing/2010/main" xmlns:m="http://schemas.openxmlformats.org/officeDocument/2006/math" xmlns="" val="1"/>
             </a:ext>
           </a:extLst>
         </p:spPr>
@@ -22338,7 +25085,7 @@
             </a:ln>
             <a:extLst>
               <a:ext uri="{C572A759-6A51-4108-AA02-DFA0A04FC94B}">
-                <ma14:wrappingTextBoxFlag xmlns="" xmlns:m="http://schemas.openxmlformats.org/officeDocument/2006/math" xmlns:a14="http://schemas.microsoft.com/office/drawing/2010/main" xmlns:ma14="http://schemas.microsoft.com/office/mac/drawingml/2011/main" val="1"/>
+                <ma14:wrappingTextBoxFlag xmlns:ma14="http://schemas.microsoft.com/office/mac/drawingml/2011/main" xmlns:a14="http://schemas.microsoft.com/office/drawing/2010/main" xmlns:m="http://schemas.openxmlformats.org/officeDocument/2006/math" xmlns="" val="1"/>
               </a:ext>
             </a:extLst>
           </p:spPr>
@@ -22388,7 +25135,7 @@
             </a:ln>
             <a:extLst>
               <a:ext uri="{C572A759-6A51-4108-AA02-DFA0A04FC94B}">
-                <ma14:wrappingTextBoxFlag xmlns="" xmlns:m="http://schemas.openxmlformats.org/officeDocument/2006/math" xmlns:a14="http://schemas.microsoft.com/office/drawing/2010/main" xmlns:ma14="http://schemas.microsoft.com/office/mac/drawingml/2011/main" val="1"/>
+                <ma14:wrappingTextBoxFlag xmlns:ma14="http://schemas.microsoft.com/office/mac/drawingml/2011/main" xmlns:a14="http://schemas.microsoft.com/office/drawing/2010/main" xmlns:m="http://schemas.openxmlformats.org/officeDocument/2006/math" xmlns="" val="1"/>
               </a:ext>
             </a:extLst>
           </p:spPr>
@@ -22446,7 +25193,7 @@
             </a:ln>
             <a:extLst>
               <a:ext uri="{C572A759-6A51-4108-AA02-DFA0A04FC94B}">
-                <ma14:wrappingTextBoxFlag xmlns="" xmlns:m="http://schemas.openxmlformats.org/officeDocument/2006/math" xmlns:a14="http://schemas.microsoft.com/office/drawing/2010/main" xmlns:ma14="http://schemas.microsoft.com/office/mac/drawingml/2011/main" val="1"/>
+                <ma14:wrappingTextBoxFlag xmlns:ma14="http://schemas.microsoft.com/office/mac/drawingml/2011/main" xmlns:a14="http://schemas.microsoft.com/office/drawing/2010/main" xmlns:m="http://schemas.openxmlformats.org/officeDocument/2006/math" xmlns="" val="1"/>
               </a:ext>
             </a:extLst>
           </p:spPr>
@@ -22491,7 +25238,7 @@
             </a:ln>
             <a:extLst>
               <a:ext uri="{C572A759-6A51-4108-AA02-DFA0A04FC94B}">
-                <ma14:wrappingTextBoxFlag xmlns="" xmlns:m="http://schemas.openxmlformats.org/officeDocument/2006/math" xmlns:a14="http://schemas.microsoft.com/office/drawing/2010/main" xmlns:ma14="http://schemas.microsoft.com/office/mac/drawingml/2011/main" val="1"/>
+                <ma14:wrappingTextBoxFlag xmlns:ma14="http://schemas.microsoft.com/office/mac/drawingml/2011/main" xmlns:a14="http://schemas.microsoft.com/office/drawing/2010/main" xmlns:m="http://schemas.openxmlformats.org/officeDocument/2006/math" xmlns="" val="1"/>
               </a:ext>
             </a:extLst>
           </p:spPr>
@@ -22553,7 +25300,7 @@
             </a:ln>
             <a:extLst>
               <a:ext uri="{C572A759-6A51-4108-AA02-DFA0A04FC94B}">
-                <ma14:wrappingTextBoxFlag xmlns="" xmlns:m="http://schemas.openxmlformats.org/officeDocument/2006/math" xmlns:a14="http://schemas.microsoft.com/office/drawing/2010/main" xmlns:ma14="http://schemas.microsoft.com/office/mac/drawingml/2011/main" val="1"/>
+                <ma14:wrappingTextBoxFlag xmlns:ma14="http://schemas.microsoft.com/office/mac/drawingml/2011/main" xmlns:a14="http://schemas.microsoft.com/office/drawing/2010/main" xmlns:m="http://schemas.openxmlformats.org/officeDocument/2006/math" xmlns="" val="1"/>
               </a:ext>
             </a:extLst>
           </p:spPr>
@@ -22598,7 +25345,7 @@
             </a:ln>
             <a:extLst>
               <a:ext uri="{C572A759-6A51-4108-AA02-DFA0A04FC94B}">
-                <ma14:wrappingTextBoxFlag xmlns="" xmlns:m="http://schemas.openxmlformats.org/officeDocument/2006/math" xmlns:a14="http://schemas.microsoft.com/office/drawing/2010/main" xmlns:ma14="http://schemas.microsoft.com/office/mac/drawingml/2011/main" val="1"/>
+                <ma14:wrappingTextBoxFlag xmlns:ma14="http://schemas.microsoft.com/office/mac/drawingml/2011/main" xmlns:a14="http://schemas.microsoft.com/office/drawing/2010/main" xmlns:m="http://schemas.openxmlformats.org/officeDocument/2006/math" xmlns="" val="1"/>
               </a:ext>
             </a:extLst>
           </p:spPr>
@@ -22656,7 +25403,7 @@
             </a:ln>
             <a:extLst>
               <a:ext uri="{C572A759-6A51-4108-AA02-DFA0A04FC94B}">
-                <ma14:wrappingTextBoxFlag xmlns="" xmlns:m="http://schemas.openxmlformats.org/officeDocument/2006/math" xmlns:a14="http://schemas.microsoft.com/office/drawing/2010/main" xmlns:ma14="http://schemas.microsoft.com/office/mac/drawingml/2011/main" val="1"/>
+                <ma14:wrappingTextBoxFlag xmlns:ma14="http://schemas.microsoft.com/office/mac/drawingml/2011/main" xmlns:a14="http://schemas.microsoft.com/office/drawing/2010/main" xmlns:m="http://schemas.openxmlformats.org/officeDocument/2006/math" xmlns="" val="1"/>
               </a:ext>
             </a:extLst>
           </p:spPr>
@@ -22701,7 +25448,7 @@
             </a:ln>
             <a:extLst>
               <a:ext uri="{C572A759-6A51-4108-AA02-DFA0A04FC94B}">
-                <ma14:wrappingTextBoxFlag xmlns="" xmlns:m="http://schemas.openxmlformats.org/officeDocument/2006/math" xmlns:a14="http://schemas.microsoft.com/office/drawing/2010/main" xmlns:ma14="http://schemas.microsoft.com/office/mac/drawingml/2011/main" val="1"/>
+                <ma14:wrappingTextBoxFlag xmlns:ma14="http://schemas.microsoft.com/office/mac/drawingml/2011/main" xmlns:a14="http://schemas.microsoft.com/office/drawing/2010/main" xmlns:m="http://schemas.openxmlformats.org/officeDocument/2006/math" xmlns="" val="1"/>
               </a:ext>
             </a:extLst>
           </p:spPr>
@@ -22759,7 +25506,7 @@
             </a:ln>
             <a:extLst>
               <a:ext uri="{C572A759-6A51-4108-AA02-DFA0A04FC94B}">
-                <ma14:wrappingTextBoxFlag xmlns="" xmlns:m="http://schemas.openxmlformats.org/officeDocument/2006/math" xmlns:a14="http://schemas.microsoft.com/office/drawing/2010/main" xmlns:ma14="http://schemas.microsoft.com/office/mac/drawingml/2011/main" val="1"/>
+                <ma14:wrappingTextBoxFlag xmlns:ma14="http://schemas.microsoft.com/office/mac/drawingml/2011/main" xmlns:a14="http://schemas.microsoft.com/office/drawing/2010/main" xmlns:m="http://schemas.openxmlformats.org/officeDocument/2006/math" xmlns="" val="1"/>
               </a:ext>
             </a:extLst>
           </p:spPr>
@@ -22804,7 +25551,7 @@
             </a:ln>
             <a:extLst>
               <a:ext uri="{C572A759-6A51-4108-AA02-DFA0A04FC94B}">
-                <ma14:wrappingTextBoxFlag xmlns="" xmlns:m="http://schemas.openxmlformats.org/officeDocument/2006/math" xmlns:a14="http://schemas.microsoft.com/office/drawing/2010/main" xmlns:ma14="http://schemas.microsoft.com/office/mac/drawingml/2011/main" val="1"/>
+                <ma14:wrappingTextBoxFlag xmlns:ma14="http://schemas.microsoft.com/office/mac/drawingml/2011/main" xmlns:a14="http://schemas.microsoft.com/office/drawing/2010/main" xmlns:m="http://schemas.openxmlformats.org/officeDocument/2006/math" xmlns="" val="1"/>
               </a:ext>
             </a:extLst>
           </p:spPr>
@@ -22862,7 +25609,7 @@
             </a:ln>
             <a:extLst>
               <a:ext uri="{C572A759-6A51-4108-AA02-DFA0A04FC94B}">
-                <ma14:wrappingTextBoxFlag xmlns="" xmlns:m="http://schemas.openxmlformats.org/officeDocument/2006/math" xmlns:a14="http://schemas.microsoft.com/office/drawing/2010/main" xmlns:ma14="http://schemas.microsoft.com/office/mac/drawingml/2011/main" val="1"/>
+                <ma14:wrappingTextBoxFlag xmlns:ma14="http://schemas.microsoft.com/office/mac/drawingml/2011/main" xmlns:a14="http://schemas.microsoft.com/office/drawing/2010/main" xmlns:m="http://schemas.openxmlformats.org/officeDocument/2006/math" xmlns="" val="1"/>
               </a:ext>
             </a:extLst>
           </p:spPr>
@@ -22907,7 +25654,7 @@
             </a:ln>
             <a:extLst>
               <a:ext uri="{C572A759-6A51-4108-AA02-DFA0A04FC94B}">
-                <ma14:wrappingTextBoxFlag xmlns="" xmlns:m="http://schemas.openxmlformats.org/officeDocument/2006/math" xmlns:a14="http://schemas.microsoft.com/office/drawing/2010/main" xmlns:ma14="http://schemas.microsoft.com/office/mac/drawingml/2011/main" val="1"/>
+                <ma14:wrappingTextBoxFlag xmlns:ma14="http://schemas.microsoft.com/office/mac/drawingml/2011/main" xmlns:a14="http://schemas.microsoft.com/office/drawing/2010/main" xmlns:m="http://schemas.openxmlformats.org/officeDocument/2006/math" xmlns="" val="1"/>
               </a:ext>
             </a:extLst>
           </p:spPr>
@@ -22965,7 +25712,7 @@
             </a:ln>
             <a:extLst>
               <a:ext uri="{C572A759-6A51-4108-AA02-DFA0A04FC94B}">
-                <ma14:wrappingTextBoxFlag xmlns="" xmlns:m="http://schemas.openxmlformats.org/officeDocument/2006/math" xmlns:a14="http://schemas.microsoft.com/office/drawing/2010/main" xmlns:ma14="http://schemas.microsoft.com/office/mac/drawingml/2011/main" val="1"/>
+                <ma14:wrappingTextBoxFlag xmlns:ma14="http://schemas.microsoft.com/office/mac/drawingml/2011/main" xmlns:a14="http://schemas.microsoft.com/office/drawing/2010/main" xmlns:m="http://schemas.openxmlformats.org/officeDocument/2006/math" xmlns="" val="1"/>
               </a:ext>
             </a:extLst>
           </p:spPr>
@@ -23010,7 +25757,7 @@
             </a:ln>
             <a:extLst>
               <a:ext uri="{C572A759-6A51-4108-AA02-DFA0A04FC94B}">
-                <ma14:wrappingTextBoxFlag xmlns="" xmlns:m="http://schemas.openxmlformats.org/officeDocument/2006/math" xmlns:a14="http://schemas.microsoft.com/office/drawing/2010/main" xmlns:ma14="http://schemas.microsoft.com/office/mac/drawingml/2011/main" val="1"/>
+                <ma14:wrappingTextBoxFlag xmlns:ma14="http://schemas.microsoft.com/office/mac/drawingml/2011/main" xmlns:a14="http://schemas.microsoft.com/office/drawing/2010/main" xmlns:m="http://schemas.openxmlformats.org/officeDocument/2006/math" xmlns="" val="1"/>
               </a:ext>
             </a:extLst>
           </p:spPr>
@@ -23068,7 +25815,7 @@
             </a:ln>
             <a:extLst>
               <a:ext uri="{C572A759-6A51-4108-AA02-DFA0A04FC94B}">
-                <ma14:wrappingTextBoxFlag xmlns="" xmlns:m="http://schemas.openxmlformats.org/officeDocument/2006/math" xmlns:a14="http://schemas.microsoft.com/office/drawing/2010/main" xmlns:ma14="http://schemas.microsoft.com/office/mac/drawingml/2011/main" val="1"/>
+                <ma14:wrappingTextBoxFlag xmlns:ma14="http://schemas.microsoft.com/office/mac/drawingml/2011/main" xmlns:a14="http://schemas.microsoft.com/office/drawing/2010/main" xmlns:m="http://schemas.openxmlformats.org/officeDocument/2006/math" xmlns="" val="1"/>
               </a:ext>
             </a:extLst>
           </p:spPr>
@@ -23113,7 +25860,7 @@
             </a:ln>
             <a:extLst>
               <a:ext uri="{C572A759-6A51-4108-AA02-DFA0A04FC94B}">
-                <ma14:wrappingTextBoxFlag xmlns="" xmlns:m="http://schemas.openxmlformats.org/officeDocument/2006/math" xmlns:a14="http://schemas.microsoft.com/office/drawing/2010/main" xmlns:ma14="http://schemas.microsoft.com/office/mac/drawingml/2011/main" val="1"/>
+                <ma14:wrappingTextBoxFlag xmlns:ma14="http://schemas.microsoft.com/office/mac/drawingml/2011/main" xmlns:a14="http://schemas.microsoft.com/office/drawing/2010/main" xmlns:m="http://schemas.openxmlformats.org/officeDocument/2006/math" xmlns="" val="1"/>
               </a:ext>
             </a:extLst>
           </p:spPr>
@@ -23230,7 +25977,7 @@
             <a:effectLst/>
             <a:extLst>
               <a:ext uri="{C572A759-6A51-4108-AA02-DFA0A04FC94B}">
-                <ma14:wrappingTextBoxFlag xmlns="" xmlns:m="http://schemas.openxmlformats.org/officeDocument/2006/math" xmlns:a14="http://schemas.microsoft.com/office/drawing/2010/main" xmlns:ma14="http://schemas.microsoft.com/office/mac/drawingml/2011/main" val="1"/>
+                <ma14:wrappingTextBoxFlag xmlns:ma14="http://schemas.microsoft.com/office/mac/drawingml/2011/main" xmlns:a14="http://schemas.microsoft.com/office/drawing/2010/main" xmlns:m="http://schemas.openxmlformats.org/officeDocument/2006/math" xmlns="" val="1"/>
               </a:ext>
             </a:extLst>
           </p:spPr>
@@ -23377,7 +26124,7 @@
             <a:effectLst/>
             <a:extLst>
               <a:ext uri="{C572A759-6A51-4108-AA02-DFA0A04FC94B}">
-                <ma14:wrappingTextBoxFlag xmlns="" xmlns:m="http://schemas.openxmlformats.org/officeDocument/2006/math" xmlns:a14="http://schemas.microsoft.com/office/drawing/2010/main" xmlns:ma14="http://schemas.microsoft.com/office/mac/drawingml/2011/main" val="1"/>
+                <ma14:wrappingTextBoxFlag xmlns:ma14="http://schemas.microsoft.com/office/mac/drawingml/2011/main" xmlns:a14="http://schemas.microsoft.com/office/drawing/2010/main" xmlns:m="http://schemas.openxmlformats.org/officeDocument/2006/math" xmlns="" val="1"/>
               </a:ext>
             </a:extLst>
           </p:spPr>
@@ -24568,7 +27315,7 @@
             <a:effectLst/>
             <a:extLst>
               <a:ext uri="{C572A759-6A51-4108-AA02-DFA0A04FC94B}">
-                <ma14:wrappingTextBoxFlag xmlns="" xmlns:m="http://schemas.openxmlformats.org/officeDocument/2006/math" xmlns:a14="http://schemas.microsoft.com/office/drawing/2010/main" xmlns:ma14="http://schemas.microsoft.com/office/mac/drawingml/2011/main" val="1"/>
+                <ma14:wrappingTextBoxFlag xmlns:ma14="http://schemas.microsoft.com/office/mac/drawingml/2011/main" xmlns:a14="http://schemas.microsoft.com/office/drawing/2010/main" xmlns:m="http://schemas.openxmlformats.org/officeDocument/2006/math" xmlns="" val="1"/>
               </a:ext>
             </a:extLst>
           </p:spPr>
@@ -24677,7 +27424,7 @@
             <a:effectLst/>
             <a:extLst>
               <a:ext uri="{C572A759-6A51-4108-AA02-DFA0A04FC94B}">
-                <ma14:wrappingTextBoxFlag xmlns="" xmlns:m="http://schemas.openxmlformats.org/officeDocument/2006/math" xmlns:a14="http://schemas.microsoft.com/office/drawing/2010/main" xmlns:ma14="http://schemas.microsoft.com/office/mac/drawingml/2011/main" val="1"/>
+                <ma14:wrappingTextBoxFlag xmlns:ma14="http://schemas.microsoft.com/office/mac/drawingml/2011/main" xmlns:a14="http://schemas.microsoft.com/office/drawing/2010/main" xmlns:m="http://schemas.openxmlformats.org/officeDocument/2006/math" xmlns="" val="1"/>
               </a:ext>
             </a:extLst>
           </p:spPr>
@@ -24786,7 +27533,7 @@
             <a:effectLst/>
             <a:extLst>
               <a:ext uri="{C572A759-6A51-4108-AA02-DFA0A04FC94B}">
-                <ma14:wrappingTextBoxFlag xmlns="" xmlns:m="http://schemas.openxmlformats.org/officeDocument/2006/math" xmlns:a14="http://schemas.microsoft.com/office/drawing/2010/main" xmlns:ma14="http://schemas.microsoft.com/office/mac/drawingml/2011/main" val="1"/>
+                <ma14:wrappingTextBoxFlag xmlns:ma14="http://schemas.microsoft.com/office/mac/drawingml/2011/main" xmlns:a14="http://schemas.microsoft.com/office/drawing/2010/main" xmlns:m="http://schemas.openxmlformats.org/officeDocument/2006/math" xmlns="" val="1"/>
               </a:ext>
             </a:extLst>
           </p:spPr>
@@ -24892,7 +27639,7 @@
             <a:effectLst/>
             <a:extLst>
               <a:ext uri="{C572A759-6A51-4108-AA02-DFA0A04FC94B}">
-                <ma14:wrappingTextBoxFlag xmlns="" xmlns:m="http://schemas.openxmlformats.org/officeDocument/2006/math" xmlns:a14="http://schemas.microsoft.com/office/drawing/2010/main" xmlns:ma14="http://schemas.microsoft.com/office/mac/drawingml/2011/main" val="1"/>
+                <ma14:wrappingTextBoxFlag xmlns:ma14="http://schemas.microsoft.com/office/mac/drawingml/2011/main" xmlns:a14="http://schemas.microsoft.com/office/drawing/2010/main" xmlns:m="http://schemas.openxmlformats.org/officeDocument/2006/math" xmlns="" val="1"/>
               </a:ext>
             </a:extLst>
           </p:spPr>
@@ -24998,7 +27745,7 @@
             <a:effectLst/>
             <a:extLst>
               <a:ext uri="{C572A759-6A51-4108-AA02-DFA0A04FC94B}">
-                <ma14:wrappingTextBoxFlag xmlns="" xmlns:m="http://schemas.openxmlformats.org/officeDocument/2006/math" xmlns:a14="http://schemas.microsoft.com/office/drawing/2010/main" xmlns:ma14="http://schemas.microsoft.com/office/mac/drawingml/2011/main" val="1"/>
+                <ma14:wrappingTextBoxFlag xmlns:ma14="http://schemas.microsoft.com/office/mac/drawingml/2011/main" xmlns:a14="http://schemas.microsoft.com/office/drawing/2010/main" xmlns:m="http://schemas.openxmlformats.org/officeDocument/2006/math" xmlns="" val="1"/>
               </a:ext>
             </a:extLst>
           </p:spPr>
@@ -25101,7 +27848,7 @@
             <a:effectLst/>
             <a:extLst>
               <a:ext uri="{C572A759-6A51-4108-AA02-DFA0A04FC94B}">
-                <ma14:wrappingTextBoxFlag xmlns="" xmlns:m="http://schemas.openxmlformats.org/officeDocument/2006/math" xmlns:a14="http://schemas.microsoft.com/office/drawing/2010/main" xmlns:ma14="http://schemas.microsoft.com/office/mac/drawingml/2011/main" val="1"/>
+                <ma14:wrappingTextBoxFlag xmlns:ma14="http://schemas.microsoft.com/office/mac/drawingml/2011/main" xmlns:a14="http://schemas.microsoft.com/office/drawing/2010/main" xmlns:m="http://schemas.openxmlformats.org/officeDocument/2006/math" xmlns="" val="1"/>
               </a:ext>
             </a:extLst>
           </p:spPr>
@@ -25175,7 +27922,7 @@
           </a:ln>
           <a:extLst>
             <a:ext uri="{C572A759-6A51-4108-AA02-DFA0A04FC94B}">
-              <ma14:wrappingTextBoxFlag xmlns="" xmlns:m="http://schemas.openxmlformats.org/officeDocument/2006/math" xmlns:a14="http://schemas.microsoft.com/office/drawing/2010/main" xmlns:ma14="http://schemas.microsoft.com/office/mac/drawingml/2011/main" val="1"/>
+              <ma14:wrappingTextBoxFlag xmlns:ma14="http://schemas.microsoft.com/office/mac/drawingml/2011/main" xmlns:a14="http://schemas.microsoft.com/office/drawing/2010/main" xmlns:m="http://schemas.openxmlformats.org/officeDocument/2006/math" xmlns="" val="1"/>
             </a:ext>
           </a:extLst>
         </p:spPr>
@@ -25220,7 +27967,7 @@
           </a:ln>
           <a:extLst>
             <a:ext uri="{C572A759-6A51-4108-AA02-DFA0A04FC94B}">
-              <ma14:wrappingTextBoxFlag xmlns="" xmlns:m="http://schemas.openxmlformats.org/officeDocument/2006/math" xmlns:a14="http://schemas.microsoft.com/office/drawing/2010/main" xmlns:ma14="http://schemas.microsoft.com/office/mac/drawingml/2011/main" val="1"/>
+              <ma14:wrappingTextBoxFlag xmlns:ma14="http://schemas.microsoft.com/office/mac/drawingml/2011/main" xmlns:a14="http://schemas.microsoft.com/office/drawing/2010/main" xmlns:m="http://schemas.openxmlformats.org/officeDocument/2006/math" xmlns="" val="1"/>
             </a:ext>
           </a:extLst>
         </p:spPr>
@@ -25307,7 +28054,7 @@
           </a:ln>
           <a:extLst>
             <a:ext uri="{C572A759-6A51-4108-AA02-DFA0A04FC94B}">
-              <ma14:wrappingTextBoxFlag xmlns="" xmlns:m="http://schemas.openxmlformats.org/officeDocument/2006/math" xmlns:a14="http://schemas.microsoft.com/office/drawing/2010/main" xmlns:ma14="http://schemas.microsoft.com/office/mac/drawingml/2011/main" val="1"/>
+              <ma14:wrappingTextBoxFlag xmlns:ma14="http://schemas.microsoft.com/office/mac/drawingml/2011/main" xmlns:a14="http://schemas.microsoft.com/office/drawing/2010/main" xmlns:m="http://schemas.openxmlformats.org/officeDocument/2006/math" xmlns="" val="1"/>
             </a:ext>
           </a:extLst>
         </p:spPr>
@@ -25352,7 +28099,7 @@
           </a:ln>
           <a:extLst>
             <a:ext uri="{C572A759-6A51-4108-AA02-DFA0A04FC94B}">
-              <ma14:wrappingTextBoxFlag xmlns="" xmlns:m="http://schemas.openxmlformats.org/officeDocument/2006/math" xmlns:a14="http://schemas.microsoft.com/office/drawing/2010/main" xmlns:ma14="http://schemas.microsoft.com/office/mac/drawingml/2011/main" val="1"/>
+              <ma14:wrappingTextBoxFlag xmlns:ma14="http://schemas.microsoft.com/office/mac/drawingml/2011/main" xmlns:a14="http://schemas.microsoft.com/office/drawing/2010/main" xmlns:m="http://schemas.openxmlformats.org/officeDocument/2006/math" xmlns="" val="1"/>
             </a:ext>
           </a:extLst>
         </p:spPr>
@@ -25439,7 +28186,7 @@
           </a:ln>
           <a:extLst>
             <a:ext uri="{C572A759-6A51-4108-AA02-DFA0A04FC94B}">
-              <ma14:wrappingTextBoxFlag xmlns="" xmlns:m="http://schemas.openxmlformats.org/officeDocument/2006/math" xmlns:a14="http://schemas.microsoft.com/office/drawing/2010/main" xmlns:ma14="http://schemas.microsoft.com/office/mac/drawingml/2011/main" val="1"/>
+              <ma14:wrappingTextBoxFlag xmlns:ma14="http://schemas.microsoft.com/office/mac/drawingml/2011/main" xmlns:a14="http://schemas.microsoft.com/office/drawing/2010/main" xmlns:m="http://schemas.openxmlformats.org/officeDocument/2006/math" xmlns="" val="1"/>
             </a:ext>
           </a:extLst>
         </p:spPr>
@@ -25484,7 +28231,7 @@
           </a:ln>
           <a:extLst>
             <a:ext uri="{C572A759-6A51-4108-AA02-DFA0A04FC94B}">
-              <ma14:wrappingTextBoxFlag xmlns="" xmlns:m="http://schemas.openxmlformats.org/officeDocument/2006/math" xmlns:a14="http://schemas.microsoft.com/office/drawing/2010/main" xmlns:ma14="http://schemas.microsoft.com/office/mac/drawingml/2011/main" val="1"/>
+              <ma14:wrappingTextBoxFlag xmlns:ma14="http://schemas.microsoft.com/office/mac/drawingml/2011/main" xmlns:a14="http://schemas.microsoft.com/office/drawing/2010/main" xmlns:m="http://schemas.openxmlformats.org/officeDocument/2006/math" xmlns="" val="1"/>
             </a:ext>
           </a:extLst>
         </p:spPr>
@@ -25571,7 +28318,7 @@
           </a:ln>
           <a:extLst>
             <a:ext uri="{C572A759-6A51-4108-AA02-DFA0A04FC94B}">
-              <ma14:wrappingTextBoxFlag xmlns="" xmlns:m="http://schemas.openxmlformats.org/officeDocument/2006/math" xmlns:a14="http://schemas.microsoft.com/office/drawing/2010/main" xmlns:ma14="http://schemas.microsoft.com/office/mac/drawingml/2011/main" val="1"/>
+              <ma14:wrappingTextBoxFlag xmlns:ma14="http://schemas.microsoft.com/office/mac/drawingml/2011/main" xmlns:a14="http://schemas.microsoft.com/office/drawing/2010/main" xmlns:m="http://schemas.openxmlformats.org/officeDocument/2006/math" xmlns="" val="1"/>
             </a:ext>
           </a:extLst>
         </p:spPr>
@@ -25616,7 +28363,7 @@
           </a:ln>
           <a:extLst>
             <a:ext uri="{C572A759-6A51-4108-AA02-DFA0A04FC94B}">
-              <ma14:wrappingTextBoxFlag xmlns="" xmlns:m="http://schemas.openxmlformats.org/officeDocument/2006/math" xmlns:a14="http://schemas.microsoft.com/office/drawing/2010/main" xmlns:ma14="http://schemas.microsoft.com/office/mac/drawingml/2011/main" val="1"/>
+              <ma14:wrappingTextBoxFlag xmlns:ma14="http://schemas.microsoft.com/office/mac/drawingml/2011/main" xmlns:a14="http://schemas.microsoft.com/office/drawing/2010/main" xmlns:m="http://schemas.openxmlformats.org/officeDocument/2006/math" xmlns="" val="1"/>
             </a:ext>
           </a:extLst>
         </p:spPr>
@@ -26809,7 +29556,7 @@
             <a:effectLst/>
             <a:extLst>
               <a:ext uri="{C572A759-6A51-4108-AA02-DFA0A04FC94B}">
-                <ma14:wrappingTextBoxFlag xmlns="" xmlns:m="http://schemas.openxmlformats.org/officeDocument/2006/math" xmlns:a14="http://schemas.microsoft.com/office/drawing/2010/main" xmlns:ma14="http://schemas.microsoft.com/office/mac/drawingml/2011/main" val="1"/>
+                <ma14:wrappingTextBoxFlag xmlns:ma14="http://schemas.microsoft.com/office/mac/drawingml/2011/main" xmlns:a14="http://schemas.microsoft.com/office/drawing/2010/main" xmlns:m="http://schemas.openxmlformats.org/officeDocument/2006/math" xmlns="" val="1"/>
               </a:ext>
             </a:extLst>
           </p:spPr>
@@ -26856,7 +29603,7 @@
           </a:ln>
           <a:extLst>
             <a:ext uri="{C572A759-6A51-4108-AA02-DFA0A04FC94B}">
-              <ma14:wrappingTextBoxFlag xmlns="" xmlns:m="http://schemas.openxmlformats.org/officeDocument/2006/math" xmlns:a14="http://schemas.microsoft.com/office/drawing/2010/main" xmlns:ma14="http://schemas.microsoft.com/office/mac/drawingml/2011/main" val="1"/>
+              <ma14:wrappingTextBoxFlag xmlns:ma14="http://schemas.microsoft.com/office/mac/drawingml/2011/main" xmlns:a14="http://schemas.microsoft.com/office/drawing/2010/main" xmlns:m="http://schemas.openxmlformats.org/officeDocument/2006/math" xmlns="" val="1"/>
             </a:ext>
           </a:extLst>
         </p:spPr>
@@ -27222,7 +29969,7 @@
           </a:ln>
           <a:extLst>
             <a:ext uri="{C572A759-6A51-4108-AA02-DFA0A04FC94B}">
-              <ma14:wrappingTextBoxFlag xmlns="" xmlns:m="http://schemas.openxmlformats.org/officeDocument/2006/math" xmlns:a14="http://schemas.microsoft.com/office/drawing/2010/main" xmlns:ma14="http://schemas.microsoft.com/office/mac/drawingml/2011/main" val="1"/>
+              <ma14:wrappingTextBoxFlag xmlns:ma14="http://schemas.microsoft.com/office/mac/drawingml/2011/main" xmlns:a14="http://schemas.microsoft.com/office/drawing/2010/main" xmlns:m="http://schemas.openxmlformats.org/officeDocument/2006/math" xmlns="" val="1"/>
             </a:ext>
           </a:extLst>
         </p:spPr>
@@ -27272,7 +30019,7 @@
           </a:ln>
           <a:extLst>
             <a:ext uri="{C572A759-6A51-4108-AA02-DFA0A04FC94B}">
-              <ma14:wrappingTextBoxFlag xmlns="" xmlns:m="http://schemas.openxmlformats.org/officeDocument/2006/math" xmlns:a14="http://schemas.microsoft.com/office/drawing/2010/main" xmlns:ma14="http://schemas.microsoft.com/office/mac/drawingml/2011/main" val="1"/>
+              <ma14:wrappingTextBoxFlag xmlns:ma14="http://schemas.microsoft.com/office/mac/drawingml/2011/main" xmlns:a14="http://schemas.microsoft.com/office/drawing/2010/main" xmlns:m="http://schemas.openxmlformats.org/officeDocument/2006/math" xmlns="" val="1"/>
             </a:ext>
           </a:extLst>
         </p:spPr>
@@ -27328,7 +30075,7 @@
           </a:ln>
           <a:extLst>
             <a:ext uri="{C572A759-6A51-4108-AA02-DFA0A04FC94B}">
-              <ma14:wrappingTextBoxFlag xmlns="" xmlns:m="http://schemas.openxmlformats.org/officeDocument/2006/math" xmlns:a14="http://schemas.microsoft.com/office/drawing/2010/main" xmlns:ma14="http://schemas.microsoft.com/office/mac/drawingml/2011/main" val="1"/>
+              <ma14:wrappingTextBoxFlag xmlns:ma14="http://schemas.microsoft.com/office/mac/drawingml/2011/main" xmlns:a14="http://schemas.microsoft.com/office/drawing/2010/main" xmlns:m="http://schemas.openxmlformats.org/officeDocument/2006/math" xmlns="" val="1"/>
             </a:ext>
           </a:extLst>
         </p:spPr>
@@ -27373,7 +30120,7 @@
           </a:ln>
           <a:extLst>
             <a:ext uri="{C572A759-6A51-4108-AA02-DFA0A04FC94B}">
-              <ma14:wrappingTextBoxFlag xmlns="" xmlns:m="http://schemas.openxmlformats.org/officeDocument/2006/math" xmlns:a14="http://schemas.microsoft.com/office/drawing/2010/main" xmlns:ma14="http://schemas.microsoft.com/office/mac/drawingml/2011/main" val="1"/>
+              <ma14:wrappingTextBoxFlag xmlns:ma14="http://schemas.microsoft.com/office/mac/drawingml/2011/main" xmlns:a14="http://schemas.microsoft.com/office/drawing/2010/main" xmlns:m="http://schemas.openxmlformats.org/officeDocument/2006/math" xmlns="" val="1"/>
             </a:ext>
           </a:extLst>
         </p:spPr>
@@ -27429,7 +30176,7 @@
           </a:ln>
           <a:extLst>
             <a:ext uri="{C572A759-6A51-4108-AA02-DFA0A04FC94B}">
-              <ma14:wrappingTextBoxFlag xmlns="" xmlns:m="http://schemas.openxmlformats.org/officeDocument/2006/math" xmlns:a14="http://schemas.microsoft.com/office/drawing/2010/main" xmlns:ma14="http://schemas.microsoft.com/office/mac/drawingml/2011/main" val="1"/>
+              <ma14:wrappingTextBoxFlag xmlns:ma14="http://schemas.microsoft.com/office/mac/drawingml/2011/main" xmlns:a14="http://schemas.microsoft.com/office/drawing/2010/main" xmlns:m="http://schemas.openxmlformats.org/officeDocument/2006/math" xmlns="" val="1"/>
             </a:ext>
           </a:extLst>
         </p:spPr>
@@ -27474,7 +30221,7 @@
           </a:ln>
           <a:extLst>
             <a:ext uri="{C572A759-6A51-4108-AA02-DFA0A04FC94B}">
-              <ma14:wrappingTextBoxFlag xmlns="" xmlns:m="http://schemas.openxmlformats.org/officeDocument/2006/math" xmlns:a14="http://schemas.microsoft.com/office/drawing/2010/main" xmlns:ma14="http://schemas.microsoft.com/office/mac/drawingml/2011/main" val="1"/>
+              <ma14:wrappingTextBoxFlag xmlns:ma14="http://schemas.microsoft.com/office/mac/drawingml/2011/main" xmlns:a14="http://schemas.microsoft.com/office/drawing/2010/main" xmlns:m="http://schemas.openxmlformats.org/officeDocument/2006/math" xmlns="" val="1"/>
             </a:ext>
           </a:extLst>
         </p:spPr>
@@ -27530,7 +30277,7 @@
           </a:ln>
           <a:extLst>
             <a:ext uri="{C572A759-6A51-4108-AA02-DFA0A04FC94B}">
-              <ma14:wrappingTextBoxFlag xmlns="" xmlns:m="http://schemas.openxmlformats.org/officeDocument/2006/math" xmlns:a14="http://schemas.microsoft.com/office/drawing/2010/main" xmlns:ma14="http://schemas.microsoft.com/office/mac/drawingml/2011/main" val="1"/>
+              <ma14:wrappingTextBoxFlag xmlns:ma14="http://schemas.microsoft.com/office/mac/drawingml/2011/main" xmlns:a14="http://schemas.microsoft.com/office/drawing/2010/main" xmlns:m="http://schemas.openxmlformats.org/officeDocument/2006/math" xmlns="" val="1"/>
             </a:ext>
           </a:extLst>
         </p:spPr>
@@ -27575,7 +30322,7 @@
           </a:ln>
           <a:extLst>
             <a:ext uri="{C572A759-6A51-4108-AA02-DFA0A04FC94B}">
-              <ma14:wrappingTextBoxFlag xmlns="" xmlns:m="http://schemas.openxmlformats.org/officeDocument/2006/math" xmlns:a14="http://schemas.microsoft.com/office/drawing/2010/main" xmlns:ma14="http://schemas.microsoft.com/office/mac/drawingml/2011/main" val="1"/>
+              <ma14:wrappingTextBoxFlag xmlns:ma14="http://schemas.microsoft.com/office/mac/drawingml/2011/main" xmlns:a14="http://schemas.microsoft.com/office/drawing/2010/main" xmlns:m="http://schemas.openxmlformats.org/officeDocument/2006/math" xmlns="" val="1"/>
             </a:ext>
           </a:extLst>
         </p:spPr>
@@ -27689,7 +30436,7 @@
             <a:effectLst/>
             <a:extLst>
               <a:ext uri="{C572A759-6A51-4108-AA02-DFA0A04FC94B}">
-                <ma14:wrappingTextBoxFlag xmlns="" xmlns:m="http://schemas.openxmlformats.org/officeDocument/2006/math" xmlns:a14="http://schemas.microsoft.com/office/drawing/2010/main" xmlns:ma14="http://schemas.microsoft.com/office/mac/drawingml/2011/main" val="1"/>
+                <ma14:wrappingTextBoxFlag xmlns:ma14="http://schemas.microsoft.com/office/mac/drawingml/2011/main" xmlns:a14="http://schemas.microsoft.com/office/drawing/2010/main" xmlns:m="http://schemas.openxmlformats.org/officeDocument/2006/math" xmlns="" val="1"/>
               </a:ext>
             </a:extLst>
           </p:spPr>
@@ -27792,7 +30539,7 @@
             <a:effectLst/>
             <a:extLst>
               <a:ext uri="{C572A759-6A51-4108-AA02-DFA0A04FC94B}">
-                <ma14:wrappingTextBoxFlag xmlns="" xmlns:m="http://schemas.openxmlformats.org/officeDocument/2006/math" xmlns:a14="http://schemas.microsoft.com/office/drawing/2010/main" xmlns:ma14="http://schemas.microsoft.com/office/mac/drawingml/2011/main" val="1"/>
+                <ma14:wrappingTextBoxFlag xmlns:ma14="http://schemas.microsoft.com/office/mac/drawingml/2011/main" xmlns:a14="http://schemas.microsoft.com/office/drawing/2010/main" xmlns:m="http://schemas.openxmlformats.org/officeDocument/2006/math" xmlns="" val="1"/>
               </a:ext>
             </a:extLst>
           </p:spPr>
@@ -27895,7 +30642,7 @@
             <a:effectLst/>
             <a:extLst>
               <a:ext uri="{C572A759-6A51-4108-AA02-DFA0A04FC94B}">
-                <ma14:wrappingTextBoxFlag xmlns="" xmlns:m="http://schemas.openxmlformats.org/officeDocument/2006/math" xmlns:a14="http://schemas.microsoft.com/office/drawing/2010/main" xmlns:ma14="http://schemas.microsoft.com/office/mac/drawingml/2011/main" val="1"/>
+                <ma14:wrappingTextBoxFlag xmlns:ma14="http://schemas.microsoft.com/office/mac/drawingml/2011/main" xmlns:a14="http://schemas.microsoft.com/office/drawing/2010/main" xmlns:m="http://schemas.openxmlformats.org/officeDocument/2006/math" xmlns="" val="1"/>
               </a:ext>
             </a:extLst>
           </p:spPr>
@@ -27998,7 +30745,7 @@
             <a:effectLst/>
             <a:extLst>
               <a:ext uri="{C572A759-6A51-4108-AA02-DFA0A04FC94B}">
-                <ma14:wrappingTextBoxFlag xmlns="" xmlns:m="http://schemas.openxmlformats.org/officeDocument/2006/math" xmlns:a14="http://schemas.microsoft.com/office/drawing/2010/main" xmlns:ma14="http://schemas.microsoft.com/office/mac/drawingml/2011/main" val="1"/>
+                <ma14:wrappingTextBoxFlag xmlns:ma14="http://schemas.microsoft.com/office/mac/drawingml/2011/main" xmlns:a14="http://schemas.microsoft.com/office/drawing/2010/main" xmlns:m="http://schemas.openxmlformats.org/officeDocument/2006/math" xmlns="" val="1"/>
               </a:ext>
             </a:extLst>
           </p:spPr>
@@ -29136,7 +31883,7 @@
             <a:effectLst/>
             <a:extLst>
               <a:ext uri="{C572A759-6A51-4108-AA02-DFA0A04FC94B}">
-                <ma14:wrappingTextBoxFlag xmlns="" xmlns:m="http://schemas.openxmlformats.org/officeDocument/2006/math" xmlns:a14="http://schemas.microsoft.com/office/drawing/2010/main" xmlns:ma14="http://schemas.microsoft.com/office/mac/drawingml/2011/main" val="1"/>
+                <ma14:wrappingTextBoxFlag xmlns:ma14="http://schemas.microsoft.com/office/mac/drawingml/2011/main" xmlns:a14="http://schemas.microsoft.com/office/drawing/2010/main" xmlns:m="http://schemas.openxmlformats.org/officeDocument/2006/math" xmlns="" val="1"/>
               </a:ext>
             </a:extLst>
           </p:spPr>
@@ -29183,7 +31930,7 @@
           </a:ln>
           <a:extLst>
             <a:ext uri="{C572A759-6A51-4108-AA02-DFA0A04FC94B}">
-              <ma14:wrappingTextBoxFlag xmlns="" xmlns:m="http://schemas.openxmlformats.org/officeDocument/2006/math" xmlns:a14="http://schemas.microsoft.com/office/drawing/2010/main" xmlns:ma14="http://schemas.microsoft.com/office/mac/drawingml/2011/main" val="1"/>
+              <ma14:wrappingTextBoxFlag xmlns:ma14="http://schemas.microsoft.com/office/mac/drawingml/2011/main" xmlns:a14="http://schemas.microsoft.com/office/drawing/2010/main" xmlns:m="http://schemas.openxmlformats.org/officeDocument/2006/math" xmlns="" val="1"/>
             </a:ext>
           </a:extLst>
         </p:spPr>
@@ -29465,7 +32212,7 @@
             <a:effectLst/>
             <a:extLst>
               <a:ext uri="{C572A759-6A51-4108-AA02-DFA0A04FC94B}">
-                <ma14:wrappingTextBoxFlag xmlns="" xmlns:m="http://schemas.openxmlformats.org/officeDocument/2006/math" xmlns:a14="http://schemas.microsoft.com/office/drawing/2010/main" xmlns:ma14="http://schemas.microsoft.com/office/mac/drawingml/2011/main" val="1"/>
+                <ma14:wrappingTextBoxFlag xmlns:ma14="http://schemas.microsoft.com/office/mac/drawingml/2011/main" xmlns:a14="http://schemas.microsoft.com/office/drawing/2010/main" xmlns:m="http://schemas.openxmlformats.org/officeDocument/2006/math" xmlns="" val="1"/>
               </a:ext>
             </a:extLst>
           </p:spPr>
@@ -29571,7 +32318,7 @@
             <a:effectLst/>
             <a:extLst>
               <a:ext uri="{C572A759-6A51-4108-AA02-DFA0A04FC94B}">
-                <ma14:wrappingTextBoxFlag xmlns="" xmlns:m="http://schemas.openxmlformats.org/officeDocument/2006/math" xmlns:a14="http://schemas.microsoft.com/office/drawing/2010/main" xmlns:ma14="http://schemas.microsoft.com/office/mac/drawingml/2011/main" val="1"/>
+                <ma14:wrappingTextBoxFlag xmlns:ma14="http://schemas.microsoft.com/office/mac/drawingml/2011/main" xmlns:a14="http://schemas.microsoft.com/office/drawing/2010/main" xmlns:m="http://schemas.openxmlformats.org/officeDocument/2006/math" xmlns="" val="1"/>
               </a:ext>
             </a:extLst>
           </p:spPr>
@@ -29785,7 +32532,7 @@
           </a:ln>
           <a:extLst>
             <a:ext uri="{C572A759-6A51-4108-AA02-DFA0A04FC94B}">
-              <ma14:wrappingTextBoxFlag xmlns="" xmlns:m="http://schemas.openxmlformats.org/officeDocument/2006/math" xmlns:a14="http://schemas.microsoft.com/office/drawing/2010/main" xmlns:ma14="http://schemas.microsoft.com/office/mac/drawingml/2011/main" val="1"/>
+              <ma14:wrappingTextBoxFlag xmlns:ma14="http://schemas.microsoft.com/office/mac/drawingml/2011/main" xmlns:a14="http://schemas.microsoft.com/office/drawing/2010/main" xmlns:m="http://schemas.openxmlformats.org/officeDocument/2006/math" xmlns="" val="1"/>
             </a:ext>
           </a:extLst>
         </p:spPr>
@@ -29835,7 +32582,7 @@
           </a:ln>
           <a:extLst>
             <a:ext uri="{C572A759-6A51-4108-AA02-DFA0A04FC94B}">
-              <ma14:wrappingTextBoxFlag xmlns="" xmlns:m="http://schemas.openxmlformats.org/officeDocument/2006/math" xmlns:a14="http://schemas.microsoft.com/office/drawing/2010/main" xmlns:ma14="http://schemas.microsoft.com/office/mac/drawingml/2011/main" val="1"/>
+              <ma14:wrappingTextBoxFlag xmlns:ma14="http://schemas.microsoft.com/office/mac/drawingml/2011/main" xmlns:a14="http://schemas.microsoft.com/office/drawing/2010/main" xmlns:m="http://schemas.openxmlformats.org/officeDocument/2006/math" xmlns="" val="1"/>
             </a:ext>
           </a:extLst>
         </p:spPr>
@@ -29922,7 +32669,7 @@
           </a:ln>
           <a:extLst>
             <a:ext uri="{C572A759-6A51-4108-AA02-DFA0A04FC94B}">
-              <ma14:wrappingTextBoxFlag xmlns="" xmlns:m="http://schemas.openxmlformats.org/officeDocument/2006/math" xmlns:a14="http://schemas.microsoft.com/office/drawing/2010/main" xmlns:ma14="http://schemas.microsoft.com/office/mac/drawingml/2011/main" val="1"/>
+              <ma14:wrappingTextBoxFlag xmlns:ma14="http://schemas.microsoft.com/office/mac/drawingml/2011/main" xmlns:a14="http://schemas.microsoft.com/office/drawing/2010/main" xmlns:m="http://schemas.openxmlformats.org/officeDocument/2006/math" xmlns="" val="1"/>
             </a:ext>
           </a:extLst>
         </p:spPr>
@@ -29967,7 +32714,7 @@
           </a:ln>
           <a:extLst>
             <a:ext uri="{C572A759-6A51-4108-AA02-DFA0A04FC94B}">
-              <ma14:wrappingTextBoxFlag xmlns="" xmlns:m="http://schemas.openxmlformats.org/officeDocument/2006/math" xmlns:a14="http://schemas.microsoft.com/office/drawing/2010/main" xmlns:ma14="http://schemas.microsoft.com/office/mac/drawingml/2011/main" val="1"/>
+              <ma14:wrappingTextBoxFlag xmlns:ma14="http://schemas.microsoft.com/office/mac/drawingml/2011/main" xmlns:a14="http://schemas.microsoft.com/office/drawing/2010/main" xmlns:m="http://schemas.openxmlformats.org/officeDocument/2006/math" xmlns="" val="1"/>
             </a:ext>
           </a:extLst>
         </p:spPr>
@@ -30054,7 +32801,7 @@
           </a:ln>
           <a:extLst>
             <a:ext uri="{C572A759-6A51-4108-AA02-DFA0A04FC94B}">
-              <ma14:wrappingTextBoxFlag xmlns="" xmlns:m="http://schemas.openxmlformats.org/officeDocument/2006/math" xmlns:a14="http://schemas.microsoft.com/office/drawing/2010/main" xmlns:ma14="http://schemas.microsoft.com/office/mac/drawingml/2011/main" val="1"/>
+              <ma14:wrappingTextBoxFlag xmlns:ma14="http://schemas.microsoft.com/office/mac/drawingml/2011/main" xmlns:a14="http://schemas.microsoft.com/office/drawing/2010/main" xmlns:m="http://schemas.openxmlformats.org/officeDocument/2006/math" xmlns="" val="1"/>
             </a:ext>
           </a:extLst>
         </p:spPr>
@@ -30099,7 +32846,7 @@
           </a:ln>
           <a:extLst>
             <a:ext uri="{C572A759-6A51-4108-AA02-DFA0A04FC94B}">
-              <ma14:wrappingTextBoxFlag xmlns="" xmlns:m="http://schemas.openxmlformats.org/officeDocument/2006/math" xmlns:a14="http://schemas.microsoft.com/office/drawing/2010/main" xmlns:ma14="http://schemas.microsoft.com/office/mac/drawingml/2011/main" val="1"/>
+              <ma14:wrappingTextBoxFlag xmlns:ma14="http://schemas.microsoft.com/office/mac/drawingml/2011/main" xmlns:a14="http://schemas.microsoft.com/office/drawing/2010/main" xmlns:m="http://schemas.openxmlformats.org/officeDocument/2006/math" xmlns="" val="1"/>
             </a:ext>
           </a:extLst>
         </p:spPr>
@@ -30186,7 +32933,7 @@
           </a:ln>
           <a:extLst>
             <a:ext uri="{C572A759-6A51-4108-AA02-DFA0A04FC94B}">
-              <ma14:wrappingTextBoxFlag xmlns="" xmlns:m="http://schemas.openxmlformats.org/officeDocument/2006/math" xmlns:a14="http://schemas.microsoft.com/office/drawing/2010/main" xmlns:ma14="http://schemas.microsoft.com/office/mac/drawingml/2011/main" val="1"/>
+              <ma14:wrappingTextBoxFlag xmlns:ma14="http://schemas.microsoft.com/office/mac/drawingml/2011/main" xmlns:a14="http://schemas.microsoft.com/office/drawing/2010/main" xmlns:m="http://schemas.openxmlformats.org/officeDocument/2006/math" xmlns="" val="1"/>
             </a:ext>
           </a:extLst>
         </p:spPr>
@@ -30231,7 +32978,7 @@
           </a:ln>
           <a:extLst>
             <a:ext uri="{C572A759-6A51-4108-AA02-DFA0A04FC94B}">
-              <ma14:wrappingTextBoxFlag xmlns="" xmlns:m="http://schemas.openxmlformats.org/officeDocument/2006/math" xmlns:a14="http://schemas.microsoft.com/office/drawing/2010/main" xmlns:ma14="http://schemas.microsoft.com/office/mac/drawingml/2011/main" val="1"/>
+              <ma14:wrappingTextBoxFlag xmlns:ma14="http://schemas.microsoft.com/office/mac/drawingml/2011/main" xmlns:a14="http://schemas.microsoft.com/office/drawing/2010/main" xmlns:m="http://schemas.openxmlformats.org/officeDocument/2006/math" xmlns="" val="1"/>
             </a:ext>
           </a:extLst>
         </p:spPr>
@@ -31556,7 +34303,7 @@
             <a:effectLst/>
             <a:extLst>
               <a:ext uri="{C572A759-6A51-4108-AA02-DFA0A04FC94B}">
-                <ma14:wrappingTextBoxFlag xmlns="" xmlns:m="http://schemas.openxmlformats.org/officeDocument/2006/math" xmlns:a14="http://schemas.microsoft.com/office/drawing/2010/main" xmlns:ma14="http://schemas.microsoft.com/office/mac/drawingml/2011/main" val="1"/>
+                <ma14:wrappingTextBoxFlag xmlns:ma14="http://schemas.microsoft.com/office/mac/drawingml/2011/main" xmlns:a14="http://schemas.microsoft.com/office/drawing/2010/main" xmlns:m="http://schemas.openxmlformats.org/officeDocument/2006/math" xmlns="" val="1"/>
               </a:ext>
             </a:extLst>
           </p:spPr>
@@ -31732,7 +34479,7 @@
             <a:effectLst/>
             <a:extLst>
               <a:ext uri="{C572A759-6A51-4108-AA02-DFA0A04FC94B}">
-                <ma14:wrappingTextBoxFlag xmlns="" xmlns:m="http://schemas.openxmlformats.org/officeDocument/2006/math" xmlns:a14="http://schemas.microsoft.com/office/drawing/2010/main" xmlns:ma14="http://schemas.microsoft.com/office/mac/drawingml/2011/main" val="1"/>
+                <ma14:wrappingTextBoxFlag xmlns:ma14="http://schemas.microsoft.com/office/mac/drawingml/2011/main" xmlns:a14="http://schemas.microsoft.com/office/drawing/2010/main" xmlns:m="http://schemas.openxmlformats.org/officeDocument/2006/math" xmlns="" val="1"/>
               </a:ext>
             </a:extLst>
           </p:spPr>
@@ -31838,7 +34585,7 @@
             <a:effectLst/>
             <a:extLst>
               <a:ext uri="{C572A759-6A51-4108-AA02-DFA0A04FC94B}">
-                <ma14:wrappingTextBoxFlag xmlns="" xmlns:m="http://schemas.openxmlformats.org/officeDocument/2006/math" xmlns:a14="http://schemas.microsoft.com/office/drawing/2010/main" xmlns:ma14="http://schemas.microsoft.com/office/mac/drawingml/2011/main" val="1"/>
+                <ma14:wrappingTextBoxFlag xmlns:ma14="http://schemas.microsoft.com/office/mac/drawingml/2011/main" xmlns:a14="http://schemas.microsoft.com/office/drawing/2010/main" xmlns:m="http://schemas.openxmlformats.org/officeDocument/2006/math" xmlns="" val="1"/>
               </a:ext>
             </a:extLst>
           </p:spPr>
@@ -31944,7 +34691,7 @@
             <a:effectLst/>
             <a:extLst>
               <a:ext uri="{C572A759-6A51-4108-AA02-DFA0A04FC94B}">
-                <ma14:wrappingTextBoxFlag xmlns="" xmlns:m="http://schemas.openxmlformats.org/officeDocument/2006/math" xmlns:a14="http://schemas.microsoft.com/office/drawing/2010/main" xmlns:ma14="http://schemas.microsoft.com/office/mac/drawingml/2011/main" val="1"/>
+                <ma14:wrappingTextBoxFlag xmlns:ma14="http://schemas.microsoft.com/office/mac/drawingml/2011/main" xmlns:a14="http://schemas.microsoft.com/office/drawing/2010/main" xmlns:m="http://schemas.openxmlformats.org/officeDocument/2006/math" xmlns="" val="1"/>
               </a:ext>
             </a:extLst>
           </p:spPr>
@@ -32216,7 +34963,7 @@
             <a:effectLst/>
             <a:extLst>
               <a:ext uri="{C572A759-6A51-4108-AA02-DFA0A04FC94B}">
-                <ma14:wrappingTextBoxFlag xmlns="" xmlns:m="http://schemas.openxmlformats.org/officeDocument/2006/math" xmlns:a14="http://schemas.microsoft.com/office/drawing/2010/main" xmlns:ma14="http://schemas.microsoft.com/office/mac/drawingml/2011/main" val="1"/>
+                <ma14:wrappingTextBoxFlag xmlns:ma14="http://schemas.microsoft.com/office/mac/drawingml/2011/main" xmlns:a14="http://schemas.microsoft.com/office/drawing/2010/main" xmlns:m="http://schemas.openxmlformats.org/officeDocument/2006/math" xmlns="" val="1"/>
               </a:ext>
             </a:extLst>
           </p:spPr>
@@ -32322,7 +35069,7 @@
             <a:effectLst/>
             <a:extLst>
               <a:ext uri="{C572A759-6A51-4108-AA02-DFA0A04FC94B}">
-                <ma14:wrappingTextBoxFlag xmlns="" xmlns:m="http://schemas.openxmlformats.org/officeDocument/2006/math" xmlns:a14="http://schemas.microsoft.com/office/drawing/2010/main" xmlns:ma14="http://schemas.microsoft.com/office/mac/drawingml/2011/main" val="1"/>
+                <ma14:wrappingTextBoxFlag xmlns:ma14="http://schemas.microsoft.com/office/mac/drawingml/2011/main" xmlns:a14="http://schemas.microsoft.com/office/drawing/2010/main" xmlns:m="http://schemas.openxmlformats.org/officeDocument/2006/math" xmlns="" val="1"/>
               </a:ext>
             </a:extLst>
           </p:spPr>
@@ -32425,7 +35172,7 @@
             <a:effectLst/>
             <a:extLst>
               <a:ext uri="{C572A759-6A51-4108-AA02-DFA0A04FC94B}">
-                <ma14:wrappingTextBoxFlag xmlns="" xmlns:m="http://schemas.openxmlformats.org/officeDocument/2006/math" xmlns:a14="http://schemas.microsoft.com/office/drawing/2010/main" xmlns:ma14="http://schemas.microsoft.com/office/mac/drawingml/2011/main" val="1"/>
+                <ma14:wrappingTextBoxFlag xmlns:ma14="http://schemas.microsoft.com/office/mac/drawingml/2011/main" xmlns:a14="http://schemas.microsoft.com/office/drawing/2010/main" xmlns:m="http://schemas.openxmlformats.org/officeDocument/2006/math" xmlns="" val="1"/>
               </a:ext>
             </a:extLst>
           </p:spPr>
@@ -32531,7 +35278,7 @@
             <a:effectLst/>
             <a:extLst>
               <a:ext uri="{C572A759-6A51-4108-AA02-DFA0A04FC94B}">
-                <ma14:wrappingTextBoxFlag xmlns="" xmlns:m="http://schemas.openxmlformats.org/officeDocument/2006/math" xmlns:a14="http://schemas.microsoft.com/office/drawing/2010/main" xmlns:ma14="http://schemas.microsoft.com/office/mac/drawingml/2011/main" val="1"/>
+                <ma14:wrappingTextBoxFlag xmlns:ma14="http://schemas.microsoft.com/office/mac/drawingml/2011/main" xmlns:a14="http://schemas.microsoft.com/office/drawing/2010/main" xmlns:m="http://schemas.openxmlformats.org/officeDocument/2006/math" xmlns="" val="1"/>
               </a:ext>
             </a:extLst>
           </p:spPr>
@@ -32634,7 +35381,7 @@
             <a:effectLst/>
             <a:extLst>
               <a:ext uri="{C572A759-6A51-4108-AA02-DFA0A04FC94B}">
-                <ma14:wrappingTextBoxFlag xmlns="" xmlns:m="http://schemas.openxmlformats.org/officeDocument/2006/math" xmlns:a14="http://schemas.microsoft.com/office/drawing/2010/main" xmlns:ma14="http://schemas.microsoft.com/office/mac/drawingml/2011/main" val="1"/>
+                <ma14:wrappingTextBoxFlag xmlns:ma14="http://schemas.microsoft.com/office/mac/drawingml/2011/main" xmlns:a14="http://schemas.microsoft.com/office/drawing/2010/main" xmlns:m="http://schemas.openxmlformats.org/officeDocument/2006/math" xmlns="" val="1"/>
               </a:ext>
             </a:extLst>
           </p:spPr>
@@ -32738,7 +35485,7 @@
             <a:effectLst/>
             <a:extLst>
               <a:ext uri="{C572A759-6A51-4108-AA02-DFA0A04FC94B}">
-                <ma14:wrappingTextBoxFlag xmlns="" xmlns:m="http://schemas.openxmlformats.org/officeDocument/2006/math" xmlns:a14="http://schemas.microsoft.com/office/drawing/2010/main" xmlns:ma14="http://schemas.microsoft.com/office/mac/drawingml/2011/main" val="1"/>
+                <ma14:wrappingTextBoxFlag xmlns:ma14="http://schemas.microsoft.com/office/mac/drawingml/2011/main" xmlns:a14="http://schemas.microsoft.com/office/drawing/2010/main" xmlns:m="http://schemas.openxmlformats.org/officeDocument/2006/math" xmlns="" val="1"/>
               </a:ext>
             </a:extLst>
           </p:spPr>
@@ -32843,7 +35590,7 @@
             <a:effectLst/>
             <a:extLst>
               <a:ext uri="{C572A759-6A51-4108-AA02-DFA0A04FC94B}">
-                <ma14:wrappingTextBoxFlag xmlns="" xmlns:m="http://schemas.openxmlformats.org/officeDocument/2006/math" xmlns:a14="http://schemas.microsoft.com/office/drawing/2010/main" xmlns:ma14="http://schemas.microsoft.com/office/mac/drawingml/2011/main" val="1"/>
+                <ma14:wrappingTextBoxFlag xmlns:ma14="http://schemas.microsoft.com/office/mac/drawingml/2011/main" xmlns:a14="http://schemas.microsoft.com/office/drawing/2010/main" xmlns:m="http://schemas.openxmlformats.org/officeDocument/2006/math" xmlns="" val="1"/>
               </a:ext>
             </a:extLst>
           </p:spPr>
@@ -34040,7 +36787,7 @@
             <a:effectLst/>
             <a:extLst>
               <a:ext uri="{C572A759-6A51-4108-AA02-DFA0A04FC94B}">
-                <ma14:wrappingTextBoxFlag xmlns="" xmlns:m="http://schemas.openxmlformats.org/officeDocument/2006/math" xmlns:a14="http://schemas.microsoft.com/office/drawing/2010/main" xmlns:ma14="http://schemas.microsoft.com/office/mac/drawingml/2011/main" val="1"/>
+                <ma14:wrappingTextBoxFlag xmlns:ma14="http://schemas.microsoft.com/office/mac/drawingml/2011/main" xmlns:a14="http://schemas.microsoft.com/office/drawing/2010/main" xmlns:m="http://schemas.openxmlformats.org/officeDocument/2006/math" xmlns="" val="1"/>
               </a:ext>
             </a:extLst>
           </p:spPr>
@@ -34187,7 +36934,7 @@
             <a:effectLst/>
             <a:extLst>
               <a:ext uri="{C572A759-6A51-4108-AA02-DFA0A04FC94B}">
-                <ma14:wrappingTextBoxFlag xmlns="" xmlns:m="http://schemas.openxmlformats.org/officeDocument/2006/math" xmlns:a14="http://schemas.microsoft.com/office/drawing/2010/main" xmlns:ma14="http://schemas.microsoft.com/office/mac/drawingml/2011/main" val="1"/>
+                <ma14:wrappingTextBoxFlag xmlns:ma14="http://schemas.microsoft.com/office/mac/drawingml/2011/main" xmlns:a14="http://schemas.microsoft.com/office/drawing/2010/main" xmlns:m="http://schemas.openxmlformats.org/officeDocument/2006/math" xmlns="" val="1"/>
               </a:ext>
             </a:extLst>
           </p:spPr>
@@ -34294,7 +37041,7 @@
             <a:effectLst/>
             <a:extLst>
               <a:ext uri="{C572A759-6A51-4108-AA02-DFA0A04FC94B}">
-                <ma14:wrappingTextBoxFlag xmlns="" xmlns:m="http://schemas.openxmlformats.org/officeDocument/2006/math" xmlns:a14="http://schemas.microsoft.com/office/drawing/2010/main" xmlns:ma14="http://schemas.microsoft.com/office/mac/drawingml/2011/main" val="1"/>
+                <ma14:wrappingTextBoxFlag xmlns:ma14="http://schemas.microsoft.com/office/mac/drawingml/2011/main" xmlns:a14="http://schemas.microsoft.com/office/drawing/2010/main" xmlns:m="http://schemas.openxmlformats.org/officeDocument/2006/math" xmlns="" val="1"/>
               </a:ext>
             </a:extLst>
           </p:spPr>
@@ -34401,7 +37148,7 @@
             <a:effectLst/>
             <a:extLst>
               <a:ext uri="{C572A759-6A51-4108-AA02-DFA0A04FC94B}">
-                <ma14:wrappingTextBoxFlag xmlns="" xmlns:m="http://schemas.openxmlformats.org/officeDocument/2006/math" xmlns:a14="http://schemas.microsoft.com/office/drawing/2010/main" xmlns:ma14="http://schemas.microsoft.com/office/mac/drawingml/2011/main" val="1"/>
+                <ma14:wrappingTextBoxFlag xmlns:ma14="http://schemas.microsoft.com/office/mac/drawingml/2011/main" xmlns:a14="http://schemas.microsoft.com/office/drawing/2010/main" xmlns:m="http://schemas.openxmlformats.org/officeDocument/2006/math" xmlns="" val="1"/>
               </a:ext>
             </a:extLst>
           </p:spPr>
@@ -34508,7 +37255,7 @@
             <a:effectLst/>
             <a:extLst>
               <a:ext uri="{C572A759-6A51-4108-AA02-DFA0A04FC94B}">
-                <ma14:wrappingTextBoxFlag xmlns="" xmlns:m="http://schemas.openxmlformats.org/officeDocument/2006/math" xmlns:a14="http://schemas.microsoft.com/office/drawing/2010/main" xmlns:ma14="http://schemas.microsoft.com/office/mac/drawingml/2011/main" val="1"/>
+                <ma14:wrappingTextBoxFlag xmlns:ma14="http://schemas.microsoft.com/office/mac/drawingml/2011/main" xmlns:a14="http://schemas.microsoft.com/office/drawing/2010/main" xmlns:m="http://schemas.openxmlformats.org/officeDocument/2006/math" xmlns="" val="1"/>
               </a:ext>
             </a:extLst>
           </p:spPr>
@@ -34615,7 +37362,7 @@
             <a:effectLst/>
             <a:extLst>
               <a:ext uri="{C572A759-6A51-4108-AA02-DFA0A04FC94B}">
-                <ma14:wrappingTextBoxFlag xmlns="" xmlns:m="http://schemas.openxmlformats.org/officeDocument/2006/math" xmlns:a14="http://schemas.microsoft.com/office/drawing/2010/main" xmlns:ma14="http://schemas.microsoft.com/office/mac/drawingml/2011/main" val="1"/>
+                <ma14:wrappingTextBoxFlag xmlns:ma14="http://schemas.microsoft.com/office/mac/drawingml/2011/main" xmlns:a14="http://schemas.microsoft.com/office/drawing/2010/main" xmlns:m="http://schemas.openxmlformats.org/officeDocument/2006/math" xmlns="" val="1"/>
               </a:ext>
             </a:extLst>
           </p:spPr>
@@ -34664,7 +37411,7 @@
           </a:ln>
           <a:extLst>
             <a:ext uri="{C572A759-6A51-4108-AA02-DFA0A04FC94B}">
-              <ma14:wrappingTextBoxFlag xmlns="" xmlns:m="http://schemas.openxmlformats.org/officeDocument/2006/math" xmlns:a14="http://schemas.microsoft.com/office/drawing/2010/main" xmlns:ma14="http://schemas.microsoft.com/office/mac/drawingml/2011/main" val="1"/>
+              <ma14:wrappingTextBoxFlag xmlns:ma14="http://schemas.microsoft.com/office/mac/drawingml/2011/main" xmlns:a14="http://schemas.microsoft.com/office/drawing/2010/main" xmlns:m="http://schemas.openxmlformats.org/officeDocument/2006/math" xmlns="" val="1"/>
             </a:ext>
           </a:extLst>
         </p:spPr>
@@ -34712,7 +37459,7 @@
           </a:ln>
           <a:extLst>
             <a:ext uri="{C572A759-6A51-4108-AA02-DFA0A04FC94B}">
-              <ma14:wrappingTextBoxFlag xmlns="" xmlns:m="http://schemas.openxmlformats.org/officeDocument/2006/math" xmlns:a14="http://schemas.microsoft.com/office/drawing/2010/main" xmlns:ma14="http://schemas.microsoft.com/office/mac/drawingml/2011/main" val="1"/>
+              <ma14:wrappingTextBoxFlag xmlns:ma14="http://schemas.microsoft.com/office/mac/drawingml/2011/main" xmlns:a14="http://schemas.microsoft.com/office/drawing/2010/main" xmlns:m="http://schemas.openxmlformats.org/officeDocument/2006/math" xmlns="" val="1"/>
             </a:ext>
           </a:extLst>
         </p:spPr>
@@ -34760,7 +37507,7 @@
           </a:ln>
           <a:extLst>
             <a:ext uri="{C572A759-6A51-4108-AA02-DFA0A04FC94B}">
-              <ma14:wrappingTextBoxFlag xmlns="" xmlns:m="http://schemas.openxmlformats.org/officeDocument/2006/math" xmlns:a14="http://schemas.microsoft.com/office/drawing/2010/main" xmlns:ma14="http://schemas.microsoft.com/office/mac/drawingml/2011/main" val="1"/>
+              <ma14:wrappingTextBoxFlag xmlns:ma14="http://schemas.microsoft.com/office/mac/drawingml/2011/main" xmlns:a14="http://schemas.microsoft.com/office/drawing/2010/main" xmlns:m="http://schemas.openxmlformats.org/officeDocument/2006/math" xmlns="" val="1"/>
             </a:ext>
           </a:extLst>
         </p:spPr>
@@ -34808,7 +37555,7 @@
           </a:ln>
           <a:extLst>
             <a:ext uri="{C572A759-6A51-4108-AA02-DFA0A04FC94B}">
-              <ma14:wrappingTextBoxFlag xmlns="" xmlns:m="http://schemas.openxmlformats.org/officeDocument/2006/math" xmlns:a14="http://schemas.microsoft.com/office/drawing/2010/main" xmlns:ma14="http://schemas.microsoft.com/office/mac/drawingml/2011/main" val="1"/>
+              <ma14:wrappingTextBoxFlag xmlns:ma14="http://schemas.microsoft.com/office/mac/drawingml/2011/main" xmlns:a14="http://schemas.microsoft.com/office/drawing/2010/main" xmlns:m="http://schemas.openxmlformats.org/officeDocument/2006/math" xmlns="" val="1"/>
             </a:ext>
           </a:extLst>
         </p:spPr>
@@ -34911,7 +37658,7 @@
             <a:effectLst/>
             <a:extLst>
               <a:ext uri="{C572A759-6A51-4108-AA02-DFA0A04FC94B}">
-                <ma14:wrappingTextBoxFlag xmlns="" xmlns:m="http://schemas.openxmlformats.org/officeDocument/2006/math" xmlns:a14="http://schemas.microsoft.com/office/drawing/2010/main" xmlns:ma14="http://schemas.microsoft.com/office/mac/drawingml/2011/main" val="1"/>
+                <ma14:wrappingTextBoxFlag xmlns:ma14="http://schemas.microsoft.com/office/mac/drawingml/2011/main" xmlns:a14="http://schemas.microsoft.com/office/drawing/2010/main" xmlns:m="http://schemas.openxmlformats.org/officeDocument/2006/math" xmlns="" val="1"/>
               </a:ext>
             </a:extLst>
           </p:spPr>
@@ -34931,6 +37678,7 @@
             </a:lstStyle>
             <a:p>
               <a:r>
+                <a:rPr dirty="0"/>
                 <a:t>1</a:t>
               </a:r>
             </a:p>
@@ -35014,7 +37762,7 @@
             <a:effectLst/>
             <a:extLst>
               <a:ext uri="{C572A759-6A51-4108-AA02-DFA0A04FC94B}">
-                <ma14:wrappingTextBoxFlag xmlns="" xmlns:m="http://schemas.openxmlformats.org/officeDocument/2006/math" xmlns:a14="http://schemas.microsoft.com/office/drawing/2010/main" xmlns:ma14="http://schemas.microsoft.com/office/mac/drawingml/2011/main" val="1"/>
+                <ma14:wrappingTextBoxFlag xmlns:ma14="http://schemas.microsoft.com/office/mac/drawingml/2011/main" xmlns:a14="http://schemas.microsoft.com/office/drawing/2010/main" xmlns:m="http://schemas.openxmlformats.org/officeDocument/2006/math" xmlns="" val="1"/>
               </a:ext>
             </a:extLst>
           </p:spPr>
